--- a/R Demo.pptx
+++ b/R Demo.pptx
@@ -11,10 +11,10 @@
     <p:sldMasterId id="2147483700" r:id="rId11"/>
   </p:sldMasterIdLst>
   <p:notesMasterIdLst>
-    <p:notesMasterId r:id="rId44"/>
+    <p:notesMasterId r:id="rId50"/>
   </p:notesMasterIdLst>
   <p:handoutMasterIdLst>
-    <p:handoutMasterId r:id="rId45"/>
+    <p:handoutMasterId r:id="rId51"/>
   </p:handoutMasterIdLst>
   <p:sldIdLst>
     <p:sldId id="332" r:id="rId12"/>
@@ -26,29 +26,35 @@
     <p:sldId id="481" r:id="rId18"/>
     <p:sldId id="480" r:id="rId19"/>
     <p:sldId id="486" r:id="rId20"/>
-    <p:sldId id="487" r:id="rId21"/>
-    <p:sldId id="488" r:id="rId22"/>
-    <p:sldId id="491" r:id="rId23"/>
-    <p:sldId id="492" r:id="rId24"/>
-    <p:sldId id="493" r:id="rId25"/>
-    <p:sldId id="516" r:id="rId26"/>
-    <p:sldId id="517" r:id="rId27"/>
-    <p:sldId id="518" r:id="rId28"/>
-    <p:sldId id="519" r:id="rId29"/>
-    <p:sldId id="520" r:id="rId30"/>
-    <p:sldId id="498" r:id="rId31"/>
-    <p:sldId id="521" r:id="rId32"/>
-    <p:sldId id="499" r:id="rId33"/>
-    <p:sldId id="522" r:id="rId34"/>
-    <p:sldId id="502" r:id="rId35"/>
-    <p:sldId id="503" r:id="rId36"/>
-    <p:sldId id="504" r:id="rId37"/>
-    <p:sldId id="505" r:id="rId38"/>
-    <p:sldId id="507" r:id="rId39"/>
-    <p:sldId id="513" r:id="rId40"/>
-    <p:sldId id="514" r:id="rId41"/>
-    <p:sldId id="515" r:id="rId42"/>
-    <p:sldId id="523" r:id="rId43"/>
+    <p:sldId id="524" r:id="rId21"/>
+    <p:sldId id="487" r:id="rId22"/>
+    <p:sldId id="488" r:id="rId23"/>
+    <p:sldId id="527" r:id="rId24"/>
+    <p:sldId id="525" r:id="rId25"/>
+    <p:sldId id="526" r:id="rId26"/>
+    <p:sldId id="528" r:id="rId27"/>
+    <p:sldId id="491" r:id="rId28"/>
+    <p:sldId id="492" r:id="rId29"/>
+    <p:sldId id="529" r:id="rId30"/>
+    <p:sldId id="493" r:id="rId31"/>
+    <p:sldId id="516" r:id="rId32"/>
+    <p:sldId id="517" r:id="rId33"/>
+    <p:sldId id="518" r:id="rId34"/>
+    <p:sldId id="519" r:id="rId35"/>
+    <p:sldId id="498" r:id="rId36"/>
+    <p:sldId id="499" r:id="rId37"/>
+    <p:sldId id="521" r:id="rId38"/>
+    <p:sldId id="530" r:id="rId39"/>
+    <p:sldId id="502" r:id="rId40"/>
+    <p:sldId id="531" r:id="rId41"/>
+    <p:sldId id="532" r:id="rId42"/>
+    <p:sldId id="503" r:id="rId43"/>
+    <p:sldId id="505" r:id="rId44"/>
+    <p:sldId id="507" r:id="rId45"/>
+    <p:sldId id="513" r:id="rId46"/>
+    <p:sldId id="514" r:id="rId47"/>
+    <p:sldId id="515" r:id="rId48"/>
+    <p:sldId id="523" r:id="rId49"/>
   </p:sldIdLst>
   <p:sldSz cx="13004800" cy="9753600"/>
   <p:notesSz cx="6961188" cy="9236075"/>
@@ -1145,8 +1151,8 @@
   <dgm:cxnLst>
     <dgm:cxn modelId="{0AA5B19F-CF5B-41AD-B79E-74C55F99FBCC}" srcId="{779FA0E9-E72B-426B-BDF2-7B645A722893}" destId="{25C7E8A8-3C90-432F-BEE7-DB250B47BAEA}" srcOrd="1" destOrd="0" parTransId="{E3CAA27A-A1BF-4A0F-BE1B-206EECD21DA2}" sibTransId="{DDAD8B8A-2216-4EBB-9455-168D663C3CCB}"/>
     <dgm:cxn modelId="{BB757E3B-21E2-419F-AC0A-744E7D3E85F6}" type="presOf" srcId="{7CBCFB65-1F28-471C-A1D1-691A1931B351}" destId="{D12D578D-D2E4-4FB6-9D3A-E99F70A768D6}" srcOrd="0" destOrd="0" presId="urn:microsoft.com/office/officeart/2005/8/layout/venn1"/>
+    <dgm:cxn modelId="{F8F6A75A-D556-4CE8-B0DB-A3DB9F897806}" type="presOf" srcId="{7CBCFB65-1F28-471C-A1D1-691A1931B351}" destId="{0528C52B-699A-402B-A315-EBB5C5E3D81A}" srcOrd="1" destOrd="0" presId="urn:microsoft.com/office/officeart/2005/8/layout/venn1"/>
     <dgm:cxn modelId="{5D710D3D-B928-456D-98E2-6C0690CDA6AB}" srcId="{779FA0E9-E72B-426B-BDF2-7B645A722893}" destId="{52440112-A3FD-4795-9B7F-360EC419CA9E}" srcOrd="0" destOrd="0" parTransId="{C32ABC9F-0A61-4453-9770-EA456404237E}" sibTransId="{C6D43C77-51C8-4E83-A703-09286B23ABD0}"/>
-    <dgm:cxn modelId="{F8F6A75A-D556-4CE8-B0DB-A3DB9F897806}" type="presOf" srcId="{7CBCFB65-1F28-471C-A1D1-691A1931B351}" destId="{0528C52B-699A-402B-A315-EBB5C5E3D81A}" srcOrd="1" destOrd="0" presId="urn:microsoft.com/office/officeart/2005/8/layout/venn1"/>
     <dgm:cxn modelId="{27F54C9E-B13A-44C9-BA28-36DA9CC9F1A6}" type="presOf" srcId="{779FA0E9-E72B-426B-BDF2-7B645A722893}" destId="{4DD893EF-570F-49B5-B944-460B3E2F6B14}" srcOrd="0" destOrd="0" presId="urn:microsoft.com/office/officeart/2005/8/layout/venn1"/>
     <dgm:cxn modelId="{233DF31A-783F-446E-B7CC-AE7B1B81EA28}" type="presOf" srcId="{25C7E8A8-3C90-432F-BEE7-DB250B47BAEA}" destId="{90923BAB-D398-4E26-B48A-F513DB6D6E01}" srcOrd="1" destOrd="0" presId="urn:microsoft.com/office/officeart/2005/8/layout/venn1"/>
     <dgm:cxn modelId="{2E8495E6-91B3-49BE-ACFC-41CBEAB0A243}" srcId="{779FA0E9-E72B-426B-BDF2-7B645A722893}" destId="{7CBCFB65-1F28-471C-A1D1-691A1931B351}" srcOrd="2" destOrd="0" parTransId="{E225B9D9-D091-432C-9AFF-948CFBA826DB}" sibTransId="{63192F46-CBC1-4D00-8612-6FB3CA1DF79D}"/>
@@ -3521,7 +3527,7 @@
           <a:p>
             <a:fld id="{57ED0BE1-54C7-4147-BCA2-8F31687439EF}" type="datetimeFigureOut">
               <a:rPr lang="en-US" smtClean="0"/>
-              <a:t>2/19/2017</a:t>
+              <a:t>2/20/2017</a:t>
             </a:fld>
             <a:endParaRPr lang="en-US"/>
           </a:p>
@@ -3686,7 +3692,7 @@
           <a:p>
             <a:fld id="{94D799CE-29C9-4D28-B45F-6664ECC1AF23}" type="datetimeFigureOut">
               <a:rPr lang="en-US" smtClean="0"/>
-              <a:t>2/19/2017</a:t>
+              <a:t>2/20/2017</a:t>
             </a:fld>
             <a:endParaRPr lang="en-US" dirty="0"/>
           </a:p>
@@ -4310,22 +4316,6 @@
           <a:bodyPr/>
           <a:lstStyle/>
           <a:p>
-            <a:r>
-              <a:rPr lang="en-US" dirty="0"/>
-              <a:t>quantitative values</a:t>
-            </a:r>
-          </a:p>
-          <a:p>
-            <a:r>
-              <a:rPr lang="en-US" dirty="0"/>
-              <a:t>measures of center</a:t>
-            </a:r>
-          </a:p>
-          <a:p>
-            <a:r>
-              <a:rPr lang="en-US" dirty="0"/>
-              <a:t>measures of spread</a:t>
-            </a:r>
             <a:endParaRPr lang="en-US" dirty="0"/>
           </a:p>
         </p:txBody>
@@ -4347,7 +4337,7 @@
           <a:p>
             <a:fld id="{5772749A-1750-4EFC-BDA9-A83FEC7587EE}" type="slidenum">
               <a:rPr lang="en-US" smtClean="0"/>
-              <a:t>23</a:t>
+              <a:t>20</a:t>
             </a:fld>
             <a:endParaRPr lang="en-US" dirty="0"/>
           </a:p>
@@ -4356,7 +4346,7 @@
     </p:spTree>
     <p:extLst>
       <p:ext uri="{BB962C8B-B14F-4D97-AF65-F5344CB8AC3E}">
-        <p14:creationId xmlns:p14="http://schemas.microsoft.com/office/powerpoint/2010/main" val="2179635763"/>
+        <p14:creationId xmlns:p14="http://schemas.microsoft.com/office/powerpoint/2010/main" val="1690556056"/>
       </p:ext>
     </p:extLst>
   </p:cSld>
@@ -5704,7 +5694,7 @@
           <a:p>
             <a:fld id="{5772749A-1750-4EFC-BDA9-A83FEC7587EE}" type="slidenum">
               <a:rPr lang="en-US" smtClean="0"/>
-              <a:t>13</a:t>
+              <a:t>18</a:t>
             </a:fld>
             <a:endParaRPr lang="en-US" dirty="0"/>
           </a:p>
@@ -5788,7 +5778,7 @@
           <a:p>
             <a:fld id="{5772749A-1750-4EFC-BDA9-A83FEC7587EE}" type="slidenum">
               <a:rPr lang="en-US" smtClean="0"/>
-              <a:t>14</a:t>
+              <a:t>19</a:t>
             </a:fld>
             <a:endParaRPr lang="en-US" dirty="0"/>
           </a:p>
@@ -5797,7 +5787,7 @@
     </p:spTree>
     <p:extLst>
       <p:ext uri="{BB962C8B-B14F-4D97-AF65-F5344CB8AC3E}">
-        <p14:creationId xmlns:p14="http://schemas.microsoft.com/office/powerpoint/2010/main" val="1690556056"/>
+        <p14:creationId xmlns:p14="http://schemas.microsoft.com/office/powerpoint/2010/main" val="4011849894"/>
       </p:ext>
     </p:extLst>
   </p:cSld>
@@ -6096,7 +6086,7 @@
           <a:p>
             <a:fld id="{9734E506-39B1-41AC-9B83-00FE1605AFC6}" type="datetimeFigureOut">
               <a:rPr lang="en-US" smtClean="0"/>
-              <a:t>2/19/2017</a:t>
+              <a:t>2/20/2017</a:t>
             </a:fld>
             <a:endParaRPr lang="en-US"/>
           </a:p>
@@ -6325,7 +6315,7 @@
           <a:p>
             <a:fld id="{9734E506-39B1-41AC-9B83-00FE1605AFC6}" type="datetimeFigureOut">
               <a:rPr lang="en-US" smtClean="0"/>
-              <a:t>2/19/2017</a:t>
+              <a:t>2/20/2017</a:t>
             </a:fld>
             <a:endParaRPr lang="en-US"/>
           </a:p>
@@ -6689,7 +6679,7 @@
           <a:p>
             <a:fld id="{9734E506-39B1-41AC-9B83-00FE1605AFC6}" type="datetimeFigureOut">
               <a:rPr lang="en-US" smtClean="0"/>
-              <a:t>2/19/2017</a:t>
+              <a:t>2/20/2017</a:t>
             </a:fld>
             <a:endParaRPr lang="en-US"/>
           </a:p>
@@ -6806,7 +6796,7 @@
           <a:p>
             <a:fld id="{9734E506-39B1-41AC-9B83-00FE1605AFC6}" type="datetimeFigureOut">
               <a:rPr lang="en-US" smtClean="0"/>
-              <a:t>2/19/2017</a:t>
+              <a:t>2/20/2017</a:t>
             </a:fld>
             <a:endParaRPr lang="en-US"/>
           </a:p>
@@ -6901,7 +6891,7 @@
           <a:p>
             <a:fld id="{9734E506-39B1-41AC-9B83-00FE1605AFC6}" type="datetimeFigureOut">
               <a:rPr lang="en-US" smtClean="0"/>
-              <a:t>2/19/2017</a:t>
+              <a:t>2/20/2017</a:t>
             </a:fld>
             <a:endParaRPr lang="en-US"/>
           </a:p>
@@ -7176,7 +7166,7 @@
           <a:p>
             <a:fld id="{9734E506-39B1-41AC-9B83-00FE1605AFC6}" type="datetimeFigureOut">
               <a:rPr lang="en-US" smtClean="0"/>
-              <a:t>2/19/2017</a:t>
+              <a:t>2/20/2017</a:t>
             </a:fld>
             <a:endParaRPr lang="en-US"/>
           </a:p>
@@ -7428,7 +7418,7 @@
           <a:p>
             <a:fld id="{9734E506-39B1-41AC-9B83-00FE1605AFC6}" type="datetimeFigureOut">
               <a:rPr lang="en-US" smtClean="0"/>
-              <a:t>2/19/2017</a:t>
+              <a:t>2/20/2017</a:t>
             </a:fld>
             <a:endParaRPr lang="en-US"/>
           </a:p>
@@ -7596,7 +7586,7 @@
           <a:p>
             <a:fld id="{9734E506-39B1-41AC-9B83-00FE1605AFC6}" type="datetimeFigureOut">
               <a:rPr lang="en-US" smtClean="0"/>
-              <a:t>2/19/2017</a:t>
+              <a:t>2/20/2017</a:t>
             </a:fld>
             <a:endParaRPr lang="en-US"/>
           </a:p>
@@ -7774,7 +7764,7 @@
           <a:p>
             <a:fld id="{9734E506-39B1-41AC-9B83-00FE1605AFC6}" type="datetimeFigureOut">
               <a:rPr lang="en-US" smtClean="0"/>
-              <a:t>2/19/2017</a:t>
+              <a:t>2/20/2017</a:t>
             </a:fld>
             <a:endParaRPr lang="en-US"/>
           </a:p>
@@ -8635,7 +8625,7 @@
           <a:p>
             <a:fld id="{9734E506-39B1-41AC-9B83-00FE1605AFC6}" type="datetimeFigureOut">
               <a:rPr lang="en-US" smtClean="0"/>
-              <a:t>2/19/2017</a:t>
+              <a:t>2/20/2017</a:t>
             </a:fld>
             <a:endParaRPr lang="en-US"/>
           </a:p>
@@ -8803,7 +8793,7 @@
           <a:p>
             <a:fld id="{9734E506-39B1-41AC-9B83-00FE1605AFC6}" type="datetimeFigureOut">
               <a:rPr lang="en-US" smtClean="0"/>
-              <a:t>2/19/2017</a:t>
+              <a:t>2/20/2017</a:t>
             </a:fld>
             <a:endParaRPr lang="en-US"/>
           </a:p>
@@ -12774,7 +12764,7 @@
           <a:p>
             <a:fld id="{9734E506-39B1-41AC-9B83-00FE1605AFC6}" type="datetimeFigureOut">
               <a:rPr lang="en-US" smtClean="0"/>
-              <a:t>2/19/2017</a:t>
+              <a:t>2/20/2017</a:t>
             </a:fld>
             <a:endParaRPr lang="en-US"/>
           </a:p>
@@ -13547,74 +13537,245 @@
           <a:lstStyle/>
           <a:p>
             <a:r>
+              <a:rPr lang="en-US" dirty="0" err="1"/>
+              <a:t>paRadigms</a:t>
+            </a:r>
+            <a:r>
               <a:rPr lang="en-US" dirty="0"/>
-              <a:t>Concepts </a:t>
-            </a:r>
-            <a:r>
-              <a:rPr lang="en-US"/>
-              <a:t>in R</a:t>
-            </a:r>
-            <a:endParaRPr lang="en-US" dirty="0"/>
+              <a:t>	</a:t>
+            </a:r>
           </a:p>
         </p:txBody>
       </p:sp>
-      <p:sp>
-        <p:nvSpPr>
-          <p:cNvPr id="3" name="Content Placeholder 2"/>
-          <p:cNvSpPr>
-            <a:spLocks noGrp="1"/>
-          </p:cNvSpPr>
+      <p:graphicFrame>
+        <p:nvGraphicFramePr>
+          <p:cNvPr id="4" name="Content Placeholder 3"/>
+          <p:cNvGraphicFramePr>
+            <a:graphicFrameLocks noGrp="1"/>
+          </p:cNvGraphicFramePr>
           <p:nvPr>
             <p:ph idx="1"/>
+            <p:extLst>
+              <p:ext uri="{D42A27DB-BD31-4B8C-83A1-F6EECF244321}">
+                <p14:modId xmlns:p14="http://schemas.microsoft.com/office/powerpoint/2010/main" val="3228425526"/>
+              </p:ext>
+            </p:extLst>
           </p:nvPr>
-        </p:nvSpPr>
-        <p:spPr/>
-        <p:txBody>
-          <a:bodyPr/>
-          <a:lstStyle/>
-          <a:p>
-            <a:pPr>
-              <a:buFont typeface="Arial" panose="020B0604020202020204" pitchFamily="34" charset="0"/>
-              <a:buChar char="•"/>
-            </a:pPr>
-            <a:r>
-              <a:rPr lang="en-US" dirty="0"/>
-              <a:t>Provides both statistical and visual analytics for data</a:t>
-            </a:r>
-          </a:p>
-          <a:p>
-            <a:pPr>
-              <a:buFont typeface="Arial" panose="020B0604020202020204" pitchFamily="34" charset="0"/>
-              <a:buChar char="•"/>
-            </a:pPr>
-            <a:r>
-              <a:rPr lang="en-US" dirty="0"/>
-              <a:t>Similar to high level functional languages (functions are a high-level constructs)</a:t>
-            </a:r>
-          </a:p>
-          <a:p>
-            <a:pPr>
-              <a:buFont typeface="Arial" panose="020B0604020202020204" pitchFamily="34" charset="0"/>
-              <a:buChar char="•"/>
-            </a:pPr>
-            <a:r>
-              <a:rPr lang="en-US" dirty="0"/>
-              <a:t>Offers a variety of utility data structures, designed to support data analytics</a:t>
-            </a:r>
-          </a:p>
-          <a:p>
-            <a:pPr>
-              <a:buFont typeface="Arial" panose="020B0604020202020204" pitchFamily="34" charset="0"/>
-              <a:buChar char="•"/>
-            </a:pPr>
-            <a:endParaRPr lang="en-US" dirty="0"/>
-          </a:p>
-        </p:txBody>
-      </p:sp>
+        </p:nvGraphicFramePr>
+        <p:xfrm>
+          <a:off x="1181100" y="1955800"/>
+          <a:ext cx="10464800" cy="1854200"/>
+        </p:xfrm>
+        <a:graphic>
+          <a:graphicData uri="http://schemas.openxmlformats.org/drawingml/2006/table">
+            <a:tbl>
+              <a:tblPr firstRow="1" bandRow="1">
+                <a:tableStyleId>{5C22544A-7EE6-4342-B048-85BDC9FD1C3A}</a:tableStyleId>
+              </a:tblPr>
+              <a:tblGrid>
+                <a:gridCol w="5232400">
+                  <a:extLst>
+                    <a:ext uri="{9D8B030D-6E8A-4147-A177-3AD203B41FA5}">
+                      <a16:colId xmlns:a16="http://schemas.microsoft.com/office/drawing/2014/main" val="4104931824"/>
+                    </a:ext>
+                  </a:extLst>
+                </a:gridCol>
+                <a:gridCol w="5232400">
+                  <a:extLst>
+                    <a:ext uri="{9D8B030D-6E8A-4147-A177-3AD203B41FA5}">
+                      <a16:colId xmlns:a16="http://schemas.microsoft.com/office/drawing/2014/main" val="3963486363"/>
+                    </a:ext>
+                  </a:extLst>
+                </a:gridCol>
+              </a:tblGrid>
+              <a:tr h="370840">
+                <a:tc>
+                  <a:txBody>
+                    <a:bodyPr/>
+                    <a:lstStyle/>
+                    <a:p>
+                      <a:r>
+                        <a:rPr lang="en-US" dirty="0"/>
+                        <a:t>Language</a:t>
+                      </a:r>
+                    </a:p>
+                  </a:txBody>
+                  <a:tcPr/>
+                </a:tc>
+                <a:tc>
+                  <a:txBody>
+                    <a:bodyPr/>
+                    <a:lstStyle/>
+                    <a:p>
+                      <a:r>
+                        <a:rPr lang="en-US" dirty="0"/>
+                        <a:t>Characteristics</a:t>
+                      </a:r>
+                    </a:p>
+                  </a:txBody>
+                  <a:tcPr/>
+                </a:tc>
+                <a:extLst>
+                  <a:ext uri="{0D108BD9-81ED-4DB2-BD59-A6C34878D82A}">
+                    <a16:rowId xmlns:a16="http://schemas.microsoft.com/office/drawing/2014/main" val="1864113357"/>
+                  </a:ext>
+                </a:extLst>
+              </a:tr>
+              <a:tr h="370840">
+                <a:tc>
+                  <a:txBody>
+                    <a:bodyPr/>
+                    <a:lstStyle/>
+                    <a:p>
+                      <a:r>
+                        <a:rPr lang="en-US" dirty="0"/>
+                        <a:t>C#/Java</a:t>
+                      </a:r>
+                    </a:p>
+                  </a:txBody>
+                  <a:tcPr/>
+                </a:tc>
+                <a:tc>
+                  <a:txBody>
+                    <a:bodyPr/>
+                    <a:lstStyle/>
+                    <a:p>
+                      <a:r>
+                        <a:rPr lang="en-US" dirty="0"/>
+                        <a:t>Imperative,</a:t>
+                      </a:r>
+                      <a:r>
+                        <a:rPr lang="en-US" baseline="0" dirty="0"/>
+                        <a:t> static</a:t>
+                      </a:r>
+                      <a:endParaRPr lang="en-US" dirty="0"/>
+                    </a:p>
+                  </a:txBody>
+                  <a:tcPr/>
+                </a:tc>
+                <a:extLst>
+                  <a:ext uri="{0D108BD9-81ED-4DB2-BD59-A6C34878D82A}">
+                    <a16:rowId xmlns:a16="http://schemas.microsoft.com/office/drawing/2014/main" val="2750668255"/>
+                  </a:ext>
+                </a:extLst>
+              </a:tr>
+              <a:tr h="370840">
+                <a:tc>
+                  <a:txBody>
+                    <a:bodyPr/>
+                    <a:lstStyle/>
+                    <a:p>
+                      <a:r>
+                        <a:rPr lang="en-US" dirty="0"/>
+                        <a:t>PERL</a:t>
+                      </a:r>
+                    </a:p>
+                  </a:txBody>
+                  <a:tcPr/>
+                </a:tc>
+                <a:tc>
+                  <a:txBody>
+                    <a:bodyPr/>
+                    <a:lstStyle/>
+                    <a:p>
+                      <a:r>
+                        <a:rPr lang="en-US" dirty="0"/>
+                        <a:t>Interpreted, Dynamics</a:t>
+                      </a:r>
+                    </a:p>
+                  </a:txBody>
+                  <a:tcPr/>
+                </a:tc>
+                <a:extLst>
+                  <a:ext uri="{0D108BD9-81ED-4DB2-BD59-A6C34878D82A}">
+                    <a16:rowId xmlns:a16="http://schemas.microsoft.com/office/drawing/2014/main" val="2742192129"/>
+                  </a:ext>
+                </a:extLst>
+              </a:tr>
+              <a:tr h="370840">
+                <a:tc>
+                  <a:txBody>
+                    <a:bodyPr/>
+                    <a:lstStyle/>
+                    <a:p>
+                      <a:r>
+                        <a:rPr lang="en-US" dirty="0"/>
+                        <a:t>SQL</a:t>
+                      </a:r>
+                    </a:p>
+                  </a:txBody>
+                  <a:tcPr/>
+                </a:tc>
+                <a:tc>
+                  <a:txBody>
+                    <a:bodyPr/>
+                    <a:lstStyle/>
+                    <a:p>
+                      <a:r>
+                        <a:rPr lang="en-US" dirty="0"/>
+                        <a:t>Set-based,</a:t>
+                      </a:r>
+                      <a:r>
+                        <a:rPr lang="en-US" baseline="0" dirty="0"/>
+                        <a:t> data-centric</a:t>
+                      </a:r>
+                      <a:endParaRPr lang="en-US" dirty="0"/>
+                    </a:p>
+                  </a:txBody>
+                  <a:tcPr/>
+                </a:tc>
+                <a:extLst>
+                  <a:ext uri="{0D108BD9-81ED-4DB2-BD59-A6C34878D82A}">
+                    <a16:rowId xmlns:a16="http://schemas.microsoft.com/office/drawing/2014/main" val="3968232398"/>
+                  </a:ext>
+                </a:extLst>
+              </a:tr>
+              <a:tr h="370840">
+                <a:tc>
+                  <a:txBody>
+                    <a:bodyPr/>
+                    <a:lstStyle/>
+                    <a:p>
+                      <a:r>
+                        <a:rPr lang="en-US" dirty="0"/>
+                        <a:t>R</a:t>
+                      </a:r>
+                    </a:p>
+                  </a:txBody>
+                  <a:tcPr/>
+                </a:tc>
+                <a:tc>
+                  <a:txBody>
+                    <a:bodyPr/>
+                    <a:lstStyle/>
+                    <a:p>
+                      <a:r>
+                        <a:rPr lang="en-US" dirty="0"/>
+                        <a:t>Vector,</a:t>
+                      </a:r>
+                      <a:r>
+                        <a:rPr lang="en-US" baseline="0" dirty="0"/>
+                        <a:t> data table based</a:t>
+                      </a:r>
+                      <a:endParaRPr lang="en-US" dirty="0"/>
+                    </a:p>
+                  </a:txBody>
+                  <a:tcPr/>
+                </a:tc>
+                <a:extLst>
+                  <a:ext uri="{0D108BD9-81ED-4DB2-BD59-A6C34878D82A}">
+                    <a16:rowId xmlns:a16="http://schemas.microsoft.com/office/drawing/2014/main" val="3880795884"/>
+                  </a:ext>
+                </a:extLst>
+              </a:tr>
+            </a:tbl>
+          </a:graphicData>
+        </a:graphic>
+      </p:graphicFrame>
     </p:spTree>
     <p:extLst>
       <p:ext uri="{BB962C8B-B14F-4D97-AF65-F5344CB8AC3E}">
-        <p14:creationId xmlns:p14="http://schemas.microsoft.com/office/powerpoint/2010/main" val="4252518705"/>
+        <p14:creationId xmlns:p14="http://schemas.microsoft.com/office/powerpoint/2010/main" val="2130372038"/>
       </p:ext>
     </p:extLst>
   </p:cSld>
@@ -13658,21 +13819,14 @@
           <a:lstStyle/>
           <a:p>
             <a:r>
-              <a:rPr lang="en-US" dirty="0" err="1"/>
-              <a:t>VectoRs</a:t>
-            </a:r>
-            <a:r>
               <a:rPr lang="en-US" dirty="0"/>
-              <a:t> (and </a:t>
-            </a:r>
-            <a:r>
-              <a:rPr lang="en-US" dirty="0" err="1"/>
-              <a:t>matRixes</a:t>
-            </a:r>
-            <a:r>
-              <a:rPr lang="en-US" dirty="0"/>
-              <a:t>)	</a:t>
-            </a:r>
+              <a:t>Concepts </a:t>
+            </a:r>
+            <a:r>
+              <a:rPr lang="en-US"/>
+              <a:t>in R</a:t>
+            </a:r>
+            <a:endParaRPr lang="en-US" dirty="0"/>
           </a:p>
         </p:txBody>
       </p:sp>
@@ -13695,6 +13849,36 @@
               <a:buFont typeface="Arial" panose="020B0604020202020204" pitchFamily="34" charset="0"/>
               <a:buChar char="•"/>
             </a:pPr>
+            <a:r>
+              <a:rPr lang="en-US" dirty="0"/>
+              <a:t>Provides both statistical and visual analytics for data</a:t>
+            </a:r>
+          </a:p>
+          <a:p>
+            <a:pPr>
+              <a:buFont typeface="Arial" panose="020B0604020202020204" pitchFamily="34" charset="0"/>
+              <a:buChar char="•"/>
+            </a:pPr>
+            <a:r>
+              <a:rPr lang="en-US" dirty="0"/>
+              <a:t>Similar to high level functional languages (functions are a high-level constructs)</a:t>
+            </a:r>
+          </a:p>
+          <a:p>
+            <a:pPr>
+              <a:buFont typeface="Arial" panose="020B0604020202020204" pitchFamily="34" charset="0"/>
+              <a:buChar char="•"/>
+            </a:pPr>
+            <a:r>
+              <a:rPr lang="en-US" dirty="0"/>
+              <a:t>Offers a variety of utility data structures, designed to support data analytics</a:t>
+            </a:r>
+          </a:p>
+          <a:p>
+            <a:pPr>
+              <a:buFont typeface="Arial" panose="020B0604020202020204" pitchFamily="34" charset="0"/>
+              <a:buChar char="•"/>
+            </a:pPr>
             <a:endParaRPr lang="en-US" dirty="0"/>
           </a:p>
         </p:txBody>
@@ -13702,7 +13886,7 @@
     </p:spTree>
     <p:extLst>
       <p:ext uri="{BB962C8B-B14F-4D97-AF65-F5344CB8AC3E}">
-        <p14:creationId xmlns:p14="http://schemas.microsoft.com/office/powerpoint/2010/main" val="2485982086"/>
+        <p14:creationId xmlns:p14="http://schemas.microsoft.com/office/powerpoint/2010/main" val="4252518705"/>
       </p:ext>
     </p:extLst>
   </p:cSld>
@@ -13746,12 +13930,12 @@
           <a:lstStyle/>
           <a:p>
             <a:r>
-              <a:rPr lang="en-US"/>
-              <a:t>FactoRs </a:t>
+              <a:rPr lang="en-US" dirty="0" err="1"/>
+              <a:t>VectoRs</a:t>
             </a:r>
             <a:r>
               <a:rPr lang="en-US" dirty="0"/>
-              <a:t>&amp; levels</a:t>
+              <a:t> 	</a:t>
             </a:r>
           </a:p>
         </p:txBody>
@@ -13776,42 +13960,8 @@
               <a:buChar char="•"/>
             </a:pPr>
             <a:r>
-              <a:rPr lang="en-US"/>
-              <a:t>Categories </a:t>
-            </a:r>
-            <a:r>
               <a:rPr lang="en-US" dirty="0"/>
-              <a:t>of named values (</a:t>
-            </a:r>
-            <a:r>
-              <a:rPr lang="en-US" dirty="0" err="1"/>
-              <a:t>enums</a:t>
-            </a:r>
-            <a:r>
-              <a:rPr lang="en-US" dirty="0"/>
-              <a:t>)</a:t>
-            </a:r>
-          </a:p>
-          <a:p>
-            <a:pPr>
-              <a:buFont typeface="Arial" panose="020B0604020202020204" pitchFamily="34" charset="0"/>
-              <a:buChar char="•"/>
-            </a:pPr>
-            <a:r>
-              <a:rPr lang="en-US"/>
-              <a:t>Each category </a:t>
-            </a:r>
-            <a:r>
-              <a:rPr lang="en-US" dirty="0"/>
-              <a:t>is assigned </a:t>
-            </a:r>
-            <a:r>
-              <a:rPr lang="en-US"/>
-              <a:t>a integer, or </a:t>
-            </a:r>
-            <a:r>
-              <a:rPr lang="en-US" dirty="0"/>
-              <a:t>level</a:t>
+              <a:t>A vector is a one-dimensional array of similar data types</a:t>
             </a:r>
           </a:p>
           <a:p>
@@ -13823,10 +13973,34 @@
           </a:p>
         </p:txBody>
       </p:sp>
+      <p:pic>
+        <p:nvPicPr>
+          <p:cNvPr id="4" name="Picture 3"/>
+          <p:cNvPicPr>
+            <a:picLocks noChangeAspect="1"/>
+          </p:cNvPicPr>
+          <p:nvPr/>
+        </p:nvPicPr>
+        <p:blipFill>
+          <a:blip r:embed="rId2"/>
+          <a:stretch>
+            <a:fillRect/>
+          </a:stretch>
+        </p:blipFill>
+        <p:spPr>
+          <a:xfrm>
+            <a:off x="2844800" y="3657600"/>
+            <a:ext cx="7276868" cy="3752850"/>
+          </a:xfrm>
+          <a:prstGeom prst="rect">
+            <a:avLst/>
+          </a:prstGeom>
+        </p:spPr>
+      </p:pic>
     </p:spTree>
     <p:extLst>
       <p:ext uri="{BB962C8B-B14F-4D97-AF65-F5344CB8AC3E}">
-        <p14:creationId xmlns:p14="http://schemas.microsoft.com/office/powerpoint/2010/main" val="4144883183"/>
+        <p14:creationId xmlns:p14="http://schemas.microsoft.com/office/powerpoint/2010/main" val="2485982086"/>
       </p:ext>
     </p:extLst>
   </p:cSld>
@@ -13870,14 +14044,13 @@
           <a:lstStyle/>
           <a:p>
             <a:r>
+              <a:rPr lang="en-US" dirty="0" err="1"/>
+              <a:t>VectoRs</a:t>
+            </a:r>
+            <a:r>
               <a:rPr lang="en-US" dirty="0"/>
-              <a:t>Data </a:t>
-            </a:r>
-            <a:r>
-              <a:rPr lang="en-US" dirty="0" err="1"/>
-              <a:t>fRames</a:t>
-            </a:r>
-            <a:endParaRPr lang="en-US" dirty="0"/>
+              <a:t> 	</a:t>
+            </a:r>
           </a:p>
         </p:txBody>
       </p:sp>
@@ -13902,23 +14075,8 @@
             </a:pPr>
             <a:r>
               <a:rPr lang="en-US" dirty="0"/>
-              <a:t>Foundation of R data structures</a:t>
-            </a:r>
-          </a:p>
-          <a:p>
-            <a:pPr>
-              <a:buFont typeface="Arial" panose="020B0604020202020204" pitchFamily="34" charset="0"/>
-              <a:buChar char="•"/>
-            </a:pPr>
-            <a:r>
-              <a:rPr lang="en-US" dirty="0"/>
-              <a:t>Querying as </a:t>
-            </a:r>
-            <a:r>
-              <a:rPr lang="en-US" dirty="0" err="1"/>
-              <a:t>subsetting</a:t>
-            </a:r>
-            <a:endParaRPr lang="en-US" dirty="0"/>
+              <a:t>Everything is a vector</a:t>
+            </a:r>
           </a:p>
           <a:p>
             <a:pPr>
@@ -13929,10 +14087,34 @@
           </a:p>
         </p:txBody>
       </p:sp>
+      <p:pic>
+        <p:nvPicPr>
+          <p:cNvPr id="5" name="Picture 4"/>
+          <p:cNvPicPr>
+            <a:picLocks noChangeAspect="1"/>
+          </p:cNvPicPr>
+          <p:nvPr/>
+        </p:nvPicPr>
+        <p:blipFill>
+          <a:blip r:embed="rId2"/>
+          <a:stretch>
+            <a:fillRect/>
+          </a:stretch>
+        </p:blipFill>
+        <p:spPr>
+          <a:xfrm>
+            <a:off x="3606800" y="3276600"/>
+            <a:ext cx="5762171" cy="3657600"/>
+          </a:xfrm>
+          <a:prstGeom prst="rect">
+            <a:avLst/>
+          </a:prstGeom>
+        </p:spPr>
+      </p:pic>
     </p:spTree>
     <p:extLst>
       <p:ext uri="{BB962C8B-B14F-4D97-AF65-F5344CB8AC3E}">
-        <p14:creationId xmlns:p14="http://schemas.microsoft.com/office/powerpoint/2010/main" val="2576505063"/>
+        <p14:creationId xmlns:p14="http://schemas.microsoft.com/office/powerpoint/2010/main" val="957633158"/>
       </p:ext>
     </p:extLst>
   </p:cSld>
@@ -13976,8 +14158,12 @@
           <a:lstStyle/>
           <a:p>
             <a:r>
+              <a:rPr lang="en-US" dirty="0" err="1"/>
+              <a:t>matriXes</a:t>
+            </a:r>
+            <a:r>
               <a:rPr lang="en-US" dirty="0"/>
-              <a:t>Package Management</a:t>
+              <a:t> 	</a:t>
             </a:r>
           </a:p>
         </p:txBody>
@@ -14001,14 +14187,48 @@
               <a:buFont typeface="Arial" panose="020B0604020202020204" pitchFamily="34" charset="0"/>
               <a:buChar char="•"/>
             </a:pPr>
+            <a:r>
+              <a:rPr lang="en-US" dirty="0"/>
+              <a:t>A matrix is a two-dimensional vector</a:t>
+            </a:r>
+          </a:p>
+          <a:p>
+            <a:pPr>
+              <a:buFont typeface="Arial" panose="020B0604020202020204" pitchFamily="34" charset="0"/>
+              <a:buChar char="•"/>
+            </a:pPr>
             <a:endParaRPr lang="en-US" dirty="0"/>
           </a:p>
         </p:txBody>
       </p:sp>
+      <p:pic>
+        <p:nvPicPr>
+          <p:cNvPr id="5" name="Picture 4"/>
+          <p:cNvPicPr>
+            <a:picLocks noChangeAspect="1"/>
+          </p:cNvPicPr>
+          <p:nvPr/>
+        </p:nvPicPr>
+        <p:blipFill>
+          <a:blip r:embed="rId2"/>
+          <a:stretch>
+            <a:fillRect/>
+          </a:stretch>
+        </p:blipFill>
+        <p:spPr>
+          <a:xfrm>
+            <a:off x="2844799" y="3352800"/>
+            <a:ext cx="6700261" cy="4191000"/>
+          </a:xfrm>
+          <a:prstGeom prst="rect">
+            <a:avLst/>
+          </a:prstGeom>
+        </p:spPr>
+      </p:pic>
     </p:spTree>
     <p:extLst>
       <p:ext uri="{BB962C8B-B14F-4D97-AF65-F5344CB8AC3E}">
-        <p14:creationId xmlns:p14="http://schemas.microsoft.com/office/powerpoint/2010/main" val="1321243397"/>
+        <p14:creationId xmlns:p14="http://schemas.microsoft.com/office/powerpoint/2010/main" val="923380309"/>
       </p:ext>
     </p:extLst>
   </p:cSld>
@@ -14020,7 +14240,7 @@
 </file>
 
 <file path=ppt/slides/slide15.xml><?xml version="1.0" encoding="utf-8"?>
-<p:sld xmlns:a="http://schemas.openxmlformats.org/drawingml/2006/main" xmlns:r="http://schemas.openxmlformats.org/officeDocument/2006/relationships" xmlns:p="http://schemas.openxmlformats.org/presentationml/2006/main">
+<p:sld xmlns:a="http://schemas.openxmlformats.org/drawingml/2006/main" xmlns:r="http://schemas.openxmlformats.org/officeDocument/2006/relationships" xmlns:p="http://schemas.openxmlformats.org/presentationml/2006/main" showMasterSp="0">
   <p:cSld>
     <p:spTree>
       <p:nvGrpSpPr>
@@ -14052,14 +14272,13 @@
           <a:lstStyle/>
           <a:p>
             <a:r>
+              <a:rPr lang="en-US" dirty="0" err="1"/>
+              <a:t>matriXes</a:t>
+            </a:r>
+            <a:r>
               <a:rPr lang="en-US" dirty="0"/>
-              <a:t>Data </a:t>
-            </a:r>
-            <a:r>
-              <a:rPr lang="en-US" dirty="0" err="1"/>
-              <a:t>opeRations</a:t>
-            </a:r>
-            <a:endParaRPr lang="en-US" dirty="0"/>
+              <a:t> 	</a:t>
+            </a:r>
           </a:p>
         </p:txBody>
       </p:sp>
@@ -14084,37 +14303,7 @@
             </a:pPr>
             <a:r>
               <a:rPr lang="en-US" dirty="0"/>
-              <a:t>Ingest</a:t>
-            </a:r>
-          </a:p>
-          <a:p>
-            <a:pPr>
-              <a:buFont typeface="Arial" panose="020B0604020202020204" pitchFamily="34" charset="0"/>
-              <a:buChar char="•"/>
-            </a:pPr>
-            <a:r>
-              <a:rPr lang="en-US" dirty="0"/>
-              <a:t>Clean</a:t>
-            </a:r>
-          </a:p>
-          <a:p>
-            <a:pPr>
-              <a:buFont typeface="Arial" panose="020B0604020202020204" pitchFamily="34" charset="0"/>
-              <a:buChar char="•"/>
-            </a:pPr>
-            <a:r>
-              <a:rPr lang="en-US" dirty="0"/>
-              <a:t>Transform</a:t>
-            </a:r>
-          </a:p>
-          <a:p>
-            <a:pPr>
-              <a:buFont typeface="Arial" panose="020B0604020202020204" pitchFamily="34" charset="0"/>
-              <a:buChar char="•"/>
-            </a:pPr>
-            <a:r>
-              <a:rPr lang="en-US" dirty="0"/>
-              <a:t>Export</a:t>
+              <a:t>Matrixes may be expanded to multiple dimensions</a:t>
             </a:r>
           </a:p>
           <a:p>
@@ -14126,10 +14315,34 @@
           </a:p>
         </p:txBody>
       </p:sp>
+      <p:pic>
+        <p:nvPicPr>
+          <p:cNvPr id="4" name="Picture 3"/>
+          <p:cNvPicPr>
+            <a:picLocks noChangeAspect="1"/>
+          </p:cNvPicPr>
+          <p:nvPr/>
+        </p:nvPicPr>
+        <p:blipFill>
+          <a:blip r:embed="rId2"/>
+          <a:stretch>
+            <a:fillRect/>
+          </a:stretch>
+        </p:blipFill>
+        <p:spPr>
+          <a:xfrm>
+            <a:off x="4064000" y="3276600"/>
+            <a:ext cx="4381500" cy="4886325"/>
+          </a:xfrm>
+          <a:prstGeom prst="rect">
+            <a:avLst/>
+          </a:prstGeom>
+        </p:spPr>
+      </p:pic>
     </p:spTree>
     <p:extLst>
       <p:ext uri="{BB962C8B-B14F-4D97-AF65-F5344CB8AC3E}">
-        <p14:creationId xmlns:p14="http://schemas.microsoft.com/office/powerpoint/2010/main" val="1464481784"/>
+        <p14:creationId xmlns:p14="http://schemas.microsoft.com/office/powerpoint/2010/main" val="3144539938"/>
       </p:ext>
     </p:extLst>
   </p:cSld>
@@ -14141,7 +14354,7 @@
 </file>
 
 <file path=ppt/slides/slide16.xml><?xml version="1.0" encoding="utf-8"?>
-<p:sld xmlns:a="http://schemas.openxmlformats.org/drawingml/2006/main" xmlns:r="http://schemas.openxmlformats.org/officeDocument/2006/relationships" xmlns:p="http://schemas.openxmlformats.org/presentationml/2006/main">
+<p:sld xmlns:a="http://schemas.openxmlformats.org/drawingml/2006/main" xmlns:r="http://schemas.openxmlformats.org/officeDocument/2006/relationships" xmlns:p="http://schemas.openxmlformats.org/presentationml/2006/main" showMasterSp="0">
   <p:cSld>
     <p:spTree>
       <p:nvGrpSpPr>
@@ -14174,7 +14387,15 @@
           <a:p>
             <a:r>
               <a:rPr lang="en-US" dirty="0"/>
-              <a:t>Importing data</a:t>
+              <a:t>R </a:t>
+            </a:r>
+            <a:r>
+              <a:rPr lang="en-US" dirty="0" err="1"/>
+              <a:t>opeRations</a:t>
+            </a:r>
+            <a:r>
+              <a:rPr lang="en-US" dirty="0"/>
+              <a:t> 	</a:t>
             </a:r>
           </a:p>
         </p:txBody>
@@ -14200,37 +14421,7 @@
             </a:pPr>
             <a:r>
               <a:rPr lang="en-US" dirty="0"/>
-              <a:t>Files</a:t>
-            </a:r>
-          </a:p>
-          <a:p>
-            <a:pPr>
-              <a:buFont typeface="Arial" panose="020B0604020202020204" pitchFamily="34" charset="0"/>
-              <a:buChar char="•"/>
-            </a:pPr>
-            <a:r>
-              <a:rPr lang="en-US" dirty="0"/>
-              <a:t>Databases</a:t>
-            </a:r>
-          </a:p>
-          <a:p>
-            <a:pPr>
-              <a:buFont typeface="Arial" panose="020B0604020202020204" pitchFamily="34" charset="0"/>
-              <a:buChar char="•"/>
-            </a:pPr>
-            <a:r>
-              <a:rPr lang="en-US" dirty="0"/>
-              <a:t>Web</a:t>
-            </a:r>
-          </a:p>
-          <a:p>
-            <a:pPr>
-              <a:buFont typeface="Arial" panose="020B0604020202020204" pitchFamily="34" charset="0"/>
-              <a:buChar char="•"/>
-            </a:pPr>
-            <a:r>
-              <a:rPr lang="en-US" dirty="0"/>
-              <a:t>Statistical?</a:t>
+              <a:t>Operations may be performed against vectors and matrixes</a:t>
             </a:r>
           </a:p>
           <a:p>
@@ -14242,10 +14433,34 @@
           </a:p>
         </p:txBody>
       </p:sp>
+      <p:pic>
+        <p:nvPicPr>
+          <p:cNvPr id="5" name="Picture 4"/>
+          <p:cNvPicPr>
+            <a:picLocks noChangeAspect="1"/>
+          </p:cNvPicPr>
+          <p:nvPr/>
+        </p:nvPicPr>
+        <p:blipFill>
+          <a:blip r:embed="rId2"/>
+          <a:stretch>
+            <a:fillRect/>
+          </a:stretch>
+        </p:blipFill>
+        <p:spPr>
+          <a:xfrm>
+            <a:off x="3683000" y="2667000"/>
+            <a:ext cx="5191125" cy="5924550"/>
+          </a:xfrm>
+          <a:prstGeom prst="rect">
+            <a:avLst/>
+          </a:prstGeom>
+        </p:spPr>
+      </p:pic>
     </p:spTree>
     <p:extLst>
       <p:ext uri="{BB962C8B-B14F-4D97-AF65-F5344CB8AC3E}">
-        <p14:creationId xmlns:p14="http://schemas.microsoft.com/office/powerpoint/2010/main" val="4017964009"/>
+        <p14:creationId xmlns:p14="http://schemas.microsoft.com/office/powerpoint/2010/main" val="3742233272"/>
       </p:ext>
     </p:extLst>
   </p:cSld>
@@ -14257,7 +14472,7 @@
 </file>
 
 <file path=ppt/slides/slide17.xml><?xml version="1.0" encoding="utf-8"?>
-<p:sld xmlns:a="http://schemas.openxmlformats.org/drawingml/2006/main" xmlns:r="http://schemas.openxmlformats.org/officeDocument/2006/relationships" xmlns:p="http://schemas.openxmlformats.org/presentationml/2006/main">
+<p:sld xmlns:a="http://schemas.openxmlformats.org/drawingml/2006/main" xmlns:r="http://schemas.openxmlformats.org/officeDocument/2006/relationships" xmlns:p="http://schemas.openxmlformats.org/presentationml/2006/main" showMasterSp="0">
   <p:cSld>
     <p:spTree>
       <p:nvGrpSpPr>
@@ -14289,8 +14504,12 @@
           <a:lstStyle/>
           <a:p>
             <a:r>
+              <a:rPr lang="en-US"/>
+              <a:t>FactoRs </a:t>
+            </a:r>
+            <a:r>
               <a:rPr lang="en-US" dirty="0"/>
-              <a:t>Cleaning data with R</a:t>
+              <a:t>&amp; levels</a:t>
             </a:r>
           </a:p>
         </p:txBody>
@@ -14316,7 +14535,7 @@
             </a:pPr>
             <a:r>
               <a:rPr lang="en-US" dirty="0"/>
-              <a:t>Missing value management</a:t>
+              <a:t>Categorical data is managed as factors in R</a:t>
             </a:r>
           </a:p>
           <a:p>
@@ -14326,52 +14545,39 @@
             </a:pPr>
             <a:r>
               <a:rPr lang="en-US" dirty="0"/>
-              <a:t>Data type consistency</a:t>
-            </a:r>
-          </a:p>
-          <a:p>
-            <a:pPr>
-              <a:buFont typeface="Arial" panose="020B0604020202020204" pitchFamily="34" charset="0"/>
-              <a:buChar char="•"/>
-            </a:pPr>
-            <a:r>
-              <a:rPr lang="en-US" dirty="0"/>
-              <a:t>Internal consistency</a:t>
-            </a:r>
-          </a:p>
-          <a:p>
-            <a:pPr>
-              <a:buFont typeface="Arial" panose="020B0604020202020204" pitchFamily="34" charset="0"/>
-              <a:buChar char="•"/>
-            </a:pPr>
-            <a:r>
-              <a:rPr lang="en-US" dirty="0"/>
-              <a:t>Column names</a:t>
-            </a:r>
-          </a:p>
-          <a:p>
-            <a:pPr>
-              <a:buFont typeface="Arial" panose="020B0604020202020204" pitchFamily="34" charset="0"/>
-              <a:buChar char="•"/>
-            </a:pPr>
-            <a:r>
-              <a:rPr lang="en-US" dirty="0"/>
-              <a:t>Etc.</a:t>
-            </a:r>
-          </a:p>
-          <a:p>
-            <a:pPr>
-              <a:buFont typeface="Arial" panose="020B0604020202020204" pitchFamily="34" charset="0"/>
-              <a:buChar char="•"/>
-            </a:pPr>
-            <a:endParaRPr lang="en-US" dirty="0"/>
+              <a:t>Levels are the in memory representation of this construct</a:t>
+            </a:r>
           </a:p>
         </p:txBody>
       </p:sp>
+      <p:pic>
+        <p:nvPicPr>
+          <p:cNvPr id="4" name="Picture 3"/>
+          <p:cNvPicPr>
+            <a:picLocks noChangeAspect="1"/>
+          </p:cNvPicPr>
+          <p:nvPr/>
+        </p:nvPicPr>
+        <p:blipFill>
+          <a:blip r:embed="rId2"/>
+          <a:stretch>
+            <a:fillRect/>
+          </a:stretch>
+        </p:blipFill>
+        <p:spPr>
+          <a:xfrm>
+            <a:off x="2463800" y="4343400"/>
+            <a:ext cx="7391400" cy="2876550"/>
+          </a:xfrm>
+          <a:prstGeom prst="rect">
+            <a:avLst/>
+          </a:prstGeom>
+        </p:spPr>
+      </p:pic>
     </p:spTree>
     <p:extLst>
       <p:ext uri="{BB962C8B-B14F-4D97-AF65-F5344CB8AC3E}">
-        <p14:creationId xmlns:p14="http://schemas.microsoft.com/office/powerpoint/2010/main" val="2142807324"/>
+        <p14:creationId xmlns:p14="http://schemas.microsoft.com/office/powerpoint/2010/main" val="4144883183"/>
       </p:ext>
     </p:extLst>
   </p:cSld>
@@ -14383,7 +14589,7 @@
 </file>
 
 <file path=ppt/slides/slide18.xml><?xml version="1.0" encoding="utf-8"?>
-<p:sld xmlns:a="http://schemas.openxmlformats.org/drawingml/2006/main" xmlns:r="http://schemas.openxmlformats.org/officeDocument/2006/relationships" xmlns:p="http://schemas.openxmlformats.org/presentationml/2006/main">
+<p:sld xmlns:a="http://schemas.openxmlformats.org/drawingml/2006/main" xmlns:r="http://schemas.openxmlformats.org/officeDocument/2006/relationships" xmlns:p="http://schemas.openxmlformats.org/presentationml/2006/main" showMasterSp="0">
   <p:cSld>
     <p:spTree>
       <p:nvGrpSpPr>
@@ -14416,8 +14622,13 @@
           <a:p>
             <a:r>
               <a:rPr lang="en-US" dirty="0"/>
-              <a:t>Exporting data</a:t>
-            </a:r>
+              <a:t>Data </a:t>
+            </a:r>
+            <a:r>
+              <a:rPr lang="en-US" dirty="0" err="1"/>
+              <a:t>fRames</a:t>
+            </a:r>
+            <a:endParaRPr lang="en-US" dirty="0"/>
           </a:p>
         </p:txBody>
       </p:sp>
@@ -14442,7 +14653,7 @@
             </a:pPr>
             <a:r>
               <a:rPr lang="en-US" dirty="0"/>
-              <a:t>Native file export</a:t>
+              <a:t>Foundation of R data structures</a:t>
             </a:r>
           </a:p>
           <a:p>
@@ -14452,19 +14663,8 @@
             </a:pPr>
             <a:r>
               <a:rPr lang="en-US" dirty="0"/>
-              <a:t>Database</a:t>
-            </a:r>
-          </a:p>
-          <a:p>
-            <a:pPr>
-              <a:buFont typeface="Arial" panose="020B0604020202020204" pitchFamily="34" charset="0"/>
-              <a:buChar char="•"/>
-            </a:pPr>
-            <a:r>
-              <a:rPr lang="en-US" dirty="0"/>
-              <a:t>Shiny</a:t>
-            </a:r>
-            <a:endParaRPr lang="en-US" dirty="0"/>
+              <a:t>Key structure for dealing with tabular data in R (rows and columns of similar types)</a:t>
+            </a:r>
           </a:p>
           <a:p>
             <a:pPr>
@@ -14473,12 +14673,43 @@
             </a:pPr>
             <a:endParaRPr lang="en-US" dirty="0"/>
           </a:p>
+          <a:p>
+            <a:pPr>
+              <a:buFont typeface="Arial" panose="020B0604020202020204" pitchFamily="34" charset="0"/>
+              <a:buChar char="•"/>
+            </a:pPr>
+            <a:endParaRPr lang="en-US" dirty="0"/>
+          </a:p>
         </p:txBody>
       </p:sp>
+      <p:pic>
+        <p:nvPicPr>
+          <p:cNvPr id="4" name="Picture 3"/>
+          <p:cNvPicPr>
+            <a:picLocks noChangeAspect="1"/>
+          </p:cNvPicPr>
+          <p:nvPr/>
+        </p:nvPicPr>
+        <p:blipFill>
+          <a:blip r:embed="rId3"/>
+          <a:stretch>
+            <a:fillRect/>
+          </a:stretch>
+        </p:blipFill>
+        <p:spPr>
+          <a:xfrm>
+            <a:off x="3454400" y="4572000"/>
+            <a:ext cx="5553075" cy="3552825"/>
+          </a:xfrm>
+          <a:prstGeom prst="rect">
+            <a:avLst/>
+          </a:prstGeom>
+        </p:spPr>
+      </p:pic>
     </p:spTree>
     <p:extLst>
       <p:ext uri="{BB962C8B-B14F-4D97-AF65-F5344CB8AC3E}">
-        <p14:creationId xmlns:p14="http://schemas.microsoft.com/office/powerpoint/2010/main" val="2059784978"/>
+        <p14:creationId xmlns:p14="http://schemas.microsoft.com/office/powerpoint/2010/main" val="2576505063"/>
       </p:ext>
     </p:extLst>
   </p:cSld>
@@ -14490,7 +14721,7 @@
 </file>
 
 <file path=ppt/slides/slide19.xml><?xml version="1.0" encoding="utf-8"?>
-<p:sld xmlns:a="http://schemas.openxmlformats.org/drawingml/2006/main" xmlns:r="http://schemas.openxmlformats.org/officeDocument/2006/relationships" xmlns:p="http://schemas.openxmlformats.org/presentationml/2006/main">
+<p:sld xmlns:a="http://schemas.openxmlformats.org/drawingml/2006/main" xmlns:r="http://schemas.openxmlformats.org/officeDocument/2006/relationships" xmlns:p="http://schemas.openxmlformats.org/presentationml/2006/main" showMasterSp="0">
   <p:cSld>
     <p:spTree>
       <p:nvGrpSpPr>
@@ -14522,9 +14753,10 @@
           <a:lstStyle/>
           <a:p>
             <a:r>
-              <a:rPr lang="en-US" dirty="0"/>
-              <a:t>Exporting data</a:t>
-            </a:r>
+              <a:rPr lang="en-US" dirty="0" err="1"/>
+              <a:t>Subsetting</a:t>
+            </a:r>
+            <a:endParaRPr lang="en-US" dirty="0"/>
           </a:p>
         </p:txBody>
       </p:sp>
@@ -14549,29 +14781,8 @@
             </a:pPr>
             <a:r>
               <a:rPr lang="en-US" dirty="0"/>
-              <a:t>Native file export</a:t>
-            </a:r>
-          </a:p>
-          <a:p>
-            <a:pPr>
-              <a:buFont typeface="Arial" panose="020B0604020202020204" pitchFamily="34" charset="0"/>
-              <a:buChar char="•"/>
-            </a:pPr>
-            <a:r>
-              <a:rPr lang="en-US" dirty="0"/>
-              <a:t>Database</a:t>
-            </a:r>
-          </a:p>
-          <a:p>
-            <a:pPr>
-              <a:buFont typeface="Arial" panose="020B0604020202020204" pitchFamily="34" charset="0"/>
-              <a:buChar char="•"/>
-            </a:pPr>
-            <a:r>
-              <a:rPr lang="en-US" dirty="0"/>
-              <a:t>Shiny</a:t>
-            </a:r>
-            <a:endParaRPr lang="en-US" dirty="0"/>
+              <a:t>Data frames may be queried (subset) by a variety of programmatic and static functions, including indexers and other complex operations</a:t>
+            </a:r>
           </a:p>
           <a:p>
             <a:pPr>
@@ -14580,12 +14791,43 @@
             </a:pPr>
             <a:endParaRPr lang="en-US" dirty="0"/>
           </a:p>
+          <a:p>
+            <a:pPr>
+              <a:buFont typeface="Arial" panose="020B0604020202020204" pitchFamily="34" charset="0"/>
+              <a:buChar char="•"/>
+            </a:pPr>
+            <a:endParaRPr lang="en-US" dirty="0"/>
+          </a:p>
         </p:txBody>
       </p:sp>
+      <p:pic>
+        <p:nvPicPr>
+          <p:cNvPr id="5" name="Picture 4"/>
+          <p:cNvPicPr>
+            <a:picLocks noChangeAspect="1"/>
+          </p:cNvPicPr>
+          <p:nvPr/>
+        </p:nvPicPr>
+        <p:blipFill>
+          <a:blip r:embed="rId3"/>
+          <a:stretch>
+            <a:fillRect/>
+          </a:stretch>
+        </p:blipFill>
+        <p:spPr>
+          <a:xfrm>
+            <a:off x="2463800" y="4267200"/>
+            <a:ext cx="7531662" cy="3886200"/>
+          </a:xfrm>
+          <a:prstGeom prst="rect">
+            <a:avLst/>
+          </a:prstGeom>
+        </p:spPr>
+      </p:pic>
     </p:spTree>
     <p:extLst>
       <p:ext uri="{BB962C8B-B14F-4D97-AF65-F5344CB8AC3E}">
-        <p14:creationId xmlns:p14="http://schemas.microsoft.com/office/powerpoint/2010/main" val="3361317083"/>
+        <p14:creationId xmlns:p14="http://schemas.microsoft.com/office/powerpoint/2010/main" val="4136140540"/>
       </p:ext>
     </p:extLst>
   </p:cSld>
@@ -14696,16 +14938,6 @@
             </a:pPr>
             <a:r>
               <a:rPr lang="en-US" dirty="0"/>
-              <a:t>Big data and R</a:t>
-            </a:r>
-          </a:p>
-          <a:p>
-            <a:pPr>
-              <a:buFont typeface="Arial" panose="020B0604020202020204" pitchFamily="34" charset="0"/>
-              <a:buChar char="•"/>
-            </a:pPr>
-            <a:r>
-              <a:rPr lang="en-US" dirty="0"/>
               <a:t>Demos</a:t>
             </a:r>
           </a:p>
@@ -14733,6 +14965,579 @@
 </file>
 
 <file path=ppt/slides/slide20.xml><?xml version="1.0" encoding="utf-8"?>
+<p:sld xmlns:a="http://schemas.openxmlformats.org/drawingml/2006/main" xmlns:r="http://schemas.openxmlformats.org/officeDocument/2006/relationships" xmlns:p="http://schemas.openxmlformats.org/presentationml/2006/main" showMasterSp="0">
+  <p:cSld>
+    <p:spTree>
+      <p:nvGrpSpPr>
+        <p:cNvPr id="1" name=""/>
+        <p:cNvGrpSpPr/>
+        <p:nvPr/>
+      </p:nvGrpSpPr>
+      <p:grpSpPr>
+        <a:xfrm>
+          <a:off x="0" y="0"/>
+          <a:ext cx="0" cy="0"/>
+          <a:chOff x="0" y="0"/>
+          <a:chExt cx="0" cy="0"/>
+        </a:xfrm>
+      </p:grpSpPr>
+      <p:sp>
+        <p:nvSpPr>
+          <p:cNvPr id="2" name="Title 1"/>
+          <p:cNvSpPr>
+            <a:spLocks noGrp="1"/>
+          </p:cNvSpPr>
+          <p:nvPr>
+            <p:ph type="title"/>
+          </p:nvPr>
+        </p:nvSpPr>
+        <p:spPr/>
+        <p:txBody>
+          <a:bodyPr/>
+          <a:lstStyle/>
+          <a:p>
+            <a:r>
+              <a:rPr lang="en-US" dirty="0"/>
+              <a:t>Package Management</a:t>
+            </a:r>
+          </a:p>
+        </p:txBody>
+      </p:sp>
+      <p:sp>
+        <p:nvSpPr>
+          <p:cNvPr id="3" name="Content Placeholder 2"/>
+          <p:cNvSpPr>
+            <a:spLocks noGrp="1"/>
+          </p:cNvSpPr>
+          <p:nvPr>
+            <p:ph idx="1"/>
+          </p:nvPr>
+        </p:nvSpPr>
+        <p:spPr/>
+        <p:txBody>
+          <a:bodyPr/>
+          <a:lstStyle/>
+          <a:p>
+            <a:pPr>
+              <a:buFont typeface="Arial" panose="020B0604020202020204" pitchFamily="34" charset="0"/>
+              <a:buChar char="•"/>
+            </a:pPr>
+            <a:r>
+              <a:rPr lang="en-US" dirty="0"/>
+              <a:t>9,000 Packages</a:t>
+            </a:r>
+          </a:p>
+          <a:p>
+            <a:pPr>
+              <a:buFont typeface="Arial" panose="020B0604020202020204" pitchFamily="34" charset="0"/>
+              <a:buChar char="•"/>
+            </a:pPr>
+            <a:r>
+              <a:rPr lang="en-US" dirty="0"/>
+              <a:t>Available from command line</a:t>
+            </a:r>
+          </a:p>
+          <a:p>
+            <a:pPr>
+              <a:buFont typeface="Arial" panose="020B0604020202020204" pitchFamily="34" charset="0"/>
+              <a:buChar char="•"/>
+            </a:pPr>
+            <a:r>
+              <a:rPr lang="en-US" dirty="0"/>
+              <a:t>Essential for </a:t>
+            </a:r>
+            <a:r>
+              <a:rPr lang="en-US" dirty="0" err="1"/>
+              <a:t>interops</a:t>
+            </a:r>
+            <a:endParaRPr lang="en-US" dirty="0"/>
+          </a:p>
+        </p:txBody>
+      </p:sp>
+    </p:spTree>
+    <p:extLst>
+      <p:ext uri="{BB962C8B-B14F-4D97-AF65-F5344CB8AC3E}">
+        <p14:creationId xmlns:p14="http://schemas.microsoft.com/office/powerpoint/2010/main" val="1321243397"/>
+      </p:ext>
+    </p:extLst>
+  </p:cSld>
+  <p:clrMapOvr>
+    <a:masterClrMapping/>
+  </p:clrMapOvr>
+  <p:transition/>
+</p:sld>
+</file>
+
+<file path=ppt/slides/slide21.xml><?xml version="1.0" encoding="utf-8"?>
+<p:sld xmlns:a="http://schemas.openxmlformats.org/drawingml/2006/main" xmlns:r="http://schemas.openxmlformats.org/officeDocument/2006/relationships" xmlns:p="http://schemas.openxmlformats.org/presentationml/2006/main">
+  <p:cSld>
+    <p:spTree>
+      <p:nvGrpSpPr>
+        <p:cNvPr id="1" name=""/>
+        <p:cNvGrpSpPr/>
+        <p:nvPr/>
+      </p:nvGrpSpPr>
+      <p:grpSpPr>
+        <a:xfrm>
+          <a:off x="0" y="0"/>
+          <a:ext cx="0" cy="0"/>
+          <a:chOff x="0" y="0"/>
+          <a:chExt cx="0" cy="0"/>
+        </a:xfrm>
+      </p:grpSpPr>
+      <p:sp>
+        <p:nvSpPr>
+          <p:cNvPr id="2" name="Title 1"/>
+          <p:cNvSpPr>
+            <a:spLocks noGrp="1"/>
+          </p:cNvSpPr>
+          <p:nvPr>
+            <p:ph type="title"/>
+          </p:nvPr>
+        </p:nvSpPr>
+        <p:spPr/>
+        <p:txBody>
+          <a:bodyPr/>
+          <a:lstStyle/>
+          <a:p>
+            <a:r>
+              <a:rPr lang="en-US" dirty="0"/>
+              <a:t>Data </a:t>
+            </a:r>
+            <a:r>
+              <a:rPr lang="en-US" dirty="0" err="1"/>
+              <a:t>opeRations</a:t>
+            </a:r>
+            <a:endParaRPr lang="en-US" dirty="0"/>
+          </a:p>
+        </p:txBody>
+      </p:sp>
+      <p:sp>
+        <p:nvSpPr>
+          <p:cNvPr id="3" name="Content Placeholder 2"/>
+          <p:cNvSpPr>
+            <a:spLocks noGrp="1"/>
+          </p:cNvSpPr>
+          <p:nvPr>
+            <p:ph idx="1"/>
+          </p:nvPr>
+        </p:nvSpPr>
+        <p:spPr/>
+        <p:txBody>
+          <a:bodyPr/>
+          <a:lstStyle/>
+          <a:p>
+            <a:pPr>
+              <a:buFont typeface="Arial" panose="020B0604020202020204" pitchFamily="34" charset="0"/>
+              <a:buChar char="•"/>
+            </a:pPr>
+            <a:r>
+              <a:rPr lang="en-US" dirty="0"/>
+              <a:t>Ingest</a:t>
+            </a:r>
+          </a:p>
+          <a:p>
+            <a:pPr>
+              <a:buFont typeface="Arial" panose="020B0604020202020204" pitchFamily="34" charset="0"/>
+              <a:buChar char="•"/>
+            </a:pPr>
+            <a:r>
+              <a:rPr lang="en-US" dirty="0"/>
+              <a:t>Clean</a:t>
+            </a:r>
+          </a:p>
+          <a:p>
+            <a:pPr>
+              <a:buFont typeface="Arial" panose="020B0604020202020204" pitchFamily="34" charset="0"/>
+              <a:buChar char="•"/>
+            </a:pPr>
+            <a:r>
+              <a:rPr lang="en-US" dirty="0"/>
+              <a:t>Transform</a:t>
+            </a:r>
+          </a:p>
+          <a:p>
+            <a:pPr>
+              <a:buFont typeface="Arial" panose="020B0604020202020204" pitchFamily="34" charset="0"/>
+              <a:buChar char="•"/>
+            </a:pPr>
+            <a:r>
+              <a:rPr lang="en-US" dirty="0"/>
+              <a:t>Export</a:t>
+            </a:r>
+          </a:p>
+          <a:p>
+            <a:pPr>
+              <a:buFont typeface="Arial" panose="020B0604020202020204" pitchFamily="34" charset="0"/>
+              <a:buChar char="•"/>
+            </a:pPr>
+            <a:endParaRPr lang="en-US" dirty="0"/>
+          </a:p>
+        </p:txBody>
+      </p:sp>
+    </p:spTree>
+    <p:extLst>
+      <p:ext uri="{BB962C8B-B14F-4D97-AF65-F5344CB8AC3E}">
+        <p14:creationId xmlns:p14="http://schemas.microsoft.com/office/powerpoint/2010/main" val="1464481784"/>
+      </p:ext>
+    </p:extLst>
+  </p:cSld>
+  <p:clrMapOvr>
+    <a:masterClrMapping/>
+  </p:clrMapOvr>
+  <p:transition/>
+</p:sld>
+</file>
+
+<file path=ppt/slides/slide22.xml><?xml version="1.0" encoding="utf-8"?>
+<p:sld xmlns:a="http://schemas.openxmlformats.org/drawingml/2006/main" xmlns:r="http://schemas.openxmlformats.org/officeDocument/2006/relationships" xmlns:p="http://schemas.openxmlformats.org/presentationml/2006/main">
+  <p:cSld>
+    <p:spTree>
+      <p:nvGrpSpPr>
+        <p:cNvPr id="1" name=""/>
+        <p:cNvGrpSpPr/>
+        <p:nvPr/>
+      </p:nvGrpSpPr>
+      <p:grpSpPr>
+        <a:xfrm>
+          <a:off x="0" y="0"/>
+          <a:ext cx="0" cy="0"/>
+          <a:chOff x="0" y="0"/>
+          <a:chExt cx="0" cy="0"/>
+        </a:xfrm>
+      </p:grpSpPr>
+      <p:sp>
+        <p:nvSpPr>
+          <p:cNvPr id="2" name="Title 1"/>
+          <p:cNvSpPr>
+            <a:spLocks noGrp="1"/>
+          </p:cNvSpPr>
+          <p:nvPr>
+            <p:ph type="title"/>
+          </p:nvPr>
+        </p:nvSpPr>
+        <p:spPr/>
+        <p:txBody>
+          <a:bodyPr/>
+          <a:lstStyle/>
+          <a:p>
+            <a:r>
+              <a:rPr lang="en-US" dirty="0"/>
+              <a:t>Importing data</a:t>
+            </a:r>
+          </a:p>
+        </p:txBody>
+      </p:sp>
+      <p:sp>
+        <p:nvSpPr>
+          <p:cNvPr id="3" name="Content Placeholder 2"/>
+          <p:cNvSpPr>
+            <a:spLocks noGrp="1"/>
+          </p:cNvSpPr>
+          <p:nvPr>
+            <p:ph idx="1"/>
+          </p:nvPr>
+        </p:nvSpPr>
+        <p:spPr/>
+        <p:txBody>
+          <a:bodyPr/>
+          <a:lstStyle/>
+          <a:p>
+            <a:pPr>
+              <a:buFont typeface="Arial" panose="020B0604020202020204" pitchFamily="34" charset="0"/>
+              <a:buChar char="•"/>
+            </a:pPr>
+            <a:r>
+              <a:rPr lang="en-US" dirty="0"/>
+              <a:t>Files</a:t>
+            </a:r>
+          </a:p>
+          <a:p>
+            <a:pPr>
+              <a:buFont typeface="Arial" panose="020B0604020202020204" pitchFamily="34" charset="0"/>
+              <a:buChar char="•"/>
+            </a:pPr>
+            <a:r>
+              <a:rPr lang="en-US" dirty="0"/>
+              <a:t>Databases</a:t>
+            </a:r>
+          </a:p>
+          <a:p>
+            <a:pPr>
+              <a:buFont typeface="Arial" panose="020B0604020202020204" pitchFamily="34" charset="0"/>
+              <a:buChar char="•"/>
+            </a:pPr>
+            <a:r>
+              <a:rPr lang="en-US" dirty="0"/>
+              <a:t>Web</a:t>
+            </a:r>
+          </a:p>
+          <a:p>
+            <a:pPr>
+              <a:buFont typeface="Arial" panose="020B0604020202020204" pitchFamily="34" charset="0"/>
+              <a:buChar char="•"/>
+            </a:pPr>
+            <a:r>
+              <a:rPr lang="en-US" dirty="0"/>
+              <a:t>Statistical?</a:t>
+            </a:r>
+          </a:p>
+          <a:p>
+            <a:pPr>
+              <a:buFont typeface="Arial" panose="020B0604020202020204" pitchFamily="34" charset="0"/>
+              <a:buChar char="•"/>
+            </a:pPr>
+            <a:endParaRPr lang="en-US" dirty="0"/>
+          </a:p>
+        </p:txBody>
+      </p:sp>
+    </p:spTree>
+    <p:extLst>
+      <p:ext uri="{BB962C8B-B14F-4D97-AF65-F5344CB8AC3E}">
+        <p14:creationId xmlns:p14="http://schemas.microsoft.com/office/powerpoint/2010/main" val="4017964009"/>
+      </p:ext>
+    </p:extLst>
+  </p:cSld>
+  <p:clrMapOvr>
+    <a:masterClrMapping/>
+  </p:clrMapOvr>
+  <p:transition/>
+</p:sld>
+</file>
+
+<file path=ppt/slides/slide23.xml><?xml version="1.0" encoding="utf-8"?>
+<p:sld xmlns:a="http://schemas.openxmlformats.org/drawingml/2006/main" xmlns:r="http://schemas.openxmlformats.org/officeDocument/2006/relationships" xmlns:p="http://schemas.openxmlformats.org/presentationml/2006/main">
+  <p:cSld>
+    <p:spTree>
+      <p:nvGrpSpPr>
+        <p:cNvPr id="1" name=""/>
+        <p:cNvGrpSpPr/>
+        <p:nvPr/>
+      </p:nvGrpSpPr>
+      <p:grpSpPr>
+        <a:xfrm>
+          <a:off x="0" y="0"/>
+          <a:ext cx="0" cy="0"/>
+          <a:chOff x="0" y="0"/>
+          <a:chExt cx="0" cy="0"/>
+        </a:xfrm>
+      </p:grpSpPr>
+      <p:sp>
+        <p:nvSpPr>
+          <p:cNvPr id="2" name="Title 1"/>
+          <p:cNvSpPr>
+            <a:spLocks noGrp="1"/>
+          </p:cNvSpPr>
+          <p:nvPr>
+            <p:ph type="title"/>
+          </p:nvPr>
+        </p:nvSpPr>
+        <p:spPr/>
+        <p:txBody>
+          <a:bodyPr/>
+          <a:lstStyle/>
+          <a:p>
+            <a:r>
+              <a:rPr lang="en-US" dirty="0"/>
+              <a:t>Cleaning data with R</a:t>
+            </a:r>
+          </a:p>
+        </p:txBody>
+      </p:sp>
+      <p:sp>
+        <p:nvSpPr>
+          <p:cNvPr id="3" name="Content Placeholder 2"/>
+          <p:cNvSpPr>
+            <a:spLocks noGrp="1"/>
+          </p:cNvSpPr>
+          <p:nvPr>
+            <p:ph idx="1"/>
+          </p:nvPr>
+        </p:nvSpPr>
+        <p:spPr/>
+        <p:txBody>
+          <a:bodyPr/>
+          <a:lstStyle/>
+          <a:p>
+            <a:pPr>
+              <a:buFont typeface="Arial" panose="020B0604020202020204" pitchFamily="34" charset="0"/>
+              <a:buChar char="•"/>
+            </a:pPr>
+            <a:r>
+              <a:rPr lang="en-US" dirty="0"/>
+              <a:t>Missing value management</a:t>
+            </a:r>
+          </a:p>
+          <a:p>
+            <a:pPr>
+              <a:buFont typeface="Arial" panose="020B0604020202020204" pitchFamily="34" charset="0"/>
+              <a:buChar char="•"/>
+            </a:pPr>
+            <a:r>
+              <a:rPr lang="en-US" dirty="0"/>
+              <a:t>Data type consistency</a:t>
+            </a:r>
+          </a:p>
+          <a:p>
+            <a:pPr>
+              <a:buFont typeface="Arial" panose="020B0604020202020204" pitchFamily="34" charset="0"/>
+              <a:buChar char="•"/>
+            </a:pPr>
+            <a:r>
+              <a:rPr lang="en-US" dirty="0"/>
+              <a:t>Internal consistency</a:t>
+            </a:r>
+          </a:p>
+          <a:p>
+            <a:pPr>
+              <a:buFont typeface="Arial" panose="020B0604020202020204" pitchFamily="34" charset="0"/>
+              <a:buChar char="•"/>
+            </a:pPr>
+            <a:r>
+              <a:rPr lang="en-US" dirty="0"/>
+              <a:t>Column names</a:t>
+            </a:r>
+          </a:p>
+          <a:p>
+            <a:pPr>
+              <a:buFont typeface="Arial" panose="020B0604020202020204" pitchFamily="34" charset="0"/>
+              <a:buChar char="•"/>
+            </a:pPr>
+            <a:r>
+              <a:rPr lang="en-US" dirty="0"/>
+              <a:t>Etc.</a:t>
+            </a:r>
+          </a:p>
+          <a:p>
+            <a:pPr>
+              <a:buFont typeface="Arial" panose="020B0604020202020204" pitchFamily="34" charset="0"/>
+              <a:buChar char="•"/>
+            </a:pPr>
+            <a:endParaRPr lang="en-US" dirty="0"/>
+          </a:p>
+        </p:txBody>
+      </p:sp>
+    </p:spTree>
+    <p:extLst>
+      <p:ext uri="{BB962C8B-B14F-4D97-AF65-F5344CB8AC3E}">
+        <p14:creationId xmlns:p14="http://schemas.microsoft.com/office/powerpoint/2010/main" val="2142807324"/>
+      </p:ext>
+    </p:extLst>
+  </p:cSld>
+  <p:clrMapOvr>
+    <a:masterClrMapping/>
+  </p:clrMapOvr>
+  <p:transition/>
+</p:sld>
+</file>
+
+<file path=ppt/slides/slide24.xml><?xml version="1.0" encoding="utf-8"?>
+<p:sld xmlns:a="http://schemas.openxmlformats.org/drawingml/2006/main" xmlns:r="http://schemas.openxmlformats.org/officeDocument/2006/relationships" xmlns:p="http://schemas.openxmlformats.org/presentationml/2006/main">
+  <p:cSld>
+    <p:spTree>
+      <p:nvGrpSpPr>
+        <p:cNvPr id="1" name=""/>
+        <p:cNvGrpSpPr/>
+        <p:nvPr/>
+      </p:nvGrpSpPr>
+      <p:grpSpPr>
+        <a:xfrm>
+          <a:off x="0" y="0"/>
+          <a:ext cx="0" cy="0"/>
+          <a:chOff x="0" y="0"/>
+          <a:chExt cx="0" cy="0"/>
+        </a:xfrm>
+      </p:grpSpPr>
+      <p:sp>
+        <p:nvSpPr>
+          <p:cNvPr id="2" name="Title 1"/>
+          <p:cNvSpPr>
+            <a:spLocks noGrp="1"/>
+          </p:cNvSpPr>
+          <p:nvPr>
+            <p:ph type="title"/>
+          </p:nvPr>
+        </p:nvSpPr>
+        <p:spPr/>
+        <p:txBody>
+          <a:bodyPr/>
+          <a:lstStyle/>
+          <a:p>
+            <a:r>
+              <a:rPr lang="en-US" dirty="0"/>
+              <a:t>Exporting data</a:t>
+            </a:r>
+          </a:p>
+        </p:txBody>
+      </p:sp>
+      <p:sp>
+        <p:nvSpPr>
+          <p:cNvPr id="3" name="Content Placeholder 2"/>
+          <p:cNvSpPr>
+            <a:spLocks noGrp="1"/>
+          </p:cNvSpPr>
+          <p:nvPr>
+            <p:ph idx="1"/>
+          </p:nvPr>
+        </p:nvSpPr>
+        <p:spPr/>
+        <p:txBody>
+          <a:bodyPr/>
+          <a:lstStyle/>
+          <a:p>
+            <a:pPr>
+              <a:buFont typeface="Arial" panose="020B0604020202020204" pitchFamily="34" charset="0"/>
+              <a:buChar char="•"/>
+            </a:pPr>
+            <a:r>
+              <a:rPr lang="en-US" dirty="0"/>
+              <a:t>Native file export</a:t>
+            </a:r>
+          </a:p>
+          <a:p>
+            <a:pPr>
+              <a:buFont typeface="Arial" panose="020B0604020202020204" pitchFamily="34" charset="0"/>
+              <a:buChar char="•"/>
+            </a:pPr>
+            <a:r>
+              <a:rPr lang="en-US" dirty="0"/>
+              <a:t>Database</a:t>
+            </a:r>
+          </a:p>
+          <a:p>
+            <a:pPr>
+              <a:buFont typeface="Arial" panose="020B0604020202020204" pitchFamily="34" charset="0"/>
+              <a:buChar char="•"/>
+            </a:pPr>
+            <a:r>
+              <a:rPr lang="en-US" dirty="0"/>
+              <a:t>Shiny</a:t>
+            </a:r>
+          </a:p>
+          <a:p>
+            <a:pPr>
+              <a:buFont typeface="Arial" panose="020B0604020202020204" pitchFamily="34" charset="0"/>
+              <a:buChar char="•"/>
+            </a:pPr>
+            <a:endParaRPr lang="en-US" dirty="0"/>
+          </a:p>
+        </p:txBody>
+      </p:sp>
+    </p:spTree>
+    <p:extLst>
+      <p:ext uri="{BB962C8B-B14F-4D97-AF65-F5344CB8AC3E}">
+        <p14:creationId xmlns:p14="http://schemas.microsoft.com/office/powerpoint/2010/main" val="2059784978"/>
+      </p:ext>
+    </p:extLst>
+  </p:cSld>
+  <p:clrMapOvr>
+    <a:masterClrMapping/>
+  </p:clrMapOvr>
+  <p:transition/>
+</p:sld>
+</file>
+
+<file path=ppt/slides/slide25.xml><?xml version="1.0" encoding="utf-8"?>
 <p:sld xmlns:a="http://schemas.openxmlformats.org/drawingml/2006/main" xmlns:r="http://schemas.openxmlformats.org/officeDocument/2006/relationships" xmlns:p="http://schemas.openxmlformats.org/presentationml/2006/main">
   <p:cSld>
     <p:spTree>
@@ -14845,588 +15650,6 @@
 </p:sld>
 </file>
 
-<file path=ppt/slides/slide21.xml><?xml version="1.0" encoding="utf-8"?>
-<p:sld xmlns:a="http://schemas.openxmlformats.org/drawingml/2006/main" xmlns:r="http://schemas.openxmlformats.org/officeDocument/2006/relationships" xmlns:p="http://schemas.openxmlformats.org/presentationml/2006/main">
-  <p:cSld>
-    <p:spTree>
-      <p:nvGrpSpPr>
-        <p:cNvPr id="1" name=""/>
-        <p:cNvGrpSpPr/>
-        <p:nvPr/>
-      </p:nvGrpSpPr>
-      <p:grpSpPr>
-        <a:xfrm>
-          <a:off x="0" y="0"/>
-          <a:ext cx="0" cy="0"/>
-          <a:chOff x="0" y="0"/>
-          <a:chExt cx="0" cy="0"/>
-        </a:xfrm>
-      </p:grpSpPr>
-      <p:sp>
-        <p:nvSpPr>
-          <p:cNvPr id="2" name="Title 1"/>
-          <p:cNvSpPr>
-            <a:spLocks noGrp="1"/>
-          </p:cNvSpPr>
-          <p:nvPr>
-            <p:ph type="title"/>
-          </p:nvPr>
-        </p:nvSpPr>
-        <p:spPr/>
-        <p:txBody>
-          <a:bodyPr/>
-          <a:lstStyle/>
-          <a:p>
-            <a:r>
-              <a:rPr lang="en-US"/>
-              <a:t>Descriptive statistics</a:t>
-            </a:r>
-            <a:endParaRPr lang="en-US"/>
-          </a:p>
-        </p:txBody>
-      </p:sp>
-      <p:sp>
-        <p:nvSpPr>
-          <p:cNvPr id="3" name="Content Placeholder 2"/>
-          <p:cNvSpPr>
-            <a:spLocks noGrp="1"/>
-          </p:cNvSpPr>
-          <p:nvPr>
-            <p:ph idx="1"/>
-          </p:nvPr>
-        </p:nvSpPr>
-        <p:spPr/>
-        <p:txBody>
-          <a:bodyPr/>
-          <a:lstStyle/>
-          <a:p>
-            <a:pPr>
-              <a:buFont typeface="Arial" panose="020B0604020202020204" pitchFamily="34" charset="0"/>
-              <a:buChar char="•"/>
-            </a:pPr>
-            <a:r>
-              <a:rPr lang="en-US" dirty="0"/>
-              <a:t>Data definitions</a:t>
-            </a:r>
-          </a:p>
-          <a:p>
-            <a:pPr>
-              <a:buFont typeface="Arial" panose="020B0604020202020204" pitchFamily="34" charset="0"/>
-              <a:buChar char="•"/>
-            </a:pPr>
-            <a:r>
-              <a:rPr lang="en-US" dirty="0"/>
-              <a:t>Numerical analysis</a:t>
-            </a:r>
-          </a:p>
-          <a:p>
-            <a:pPr>
-              <a:buFont typeface="Arial" panose="020B0604020202020204" pitchFamily="34" charset="0"/>
-              <a:buChar char="•"/>
-            </a:pPr>
-            <a:r>
-              <a:rPr lang="en-US" dirty="0"/>
-              <a:t>Summarization</a:t>
-            </a:r>
-          </a:p>
-          <a:p>
-            <a:endParaRPr lang="en-US" dirty="0"/>
-          </a:p>
-        </p:txBody>
-      </p:sp>
-      <p:pic>
-        <p:nvPicPr>
-          <p:cNvPr id="7" name="Picture 6"/>
-          <p:cNvPicPr>
-            <a:picLocks noChangeAspect="1"/>
-          </p:cNvPicPr>
-          <p:nvPr/>
-        </p:nvPicPr>
-        <p:blipFill>
-          <a:blip r:embed="rId2"/>
-          <a:stretch>
-            <a:fillRect/>
-          </a:stretch>
-        </p:blipFill>
-        <p:spPr>
-          <a:xfrm>
-            <a:off x="6807200" y="4267200"/>
-            <a:ext cx="4290001" cy="3943543"/>
-          </a:xfrm>
-          <a:prstGeom prst="rect">
-            <a:avLst/>
-          </a:prstGeom>
-        </p:spPr>
-      </p:pic>
-    </p:spTree>
-    <p:extLst>
-      <p:ext uri="{BB962C8B-B14F-4D97-AF65-F5344CB8AC3E}">
-        <p14:creationId xmlns:p14="http://schemas.microsoft.com/office/powerpoint/2010/main" val="2829459313"/>
-      </p:ext>
-    </p:extLst>
-  </p:cSld>
-  <p:clrMapOvr>
-    <a:masterClrMapping/>
-  </p:clrMapOvr>
-  <p:transition/>
-</p:sld>
-</file>
-
-<file path=ppt/slides/slide22.xml><?xml version="1.0" encoding="utf-8"?>
-<p:sld xmlns:a="http://schemas.openxmlformats.org/drawingml/2006/main" xmlns:r="http://schemas.openxmlformats.org/officeDocument/2006/relationships" xmlns:p="http://schemas.openxmlformats.org/presentationml/2006/main">
-  <p:cSld>
-    <p:spTree>
-      <p:nvGrpSpPr>
-        <p:cNvPr id="1" name=""/>
-        <p:cNvGrpSpPr/>
-        <p:nvPr/>
-      </p:nvGrpSpPr>
-      <p:grpSpPr>
-        <a:xfrm>
-          <a:off x="0" y="0"/>
-          <a:ext cx="0" cy="0"/>
-          <a:chOff x="0" y="0"/>
-          <a:chExt cx="0" cy="0"/>
-        </a:xfrm>
-      </p:grpSpPr>
-      <p:sp>
-        <p:nvSpPr>
-          <p:cNvPr id="2" name="Title 1"/>
-          <p:cNvSpPr>
-            <a:spLocks noGrp="1"/>
-          </p:cNvSpPr>
-          <p:nvPr>
-            <p:ph type="title"/>
-          </p:nvPr>
-        </p:nvSpPr>
-        <p:spPr/>
-        <p:txBody>
-          <a:bodyPr/>
-          <a:lstStyle/>
-          <a:p>
-            <a:r>
-              <a:rPr lang="en-US" dirty="0"/>
-              <a:t>Statistics 101</a:t>
-            </a:r>
-          </a:p>
-        </p:txBody>
-      </p:sp>
-      <p:sp>
-        <p:nvSpPr>
-          <p:cNvPr id="3" name="Content Placeholder 2"/>
-          <p:cNvSpPr>
-            <a:spLocks noGrp="1"/>
-          </p:cNvSpPr>
-          <p:nvPr>
-            <p:ph idx="1"/>
-          </p:nvPr>
-        </p:nvSpPr>
-        <p:spPr/>
-        <p:txBody>
-          <a:bodyPr/>
-          <a:lstStyle/>
-          <a:p>
-            <a:pPr>
-              <a:buFont typeface="Arial" panose="020B0604020202020204" pitchFamily="34" charset="0"/>
-              <a:buChar char="•"/>
-            </a:pPr>
-            <a:r>
-              <a:rPr lang="en-US" dirty="0"/>
-              <a:t>Observations</a:t>
-            </a:r>
-          </a:p>
-          <a:p>
-            <a:pPr>
-              <a:buFont typeface="Arial" panose="020B0604020202020204" pitchFamily="34" charset="0"/>
-              <a:buChar char="•"/>
-            </a:pPr>
-            <a:r>
-              <a:rPr lang="en-US" dirty="0"/>
-              <a:t>Variables</a:t>
-            </a:r>
-          </a:p>
-          <a:p>
-            <a:pPr>
-              <a:buFont typeface="Arial" panose="020B0604020202020204" pitchFamily="34" charset="0"/>
-              <a:buChar char="•"/>
-            </a:pPr>
-            <a:r>
-              <a:rPr lang="en-US" dirty="0"/>
-              <a:t>Categorical variable</a:t>
-            </a:r>
-          </a:p>
-          <a:p>
-            <a:pPr>
-              <a:buFont typeface="Arial" panose="020B0604020202020204" pitchFamily="34" charset="0"/>
-              <a:buChar char="•"/>
-            </a:pPr>
-            <a:r>
-              <a:rPr lang="en-US" dirty="0"/>
-              <a:t>Numeric Variable</a:t>
-            </a:r>
-          </a:p>
-        </p:txBody>
-      </p:sp>
-      <p:pic>
-        <p:nvPicPr>
-          <p:cNvPr id="8" name="Picture 7"/>
-          <p:cNvPicPr>
-            <a:picLocks noChangeAspect="1"/>
-          </p:cNvPicPr>
-          <p:nvPr/>
-        </p:nvPicPr>
-        <p:blipFill>
-          <a:blip r:embed="rId2"/>
-          <a:stretch>
-            <a:fillRect/>
-          </a:stretch>
-        </p:blipFill>
-        <p:spPr>
-          <a:xfrm>
-            <a:off x="4749800" y="4295247"/>
-            <a:ext cx="8081165" cy="4536322"/>
-          </a:xfrm>
-          <a:prstGeom prst="rect">
-            <a:avLst/>
-          </a:prstGeom>
-        </p:spPr>
-      </p:pic>
-    </p:spTree>
-    <p:extLst>
-      <p:ext uri="{BB962C8B-B14F-4D97-AF65-F5344CB8AC3E}">
-        <p14:creationId xmlns:p14="http://schemas.microsoft.com/office/powerpoint/2010/main" val="1874655273"/>
-      </p:ext>
-    </p:extLst>
-  </p:cSld>
-  <p:clrMapOvr>
-    <a:masterClrMapping/>
-  </p:clrMapOvr>
-  <p:transition/>
-</p:sld>
-</file>
-
-<file path=ppt/slides/slide23.xml><?xml version="1.0" encoding="utf-8"?>
-<p:sld xmlns:a="http://schemas.openxmlformats.org/drawingml/2006/main" xmlns:r="http://schemas.openxmlformats.org/officeDocument/2006/relationships" xmlns:p="http://schemas.openxmlformats.org/presentationml/2006/main">
-  <p:cSld>
-    <p:spTree>
-      <p:nvGrpSpPr>
-        <p:cNvPr id="1" name=""/>
-        <p:cNvGrpSpPr/>
-        <p:nvPr/>
-      </p:nvGrpSpPr>
-      <p:grpSpPr>
-        <a:xfrm>
-          <a:off x="0" y="0"/>
-          <a:ext cx="0" cy="0"/>
-          <a:chOff x="0" y="0"/>
-          <a:chExt cx="0" cy="0"/>
-        </a:xfrm>
-      </p:grpSpPr>
-      <p:sp>
-        <p:nvSpPr>
-          <p:cNvPr id="2" name="Title 1"/>
-          <p:cNvSpPr>
-            <a:spLocks noGrp="1"/>
-          </p:cNvSpPr>
-          <p:nvPr>
-            <p:ph type="title"/>
-          </p:nvPr>
-        </p:nvSpPr>
-        <p:spPr/>
-        <p:txBody>
-          <a:bodyPr/>
-          <a:lstStyle/>
-          <a:p>
-            <a:r>
-              <a:rPr lang="en-US"/>
-              <a:t>Descriptive statistics</a:t>
-            </a:r>
-            <a:endParaRPr lang="en-US"/>
-          </a:p>
-        </p:txBody>
-      </p:sp>
-      <p:sp>
-        <p:nvSpPr>
-          <p:cNvPr id="3" name="Content Placeholder 2"/>
-          <p:cNvSpPr>
-            <a:spLocks noGrp="1"/>
-          </p:cNvSpPr>
-          <p:nvPr>
-            <p:ph idx="1"/>
-          </p:nvPr>
-        </p:nvSpPr>
-        <p:spPr/>
-        <p:txBody>
-          <a:bodyPr/>
-          <a:lstStyle/>
-          <a:p>
-            <a:pPr>
-              <a:buFont typeface="Arial" panose="020B0604020202020204" pitchFamily="34" charset="0"/>
-              <a:buChar char="•"/>
-            </a:pPr>
-            <a:r>
-              <a:rPr lang="en-US" dirty="0"/>
-              <a:t>Data definitions</a:t>
-            </a:r>
-          </a:p>
-          <a:p>
-            <a:pPr>
-              <a:buFont typeface="Arial" panose="020B0604020202020204" pitchFamily="34" charset="0"/>
-              <a:buChar char="•"/>
-            </a:pPr>
-            <a:r>
-              <a:rPr lang="en-US" dirty="0"/>
-              <a:t>Numerical analysis</a:t>
-            </a:r>
-          </a:p>
-          <a:p>
-            <a:pPr>
-              <a:buFont typeface="Arial" panose="020B0604020202020204" pitchFamily="34" charset="0"/>
-              <a:buChar char="•"/>
-            </a:pPr>
-            <a:r>
-              <a:rPr lang="en-US" dirty="0"/>
-              <a:t>Summarization</a:t>
-            </a:r>
-          </a:p>
-          <a:p>
-            <a:endParaRPr lang="en-US" dirty="0"/>
-          </a:p>
-        </p:txBody>
-      </p:sp>
-      <p:pic>
-        <p:nvPicPr>
-          <p:cNvPr id="7" name="Picture 6"/>
-          <p:cNvPicPr>
-            <a:picLocks noChangeAspect="1"/>
-          </p:cNvPicPr>
-          <p:nvPr/>
-        </p:nvPicPr>
-        <p:blipFill>
-          <a:blip r:embed="rId3"/>
-          <a:stretch>
-            <a:fillRect/>
-          </a:stretch>
-        </p:blipFill>
-        <p:spPr>
-          <a:xfrm>
-            <a:off x="6807200" y="4267200"/>
-            <a:ext cx="4290001" cy="3943543"/>
-          </a:xfrm>
-          <a:prstGeom prst="rect">
-            <a:avLst/>
-          </a:prstGeom>
-        </p:spPr>
-      </p:pic>
-    </p:spTree>
-    <p:extLst>
-      <p:ext uri="{BB962C8B-B14F-4D97-AF65-F5344CB8AC3E}">
-        <p14:creationId xmlns:p14="http://schemas.microsoft.com/office/powerpoint/2010/main" val="2775327929"/>
-      </p:ext>
-    </p:extLst>
-  </p:cSld>
-  <p:clrMapOvr>
-    <a:masterClrMapping/>
-  </p:clrMapOvr>
-  <p:transition/>
-</p:sld>
-</file>
-
-<file path=ppt/slides/slide24.xml><?xml version="1.0" encoding="utf-8"?>
-<p:sld xmlns:a="http://schemas.openxmlformats.org/drawingml/2006/main" xmlns:r="http://schemas.openxmlformats.org/officeDocument/2006/relationships" xmlns:p="http://schemas.openxmlformats.org/presentationml/2006/main">
-  <p:cSld>
-    <p:spTree>
-      <p:nvGrpSpPr>
-        <p:cNvPr id="1" name=""/>
-        <p:cNvGrpSpPr/>
-        <p:nvPr/>
-      </p:nvGrpSpPr>
-      <p:grpSpPr>
-        <a:xfrm>
-          <a:off x="0" y="0"/>
-          <a:ext cx="0" cy="0"/>
-          <a:chOff x="0" y="0"/>
-          <a:chExt cx="0" cy="0"/>
-        </a:xfrm>
-      </p:grpSpPr>
-      <p:sp>
-        <p:nvSpPr>
-          <p:cNvPr id="2" name="Title 1"/>
-          <p:cNvSpPr>
-            <a:spLocks noGrp="1"/>
-          </p:cNvSpPr>
-          <p:nvPr>
-            <p:ph type="title"/>
-          </p:nvPr>
-        </p:nvSpPr>
-        <p:spPr/>
-        <p:txBody>
-          <a:bodyPr/>
-          <a:lstStyle/>
-          <a:p>
-            <a:r>
-              <a:rPr lang="en-US" dirty="0"/>
-              <a:t>Correlation</a:t>
-            </a:r>
-          </a:p>
-        </p:txBody>
-      </p:sp>
-      <p:sp>
-        <p:nvSpPr>
-          <p:cNvPr id="3" name="Content Placeholder 2"/>
-          <p:cNvSpPr>
-            <a:spLocks noGrp="1"/>
-          </p:cNvSpPr>
-          <p:nvPr>
-            <p:ph idx="1"/>
-          </p:nvPr>
-        </p:nvSpPr>
-        <p:spPr/>
-        <p:txBody>
-          <a:bodyPr/>
-          <a:lstStyle/>
-          <a:p>
-            <a:pPr>
-              <a:buFont typeface="Arial" panose="020B0604020202020204" pitchFamily="34" charset="0"/>
-              <a:buChar char="•"/>
-            </a:pPr>
-            <a:r>
-              <a:rPr lang="en-US" dirty="0"/>
-              <a:t>Effectiveness of relationship</a:t>
-            </a:r>
-          </a:p>
-          <a:p>
-            <a:pPr>
-              <a:buFont typeface="Arial" panose="020B0604020202020204" pitchFamily="34" charset="0"/>
-              <a:buChar char="•"/>
-            </a:pPr>
-            <a:r>
-              <a:rPr lang="en-US" dirty="0"/>
-              <a:t>Correlation coefficient</a:t>
-            </a:r>
-          </a:p>
-          <a:p>
-            <a:pPr>
-              <a:buFont typeface="Arial" panose="020B0604020202020204" pitchFamily="34" charset="0"/>
-              <a:buChar char="•"/>
-            </a:pPr>
-            <a:r>
-              <a:rPr lang="en-US" dirty="0"/>
-              <a:t>Unified scale</a:t>
-            </a:r>
-          </a:p>
-        </p:txBody>
-      </p:sp>
-      <p:pic>
-        <p:nvPicPr>
-          <p:cNvPr id="5" name="Picture 4"/>
-          <p:cNvPicPr>
-            <a:picLocks noChangeAspect="1"/>
-          </p:cNvPicPr>
-          <p:nvPr/>
-        </p:nvPicPr>
-        <p:blipFill>
-          <a:blip r:embed="rId2"/>
-          <a:stretch>
-            <a:fillRect/>
-          </a:stretch>
-        </p:blipFill>
-        <p:spPr>
-          <a:xfrm>
-            <a:off x="8235801" y="1925320"/>
-            <a:ext cx="3384699" cy="7127875"/>
-          </a:xfrm>
-          <a:prstGeom prst="rect">
-            <a:avLst/>
-          </a:prstGeom>
-        </p:spPr>
-      </p:pic>
-    </p:spTree>
-    <p:extLst>
-      <p:ext uri="{BB962C8B-B14F-4D97-AF65-F5344CB8AC3E}">
-        <p14:creationId xmlns:p14="http://schemas.microsoft.com/office/powerpoint/2010/main" val="2638848752"/>
-      </p:ext>
-    </p:extLst>
-  </p:cSld>
-  <p:clrMapOvr>
-    <a:masterClrMapping/>
-  </p:clrMapOvr>
-  <p:transition/>
-</p:sld>
-</file>
-
-<file path=ppt/slides/slide25.xml><?xml version="1.0" encoding="utf-8"?>
-<p:sld xmlns:a="http://schemas.openxmlformats.org/drawingml/2006/main" xmlns:r="http://schemas.openxmlformats.org/officeDocument/2006/relationships" xmlns:p="http://schemas.openxmlformats.org/presentationml/2006/main">
-  <p:cSld>
-    <p:spTree>
-      <p:nvGrpSpPr>
-        <p:cNvPr id="1" name=""/>
-        <p:cNvGrpSpPr/>
-        <p:nvPr/>
-      </p:nvGrpSpPr>
-      <p:grpSpPr>
-        <a:xfrm>
-          <a:off x="0" y="0"/>
-          <a:ext cx="0" cy="0"/>
-          <a:chOff x="0" y="0"/>
-          <a:chExt cx="0" cy="0"/>
-        </a:xfrm>
-      </p:grpSpPr>
-      <p:sp>
-        <p:nvSpPr>
-          <p:cNvPr id="2" name="Title 1"/>
-          <p:cNvSpPr>
-            <a:spLocks noGrp="1"/>
-          </p:cNvSpPr>
-          <p:nvPr>
-            <p:ph type="title"/>
-          </p:nvPr>
-        </p:nvSpPr>
-        <p:spPr/>
-        <p:txBody>
-          <a:bodyPr/>
-          <a:lstStyle/>
-          <a:p>
-            <a:r>
-              <a:rPr lang="en-US" dirty="0"/>
-              <a:t>Visualization</a:t>
-            </a:r>
-          </a:p>
-        </p:txBody>
-      </p:sp>
-      <p:sp>
-        <p:nvSpPr>
-          <p:cNvPr id="6" name="Content Placeholder 5"/>
-          <p:cNvSpPr>
-            <a:spLocks noGrp="1"/>
-          </p:cNvSpPr>
-          <p:nvPr>
-            <p:ph idx="1"/>
-          </p:nvPr>
-        </p:nvSpPr>
-        <p:spPr/>
-        <p:txBody>
-          <a:bodyPr/>
-          <a:lstStyle/>
-          <a:p>
-            <a:endParaRPr lang="en-US"/>
-          </a:p>
-        </p:txBody>
-      </p:sp>
-    </p:spTree>
-    <p:extLst>
-      <p:ext uri="{BB962C8B-B14F-4D97-AF65-F5344CB8AC3E}">
-        <p14:creationId xmlns:p14="http://schemas.microsoft.com/office/powerpoint/2010/main" val="3637067836"/>
-      </p:ext>
-    </p:extLst>
-  </p:cSld>
-  <p:clrMapOvr>
-    <a:masterClrMapping/>
-  </p:clrMapOvr>
-  <p:transition/>
-</p:sld>
-</file>
-
 <file path=ppt/slides/slide26.xml><?xml version="1.0" encoding="utf-8"?>
 <p:sld xmlns:a="http://schemas.openxmlformats.org/drawingml/2006/main" xmlns:r="http://schemas.openxmlformats.org/officeDocument/2006/relationships" xmlns:p="http://schemas.openxmlformats.org/presentationml/2006/main">
   <p:cSld>
@@ -15461,7 +15684,7 @@
           <a:p>
             <a:r>
               <a:rPr lang="en-US" dirty="0"/>
-              <a:t>Plotting systems</a:t>
+              <a:t>Statistics 101</a:t>
             </a:r>
           </a:p>
         </p:txBody>
@@ -15481,14 +15704,75 @@
           <a:bodyPr/>
           <a:lstStyle/>
           <a:p>
-            <a:endParaRPr lang="en-US"/>
+            <a:pPr>
+              <a:buFont typeface="Arial" panose="020B0604020202020204" pitchFamily="34" charset="0"/>
+              <a:buChar char="•"/>
+            </a:pPr>
+            <a:r>
+              <a:rPr lang="en-US" dirty="0"/>
+              <a:t>Observations</a:t>
+            </a:r>
+          </a:p>
+          <a:p>
+            <a:pPr>
+              <a:buFont typeface="Arial" panose="020B0604020202020204" pitchFamily="34" charset="0"/>
+              <a:buChar char="•"/>
+            </a:pPr>
+            <a:r>
+              <a:rPr lang="en-US" dirty="0"/>
+              <a:t>Variables</a:t>
+            </a:r>
+          </a:p>
+          <a:p>
+            <a:pPr>
+              <a:buFont typeface="Arial" panose="020B0604020202020204" pitchFamily="34" charset="0"/>
+              <a:buChar char="•"/>
+            </a:pPr>
+            <a:r>
+              <a:rPr lang="en-US" dirty="0"/>
+              <a:t>Categorical variable</a:t>
+            </a:r>
+          </a:p>
+          <a:p>
+            <a:pPr>
+              <a:buFont typeface="Arial" panose="020B0604020202020204" pitchFamily="34" charset="0"/>
+              <a:buChar char="•"/>
+            </a:pPr>
+            <a:r>
+              <a:rPr lang="en-US" dirty="0"/>
+              <a:t>Numeric Variable</a:t>
+            </a:r>
           </a:p>
         </p:txBody>
       </p:sp>
+      <p:pic>
+        <p:nvPicPr>
+          <p:cNvPr id="8" name="Picture 7"/>
+          <p:cNvPicPr>
+            <a:picLocks noChangeAspect="1"/>
+          </p:cNvPicPr>
+          <p:nvPr/>
+        </p:nvPicPr>
+        <p:blipFill>
+          <a:blip r:embed="rId2"/>
+          <a:stretch>
+            <a:fillRect/>
+          </a:stretch>
+        </p:blipFill>
+        <p:spPr>
+          <a:xfrm>
+            <a:off x="4749800" y="4295247"/>
+            <a:ext cx="8081165" cy="4536322"/>
+          </a:xfrm>
+          <a:prstGeom prst="rect">
+            <a:avLst/>
+          </a:prstGeom>
+        </p:spPr>
+      </p:pic>
     </p:spTree>
     <p:extLst>
       <p:ext uri="{BB962C8B-B14F-4D97-AF65-F5344CB8AC3E}">
-        <p14:creationId xmlns:p14="http://schemas.microsoft.com/office/powerpoint/2010/main" val="1908189631"/>
+        <p14:creationId xmlns:p14="http://schemas.microsoft.com/office/powerpoint/2010/main" val="1874655273"/>
       </p:ext>
     </p:extLst>
   </p:cSld>
@@ -15532,8 +15816,8 @@
           <a:lstStyle/>
           <a:p>
             <a:r>
-              <a:rPr lang="en-US" dirty="0"/>
-              <a:t>Types of visualization</a:t>
+              <a:rPr lang="en-US"/>
+              <a:t>Descriptive statistics</a:t>
             </a:r>
           </a:p>
         </p:txBody>
@@ -15558,6 +15842,680 @@
               <a:buChar char="•"/>
             </a:pPr>
             <a:r>
+              <a:rPr lang="en-US" dirty="0"/>
+              <a:t>Data definitions</a:t>
+            </a:r>
+          </a:p>
+          <a:p>
+            <a:pPr>
+              <a:buFont typeface="Arial" panose="020B0604020202020204" pitchFamily="34" charset="0"/>
+              <a:buChar char="•"/>
+            </a:pPr>
+            <a:r>
+              <a:rPr lang="en-US" dirty="0"/>
+              <a:t>Numerical analysis</a:t>
+            </a:r>
+          </a:p>
+          <a:p>
+            <a:pPr>
+              <a:buFont typeface="Arial" panose="020B0604020202020204" pitchFamily="34" charset="0"/>
+              <a:buChar char="•"/>
+            </a:pPr>
+            <a:r>
+              <a:rPr lang="en-US" dirty="0"/>
+              <a:t>Summarization</a:t>
+            </a:r>
+          </a:p>
+          <a:p>
+            <a:endParaRPr lang="en-US" dirty="0"/>
+          </a:p>
+        </p:txBody>
+      </p:sp>
+    </p:spTree>
+    <p:extLst>
+      <p:ext uri="{BB962C8B-B14F-4D97-AF65-F5344CB8AC3E}">
+        <p14:creationId xmlns:p14="http://schemas.microsoft.com/office/powerpoint/2010/main" val="2829459313"/>
+      </p:ext>
+    </p:extLst>
+  </p:cSld>
+  <p:clrMapOvr>
+    <a:masterClrMapping/>
+  </p:clrMapOvr>
+  <p:transition/>
+</p:sld>
+</file>
+
+<file path=ppt/slides/slide28.xml><?xml version="1.0" encoding="utf-8"?>
+<p:sld xmlns:a="http://schemas.openxmlformats.org/drawingml/2006/main" xmlns:r="http://schemas.openxmlformats.org/officeDocument/2006/relationships" xmlns:p="http://schemas.openxmlformats.org/presentationml/2006/main">
+  <p:cSld>
+    <p:spTree>
+      <p:nvGrpSpPr>
+        <p:cNvPr id="1" name=""/>
+        <p:cNvGrpSpPr/>
+        <p:nvPr/>
+      </p:nvGrpSpPr>
+      <p:grpSpPr>
+        <a:xfrm>
+          <a:off x="0" y="0"/>
+          <a:ext cx="0" cy="0"/>
+          <a:chOff x="0" y="0"/>
+          <a:chExt cx="0" cy="0"/>
+        </a:xfrm>
+      </p:grpSpPr>
+      <p:sp>
+        <p:nvSpPr>
+          <p:cNvPr id="2" name="Title 1"/>
+          <p:cNvSpPr>
+            <a:spLocks noGrp="1"/>
+          </p:cNvSpPr>
+          <p:nvPr>
+            <p:ph type="title"/>
+          </p:nvPr>
+        </p:nvSpPr>
+        <p:spPr/>
+        <p:txBody>
+          <a:bodyPr/>
+          <a:lstStyle/>
+          <a:p>
+            <a:r>
+              <a:rPr lang="en-US"/>
+              <a:t>Descriptive statistics</a:t>
+            </a:r>
+          </a:p>
+        </p:txBody>
+      </p:sp>
+      <p:pic>
+        <p:nvPicPr>
+          <p:cNvPr id="6" name="Content Placeholder 5"/>
+          <p:cNvPicPr>
+            <a:picLocks noGrp="1" noChangeAspect="1"/>
+          </p:cNvPicPr>
+          <p:nvPr>
+            <p:ph idx="1"/>
+          </p:nvPr>
+        </p:nvPicPr>
+        <p:blipFill>
+          <a:blip r:embed="rId2"/>
+          <a:stretch>
+            <a:fillRect/>
+          </a:stretch>
+        </p:blipFill>
+        <p:spPr>
+          <a:xfrm>
+            <a:off x="3073399" y="2438400"/>
+            <a:ext cx="6419273" cy="4953000"/>
+          </a:xfrm>
+          <a:prstGeom prst="rect">
+            <a:avLst/>
+          </a:prstGeom>
+        </p:spPr>
+      </p:pic>
+    </p:spTree>
+    <p:extLst>
+      <p:ext uri="{BB962C8B-B14F-4D97-AF65-F5344CB8AC3E}">
+        <p14:creationId xmlns:p14="http://schemas.microsoft.com/office/powerpoint/2010/main" val="3317039380"/>
+      </p:ext>
+    </p:extLst>
+  </p:cSld>
+  <p:clrMapOvr>
+    <a:masterClrMapping/>
+  </p:clrMapOvr>
+  <p:transition/>
+</p:sld>
+</file>
+
+<file path=ppt/slides/slide29.xml><?xml version="1.0" encoding="utf-8"?>
+<p:sld xmlns:a="http://schemas.openxmlformats.org/drawingml/2006/main" xmlns:r="http://schemas.openxmlformats.org/officeDocument/2006/relationships" xmlns:p="http://schemas.openxmlformats.org/presentationml/2006/main">
+  <p:cSld>
+    <p:spTree>
+      <p:nvGrpSpPr>
+        <p:cNvPr id="1" name=""/>
+        <p:cNvGrpSpPr/>
+        <p:nvPr/>
+      </p:nvGrpSpPr>
+      <p:grpSpPr>
+        <a:xfrm>
+          <a:off x="0" y="0"/>
+          <a:ext cx="0" cy="0"/>
+          <a:chOff x="0" y="0"/>
+          <a:chExt cx="0" cy="0"/>
+        </a:xfrm>
+      </p:grpSpPr>
+      <p:sp>
+        <p:nvSpPr>
+          <p:cNvPr id="2" name="Title 1"/>
+          <p:cNvSpPr>
+            <a:spLocks noGrp="1"/>
+          </p:cNvSpPr>
+          <p:nvPr>
+            <p:ph type="title"/>
+          </p:nvPr>
+        </p:nvSpPr>
+        <p:spPr/>
+        <p:txBody>
+          <a:bodyPr/>
+          <a:lstStyle/>
+          <a:p>
+            <a:r>
+              <a:rPr lang="en-US" dirty="0"/>
+              <a:t>Correlation</a:t>
+            </a:r>
+          </a:p>
+        </p:txBody>
+      </p:sp>
+      <p:sp>
+        <p:nvSpPr>
+          <p:cNvPr id="3" name="Content Placeholder 2"/>
+          <p:cNvSpPr>
+            <a:spLocks noGrp="1"/>
+          </p:cNvSpPr>
+          <p:nvPr>
+            <p:ph idx="1"/>
+          </p:nvPr>
+        </p:nvSpPr>
+        <p:spPr/>
+        <p:txBody>
+          <a:bodyPr/>
+          <a:lstStyle/>
+          <a:p>
+            <a:pPr>
+              <a:buFont typeface="Arial" panose="020B0604020202020204" pitchFamily="34" charset="0"/>
+              <a:buChar char="•"/>
+            </a:pPr>
+            <a:r>
+              <a:rPr lang="en-US" dirty="0"/>
+              <a:t>Effectiveness of relationship</a:t>
+            </a:r>
+          </a:p>
+          <a:p>
+            <a:pPr>
+              <a:buFont typeface="Arial" panose="020B0604020202020204" pitchFamily="34" charset="0"/>
+              <a:buChar char="•"/>
+            </a:pPr>
+            <a:r>
+              <a:rPr lang="en-US" dirty="0"/>
+              <a:t>Correlation coefficient</a:t>
+            </a:r>
+          </a:p>
+          <a:p>
+            <a:pPr>
+              <a:buFont typeface="Arial" panose="020B0604020202020204" pitchFamily="34" charset="0"/>
+              <a:buChar char="•"/>
+            </a:pPr>
+            <a:r>
+              <a:rPr lang="en-US" dirty="0"/>
+              <a:t>Unified scale</a:t>
+            </a:r>
+          </a:p>
+        </p:txBody>
+      </p:sp>
+      <p:pic>
+        <p:nvPicPr>
+          <p:cNvPr id="5" name="Picture 4"/>
+          <p:cNvPicPr>
+            <a:picLocks noChangeAspect="1"/>
+          </p:cNvPicPr>
+          <p:nvPr/>
+        </p:nvPicPr>
+        <p:blipFill>
+          <a:blip r:embed="rId2"/>
+          <a:stretch>
+            <a:fillRect/>
+          </a:stretch>
+        </p:blipFill>
+        <p:spPr>
+          <a:xfrm>
+            <a:off x="8235801" y="1925320"/>
+            <a:ext cx="3384699" cy="7127875"/>
+          </a:xfrm>
+          <a:prstGeom prst="rect">
+            <a:avLst/>
+          </a:prstGeom>
+        </p:spPr>
+      </p:pic>
+    </p:spTree>
+    <p:extLst>
+      <p:ext uri="{BB962C8B-B14F-4D97-AF65-F5344CB8AC3E}">
+        <p14:creationId xmlns:p14="http://schemas.microsoft.com/office/powerpoint/2010/main" val="2638848752"/>
+      </p:ext>
+    </p:extLst>
+  </p:cSld>
+  <p:clrMapOvr>
+    <a:masterClrMapping/>
+  </p:clrMapOvr>
+  <p:transition/>
+</p:sld>
+</file>
+
+<file path=ppt/slides/slide3.xml><?xml version="1.0" encoding="utf-8"?>
+<p:sld xmlns:a="http://schemas.openxmlformats.org/drawingml/2006/main" xmlns:r="http://schemas.openxmlformats.org/officeDocument/2006/relationships" xmlns:p="http://schemas.openxmlformats.org/presentationml/2006/main" showMasterSp="0">
+  <p:cSld>
+    <p:spTree>
+      <p:nvGrpSpPr>
+        <p:cNvPr id="1" name=""/>
+        <p:cNvGrpSpPr/>
+        <p:nvPr/>
+      </p:nvGrpSpPr>
+      <p:grpSpPr>
+        <a:xfrm>
+          <a:off x="0" y="0"/>
+          <a:ext cx="0" cy="0"/>
+          <a:chOff x="0" y="0"/>
+          <a:chExt cx="0" cy="0"/>
+        </a:xfrm>
+      </p:grpSpPr>
+      <p:sp>
+        <p:nvSpPr>
+          <p:cNvPr id="2" name="Title 1"/>
+          <p:cNvSpPr>
+            <a:spLocks noGrp="1"/>
+          </p:cNvSpPr>
+          <p:nvPr>
+            <p:ph type="title"/>
+          </p:nvPr>
+        </p:nvSpPr>
+        <p:spPr/>
+        <p:txBody>
+          <a:bodyPr/>
+          <a:lstStyle/>
+          <a:p>
+            <a:r>
+              <a:rPr lang="en-US" dirty="0"/>
+              <a:t>What is data science?</a:t>
+            </a:r>
+          </a:p>
+        </p:txBody>
+      </p:sp>
+      <p:graphicFrame>
+        <p:nvGraphicFramePr>
+          <p:cNvPr id="5" name="Diagram 4"/>
+          <p:cNvGraphicFramePr/>
+          <p:nvPr>
+            <p:extLst>
+              <p:ext uri="{D42A27DB-BD31-4B8C-83A1-F6EECF244321}">
+                <p14:modId xmlns:p14="http://schemas.microsoft.com/office/powerpoint/2010/main" val="2080695617"/>
+              </p:ext>
+            </p:extLst>
+          </p:nvPr>
+        </p:nvGraphicFramePr>
+        <p:xfrm>
+          <a:off x="2167466" y="1986844"/>
+          <a:ext cx="8669867" cy="5779911"/>
+        </p:xfrm>
+        <a:graphic>
+          <a:graphicData uri="http://schemas.openxmlformats.org/drawingml/2006/diagram">
+            <dgm:relIds xmlns:dgm="http://schemas.openxmlformats.org/drawingml/2006/diagram" xmlns:r="http://schemas.openxmlformats.org/officeDocument/2006/relationships" r:dm="rId3" r:lo="rId4" r:qs="rId5" r:cs="rId6"/>
+          </a:graphicData>
+        </a:graphic>
+      </p:graphicFrame>
+    </p:spTree>
+    <p:extLst>
+      <p:ext uri="{BB962C8B-B14F-4D97-AF65-F5344CB8AC3E}">
+        <p14:creationId xmlns:p14="http://schemas.microsoft.com/office/powerpoint/2010/main" val="2655346092"/>
+      </p:ext>
+    </p:extLst>
+  </p:cSld>
+  <p:clrMapOvr>
+    <a:masterClrMapping/>
+  </p:clrMapOvr>
+  <p:transition/>
+</p:sld>
+</file>
+
+<file path=ppt/slides/slide30.xml><?xml version="1.0" encoding="utf-8"?>
+<p:sld xmlns:a="http://schemas.openxmlformats.org/drawingml/2006/main" xmlns:r="http://schemas.openxmlformats.org/officeDocument/2006/relationships" xmlns:p="http://schemas.openxmlformats.org/presentationml/2006/main">
+  <p:cSld>
+    <p:spTree>
+      <p:nvGrpSpPr>
+        <p:cNvPr id="1" name=""/>
+        <p:cNvGrpSpPr/>
+        <p:nvPr/>
+      </p:nvGrpSpPr>
+      <p:grpSpPr>
+        <a:xfrm>
+          <a:off x="0" y="0"/>
+          <a:ext cx="0" cy="0"/>
+          <a:chOff x="0" y="0"/>
+          <a:chExt cx="0" cy="0"/>
+        </a:xfrm>
+      </p:grpSpPr>
+      <p:sp>
+        <p:nvSpPr>
+          <p:cNvPr id="2" name="Title 1"/>
+          <p:cNvSpPr>
+            <a:spLocks noGrp="1"/>
+          </p:cNvSpPr>
+          <p:nvPr>
+            <p:ph type="title"/>
+          </p:nvPr>
+        </p:nvSpPr>
+        <p:spPr/>
+        <p:txBody>
+          <a:bodyPr/>
+          <a:lstStyle/>
+          <a:p>
+            <a:r>
+              <a:rPr lang="en-US" dirty="0"/>
+              <a:t>Correlation</a:t>
+            </a:r>
+          </a:p>
+        </p:txBody>
+      </p:sp>
+      <p:sp>
+        <p:nvSpPr>
+          <p:cNvPr id="3" name="Content Placeholder 2"/>
+          <p:cNvSpPr>
+            <a:spLocks noGrp="1"/>
+          </p:cNvSpPr>
+          <p:nvPr>
+            <p:ph idx="1"/>
+          </p:nvPr>
+        </p:nvSpPr>
+        <p:spPr/>
+        <p:txBody>
+          <a:bodyPr/>
+          <a:lstStyle/>
+          <a:p>
+            <a:pPr>
+              <a:buFont typeface="Arial" panose="020B0604020202020204" pitchFamily="34" charset="0"/>
+              <a:buChar char="•"/>
+            </a:pPr>
+            <a:r>
+              <a:rPr lang="en-US"/>
+              <a:t>Effectiveness of relationship</a:t>
+            </a:r>
+          </a:p>
+          <a:p>
+            <a:pPr>
+              <a:buFont typeface="Arial" panose="020B0604020202020204" pitchFamily="34" charset="0"/>
+              <a:buChar char="•"/>
+            </a:pPr>
+            <a:r>
+              <a:rPr lang="en-US"/>
+              <a:t>Correlation coefficient</a:t>
+            </a:r>
+          </a:p>
+          <a:p>
+            <a:pPr>
+              <a:buFont typeface="Arial" panose="020B0604020202020204" pitchFamily="34" charset="0"/>
+              <a:buChar char="•"/>
+            </a:pPr>
+            <a:r>
+              <a:rPr lang="en-US"/>
+              <a:t>Unified scale</a:t>
+            </a:r>
+            <a:endParaRPr lang="en-US" dirty="0"/>
+          </a:p>
+        </p:txBody>
+      </p:sp>
+    </p:spTree>
+    <p:extLst>
+      <p:ext uri="{BB962C8B-B14F-4D97-AF65-F5344CB8AC3E}">
+        <p14:creationId xmlns:p14="http://schemas.microsoft.com/office/powerpoint/2010/main" val="3204655766"/>
+      </p:ext>
+    </p:extLst>
+  </p:cSld>
+  <p:clrMapOvr>
+    <a:masterClrMapping/>
+  </p:clrMapOvr>
+  <p:transition/>
+</p:sld>
+</file>
+
+<file path=ppt/slides/slide31.xml><?xml version="1.0" encoding="utf-8"?>
+<p:sld xmlns:a="http://schemas.openxmlformats.org/drawingml/2006/main" xmlns:r="http://schemas.openxmlformats.org/officeDocument/2006/relationships" xmlns:p="http://schemas.openxmlformats.org/presentationml/2006/main">
+  <p:cSld>
+    <p:spTree>
+      <p:nvGrpSpPr>
+        <p:cNvPr id="1" name=""/>
+        <p:cNvGrpSpPr/>
+        <p:nvPr/>
+      </p:nvGrpSpPr>
+      <p:grpSpPr>
+        <a:xfrm>
+          <a:off x="0" y="0"/>
+          <a:ext cx="0" cy="0"/>
+          <a:chOff x="0" y="0"/>
+          <a:chExt cx="0" cy="0"/>
+        </a:xfrm>
+      </p:grpSpPr>
+      <p:sp>
+        <p:nvSpPr>
+          <p:cNvPr id="2" name="Title 1"/>
+          <p:cNvSpPr>
+            <a:spLocks noGrp="1"/>
+          </p:cNvSpPr>
+          <p:nvPr>
+            <p:ph type="title"/>
+          </p:nvPr>
+        </p:nvSpPr>
+        <p:spPr/>
+        <p:txBody>
+          <a:bodyPr/>
+          <a:lstStyle/>
+          <a:p>
+            <a:r>
+              <a:rPr lang="en-US" dirty="0"/>
+              <a:t>Correlation</a:t>
+            </a:r>
+          </a:p>
+        </p:txBody>
+      </p:sp>
+      <p:sp>
+        <p:nvSpPr>
+          <p:cNvPr id="3" name="Content Placeholder 2"/>
+          <p:cNvSpPr>
+            <a:spLocks noGrp="1"/>
+          </p:cNvSpPr>
+          <p:nvPr>
+            <p:ph idx="1"/>
+          </p:nvPr>
+        </p:nvSpPr>
+        <p:spPr/>
+        <p:txBody>
+          <a:bodyPr/>
+          <a:lstStyle/>
+          <a:p>
+            <a:pPr>
+              <a:buFont typeface="Arial" panose="020B0604020202020204" pitchFamily="34" charset="0"/>
+              <a:buChar char="•"/>
+            </a:pPr>
+            <a:r>
+              <a:rPr lang="en-US" dirty="0"/>
+              <a:t>Effectiveness of relationship</a:t>
+            </a:r>
+          </a:p>
+          <a:p>
+            <a:pPr>
+              <a:buFont typeface="Arial" panose="020B0604020202020204" pitchFamily="34" charset="0"/>
+              <a:buChar char="•"/>
+            </a:pPr>
+            <a:r>
+              <a:rPr lang="en-US" dirty="0"/>
+              <a:t>Correlation coefficient</a:t>
+            </a:r>
+          </a:p>
+          <a:p>
+            <a:pPr>
+              <a:buFont typeface="Arial" panose="020B0604020202020204" pitchFamily="34" charset="0"/>
+              <a:buChar char="•"/>
+            </a:pPr>
+            <a:r>
+              <a:rPr lang="en-US" dirty="0"/>
+              <a:t>Unified scale</a:t>
+            </a:r>
+          </a:p>
+        </p:txBody>
+      </p:sp>
+      <p:pic>
+        <p:nvPicPr>
+          <p:cNvPr id="4" name="Picture 3"/>
+          <p:cNvPicPr>
+            <a:picLocks noChangeAspect="1"/>
+          </p:cNvPicPr>
+          <p:nvPr/>
+        </p:nvPicPr>
+        <p:blipFill>
+          <a:blip r:embed="rId2"/>
+          <a:stretch>
+            <a:fillRect/>
+          </a:stretch>
+        </p:blipFill>
+        <p:spPr>
+          <a:xfrm>
+            <a:off x="4392612" y="3257550"/>
+            <a:ext cx="4219575" cy="3238500"/>
+          </a:xfrm>
+          <a:prstGeom prst="rect">
+            <a:avLst/>
+          </a:prstGeom>
+        </p:spPr>
+      </p:pic>
+    </p:spTree>
+    <p:extLst>
+      <p:ext uri="{BB962C8B-B14F-4D97-AF65-F5344CB8AC3E}">
+        <p14:creationId xmlns:p14="http://schemas.microsoft.com/office/powerpoint/2010/main" val="4202011972"/>
+      </p:ext>
+    </p:extLst>
+  </p:cSld>
+  <p:clrMapOvr>
+    <a:masterClrMapping/>
+  </p:clrMapOvr>
+  <p:transition/>
+</p:sld>
+</file>
+
+<file path=ppt/slides/slide32.xml><?xml version="1.0" encoding="utf-8"?>
+<p:sld xmlns:a="http://schemas.openxmlformats.org/drawingml/2006/main" xmlns:r="http://schemas.openxmlformats.org/officeDocument/2006/relationships" xmlns:p="http://schemas.openxmlformats.org/presentationml/2006/main">
+  <p:cSld>
+    <p:spTree>
+      <p:nvGrpSpPr>
+        <p:cNvPr id="1" name=""/>
+        <p:cNvGrpSpPr/>
+        <p:nvPr/>
+      </p:nvGrpSpPr>
+      <p:grpSpPr>
+        <a:xfrm>
+          <a:off x="0" y="0"/>
+          <a:ext cx="0" cy="0"/>
+          <a:chOff x="0" y="0"/>
+          <a:chExt cx="0" cy="0"/>
+        </a:xfrm>
+      </p:grpSpPr>
+      <p:sp>
+        <p:nvSpPr>
+          <p:cNvPr id="2" name="Title 1"/>
+          <p:cNvSpPr>
+            <a:spLocks noGrp="1"/>
+          </p:cNvSpPr>
+          <p:nvPr>
+            <p:ph type="title"/>
+          </p:nvPr>
+        </p:nvSpPr>
+        <p:spPr/>
+        <p:txBody>
+          <a:bodyPr/>
+          <a:lstStyle/>
+          <a:p>
+            <a:r>
+              <a:rPr lang="en-US" dirty="0"/>
+              <a:t>Visualization</a:t>
+            </a:r>
+          </a:p>
+        </p:txBody>
+      </p:sp>
+      <p:sp>
+        <p:nvSpPr>
+          <p:cNvPr id="6" name="Content Placeholder 5"/>
+          <p:cNvSpPr>
+            <a:spLocks noGrp="1"/>
+          </p:cNvSpPr>
+          <p:nvPr>
+            <p:ph idx="1"/>
+          </p:nvPr>
+        </p:nvSpPr>
+        <p:spPr/>
+        <p:txBody>
+          <a:bodyPr/>
+          <a:lstStyle/>
+          <a:p>
+            <a:endParaRPr lang="en-US"/>
+          </a:p>
+        </p:txBody>
+      </p:sp>
+    </p:spTree>
+    <p:extLst>
+      <p:ext uri="{BB962C8B-B14F-4D97-AF65-F5344CB8AC3E}">
+        <p14:creationId xmlns:p14="http://schemas.microsoft.com/office/powerpoint/2010/main" val="3637067836"/>
+      </p:ext>
+    </p:extLst>
+  </p:cSld>
+  <p:clrMapOvr>
+    <a:masterClrMapping/>
+  </p:clrMapOvr>
+  <p:transition/>
+</p:sld>
+</file>
+
+<file path=ppt/slides/slide33.xml><?xml version="1.0" encoding="utf-8"?>
+<p:sld xmlns:a="http://schemas.openxmlformats.org/drawingml/2006/main" xmlns:r="http://schemas.openxmlformats.org/officeDocument/2006/relationships" xmlns:p="http://schemas.openxmlformats.org/presentationml/2006/main">
+  <p:cSld>
+    <p:spTree>
+      <p:nvGrpSpPr>
+        <p:cNvPr id="1" name=""/>
+        <p:cNvGrpSpPr/>
+        <p:nvPr/>
+      </p:nvGrpSpPr>
+      <p:grpSpPr>
+        <a:xfrm>
+          <a:off x="0" y="0"/>
+          <a:ext cx="0" cy="0"/>
+          <a:chOff x="0" y="0"/>
+          <a:chExt cx="0" cy="0"/>
+        </a:xfrm>
+      </p:grpSpPr>
+      <p:sp>
+        <p:nvSpPr>
+          <p:cNvPr id="2" name="Title 1"/>
+          <p:cNvSpPr>
+            <a:spLocks noGrp="1"/>
+          </p:cNvSpPr>
+          <p:nvPr>
+            <p:ph type="title"/>
+          </p:nvPr>
+        </p:nvSpPr>
+        <p:spPr/>
+        <p:txBody>
+          <a:bodyPr/>
+          <a:lstStyle/>
+          <a:p>
+            <a:r>
+              <a:rPr lang="en-US" dirty="0"/>
+              <a:t>Types of visualization</a:t>
+            </a:r>
+          </a:p>
+        </p:txBody>
+      </p:sp>
+      <p:sp>
+        <p:nvSpPr>
+          <p:cNvPr id="3" name="Content Placeholder 2"/>
+          <p:cNvSpPr>
+            <a:spLocks noGrp="1"/>
+          </p:cNvSpPr>
+          <p:nvPr>
+            <p:ph idx="1"/>
+          </p:nvPr>
+        </p:nvSpPr>
+        <p:spPr/>
+        <p:txBody>
+          <a:bodyPr/>
+          <a:lstStyle/>
+          <a:p>
+            <a:pPr>
+              <a:buFont typeface="Arial" panose="020B0604020202020204" pitchFamily="34" charset="0"/>
+              <a:buChar char="•"/>
+            </a:pPr>
+            <a:r>
               <a:rPr lang="en-US"/>
               <a:t>Bar</a:t>
             </a:r>
@@ -15632,7 +16590,7 @@
 </p:sld>
 </file>
 
-<file path=ppt/slides/slide28.xml><?xml version="1.0" encoding="utf-8"?>
+<file path=ppt/slides/slide34.xml><?xml version="1.0" encoding="utf-8"?>
 <p:sld xmlns:a="http://schemas.openxmlformats.org/drawingml/2006/main" xmlns:r="http://schemas.openxmlformats.org/officeDocument/2006/relationships" xmlns:p="http://schemas.openxmlformats.org/presentationml/2006/main">
   <p:cSld>
     <p:spTree>
@@ -15757,7 +16715,7 @@
 </p:sld>
 </file>
 
-<file path=ppt/slides/slide29.xml><?xml version="1.0" encoding="utf-8"?>
+<file path=ppt/slides/slide35.xml><?xml version="1.0" encoding="utf-8"?>
 <p:sld xmlns:a="http://schemas.openxmlformats.org/drawingml/2006/main" xmlns:r="http://schemas.openxmlformats.org/officeDocument/2006/relationships" xmlns:p="http://schemas.openxmlformats.org/presentationml/2006/main">
   <p:cSld>
     <p:spTree>
@@ -15873,82 +16831,7 @@
 </p:sld>
 </file>
 
-<file path=ppt/slides/slide3.xml><?xml version="1.0" encoding="utf-8"?>
-<p:sld xmlns:a="http://schemas.openxmlformats.org/drawingml/2006/main" xmlns:r="http://schemas.openxmlformats.org/officeDocument/2006/relationships" xmlns:p="http://schemas.openxmlformats.org/presentationml/2006/main" showMasterSp="0">
-  <p:cSld>
-    <p:spTree>
-      <p:nvGrpSpPr>
-        <p:cNvPr id="1" name=""/>
-        <p:cNvGrpSpPr/>
-        <p:nvPr/>
-      </p:nvGrpSpPr>
-      <p:grpSpPr>
-        <a:xfrm>
-          <a:off x="0" y="0"/>
-          <a:ext cx="0" cy="0"/>
-          <a:chOff x="0" y="0"/>
-          <a:chExt cx="0" cy="0"/>
-        </a:xfrm>
-      </p:grpSpPr>
-      <p:sp>
-        <p:nvSpPr>
-          <p:cNvPr id="2" name="Title 1"/>
-          <p:cNvSpPr>
-            <a:spLocks noGrp="1"/>
-          </p:cNvSpPr>
-          <p:nvPr>
-            <p:ph type="title"/>
-          </p:nvPr>
-        </p:nvSpPr>
-        <p:spPr/>
-        <p:txBody>
-          <a:bodyPr/>
-          <a:lstStyle/>
-          <a:p>
-            <a:r>
-              <a:rPr lang="en-US" dirty="0"/>
-              <a:t>What is data science?</a:t>
-            </a:r>
-          </a:p>
-        </p:txBody>
-      </p:sp>
-      <p:graphicFrame>
-        <p:nvGraphicFramePr>
-          <p:cNvPr id="5" name="Diagram 4"/>
-          <p:cNvGraphicFramePr/>
-          <p:nvPr>
-            <p:extLst>
-              <p:ext uri="{D42A27DB-BD31-4B8C-83A1-F6EECF244321}">
-                <p14:modId xmlns:p14="http://schemas.microsoft.com/office/powerpoint/2010/main" val="2080695617"/>
-              </p:ext>
-            </p:extLst>
-          </p:nvPr>
-        </p:nvGraphicFramePr>
-        <p:xfrm>
-          <a:off x="2167466" y="1986844"/>
-          <a:ext cx="8669867" cy="5779911"/>
-        </p:xfrm>
-        <a:graphic>
-          <a:graphicData uri="http://schemas.openxmlformats.org/drawingml/2006/diagram">
-            <dgm:relIds xmlns:dgm="http://schemas.openxmlformats.org/drawingml/2006/diagram" xmlns:r="http://schemas.openxmlformats.org/officeDocument/2006/relationships" r:dm="rId3" r:lo="rId4" r:qs="rId5" r:cs="rId6"/>
-          </a:graphicData>
-        </a:graphic>
-      </p:graphicFrame>
-    </p:spTree>
-    <p:extLst>
-      <p:ext uri="{BB962C8B-B14F-4D97-AF65-F5344CB8AC3E}">
-        <p14:creationId xmlns:p14="http://schemas.microsoft.com/office/powerpoint/2010/main" val="2655346092"/>
-      </p:ext>
-    </p:extLst>
-  </p:cSld>
-  <p:clrMapOvr>
-    <a:masterClrMapping/>
-  </p:clrMapOvr>
-  <p:transition/>
-</p:sld>
-</file>
-
-<file path=ppt/slides/slide30.xml><?xml version="1.0" encoding="utf-8"?>
+<file path=ppt/slides/slide36.xml><?xml version="1.0" encoding="utf-8"?>
 <p:sld xmlns:a="http://schemas.openxmlformats.org/drawingml/2006/main" xmlns:r="http://schemas.openxmlformats.org/officeDocument/2006/relationships" xmlns:p="http://schemas.openxmlformats.org/presentationml/2006/main">
   <p:cSld>
     <p:spTree>
@@ -16002,7 +16885,7 @@
 </p:sld>
 </file>
 
-<file path=ppt/slides/slide31.xml><?xml version="1.0" encoding="utf-8"?>
+<file path=ppt/slides/slide37.xml><?xml version="1.0" encoding="utf-8"?>
 <p:sld xmlns:a="http://schemas.openxmlformats.org/drawingml/2006/main" xmlns:r="http://schemas.openxmlformats.org/officeDocument/2006/relationships" xmlns:p="http://schemas.openxmlformats.org/presentationml/2006/main">
   <p:cSld>
     <p:spTree>
@@ -16371,7 +17254,7 @@
 </p:sld>
 </file>
 
-<file path=ppt/slides/slide32.xml><?xml version="1.0" encoding="utf-8"?>
+<file path=ppt/slides/slide38.xml><?xml version="1.0" encoding="utf-8"?>
 <p:sld xmlns:a="http://schemas.openxmlformats.org/drawingml/2006/main" xmlns:r="http://schemas.openxmlformats.org/officeDocument/2006/relationships" xmlns:p="http://schemas.openxmlformats.org/presentationml/2006/main">
   <p:cSld>
     <p:spTree>
@@ -20474,27 +21357,6 @@
 </file>
 
 <file path=customXml/item1.xml><?xml version="1.0" encoding="utf-8"?>
-<?mso-contentType ?>
-<FormTemplates xmlns="http://schemas.microsoft.com/sharepoint/v3/contenttype/forms">
-  <Display>DocumentLibraryForm</Display>
-  <Edit>DocumentLibraryForm</Edit>
-  <New>DocumentLibraryForm</New>
-</FormTemplates>
-</file>
-
-<file path=customXml/item2.xml><?xml version="1.0" encoding="utf-8"?>
-<p:properties xmlns:p="http://schemas.microsoft.com/office/2006/metadata/properties" xmlns:xsi="http://www.w3.org/2001/XMLSchema-instance">
-  <documentManagement>
-    <_dlc_DocId xmlns="f3a96f36-7d4d-452c-a54c-c973cb8f3495">QSI0-24-197</_dlc_DocId>
-    <_dlc_DocIdUrl xmlns="f3a96f36-7d4d-452c-a54c-c973cb8f3495">
-      <Url>https://q.quicksolutions.com/marketing/_layouts/15/DocIdRedir.aspx?ID=QSI0-24-197</Url>
-      <Description>QSI0-24-197</Description>
-    </_dlc_DocIdUrl>
-  </documentManagement>
-</p:properties>
-</file>
-
-<file path=customXml/item3.xml><?xml version="1.0" encoding="utf-8"?>
 <ct:contentTypeSchema xmlns:ct="http://schemas.microsoft.com/office/2006/metadata/contentType" xmlns:ma="http://schemas.microsoft.com/office/2006/metadata/properties/metaAttributes" ct:_="" ma:_="" ma:contentTypeName="Document" ma:contentTypeID="0x010100B09BB48F25CC5C4A8F3FE33BD1A81240" ma:contentTypeVersion="5" ma:contentTypeDescription="Create a new document." ma:contentTypeScope="" ma:versionID="131c9fe5c2ae271202b76fea11497e3e">
   <xsd:schema xmlns:xsd="http://www.w3.org/2001/XMLSchema" xmlns:xs="http://www.w3.org/2001/XMLSchema" xmlns:p="http://schemas.microsoft.com/office/2006/metadata/properties" xmlns:ns2="f3a96f36-7d4d-452c-a54c-c973cb8f3495" targetNamespace="http://schemas.microsoft.com/office/2006/metadata/properties" ma:root="true" ma:fieldsID="04867f70ebea5b221129131f2e6c505d" ns2:_="">
     <xsd:import namespace="f3a96f36-7d4d-452c-a54c-c973cb8f3495"/>
@@ -20639,6 +21501,27 @@
 </ct:contentTypeSchema>
 </file>
 
+<file path=customXml/item2.xml><?xml version="1.0" encoding="utf-8"?>
+<p:properties xmlns:p="http://schemas.microsoft.com/office/2006/metadata/properties" xmlns:xsi="http://www.w3.org/2001/XMLSchema-instance">
+  <documentManagement>
+    <_dlc_DocId xmlns="f3a96f36-7d4d-452c-a54c-c973cb8f3495">QSI0-24-197</_dlc_DocId>
+    <_dlc_DocIdUrl xmlns="f3a96f36-7d4d-452c-a54c-c973cb8f3495">
+      <Url>https://q.quicksolutions.com/marketing/_layouts/15/DocIdRedir.aspx?ID=QSI0-24-197</Url>
+      <Description>QSI0-24-197</Description>
+    </_dlc_DocIdUrl>
+  </documentManagement>
+</p:properties>
+</file>
+
+<file path=customXml/item3.xml><?xml version="1.0" encoding="utf-8"?>
+<?mso-contentType ?>
+<FormTemplates xmlns="http://schemas.microsoft.com/sharepoint/v3/contenttype/forms">
+  <Display>DocumentLibraryForm</Display>
+  <Edit>DocumentLibraryForm</Edit>
+  <New>DocumentLibraryForm</New>
+</FormTemplates>
+</file>
+
 <file path=customXml/item4.xml><?xml version="1.0" encoding="utf-8"?>
 <?mso-contentType ?>
 <spe:Receivers xmlns:spe="http://schemas.microsoft.com/sharepoint/events">
@@ -20690,30 +21573,6 @@
 </file>
 
 <file path=customXml/itemProps1.xml><?xml version="1.0" encoding="utf-8"?>
-<ds:datastoreItem xmlns:ds="http://schemas.openxmlformats.org/officeDocument/2006/customXml" ds:itemID="{AAB2A58B-24A2-451E-85AF-8B801564F1B2}">
-  <ds:schemaRefs>
-    <ds:schemaRef ds:uri="http://schemas.microsoft.com/sharepoint/v3/contenttype/forms"/>
-  </ds:schemaRefs>
-</ds:datastoreItem>
-</file>
-
-<file path=customXml/itemProps2.xml><?xml version="1.0" encoding="utf-8"?>
-<ds:datastoreItem xmlns:ds="http://schemas.openxmlformats.org/officeDocument/2006/customXml" ds:itemID="{D4B5E85D-46F6-4351-AF95-A3FF4794550D}">
-  <ds:schemaRefs>
-    <ds:schemaRef ds:uri="http://schemas.microsoft.com/office/2006/documentManagement/types"/>
-    <ds:schemaRef ds:uri="http://schemas.openxmlformats.org/package/2006/metadata/core-properties"/>
-    <ds:schemaRef ds:uri="http://www.w3.org/XML/1998/namespace"/>
-    <ds:schemaRef ds:uri="http://purl.org/dc/elements/1.1/"/>
-    <ds:schemaRef ds:uri="http://schemas.microsoft.com/office/infopath/2007/PartnerControls"/>
-    <ds:schemaRef ds:uri="http://schemas.microsoft.com/office/2006/metadata/properties"/>
-    <ds:schemaRef ds:uri="http://purl.org/dc/dcmitype/"/>
-    <ds:schemaRef ds:uri="f3a96f36-7d4d-452c-a54c-c973cb8f3495"/>
-    <ds:schemaRef ds:uri="http://purl.org/dc/terms/"/>
-  </ds:schemaRefs>
-</ds:datastoreItem>
-</file>
-
-<file path=customXml/itemProps3.xml><?xml version="1.0" encoding="utf-8"?>
 <ds:datastoreItem xmlns:ds="http://schemas.openxmlformats.org/officeDocument/2006/customXml" ds:itemID="{43861C88-0993-47C6-A664-831540DE4DEB}">
   <ds:schemaRefs>
     <ds:schemaRef ds:uri="http://schemas.microsoft.com/office/2006/metadata/contentType"/>
@@ -20731,6 +21590,30 @@
 </ds:datastoreItem>
 </file>
 
+<file path=customXml/itemProps2.xml><?xml version="1.0" encoding="utf-8"?>
+<ds:datastoreItem xmlns:ds="http://schemas.openxmlformats.org/officeDocument/2006/customXml" ds:itemID="{D4B5E85D-46F6-4351-AF95-A3FF4794550D}">
+  <ds:schemaRefs>
+    <ds:schemaRef ds:uri="http://schemas.microsoft.com/office/2006/documentManagement/types"/>
+    <ds:schemaRef ds:uri="http://schemas.microsoft.com/office/2006/metadata/properties"/>
+    <ds:schemaRef ds:uri="http://purl.org/dc/terms/"/>
+    <ds:schemaRef ds:uri="f3a96f36-7d4d-452c-a54c-c973cb8f3495"/>
+    <ds:schemaRef ds:uri="http://purl.org/dc/dcmitype/"/>
+    <ds:schemaRef ds:uri="http://schemas.microsoft.com/office/infopath/2007/PartnerControls"/>
+    <ds:schemaRef ds:uri="http://schemas.openxmlformats.org/package/2006/metadata/core-properties"/>
+    <ds:schemaRef ds:uri="http://www.w3.org/XML/1998/namespace"/>
+    <ds:schemaRef ds:uri="http://purl.org/dc/elements/1.1/"/>
+  </ds:schemaRefs>
+</ds:datastoreItem>
+</file>
+
+<file path=customXml/itemProps3.xml><?xml version="1.0" encoding="utf-8"?>
+<ds:datastoreItem xmlns:ds="http://schemas.openxmlformats.org/officeDocument/2006/customXml" ds:itemID="{AAB2A58B-24A2-451E-85AF-8B801564F1B2}">
+  <ds:schemaRefs>
+    <ds:schemaRef ds:uri="http://schemas.microsoft.com/sharepoint/v3/contenttype/forms"/>
+  </ds:schemaRefs>
+</ds:datastoreItem>
+</file>
+
 <file path=customXml/itemProps4.xml><?xml version="1.0" encoding="utf-8"?>
 <ds:datastoreItem xmlns:ds="http://schemas.openxmlformats.org/officeDocument/2006/customXml" ds:itemID="{A482D07A-22E0-4DE9-81F7-3306F6BF8538}">
   <ds:schemaRefs>

--- a/R Demo.pptx
+++ b/R Demo.pptx
@@ -11,10 +11,10 @@
     <p:sldMasterId id="2147483700" r:id="rId11"/>
   </p:sldMasterIdLst>
   <p:notesMasterIdLst>
-    <p:notesMasterId r:id="rId50"/>
+    <p:notesMasterId r:id="rId48"/>
   </p:notesMasterIdLst>
   <p:handoutMasterIdLst>
-    <p:handoutMasterId r:id="rId51"/>
+    <p:handoutMasterId r:id="rId49"/>
   </p:handoutMasterIdLst>
   <p:sldIdLst>
     <p:sldId id="332" r:id="rId12"/>
@@ -22,21 +22,21 @@
     <p:sldId id="479" r:id="rId14"/>
     <p:sldId id="508" r:id="rId15"/>
     <p:sldId id="485" r:id="rId16"/>
-    <p:sldId id="482" r:id="rId17"/>
-    <p:sldId id="481" r:id="rId18"/>
-    <p:sldId id="480" r:id="rId19"/>
-    <p:sldId id="486" r:id="rId20"/>
-    <p:sldId id="524" r:id="rId21"/>
-    <p:sldId id="487" r:id="rId22"/>
-    <p:sldId id="488" r:id="rId23"/>
-    <p:sldId id="527" r:id="rId24"/>
-    <p:sldId id="525" r:id="rId25"/>
-    <p:sldId id="526" r:id="rId26"/>
-    <p:sldId id="528" r:id="rId27"/>
-    <p:sldId id="491" r:id="rId28"/>
+    <p:sldId id="481" r:id="rId17"/>
+    <p:sldId id="480" r:id="rId18"/>
+    <p:sldId id="486" r:id="rId19"/>
+    <p:sldId id="524" r:id="rId20"/>
+    <p:sldId id="487" r:id="rId21"/>
+    <p:sldId id="533" r:id="rId22"/>
+    <p:sldId id="535" r:id="rId23"/>
+    <p:sldId id="488" r:id="rId24"/>
+    <p:sldId id="527" r:id="rId25"/>
+    <p:sldId id="525" r:id="rId26"/>
+    <p:sldId id="526" r:id="rId27"/>
+    <p:sldId id="528" r:id="rId28"/>
     <p:sldId id="492" r:id="rId29"/>
-    <p:sldId id="529" r:id="rId30"/>
-    <p:sldId id="493" r:id="rId31"/>
+    <p:sldId id="491" r:id="rId30"/>
+    <p:sldId id="529" r:id="rId31"/>
     <p:sldId id="516" r:id="rId32"/>
     <p:sldId id="517" r:id="rId33"/>
     <p:sldId id="518" r:id="rId34"/>
@@ -45,16 +45,14 @@
     <p:sldId id="499" r:id="rId37"/>
     <p:sldId id="521" r:id="rId38"/>
     <p:sldId id="530" r:id="rId39"/>
-    <p:sldId id="502" r:id="rId40"/>
-    <p:sldId id="531" r:id="rId41"/>
-    <p:sldId id="532" r:id="rId42"/>
-    <p:sldId id="503" r:id="rId43"/>
-    <p:sldId id="505" r:id="rId44"/>
-    <p:sldId id="507" r:id="rId45"/>
-    <p:sldId id="513" r:id="rId46"/>
-    <p:sldId id="514" r:id="rId47"/>
-    <p:sldId id="515" r:id="rId48"/>
-    <p:sldId id="523" r:id="rId49"/>
+    <p:sldId id="532" r:id="rId40"/>
+    <p:sldId id="503" r:id="rId41"/>
+    <p:sldId id="505" r:id="rId42"/>
+    <p:sldId id="507" r:id="rId43"/>
+    <p:sldId id="513" r:id="rId44"/>
+    <p:sldId id="514" r:id="rId45"/>
+    <p:sldId id="515" r:id="rId46"/>
+    <p:sldId id="523" r:id="rId47"/>
   </p:sldIdLst>
   <p:sldSz cx="13004800" cy="9753600"/>
   <p:notesSz cx="6961188" cy="9236075"/>
@@ -4346,7 +4344,7 @@
     </p:spTree>
     <p:extLst>
       <p:ext uri="{BB962C8B-B14F-4D97-AF65-F5344CB8AC3E}">
-        <p14:creationId xmlns:p14="http://schemas.microsoft.com/office/powerpoint/2010/main" val="1690556056"/>
+        <p14:creationId xmlns:p14="http://schemas.microsoft.com/office/powerpoint/2010/main" val="4011849894"/>
       </p:ext>
     </p:extLst>
   </p:cSld>
@@ -5354,18 +5352,52 @@
           <a:lstStyle/>
           <a:p>
             <a:r>
+              <a:rPr lang="en-US"/>
+              <a:t>Programming </a:t>
+            </a:r>
+            <a:r>
               <a:rPr lang="en-US" dirty="0"/>
-              <a:t>Who </a:t>
+              <a:t>language S </a:t>
             </a:r>
             <a:r>
               <a:rPr lang="en-US"/>
-              <a:t>has heard </a:t>
+              <a:t>-&gt; From </a:t>
             </a:r>
             <a:r>
               <a:rPr lang="en-US" dirty="0"/>
-              <a:t>of it?</a:t>
+              <a:t>Bell labs</a:t>
+            </a:r>
+          </a:p>
+          <a:p>
+            <a:r>
+              <a:rPr lang="en-US" dirty="0"/>
+              <a:t>Both the development language</a:t>
+            </a:r>
+            <a:r>
+              <a:rPr lang="en-US" baseline="0" dirty="0"/>
+              <a:t> and </a:t>
+            </a:r>
+            <a:r>
+              <a:rPr lang="en-US" baseline="0"/>
+              <a:t>the platform</a:t>
             </a:r>
             <a:endParaRPr lang="en-US" baseline="0" dirty="0"/>
+          </a:p>
+          <a:p>
+            <a:r>
+              <a:rPr lang="en-US" baseline="0" dirty="0"/>
+              <a:t>Visualization and analysis tools</a:t>
+            </a:r>
+          </a:p>
+          <a:p>
+            <a:r>
+              <a:rPr lang="en-US" baseline="0"/>
+              <a:t>Runs </a:t>
+            </a:r>
+            <a:r>
+              <a:rPr lang="en-US" baseline="0" dirty="0"/>
+              <a:t>on Windows, Mac, and Linux</a:t>
+            </a:r>
           </a:p>
           <a:p>
             <a:endParaRPr lang="en-US" dirty="0"/>
@@ -5398,7 +5430,7 @@
     </p:spTree>
     <p:extLst>
       <p:ext uri="{BB962C8B-B14F-4D97-AF65-F5344CB8AC3E}">
-        <p14:creationId xmlns:p14="http://schemas.microsoft.com/office/powerpoint/2010/main" val="228156916"/>
+        <p14:creationId xmlns:p14="http://schemas.microsoft.com/office/powerpoint/2010/main" val="3261215003"/>
       </p:ext>
     </p:extLst>
   </p:cSld>
@@ -5454,53 +5486,8 @@
           <a:p>
             <a:r>
               <a:rPr lang="en-US"/>
-              <a:t>Programming </a:t>
-            </a:r>
-            <a:r>
-              <a:rPr lang="en-US" dirty="0"/>
-              <a:t>language S </a:t>
-            </a:r>
-            <a:r>
-              <a:rPr lang="en-US"/>
-              <a:t>-&gt; From </a:t>
-            </a:r>
-            <a:r>
-              <a:rPr lang="en-US" dirty="0"/>
-              <a:t>Bell labs</a:t>
-            </a:r>
-          </a:p>
-          <a:p>
-            <a:r>
-              <a:rPr lang="en-US" dirty="0"/>
-              <a:t>Both the development language</a:t>
-            </a:r>
-            <a:r>
-              <a:rPr lang="en-US" baseline="0" dirty="0"/>
-              <a:t> and </a:t>
-            </a:r>
-            <a:r>
-              <a:rPr lang="en-US" baseline="0"/>
-              <a:t>the platform</a:t>
-            </a:r>
-            <a:endParaRPr lang="en-US" baseline="0" dirty="0"/>
-          </a:p>
-          <a:p>
-            <a:r>
-              <a:rPr lang="en-US" baseline="0" dirty="0"/>
-              <a:t>Visualization and analysis tools</a:t>
-            </a:r>
-          </a:p>
-          <a:p>
-            <a:r>
-              <a:rPr lang="en-US" baseline="0"/>
-              <a:t>Runs </a:t>
-            </a:r>
-            <a:r>
-              <a:rPr lang="en-US" baseline="0" dirty="0"/>
-              <a:t>on Windows, Mac, and Linux</a:t>
-            </a:r>
-          </a:p>
-          <a:p>
+              <a:t>Super popular</a:t>
+            </a:r>
             <a:endParaRPr lang="en-US" dirty="0"/>
           </a:p>
         </p:txBody>
@@ -5531,7 +5518,7 @@
     </p:spTree>
     <p:extLst>
       <p:ext uri="{BB962C8B-B14F-4D97-AF65-F5344CB8AC3E}">
-        <p14:creationId xmlns:p14="http://schemas.microsoft.com/office/powerpoint/2010/main" val="3261215003"/>
+        <p14:creationId xmlns:p14="http://schemas.microsoft.com/office/powerpoint/2010/main" val="3659154256"/>
       </p:ext>
     </p:extLst>
   </p:cSld>
@@ -5585,10 +5572,6 @@
           <a:bodyPr/>
           <a:lstStyle/>
           <a:p>
-            <a:r>
-              <a:rPr lang="en-US"/>
-              <a:t>Super popular</a:t>
-            </a:r>
             <a:endParaRPr lang="en-US" dirty="0"/>
           </a:p>
         </p:txBody>
@@ -5610,7 +5593,7 @@
           <a:p>
             <a:fld id="{5772749A-1750-4EFC-BDA9-A83FEC7587EE}" type="slidenum">
               <a:rPr lang="en-US" smtClean="0"/>
-              <a:t>8</a:t>
+              <a:t>11</a:t>
             </a:fld>
             <a:endParaRPr lang="en-US" dirty="0"/>
           </a:p>
@@ -5619,7 +5602,7 @@
     </p:spTree>
     <p:extLst>
       <p:ext uri="{BB962C8B-B14F-4D97-AF65-F5344CB8AC3E}">
-        <p14:creationId xmlns:p14="http://schemas.microsoft.com/office/powerpoint/2010/main" val="3659154256"/>
+        <p14:creationId xmlns:p14="http://schemas.microsoft.com/office/powerpoint/2010/main" val="1965445062"/>
       </p:ext>
     </p:extLst>
   </p:cSld>
@@ -5673,6 +5656,21 @@
           <a:bodyPr/>
           <a:lstStyle/>
           <a:p>
+            <a:r>
+              <a:rPr lang="en-US" dirty="0"/>
+              <a:t>Who </a:t>
+            </a:r>
+            <a:r>
+              <a:rPr lang="en-US"/>
+              <a:t>has heard </a:t>
+            </a:r>
+            <a:r>
+              <a:rPr lang="en-US" dirty="0"/>
+              <a:t>of it?</a:t>
+            </a:r>
+            <a:endParaRPr lang="en-US" baseline="0" dirty="0"/>
+          </a:p>
+          <a:p>
             <a:endParaRPr lang="en-US" dirty="0"/>
           </a:p>
         </p:txBody>
@@ -5694,7 +5692,7 @@
           <a:p>
             <a:fld id="{5772749A-1750-4EFC-BDA9-A83FEC7587EE}" type="slidenum">
               <a:rPr lang="en-US" smtClean="0"/>
-              <a:t>18</a:t>
+              <a:t>12</a:t>
             </a:fld>
             <a:endParaRPr lang="en-US" dirty="0"/>
           </a:p>
@@ -5703,7 +5701,7 @@
     </p:spTree>
     <p:extLst>
       <p:ext uri="{BB962C8B-B14F-4D97-AF65-F5344CB8AC3E}">
-        <p14:creationId xmlns:p14="http://schemas.microsoft.com/office/powerpoint/2010/main" val="130680584"/>
+        <p14:creationId xmlns:p14="http://schemas.microsoft.com/office/powerpoint/2010/main" val="3606569468"/>
       </p:ext>
     </p:extLst>
   </p:cSld>
@@ -5778,7 +5776,7 @@
           <a:p>
             <a:fld id="{5772749A-1750-4EFC-BDA9-A83FEC7587EE}" type="slidenum">
               <a:rPr lang="en-US" smtClean="0"/>
-              <a:t>19</a:t>
+              <a:t>18</a:t>
             </a:fld>
             <a:endParaRPr lang="en-US" dirty="0"/>
           </a:p>
@@ -5787,7 +5785,7 @@
     </p:spTree>
     <p:extLst>
       <p:ext uri="{BB962C8B-B14F-4D97-AF65-F5344CB8AC3E}">
-        <p14:creationId xmlns:p14="http://schemas.microsoft.com/office/powerpoint/2010/main" val="4011849894"/>
+        <p14:creationId xmlns:p14="http://schemas.microsoft.com/office/powerpoint/2010/main" val="130680584"/>
       </p:ext>
     </p:extLst>
   </p:cSld>
@@ -13537,6 +13535,4133 @@
           <a:lstStyle/>
           <a:p>
             <a:r>
+              <a:rPr lang="en-US" dirty="0"/>
+              <a:t>Concepts </a:t>
+            </a:r>
+            <a:r>
+              <a:rPr lang="en-US"/>
+              <a:t>in R</a:t>
+            </a:r>
+            <a:endParaRPr lang="en-US" dirty="0"/>
+          </a:p>
+        </p:txBody>
+      </p:sp>
+      <p:sp>
+        <p:nvSpPr>
+          <p:cNvPr id="3" name="Content Placeholder 2"/>
+          <p:cNvSpPr>
+            <a:spLocks noGrp="1"/>
+          </p:cNvSpPr>
+          <p:nvPr>
+            <p:ph idx="1"/>
+          </p:nvPr>
+        </p:nvSpPr>
+        <p:spPr/>
+        <p:txBody>
+          <a:bodyPr/>
+          <a:lstStyle/>
+          <a:p>
+            <a:pPr>
+              <a:buFont typeface="Arial" panose="020B0604020202020204" pitchFamily="34" charset="0"/>
+              <a:buChar char="•"/>
+            </a:pPr>
+            <a:r>
+              <a:rPr lang="en-US" dirty="0"/>
+              <a:t>Provides both statistical and visual analytics for data</a:t>
+            </a:r>
+          </a:p>
+          <a:p>
+            <a:pPr>
+              <a:buFont typeface="Arial" panose="020B0604020202020204" pitchFamily="34" charset="0"/>
+              <a:buChar char="•"/>
+            </a:pPr>
+            <a:r>
+              <a:rPr lang="en-US" dirty="0"/>
+              <a:t>Similar to high level functional languages (functions are a high-level constructs)</a:t>
+            </a:r>
+          </a:p>
+          <a:p>
+            <a:pPr>
+              <a:buFont typeface="Arial" panose="020B0604020202020204" pitchFamily="34" charset="0"/>
+              <a:buChar char="•"/>
+            </a:pPr>
+            <a:r>
+              <a:rPr lang="en-US" dirty="0"/>
+              <a:t>Offers a variety of utility data structures, designed to support data analytics</a:t>
+            </a:r>
+          </a:p>
+          <a:p>
+            <a:pPr>
+              <a:buFont typeface="Arial" panose="020B0604020202020204" pitchFamily="34" charset="0"/>
+              <a:buChar char="•"/>
+            </a:pPr>
+            <a:endParaRPr lang="en-US" dirty="0"/>
+          </a:p>
+        </p:txBody>
+      </p:sp>
+    </p:spTree>
+    <p:extLst>
+      <p:ext uri="{BB962C8B-B14F-4D97-AF65-F5344CB8AC3E}">
+        <p14:creationId xmlns:p14="http://schemas.microsoft.com/office/powerpoint/2010/main" val="4252518705"/>
+      </p:ext>
+    </p:extLst>
+  </p:cSld>
+  <p:clrMapOvr>
+    <a:masterClrMapping/>
+  </p:clrMapOvr>
+  <p:transition/>
+</p:sld>
+</file>
+
+<file path=ppt/slides/slide11.xml><?xml version="1.0" encoding="utf-8"?>
+<p:sld xmlns:a="http://schemas.openxmlformats.org/drawingml/2006/main" xmlns:r="http://schemas.openxmlformats.org/officeDocument/2006/relationships" xmlns:p="http://schemas.openxmlformats.org/presentationml/2006/main">
+  <p:cSld>
+    <p:spTree>
+      <p:nvGrpSpPr>
+        <p:cNvPr id="1" name=""/>
+        <p:cNvGrpSpPr/>
+        <p:nvPr/>
+      </p:nvGrpSpPr>
+      <p:grpSpPr>
+        <a:xfrm>
+          <a:off x="0" y="0"/>
+          <a:ext cx="0" cy="0"/>
+          <a:chOff x="0" y="0"/>
+          <a:chExt cx="0" cy="0"/>
+        </a:xfrm>
+      </p:grpSpPr>
+      <p:sp>
+        <p:nvSpPr>
+          <p:cNvPr id="2" name="Title 1"/>
+          <p:cNvSpPr>
+            <a:spLocks noGrp="1"/>
+          </p:cNvSpPr>
+          <p:nvPr>
+            <p:ph type="title"/>
+          </p:nvPr>
+        </p:nvSpPr>
+        <p:spPr/>
+        <p:txBody>
+          <a:bodyPr/>
+          <a:lstStyle/>
+          <a:p>
+            <a:r>
+              <a:rPr lang="en-US" dirty="0"/>
+              <a:t>Package Management</a:t>
+            </a:r>
+          </a:p>
+        </p:txBody>
+      </p:sp>
+      <p:sp>
+        <p:nvSpPr>
+          <p:cNvPr id="3" name="Content Placeholder 2"/>
+          <p:cNvSpPr>
+            <a:spLocks noGrp="1"/>
+          </p:cNvSpPr>
+          <p:nvPr>
+            <p:ph idx="1"/>
+          </p:nvPr>
+        </p:nvSpPr>
+        <p:spPr/>
+        <p:txBody>
+          <a:bodyPr/>
+          <a:lstStyle/>
+          <a:p>
+            <a:pPr>
+              <a:buFont typeface="Arial" panose="020B0604020202020204" pitchFamily="34" charset="0"/>
+              <a:buChar char="•"/>
+            </a:pPr>
+            <a:r>
+              <a:rPr lang="en-US" dirty="0"/>
+              <a:t>9,000 Packages</a:t>
+            </a:r>
+          </a:p>
+          <a:p>
+            <a:pPr>
+              <a:buFont typeface="Arial" panose="020B0604020202020204" pitchFamily="34" charset="0"/>
+              <a:buChar char="•"/>
+            </a:pPr>
+            <a:r>
+              <a:rPr lang="en-US" dirty="0"/>
+              <a:t>Available from command line</a:t>
+            </a:r>
+          </a:p>
+          <a:p>
+            <a:pPr>
+              <a:buFont typeface="Arial" panose="020B0604020202020204" pitchFamily="34" charset="0"/>
+              <a:buChar char="•"/>
+            </a:pPr>
+            <a:r>
+              <a:rPr lang="en-US" dirty="0"/>
+              <a:t>Essential for </a:t>
+            </a:r>
+            <a:r>
+              <a:rPr lang="en-US" dirty="0" err="1"/>
+              <a:t>interops</a:t>
+            </a:r>
+            <a:endParaRPr lang="en-US" dirty="0"/>
+          </a:p>
+        </p:txBody>
+      </p:sp>
+    </p:spTree>
+    <p:extLst>
+      <p:ext uri="{BB962C8B-B14F-4D97-AF65-F5344CB8AC3E}">
+        <p14:creationId xmlns:p14="http://schemas.microsoft.com/office/powerpoint/2010/main" val="1291659776"/>
+      </p:ext>
+    </p:extLst>
+  </p:cSld>
+  <p:clrMapOvr>
+    <a:masterClrMapping/>
+  </p:clrMapOvr>
+  <p:transition/>
+</p:sld>
+</file>
+
+<file path=ppt/slides/slide12.xml><?xml version="1.0" encoding="utf-8"?>
+<p:sld xmlns:a="http://schemas.openxmlformats.org/drawingml/2006/main" xmlns:r="http://schemas.openxmlformats.org/officeDocument/2006/relationships" xmlns:p="http://schemas.openxmlformats.org/presentationml/2006/main">
+  <p:cSld>
+    <p:spTree>
+      <p:nvGrpSpPr>
+        <p:cNvPr id="1" name=""/>
+        <p:cNvGrpSpPr/>
+        <p:nvPr/>
+      </p:nvGrpSpPr>
+      <p:grpSpPr>
+        <a:xfrm>
+          <a:off x="0" y="0"/>
+          <a:ext cx="0" cy="0"/>
+          <a:chOff x="0" y="0"/>
+          <a:chExt cx="0" cy="0"/>
+        </a:xfrm>
+      </p:grpSpPr>
+      <p:sp>
+        <p:nvSpPr>
+          <p:cNvPr id="2" name="Title 1"/>
+          <p:cNvSpPr>
+            <a:spLocks noGrp="1"/>
+          </p:cNvSpPr>
+          <p:nvPr>
+            <p:ph type="title"/>
+          </p:nvPr>
+        </p:nvSpPr>
+        <p:spPr/>
+        <p:txBody>
+          <a:bodyPr/>
+          <a:lstStyle/>
+          <a:p>
+            <a:endParaRPr lang="en-US" dirty="0"/>
+          </a:p>
+        </p:txBody>
+      </p:sp>
+      <p:sp>
+        <p:nvSpPr>
+          <p:cNvPr id="3" name="Content Placeholder 2"/>
+          <p:cNvSpPr>
+            <a:spLocks noGrp="1"/>
+          </p:cNvSpPr>
+          <p:nvPr>
+            <p:ph idx="1"/>
+          </p:nvPr>
+        </p:nvSpPr>
+        <p:spPr/>
+        <p:txBody>
+          <a:bodyPr/>
+          <a:lstStyle/>
+          <a:p>
+            <a:endParaRPr lang="en-US"/>
+          </a:p>
+        </p:txBody>
+      </p:sp>
+      <p:pic>
+        <p:nvPicPr>
+          <p:cNvPr id="4" name="Picture 3"/>
+          <p:cNvPicPr>
+            <a:picLocks noChangeAspect="1"/>
+          </p:cNvPicPr>
+          <p:nvPr/>
+        </p:nvPicPr>
+        <p:blipFill>
+          <a:blip r:embed="rId3"/>
+          <a:stretch>
+            <a:fillRect/>
+          </a:stretch>
+        </p:blipFill>
+        <p:spPr>
+          <a:xfrm>
+            <a:off x="3606800" y="2667000"/>
+            <a:ext cx="5095875" cy="3971925"/>
+          </a:xfrm>
+          <a:prstGeom prst="rect">
+            <a:avLst/>
+          </a:prstGeom>
+        </p:spPr>
+      </p:pic>
+    </p:spTree>
+    <p:extLst>
+      <p:ext uri="{BB962C8B-B14F-4D97-AF65-F5344CB8AC3E}">
+        <p14:creationId xmlns:p14="http://schemas.microsoft.com/office/powerpoint/2010/main" val="192728554"/>
+      </p:ext>
+    </p:extLst>
+  </p:cSld>
+  <p:clrMapOvr>
+    <a:masterClrMapping/>
+  </p:clrMapOvr>
+  <p:transition/>
+</p:sld>
+</file>
+
+<file path=ppt/slides/slide13.xml><?xml version="1.0" encoding="utf-8"?>
+<p:sld xmlns:a="http://schemas.openxmlformats.org/drawingml/2006/main" xmlns:r="http://schemas.openxmlformats.org/officeDocument/2006/relationships" xmlns:p="http://schemas.openxmlformats.org/presentationml/2006/main" showMasterSp="0">
+  <p:cSld>
+    <p:spTree>
+      <p:nvGrpSpPr>
+        <p:cNvPr id="1" name=""/>
+        <p:cNvGrpSpPr/>
+        <p:nvPr/>
+      </p:nvGrpSpPr>
+      <p:grpSpPr>
+        <a:xfrm>
+          <a:off x="0" y="0"/>
+          <a:ext cx="0" cy="0"/>
+          <a:chOff x="0" y="0"/>
+          <a:chExt cx="0" cy="0"/>
+        </a:xfrm>
+      </p:grpSpPr>
+      <p:sp>
+        <p:nvSpPr>
+          <p:cNvPr id="2" name="Title 1"/>
+          <p:cNvSpPr>
+            <a:spLocks noGrp="1"/>
+          </p:cNvSpPr>
+          <p:nvPr>
+            <p:ph type="title"/>
+          </p:nvPr>
+        </p:nvSpPr>
+        <p:spPr/>
+        <p:txBody>
+          <a:bodyPr/>
+          <a:lstStyle/>
+          <a:p>
+            <a:r>
+              <a:rPr lang="en-US" dirty="0" err="1"/>
+              <a:t>VectoRs</a:t>
+            </a:r>
+            <a:r>
+              <a:rPr lang="en-US" dirty="0"/>
+              <a:t> 	</a:t>
+            </a:r>
+          </a:p>
+        </p:txBody>
+      </p:sp>
+      <p:sp>
+        <p:nvSpPr>
+          <p:cNvPr id="3" name="Content Placeholder 2"/>
+          <p:cNvSpPr>
+            <a:spLocks noGrp="1"/>
+          </p:cNvSpPr>
+          <p:nvPr>
+            <p:ph idx="1"/>
+          </p:nvPr>
+        </p:nvSpPr>
+        <p:spPr/>
+        <p:txBody>
+          <a:bodyPr/>
+          <a:lstStyle/>
+          <a:p>
+            <a:pPr>
+              <a:buFont typeface="Arial" panose="020B0604020202020204" pitchFamily="34" charset="0"/>
+              <a:buChar char="•"/>
+            </a:pPr>
+            <a:r>
+              <a:rPr lang="en-US" dirty="0"/>
+              <a:t>A vector is a one-dimensional array of similar data types</a:t>
+            </a:r>
+          </a:p>
+          <a:p>
+            <a:pPr>
+              <a:buFont typeface="Arial" panose="020B0604020202020204" pitchFamily="34" charset="0"/>
+              <a:buChar char="•"/>
+            </a:pPr>
+            <a:endParaRPr lang="en-US" dirty="0"/>
+          </a:p>
+        </p:txBody>
+      </p:sp>
+      <p:pic>
+        <p:nvPicPr>
+          <p:cNvPr id="4" name="Picture 3"/>
+          <p:cNvPicPr>
+            <a:picLocks noChangeAspect="1"/>
+          </p:cNvPicPr>
+          <p:nvPr/>
+        </p:nvPicPr>
+        <p:blipFill>
+          <a:blip r:embed="rId2"/>
+          <a:stretch>
+            <a:fillRect/>
+          </a:stretch>
+        </p:blipFill>
+        <p:spPr>
+          <a:xfrm>
+            <a:off x="2844800" y="3657600"/>
+            <a:ext cx="7276868" cy="3752850"/>
+          </a:xfrm>
+          <a:prstGeom prst="rect">
+            <a:avLst/>
+          </a:prstGeom>
+        </p:spPr>
+      </p:pic>
+    </p:spTree>
+    <p:extLst>
+      <p:ext uri="{BB962C8B-B14F-4D97-AF65-F5344CB8AC3E}">
+        <p14:creationId xmlns:p14="http://schemas.microsoft.com/office/powerpoint/2010/main" val="2485982086"/>
+      </p:ext>
+    </p:extLst>
+  </p:cSld>
+  <p:clrMapOvr>
+    <a:masterClrMapping/>
+  </p:clrMapOvr>
+  <p:transition/>
+</p:sld>
+</file>
+
+<file path=ppt/slides/slide14.xml><?xml version="1.0" encoding="utf-8"?>
+<p:sld xmlns:a="http://schemas.openxmlformats.org/drawingml/2006/main" xmlns:r="http://schemas.openxmlformats.org/officeDocument/2006/relationships" xmlns:p="http://schemas.openxmlformats.org/presentationml/2006/main" showMasterSp="0">
+  <p:cSld>
+    <p:spTree>
+      <p:nvGrpSpPr>
+        <p:cNvPr id="1" name=""/>
+        <p:cNvGrpSpPr/>
+        <p:nvPr/>
+      </p:nvGrpSpPr>
+      <p:grpSpPr>
+        <a:xfrm>
+          <a:off x="0" y="0"/>
+          <a:ext cx="0" cy="0"/>
+          <a:chOff x="0" y="0"/>
+          <a:chExt cx="0" cy="0"/>
+        </a:xfrm>
+      </p:grpSpPr>
+      <p:sp>
+        <p:nvSpPr>
+          <p:cNvPr id="2" name="Title 1"/>
+          <p:cNvSpPr>
+            <a:spLocks noGrp="1"/>
+          </p:cNvSpPr>
+          <p:nvPr>
+            <p:ph type="title"/>
+          </p:nvPr>
+        </p:nvSpPr>
+        <p:spPr/>
+        <p:txBody>
+          <a:bodyPr/>
+          <a:lstStyle/>
+          <a:p>
+            <a:r>
+              <a:rPr lang="en-US" dirty="0" err="1"/>
+              <a:t>VectoRs</a:t>
+            </a:r>
+            <a:r>
+              <a:rPr lang="en-US" dirty="0"/>
+              <a:t> 	</a:t>
+            </a:r>
+          </a:p>
+        </p:txBody>
+      </p:sp>
+      <p:sp>
+        <p:nvSpPr>
+          <p:cNvPr id="3" name="Content Placeholder 2"/>
+          <p:cNvSpPr>
+            <a:spLocks noGrp="1"/>
+          </p:cNvSpPr>
+          <p:nvPr>
+            <p:ph idx="1"/>
+          </p:nvPr>
+        </p:nvSpPr>
+        <p:spPr/>
+        <p:txBody>
+          <a:bodyPr/>
+          <a:lstStyle/>
+          <a:p>
+            <a:pPr>
+              <a:buFont typeface="Arial" panose="020B0604020202020204" pitchFamily="34" charset="0"/>
+              <a:buChar char="•"/>
+            </a:pPr>
+            <a:r>
+              <a:rPr lang="en-US" dirty="0"/>
+              <a:t>Everything is a vector</a:t>
+            </a:r>
+          </a:p>
+          <a:p>
+            <a:pPr>
+              <a:buFont typeface="Arial" panose="020B0604020202020204" pitchFamily="34" charset="0"/>
+              <a:buChar char="•"/>
+            </a:pPr>
+            <a:endParaRPr lang="en-US" dirty="0"/>
+          </a:p>
+        </p:txBody>
+      </p:sp>
+      <p:pic>
+        <p:nvPicPr>
+          <p:cNvPr id="5" name="Picture 4"/>
+          <p:cNvPicPr>
+            <a:picLocks noChangeAspect="1"/>
+          </p:cNvPicPr>
+          <p:nvPr/>
+        </p:nvPicPr>
+        <p:blipFill>
+          <a:blip r:embed="rId2"/>
+          <a:stretch>
+            <a:fillRect/>
+          </a:stretch>
+        </p:blipFill>
+        <p:spPr>
+          <a:xfrm>
+            <a:off x="3606800" y="3276600"/>
+            <a:ext cx="5762171" cy="3657600"/>
+          </a:xfrm>
+          <a:prstGeom prst="rect">
+            <a:avLst/>
+          </a:prstGeom>
+        </p:spPr>
+      </p:pic>
+    </p:spTree>
+    <p:extLst>
+      <p:ext uri="{BB962C8B-B14F-4D97-AF65-F5344CB8AC3E}">
+        <p14:creationId xmlns:p14="http://schemas.microsoft.com/office/powerpoint/2010/main" val="957633158"/>
+      </p:ext>
+    </p:extLst>
+  </p:cSld>
+  <p:clrMapOvr>
+    <a:masterClrMapping/>
+  </p:clrMapOvr>
+  <p:transition/>
+</p:sld>
+</file>
+
+<file path=ppt/slides/slide15.xml><?xml version="1.0" encoding="utf-8"?>
+<p:sld xmlns:a="http://schemas.openxmlformats.org/drawingml/2006/main" xmlns:r="http://schemas.openxmlformats.org/officeDocument/2006/relationships" xmlns:p="http://schemas.openxmlformats.org/presentationml/2006/main" showMasterSp="0">
+  <p:cSld>
+    <p:spTree>
+      <p:nvGrpSpPr>
+        <p:cNvPr id="1" name=""/>
+        <p:cNvGrpSpPr/>
+        <p:nvPr/>
+      </p:nvGrpSpPr>
+      <p:grpSpPr>
+        <a:xfrm>
+          <a:off x="0" y="0"/>
+          <a:ext cx="0" cy="0"/>
+          <a:chOff x="0" y="0"/>
+          <a:chExt cx="0" cy="0"/>
+        </a:xfrm>
+      </p:grpSpPr>
+      <p:sp>
+        <p:nvSpPr>
+          <p:cNvPr id="2" name="Title 1"/>
+          <p:cNvSpPr>
+            <a:spLocks noGrp="1"/>
+          </p:cNvSpPr>
+          <p:nvPr>
+            <p:ph type="title"/>
+          </p:nvPr>
+        </p:nvSpPr>
+        <p:spPr/>
+        <p:txBody>
+          <a:bodyPr/>
+          <a:lstStyle/>
+          <a:p>
+            <a:r>
+              <a:rPr lang="en-US" dirty="0" err="1"/>
+              <a:t>matriXes</a:t>
+            </a:r>
+            <a:r>
+              <a:rPr lang="en-US" dirty="0"/>
+              <a:t> 	</a:t>
+            </a:r>
+          </a:p>
+        </p:txBody>
+      </p:sp>
+      <p:sp>
+        <p:nvSpPr>
+          <p:cNvPr id="3" name="Content Placeholder 2"/>
+          <p:cNvSpPr>
+            <a:spLocks noGrp="1"/>
+          </p:cNvSpPr>
+          <p:nvPr>
+            <p:ph idx="1"/>
+          </p:nvPr>
+        </p:nvSpPr>
+        <p:spPr/>
+        <p:txBody>
+          <a:bodyPr/>
+          <a:lstStyle/>
+          <a:p>
+            <a:pPr>
+              <a:buFont typeface="Arial" panose="020B0604020202020204" pitchFamily="34" charset="0"/>
+              <a:buChar char="•"/>
+            </a:pPr>
+            <a:r>
+              <a:rPr lang="en-US" dirty="0"/>
+              <a:t>A matrix is a two-dimensional vector</a:t>
+            </a:r>
+          </a:p>
+          <a:p>
+            <a:pPr>
+              <a:buFont typeface="Arial" panose="020B0604020202020204" pitchFamily="34" charset="0"/>
+              <a:buChar char="•"/>
+            </a:pPr>
+            <a:endParaRPr lang="en-US" dirty="0"/>
+          </a:p>
+        </p:txBody>
+      </p:sp>
+      <p:pic>
+        <p:nvPicPr>
+          <p:cNvPr id="5" name="Picture 4"/>
+          <p:cNvPicPr>
+            <a:picLocks noChangeAspect="1"/>
+          </p:cNvPicPr>
+          <p:nvPr/>
+        </p:nvPicPr>
+        <p:blipFill>
+          <a:blip r:embed="rId2"/>
+          <a:stretch>
+            <a:fillRect/>
+          </a:stretch>
+        </p:blipFill>
+        <p:spPr>
+          <a:xfrm>
+            <a:off x="2844799" y="3352800"/>
+            <a:ext cx="6700261" cy="4191000"/>
+          </a:xfrm>
+          <a:prstGeom prst="rect">
+            <a:avLst/>
+          </a:prstGeom>
+        </p:spPr>
+      </p:pic>
+    </p:spTree>
+    <p:extLst>
+      <p:ext uri="{BB962C8B-B14F-4D97-AF65-F5344CB8AC3E}">
+        <p14:creationId xmlns:p14="http://schemas.microsoft.com/office/powerpoint/2010/main" val="923380309"/>
+      </p:ext>
+    </p:extLst>
+  </p:cSld>
+  <p:clrMapOvr>
+    <a:masterClrMapping/>
+  </p:clrMapOvr>
+  <p:transition/>
+</p:sld>
+</file>
+
+<file path=ppt/slides/slide16.xml><?xml version="1.0" encoding="utf-8"?>
+<p:sld xmlns:a="http://schemas.openxmlformats.org/drawingml/2006/main" xmlns:r="http://schemas.openxmlformats.org/officeDocument/2006/relationships" xmlns:p="http://schemas.openxmlformats.org/presentationml/2006/main" showMasterSp="0">
+  <p:cSld>
+    <p:spTree>
+      <p:nvGrpSpPr>
+        <p:cNvPr id="1" name=""/>
+        <p:cNvGrpSpPr/>
+        <p:nvPr/>
+      </p:nvGrpSpPr>
+      <p:grpSpPr>
+        <a:xfrm>
+          <a:off x="0" y="0"/>
+          <a:ext cx="0" cy="0"/>
+          <a:chOff x="0" y="0"/>
+          <a:chExt cx="0" cy="0"/>
+        </a:xfrm>
+      </p:grpSpPr>
+      <p:sp>
+        <p:nvSpPr>
+          <p:cNvPr id="2" name="Title 1"/>
+          <p:cNvSpPr>
+            <a:spLocks noGrp="1"/>
+          </p:cNvSpPr>
+          <p:nvPr>
+            <p:ph type="title"/>
+          </p:nvPr>
+        </p:nvSpPr>
+        <p:spPr/>
+        <p:txBody>
+          <a:bodyPr/>
+          <a:lstStyle/>
+          <a:p>
+            <a:r>
+              <a:rPr lang="en-US" dirty="0" err="1"/>
+              <a:t>matriXes</a:t>
+            </a:r>
+            <a:r>
+              <a:rPr lang="en-US" dirty="0"/>
+              <a:t> 	</a:t>
+            </a:r>
+          </a:p>
+        </p:txBody>
+      </p:sp>
+      <p:sp>
+        <p:nvSpPr>
+          <p:cNvPr id="3" name="Content Placeholder 2"/>
+          <p:cNvSpPr>
+            <a:spLocks noGrp="1"/>
+          </p:cNvSpPr>
+          <p:nvPr>
+            <p:ph idx="1"/>
+          </p:nvPr>
+        </p:nvSpPr>
+        <p:spPr/>
+        <p:txBody>
+          <a:bodyPr/>
+          <a:lstStyle/>
+          <a:p>
+            <a:pPr>
+              <a:buFont typeface="Arial" panose="020B0604020202020204" pitchFamily="34" charset="0"/>
+              <a:buChar char="•"/>
+            </a:pPr>
+            <a:r>
+              <a:rPr lang="en-US" dirty="0"/>
+              <a:t>Matrixes may be expanded to multiple dimensions</a:t>
+            </a:r>
+          </a:p>
+          <a:p>
+            <a:pPr>
+              <a:buFont typeface="Arial" panose="020B0604020202020204" pitchFamily="34" charset="0"/>
+              <a:buChar char="•"/>
+            </a:pPr>
+            <a:endParaRPr lang="en-US" dirty="0"/>
+          </a:p>
+        </p:txBody>
+      </p:sp>
+      <p:pic>
+        <p:nvPicPr>
+          <p:cNvPr id="4" name="Picture 3"/>
+          <p:cNvPicPr>
+            <a:picLocks noChangeAspect="1"/>
+          </p:cNvPicPr>
+          <p:nvPr/>
+        </p:nvPicPr>
+        <p:blipFill>
+          <a:blip r:embed="rId2"/>
+          <a:stretch>
+            <a:fillRect/>
+          </a:stretch>
+        </p:blipFill>
+        <p:spPr>
+          <a:xfrm>
+            <a:off x="3378200" y="2706687"/>
+            <a:ext cx="5638800" cy="6288488"/>
+          </a:xfrm>
+          <a:prstGeom prst="rect">
+            <a:avLst/>
+          </a:prstGeom>
+        </p:spPr>
+      </p:pic>
+    </p:spTree>
+    <p:extLst>
+      <p:ext uri="{BB962C8B-B14F-4D97-AF65-F5344CB8AC3E}">
+        <p14:creationId xmlns:p14="http://schemas.microsoft.com/office/powerpoint/2010/main" val="3144539938"/>
+      </p:ext>
+    </p:extLst>
+  </p:cSld>
+  <p:clrMapOvr>
+    <a:masterClrMapping/>
+  </p:clrMapOvr>
+  <p:transition/>
+</p:sld>
+</file>
+
+<file path=ppt/slides/slide17.xml><?xml version="1.0" encoding="utf-8"?>
+<p:sld xmlns:a="http://schemas.openxmlformats.org/drawingml/2006/main" xmlns:r="http://schemas.openxmlformats.org/officeDocument/2006/relationships" xmlns:p="http://schemas.openxmlformats.org/presentationml/2006/main" showMasterSp="0">
+  <p:cSld>
+    <p:spTree>
+      <p:nvGrpSpPr>
+        <p:cNvPr id="1" name=""/>
+        <p:cNvGrpSpPr/>
+        <p:nvPr/>
+      </p:nvGrpSpPr>
+      <p:grpSpPr>
+        <a:xfrm>
+          <a:off x="0" y="0"/>
+          <a:ext cx="0" cy="0"/>
+          <a:chOff x="0" y="0"/>
+          <a:chExt cx="0" cy="0"/>
+        </a:xfrm>
+      </p:grpSpPr>
+      <p:sp>
+        <p:nvSpPr>
+          <p:cNvPr id="2" name="Title 1"/>
+          <p:cNvSpPr>
+            <a:spLocks noGrp="1"/>
+          </p:cNvSpPr>
+          <p:nvPr>
+            <p:ph type="title"/>
+          </p:nvPr>
+        </p:nvSpPr>
+        <p:spPr/>
+        <p:txBody>
+          <a:bodyPr/>
+          <a:lstStyle/>
+          <a:p>
+            <a:r>
+              <a:rPr lang="en-US" dirty="0"/>
+              <a:t>R </a:t>
+            </a:r>
+            <a:r>
+              <a:rPr lang="en-US" dirty="0" err="1"/>
+              <a:t>opeRations</a:t>
+            </a:r>
+            <a:r>
+              <a:rPr lang="en-US" dirty="0"/>
+              <a:t> 	</a:t>
+            </a:r>
+          </a:p>
+        </p:txBody>
+      </p:sp>
+      <p:sp>
+        <p:nvSpPr>
+          <p:cNvPr id="3" name="Content Placeholder 2"/>
+          <p:cNvSpPr>
+            <a:spLocks noGrp="1"/>
+          </p:cNvSpPr>
+          <p:nvPr>
+            <p:ph idx="1"/>
+          </p:nvPr>
+        </p:nvSpPr>
+        <p:spPr/>
+        <p:txBody>
+          <a:bodyPr/>
+          <a:lstStyle/>
+          <a:p>
+            <a:pPr>
+              <a:buFont typeface="Arial" panose="020B0604020202020204" pitchFamily="34" charset="0"/>
+              <a:buChar char="•"/>
+            </a:pPr>
+            <a:r>
+              <a:rPr lang="en-US" dirty="0"/>
+              <a:t>Operations may be performed against vectors and matrixes</a:t>
+            </a:r>
+          </a:p>
+          <a:p>
+            <a:pPr>
+              <a:buFont typeface="Arial" panose="020B0604020202020204" pitchFamily="34" charset="0"/>
+              <a:buChar char="•"/>
+            </a:pPr>
+            <a:endParaRPr lang="en-US" dirty="0"/>
+          </a:p>
+        </p:txBody>
+      </p:sp>
+      <p:pic>
+        <p:nvPicPr>
+          <p:cNvPr id="5" name="Picture 4"/>
+          <p:cNvPicPr>
+            <a:picLocks noChangeAspect="1"/>
+          </p:cNvPicPr>
+          <p:nvPr/>
+        </p:nvPicPr>
+        <p:blipFill>
+          <a:blip r:embed="rId2"/>
+          <a:stretch>
+            <a:fillRect/>
+          </a:stretch>
+        </p:blipFill>
+        <p:spPr>
+          <a:xfrm>
+            <a:off x="3683000" y="2667000"/>
+            <a:ext cx="5191125" cy="5924550"/>
+          </a:xfrm>
+          <a:prstGeom prst="rect">
+            <a:avLst/>
+          </a:prstGeom>
+        </p:spPr>
+      </p:pic>
+    </p:spTree>
+    <p:extLst>
+      <p:ext uri="{BB962C8B-B14F-4D97-AF65-F5344CB8AC3E}">
+        <p14:creationId xmlns:p14="http://schemas.microsoft.com/office/powerpoint/2010/main" val="3742233272"/>
+      </p:ext>
+    </p:extLst>
+  </p:cSld>
+  <p:clrMapOvr>
+    <a:masterClrMapping/>
+  </p:clrMapOvr>
+  <p:transition/>
+</p:sld>
+</file>
+
+<file path=ppt/slides/slide18.xml><?xml version="1.0" encoding="utf-8"?>
+<p:sld xmlns:a="http://schemas.openxmlformats.org/drawingml/2006/main" xmlns:r="http://schemas.openxmlformats.org/officeDocument/2006/relationships" xmlns:p="http://schemas.openxmlformats.org/presentationml/2006/main" showMasterSp="0">
+  <p:cSld>
+    <p:spTree>
+      <p:nvGrpSpPr>
+        <p:cNvPr id="1" name=""/>
+        <p:cNvGrpSpPr/>
+        <p:nvPr/>
+      </p:nvGrpSpPr>
+      <p:grpSpPr>
+        <a:xfrm>
+          <a:off x="0" y="0"/>
+          <a:ext cx="0" cy="0"/>
+          <a:chOff x="0" y="0"/>
+          <a:chExt cx="0" cy="0"/>
+        </a:xfrm>
+      </p:grpSpPr>
+      <p:sp>
+        <p:nvSpPr>
+          <p:cNvPr id="2" name="Title 1"/>
+          <p:cNvSpPr>
+            <a:spLocks noGrp="1"/>
+          </p:cNvSpPr>
+          <p:nvPr>
+            <p:ph type="title"/>
+          </p:nvPr>
+        </p:nvSpPr>
+        <p:spPr/>
+        <p:txBody>
+          <a:bodyPr/>
+          <a:lstStyle/>
+          <a:p>
+            <a:r>
+              <a:rPr lang="en-US" dirty="0"/>
+              <a:t>Data </a:t>
+            </a:r>
+            <a:r>
+              <a:rPr lang="en-US" dirty="0" err="1"/>
+              <a:t>fRames</a:t>
+            </a:r>
+            <a:endParaRPr lang="en-US" dirty="0"/>
+          </a:p>
+        </p:txBody>
+      </p:sp>
+      <p:sp>
+        <p:nvSpPr>
+          <p:cNvPr id="3" name="Content Placeholder 2"/>
+          <p:cNvSpPr>
+            <a:spLocks noGrp="1"/>
+          </p:cNvSpPr>
+          <p:nvPr>
+            <p:ph idx="1"/>
+          </p:nvPr>
+        </p:nvSpPr>
+        <p:spPr/>
+        <p:txBody>
+          <a:bodyPr/>
+          <a:lstStyle/>
+          <a:p>
+            <a:pPr>
+              <a:buFont typeface="Arial" panose="020B0604020202020204" pitchFamily="34" charset="0"/>
+              <a:buChar char="•"/>
+            </a:pPr>
+            <a:r>
+              <a:rPr lang="en-US" dirty="0"/>
+              <a:t>Foundation of R data structures</a:t>
+            </a:r>
+          </a:p>
+          <a:p>
+            <a:pPr>
+              <a:buFont typeface="Arial" panose="020B0604020202020204" pitchFamily="34" charset="0"/>
+              <a:buChar char="•"/>
+            </a:pPr>
+            <a:r>
+              <a:rPr lang="en-US" dirty="0"/>
+              <a:t>Key structure for dealing with tabular data in R (rows and columns of similar types)</a:t>
+            </a:r>
+          </a:p>
+          <a:p>
+            <a:pPr>
+              <a:buFont typeface="Arial" panose="020B0604020202020204" pitchFamily="34" charset="0"/>
+              <a:buChar char="•"/>
+            </a:pPr>
+            <a:endParaRPr lang="en-US" dirty="0"/>
+          </a:p>
+          <a:p>
+            <a:pPr>
+              <a:buFont typeface="Arial" panose="020B0604020202020204" pitchFamily="34" charset="0"/>
+              <a:buChar char="•"/>
+            </a:pPr>
+            <a:endParaRPr lang="en-US" dirty="0"/>
+          </a:p>
+        </p:txBody>
+      </p:sp>
+      <p:pic>
+        <p:nvPicPr>
+          <p:cNvPr id="4" name="Picture 3"/>
+          <p:cNvPicPr>
+            <a:picLocks noChangeAspect="1"/>
+          </p:cNvPicPr>
+          <p:nvPr/>
+        </p:nvPicPr>
+        <p:blipFill>
+          <a:blip r:embed="rId3"/>
+          <a:stretch>
+            <a:fillRect/>
+          </a:stretch>
+        </p:blipFill>
+        <p:spPr>
+          <a:xfrm>
+            <a:off x="3454400" y="4572000"/>
+            <a:ext cx="5553075" cy="3552825"/>
+          </a:xfrm>
+          <a:prstGeom prst="rect">
+            <a:avLst/>
+          </a:prstGeom>
+        </p:spPr>
+      </p:pic>
+    </p:spTree>
+    <p:extLst>
+      <p:ext uri="{BB962C8B-B14F-4D97-AF65-F5344CB8AC3E}">
+        <p14:creationId xmlns:p14="http://schemas.microsoft.com/office/powerpoint/2010/main" val="2576505063"/>
+      </p:ext>
+    </p:extLst>
+  </p:cSld>
+  <p:clrMapOvr>
+    <a:masterClrMapping/>
+  </p:clrMapOvr>
+  <p:transition/>
+</p:sld>
+</file>
+
+<file path=ppt/slides/slide19.xml><?xml version="1.0" encoding="utf-8"?>
+<p:sld xmlns:a="http://schemas.openxmlformats.org/drawingml/2006/main" xmlns:r="http://schemas.openxmlformats.org/officeDocument/2006/relationships" xmlns:p="http://schemas.openxmlformats.org/presentationml/2006/main" showMasterSp="0">
+  <p:cSld>
+    <p:spTree>
+      <p:nvGrpSpPr>
+        <p:cNvPr id="1" name=""/>
+        <p:cNvGrpSpPr/>
+        <p:nvPr/>
+      </p:nvGrpSpPr>
+      <p:grpSpPr>
+        <a:xfrm>
+          <a:off x="0" y="0"/>
+          <a:ext cx="0" cy="0"/>
+          <a:chOff x="0" y="0"/>
+          <a:chExt cx="0" cy="0"/>
+        </a:xfrm>
+      </p:grpSpPr>
+      <p:sp>
+        <p:nvSpPr>
+          <p:cNvPr id="2" name="Title 1"/>
+          <p:cNvSpPr>
+            <a:spLocks noGrp="1"/>
+          </p:cNvSpPr>
+          <p:nvPr>
+            <p:ph type="title"/>
+          </p:nvPr>
+        </p:nvSpPr>
+        <p:spPr/>
+        <p:txBody>
+          <a:bodyPr/>
+          <a:lstStyle/>
+          <a:p>
+            <a:r>
+              <a:rPr lang="en-US"/>
+              <a:t>FactoRs </a:t>
+            </a:r>
+            <a:r>
+              <a:rPr lang="en-US" dirty="0"/>
+              <a:t>&amp; levels</a:t>
+            </a:r>
+          </a:p>
+        </p:txBody>
+      </p:sp>
+      <p:sp>
+        <p:nvSpPr>
+          <p:cNvPr id="3" name="Content Placeholder 2"/>
+          <p:cNvSpPr>
+            <a:spLocks noGrp="1"/>
+          </p:cNvSpPr>
+          <p:nvPr>
+            <p:ph idx="1"/>
+          </p:nvPr>
+        </p:nvSpPr>
+        <p:spPr/>
+        <p:txBody>
+          <a:bodyPr/>
+          <a:lstStyle/>
+          <a:p>
+            <a:pPr>
+              <a:buFont typeface="Arial" panose="020B0604020202020204" pitchFamily="34" charset="0"/>
+              <a:buChar char="•"/>
+            </a:pPr>
+            <a:r>
+              <a:rPr lang="en-US" dirty="0"/>
+              <a:t>Categorical data is managed as factors in R</a:t>
+            </a:r>
+          </a:p>
+          <a:p>
+            <a:pPr>
+              <a:buFont typeface="Arial" panose="020B0604020202020204" pitchFamily="34" charset="0"/>
+              <a:buChar char="•"/>
+            </a:pPr>
+            <a:r>
+              <a:rPr lang="en-US" dirty="0"/>
+              <a:t>Levels are the in memory representation of this construct</a:t>
+            </a:r>
+          </a:p>
+        </p:txBody>
+      </p:sp>
+      <p:pic>
+        <p:nvPicPr>
+          <p:cNvPr id="4" name="Picture 3"/>
+          <p:cNvPicPr>
+            <a:picLocks noChangeAspect="1"/>
+          </p:cNvPicPr>
+          <p:nvPr/>
+        </p:nvPicPr>
+        <p:blipFill>
+          <a:blip r:embed="rId2"/>
+          <a:stretch>
+            <a:fillRect/>
+          </a:stretch>
+        </p:blipFill>
+        <p:spPr>
+          <a:xfrm>
+            <a:off x="2463800" y="4343400"/>
+            <a:ext cx="7391400" cy="2876550"/>
+          </a:xfrm>
+          <a:prstGeom prst="rect">
+            <a:avLst/>
+          </a:prstGeom>
+        </p:spPr>
+      </p:pic>
+    </p:spTree>
+    <p:extLst>
+      <p:ext uri="{BB962C8B-B14F-4D97-AF65-F5344CB8AC3E}">
+        <p14:creationId xmlns:p14="http://schemas.microsoft.com/office/powerpoint/2010/main" val="4144883183"/>
+      </p:ext>
+    </p:extLst>
+  </p:cSld>
+  <p:clrMapOvr>
+    <a:masterClrMapping/>
+  </p:clrMapOvr>
+  <p:transition/>
+</p:sld>
+</file>
+
+<file path=ppt/slides/slide2.xml><?xml version="1.0" encoding="utf-8"?>
+<p:sld xmlns:a="http://schemas.openxmlformats.org/drawingml/2006/main" xmlns:r="http://schemas.openxmlformats.org/officeDocument/2006/relationships" xmlns:p="http://schemas.openxmlformats.org/presentationml/2006/main">
+  <p:cSld>
+    <p:spTree>
+      <p:nvGrpSpPr>
+        <p:cNvPr id="1" name=""/>
+        <p:cNvGrpSpPr/>
+        <p:nvPr/>
+      </p:nvGrpSpPr>
+      <p:grpSpPr>
+        <a:xfrm>
+          <a:off x="0" y="0"/>
+          <a:ext cx="0" cy="0"/>
+          <a:chOff x="0" y="0"/>
+          <a:chExt cx="0" cy="0"/>
+        </a:xfrm>
+      </p:grpSpPr>
+      <p:sp>
+        <p:nvSpPr>
+          <p:cNvPr id="2" name="Title 1"/>
+          <p:cNvSpPr>
+            <a:spLocks noGrp="1"/>
+          </p:cNvSpPr>
+          <p:nvPr>
+            <p:ph type="title"/>
+          </p:nvPr>
+        </p:nvSpPr>
+        <p:spPr/>
+        <p:txBody>
+          <a:bodyPr/>
+          <a:lstStyle/>
+          <a:p>
+            <a:r>
+              <a:rPr lang="en-US" dirty="0"/>
+              <a:t>Agenda</a:t>
+            </a:r>
+          </a:p>
+        </p:txBody>
+      </p:sp>
+      <p:sp>
+        <p:nvSpPr>
+          <p:cNvPr id="3" name="Content Placeholder 2"/>
+          <p:cNvSpPr>
+            <a:spLocks noGrp="1"/>
+          </p:cNvSpPr>
+          <p:nvPr>
+            <p:ph idx="1"/>
+          </p:nvPr>
+        </p:nvSpPr>
+        <p:spPr/>
+        <p:txBody>
+          <a:bodyPr/>
+          <a:lstStyle/>
+          <a:p>
+            <a:pPr>
+              <a:buFont typeface="Arial" panose="020B0604020202020204" pitchFamily="34" charset="0"/>
+              <a:buChar char="•"/>
+            </a:pPr>
+            <a:r>
+              <a:rPr lang="en-US" dirty="0"/>
+              <a:t>Introduction to Data Science</a:t>
+            </a:r>
+          </a:p>
+          <a:p>
+            <a:pPr>
+              <a:buFont typeface="Arial" panose="020B0604020202020204" pitchFamily="34" charset="0"/>
+              <a:buChar char="•"/>
+            </a:pPr>
+            <a:r>
+              <a:rPr lang="en-US" dirty="0"/>
+              <a:t>What is R?</a:t>
+            </a:r>
+          </a:p>
+          <a:p>
+            <a:pPr>
+              <a:buFont typeface="Arial" panose="020B0604020202020204" pitchFamily="34" charset="0"/>
+              <a:buChar char="•"/>
+            </a:pPr>
+            <a:r>
+              <a:rPr lang="en-US" dirty="0"/>
+              <a:t>Statistical Analysis with R</a:t>
+            </a:r>
+          </a:p>
+          <a:p>
+            <a:pPr>
+              <a:buFont typeface="Arial" panose="020B0604020202020204" pitchFamily="34" charset="0"/>
+              <a:buChar char="•"/>
+            </a:pPr>
+            <a:r>
+              <a:rPr lang="en-US" dirty="0"/>
+              <a:t>Visual Analysis with R</a:t>
+            </a:r>
+          </a:p>
+          <a:p>
+            <a:pPr>
+              <a:buFont typeface="Arial" panose="020B0604020202020204" pitchFamily="34" charset="0"/>
+              <a:buChar char="•"/>
+            </a:pPr>
+            <a:r>
+              <a:rPr lang="en-US" dirty="0"/>
+              <a:t>Demos</a:t>
+            </a:r>
+          </a:p>
+          <a:p>
+            <a:pPr>
+              <a:buFont typeface="Arial" panose="020B0604020202020204" pitchFamily="34" charset="0"/>
+              <a:buChar char="•"/>
+            </a:pPr>
+            <a:endParaRPr lang="en-US" dirty="0"/>
+          </a:p>
+        </p:txBody>
+      </p:sp>
+    </p:spTree>
+    <p:extLst>
+      <p:ext uri="{BB962C8B-B14F-4D97-AF65-F5344CB8AC3E}">
+        <p14:creationId xmlns:p14="http://schemas.microsoft.com/office/powerpoint/2010/main" val="2123093867"/>
+      </p:ext>
+    </p:extLst>
+  </p:cSld>
+  <p:clrMapOvr>
+    <a:masterClrMapping/>
+  </p:clrMapOvr>
+  <p:transition/>
+</p:sld>
+</file>
+
+<file path=ppt/slides/slide20.xml><?xml version="1.0" encoding="utf-8"?>
+<p:sld xmlns:a="http://schemas.openxmlformats.org/drawingml/2006/main" xmlns:r="http://schemas.openxmlformats.org/officeDocument/2006/relationships" xmlns:p="http://schemas.openxmlformats.org/presentationml/2006/main" showMasterSp="0">
+  <p:cSld>
+    <p:spTree>
+      <p:nvGrpSpPr>
+        <p:cNvPr id="1" name=""/>
+        <p:cNvGrpSpPr/>
+        <p:nvPr/>
+      </p:nvGrpSpPr>
+      <p:grpSpPr>
+        <a:xfrm>
+          <a:off x="0" y="0"/>
+          <a:ext cx="0" cy="0"/>
+          <a:chOff x="0" y="0"/>
+          <a:chExt cx="0" cy="0"/>
+        </a:xfrm>
+      </p:grpSpPr>
+      <p:sp>
+        <p:nvSpPr>
+          <p:cNvPr id="2" name="Title 1"/>
+          <p:cNvSpPr>
+            <a:spLocks noGrp="1"/>
+          </p:cNvSpPr>
+          <p:nvPr>
+            <p:ph type="title"/>
+          </p:nvPr>
+        </p:nvSpPr>
+        <p:spPr/>
+        <p:txBody>
+          <a:bodyPr/>
+          <a:lstStyle/>
+          <a:p>
+            <a:r>
+              <a:rPr lang="en-US" dirty="0" err="1"/>
+              <a:t>Subsetting</a:t>
+            </a:r>
+            <a:endParaRPr lang="en-US" dirty="0"/>
+          </a:p>
+        </p:txBody>
+      </p:sp>
+      <p:sp>
+        <p:nvSpPr>
+          <p:cNvPr id="3" name="Content Placeholder 2"/>
+          <p:cNvSpPr>
+            <a:spLocks noGrp="1"/>
+          </p:cNvSpPr>
+          <p:nvPr>
+            <p:ph idx="1"/>
+          </p:nvPr>
+        </p:nvSpPr>
+        <p:spPr/>
+        <p:txBody>
+          <a:bodyPr/>
+          <a:lstStyle/>
+          <a:p>
+            <a:pPr>
+              <a:buFont typeface="Arial" panose="020B0604020202020204" pitchFamily="34" charset="0"/>
+              <a:buChar char="•"/>
+            </a:pPr>
+            <a:r>
+              <a:rPr lang="en-US" dirty="0"/>
+              <a:t>Data frames may be queried (subset) by a variety of programmatic and static functions, including indexers and other complex operations</a:t>
+            </a:r>
+          </a:p>
+          <a:p>
+            <a:pPr>
+              <a:buFont typeface="Arial" panose="020B0604020202020204" pitchFamily="34" charset="0"/>
+              <a:buChar char="•"/>
+            </a:pPr>
+            <a:endParaRPr lang="en-US" dirty="0"/>
+          </a:p>
+          <a:p>
+            <a:pPr>
+              <a:buFont typeface="Arial" panose="020B0604020202020204" pitchFamily="34" charset="0"/>
+              <a:buChar char="•"/>
+            </a:pPr>
+            <a:endParaRPr lang="en-US" dirty="0"/>
+          </a:p>
+        </p:txBody>
+      </p:sp>
+      <p:pic>
+        <p:nvPicPr>
+          <p:cNvPr id="5" name="Picture 4"/>
+          <p:cNvPicPr>
+            <a:picLocks noChangeAspect="1"/>
+          </p:cNvPicPr>
+          <p:nvPr/>
+        </p:nvPicPr>
+        <p:blipFill>
+          <a:blip r:embed="rId3"/>
+          <a:stretch>
+            <a:fillRect/>
+          </a:stretch>
+        </p:blipFill>
+        <p:spPr>
+          <a:xfrm>
+            <a:off x="2463800" y="4267200"/>
+            <a:ext cx="7531662" cy="3886200"/>
+          </a:xfrm>
+          <a:prstGeom prst="rect">
+            <a:avLst/>
+          </a:prstGeom>
+        </p:spPr>
+      </p:pic>
+    </p:spTree>
+    <p:extLst>
+      <p:ext uri="{BB962C8B-B14F-4D97-AF65-F5344CB8AC3E}">
+        <p14:creationId xmlns:p14="http://schemas.microsoft.com/office/powerpoint/2010/main" val="4136140540"/>
+      </p:ext>
+    </p:extLst>
+  </p:cSld>
+  <p:clrMapOvr>
+    <a:masterClrMapping/>
+  </p:clrMapOvr>
+  <p:transition/>
+</p:sld>
+</file>
+
+<file path=ppt/slides/slide21.xml><?xml version="1.0" encoding="utf-8"?>
+<p:sld xmlns:a="http://schemas.openxmlformats.org/drawingml/2006/main" xmlns:r="http://schemas.openxmlformats.org/officeDocument/2006/relationships" xmlns:p="http://schemas.openxmlformats.org/presentationml/2006/main">
+  <p:cSld>
+    <p:spTree>
+      <p:nvGrpSpPr>
+        <p:cNvPr id="1" name=""/>
+        <p:cNvGrpSpPr/>
+        <p:nvPr/>
+      </p:nvGrpSpPr>
+      <p:grpSpPr>
+        <a:xfrm>
+          <a:off x="0" y="0"/>
+          <a:ext cx="0" cy="0"/>
+          <a:chOff x="0" y="0"/>
+          <a:chExt cx="0" cy="0"/>
+        </a:xfrm>
+      </p:grpSpPr>
+      <p:sp>
+        <p:nvSpPr>
+          <p:cNvPr id="2" name="Title 1"/>
+          <p:cNvSpPr>
+            <a:spLocks noGrp="1"/>
+          </p:cNvSpPr>
+          <p:nvPr>
+            <p:ph type="title"/>
+          </p:nvPr>
+        </p:nvSpPr>
+        <p:spPr/>
+        <p:txBody>
+          <a:bodyPr/>
+          <a:lstStyle/>
+          <a:p>
+            <a:r>
+              <a:rPr lang="en-US" dirty="0"/>
+              <a:t>Data </a:t>
+            </a:r>
+            <a:r>
+              <a:rPr lang="en-US" dirty="0" err="1"/>
+              <a:t>opeRations</a:t>
+            </a:r>
+            <a:endParaRPr lang="en-US" dirty="0"/>
+          </a:p>
+        </p:txBody>
+      </p:sp>
+      <p:sp>
+        <p:nvSpPr>
+          <p:cNvPr id="3" name="Content Placeholder 2"/>
+          <p:cNvSpPr>
+            <a:spLocks noGrp="1"/>
+          </p:cNvSpPr>
+          <p:nvPr>
+            <p:ph idx="1"/>
+          </p:nvPr>
+        </p:nvSpPr>
+        <p:spPr/>
+        <p:txBody>
+          <a:bodyPr/>
+          <a:lstStyle/>
+          <a:p>
+            <a:pPr>
+              <a:buFont typeface="Arial" panose="020B0604020202020204" pitchFamily="34" charset="0"/>
+              <a:buChar char="•"/>
+            </a:pPr>
+            <a:r>
+              <a:rPr lang="en-US" dirty="0"/>
+              <a:t>Ingest</a:t>
+            </a:r>
+          </a:p>
+          <a:p>
+            <a:pPr>
+              <a:buFont typeface="Arial" panose="020B0604020202020204" pitchFamily="34" charset="0"/>
+              <a:buChar char="•"/>
+            </a:pPr>
+            <a:r>
+              <a:rPr lang="en-US" dirty="0"/>
+              <a:t>Clean</a:t>
+            </a:r>
+          </a:p>
+          <a:p>
+            <a:pPr>
+              <a:buFont typeface="Arial" panose="020B0604020202020204" pitchFamily="34" charset="0"/>
+              <a:buChar char="•"/>
+            </a:pPr>
+            <a:r>
+              <a:rPr lang="en-US" dirty="0"/>
+              <a:t>Transform</a:t>
+            </a:r>
+          </a:p>
+          <a:p>
+            <a:pPr>
+              <a:buFont typeface="Arial" panose="020B0604020202020204" pitchFamily="34" charset="0"/>
+              <a:buChar char="•"/>
+            </a:pPr>
+            <a:r>
+              <a:rPr lang="en-US" dirty="0"/>
+              <a:t>Export</a:t>
+            </a:r>
+          </a:p>
+          <a:p>
+            <a:pPr>
+              <a:buFont typeface="Arial" panose="020B0604020202020204" pitchFamily="34" charset="0"/>
+              <a:buChar char="•"/>
+            </a:pPr>
+            <a:endParaRPr lang="en-US" dirty="0"/>
+          </a:p>
+        </p:txBody>
+      </p:sp>
+    </p:spTree>
+    <p:extLst>
+      <p:ext uri="{BB962C8B-B14F-4D97-AF65-F5344CB8AC3E}">
+        <p14:creationId xmlns:p14="http://schemas.microsoft.com/office/powerpoint/2010/main" val="1464481784"/>
+      </p:ext>
+    </p:extLst>
+  </p:cSld>
+  <p:clrMapOvr>
+    <a:masterClrMapping/>
+  </p:clrMapOvr>
+  <p:transition/>
+</p:sld>
+</file>
+
+<file path=ppt/slides/slide22.xml><?xml version="1.0" encoding="utf-8"?>
+<p:sld xmlns:a="http://schemas.openxmlformats.org/drawingml/2006/main" xmlns:r="http://schemas.openxmlformats.org/officeDocument/2006/relationships" xmlns:p="http://schemas.openxmlformats.org/presentationml/2006/main">
+  <p:cSld>
+    <p:spTree>
+      <p:nvGrpSpPr>
+        <p:cNvPr id="1" name=""/>
+        <p:cNvGrpSpPr/>
+        <p:nvPr/>
+      </p:nvGrpSpPr>
+      <p:grpSpPr>
+        <a:xfrm>
+          <a:off x="0" y="0"/>
+          <a:ext cx="0" cy="0"/>
+          <a:chOff x="0" y="0"/>
+          <a:chExt cx="0" cy="0"/>
+        </a:xfrm>
+      </p:grpSpPr>
+      <p:sp>
+        <p:nvSpPr>
+          <p:cNvPr id="2" name="Title 1"/>
+          <p:cNvSpPr>
+            <a:spLocks noGrp="1"/>
+          </p:cNvSpPr>
+          <p:nvPr>
+            <p:ph type="title"/>
+          </p:nvPr>
+        </p:nvSpPr>
+        <p:spPr/>
+        <p:txBody>
+          <a:bodyPr/>
+          <a:lstStyle/>
+          <a:p>
+            <a:r>
+              <a:rPr lang="en-US" dirty="0"/>
+              <a:t>Importing data</a:t>
+            </a:r>
+          </a:p>
+        </p:txBody>
+      </p:sp>
+      <p:sp>
+        <p:nvSpPr>
+          <p:cNvPr id="3" name="Content Placeholder 2"/>
+          <p:cNvSpPr>
+            <a:spLocks noGrp="1"/>
+          </p:cNvSpPr>
+          <p:nvPr>
+            <p:ph idx="1"/>
+          </p:nvPr>
+        </p:nvSpPr>
+        <p:spPr/>
+        <p:txBody>
+          <a:bodyPr/>
+          <a:lstStyle/>
+          <a:p>
+            <a:pPr>
+              <a:buFont typeface="Arial" panose="020B0604020202020204" pitchFamily="34" charset="0"/>
+              <a:buChar char="•"/>
+            </a:pPr>
+            <a:r>
+              <a:rPr lang="en-US" dirty="0"/>
+              <a:t>Files</a:t>
+            </a:r>
+          </a:p>
+          <a:p>
+            <a:pPr>
+              <a:buFont typeface="Arial" panose="020B0604020202020204" pitchFamily="34" charset="0"/>
+              <a:buChar char="•"/>
+            </a:pPr>
+            <a:r>
+              <a:rPr lang="en-US" dirty="0"/>
+              <a:t>Databases</a:t>
+            </a:r>
+          </a:p>
+          <a:p>
+            <a:pPr>
+              <a:buFont typeface="Arial" panose="020B0604020202020204" pitchFamily="34" charset="0"/>
+              <a:buChar char="•"/>
+            </a:pPr>
+            <a:r>
+              <a:rPr lang="en-US" dirty="0"/>
+              <a:t>Web</a:t>
+            </a:r>
+          </a:p>
+          <a:p>
+            <a:pPr>
+              <a:buFont typeface="Arial" panose="020B0604020202020204" pitchFamily="34" charset="0"/>
+              <a:buChar char="•"/>
+            </a:pPr>
+            <a:r>
+              <a:rPr lang="en-US" dirty="0"/>
+              <a:t>Statistical?</a:t>
+            </a:r>
+          </a:p>
+          <a:p>
+            <a:pPr>
+              <a:buFont typeface="Arial" panose="020B0604020202020204" pitchFamily="34" charset="0"/>
+              <a:buChar char="•"/>
+            </a:pPr>
+            <a:endParaRPr lang="en-US" dirty="0"/>
+          </a:p>
+        </p:txBody>
+      </p:sp>
+    </p:spTree>
+    <p:extLst>
+      <p:ext uri="{BB962C8B-B14F-4D97-AF65-F5344CB8AC3E}">
+        <p14:creationId xmlns:p14="http://schemas.microsoft.com/office/powerpoint/2010/main" val="4017964009"/>
+      </p:ext>
+    </p:extLst>
+  </p:cSld>
+  <p:clrMapOvr>
+    <a:masterClrMapping/>
+  </p:clrMapOvr>
+  <p:transition/>
+</p:sld>
+</file>
+
+<file path=ppt/slides/slide23.xml><?xml version="1.0" encoding="utf-8"?>
+<p:sld xmlns:a="http://schemas.openxmlformats.org/drawingml/2006/main" xmlns:r="http://schemas.openxmlformats.org/officeDocument/2006/relationships" xmlns:p="http://schemas.openxmlformats.org/presentationml/2006/main">
+  <p:cSld>
+    <p:spTree>
+      <p:nvGrpSpPr>
+        <p:cNvPr id="1" name=""/>
+        <p:cNvGrpSpPr/>
+        <p:nvPr/>
+      </p:nvGrpSpPr>
+      <p:grpSpPr>
+        <a:xfrm>
+          <a:off x="0" y="0"/>
+          <a:ext cx="0" cy="0"/>
+          <a:chOff x="0" y="0"/>
+          <a:chExt cx="0" cy="0"/>
+        </a:xfrm>
+      </p:grpSpPr>
+      <p:sp>
+        <p:nvSpPr>
+          <p:cNvPr id="2" name="Title 1"/>
+          <p:cNvSpPr>
+            <a:spLocks noGrp="1"/>
+          </p:cNvSpPr>
+          <p:nvPr>
+            <p:ph type="title"/>
+          </p:nvPr>
+        </p:nvSpPr>
+        <p:spPr/>
+        <p:txBody>
+          <a:bodyPr/>
+          <a:lstStyle/>
+          <a:p>
+            <a:r>
+              <a:rPr lang="en-US" dirty="0"/>
+              <a:t>Cleaning data with R</a:t>
+            </a:r>
+          </a:p>
+        </p:txBody>
+      </p:sp>
+      <p:sp>
+        <p:nvSpPr>
+          <p:cNvPr id="3" name="Content Placeholder 2"/>
+          <p:cNvSpPr>
+            <a:spLocks noGrp="1"/>
+          </p:cNvSpPr>
+          <p:nvPr>
+            <p:ph idx="1"/>
+          </p:nvPr>
+        </p:nvSpPr>
+        <p:spPr/>
+        <p:txBody>
+          <a:bodyPr/>
+          <a:lstStyle/>
+          <a:p>
+            <a:pPr>
+              <a:buFont typeface="Arial" panose="020B0604020202020204" pitchFamily="34" charset="0"/>
+              <a:buChar char="•"/>
+            </a:pPr>
+            <a:r>
+              <a:rPr lang="en-US" dirty="0"/>
+              <a:t>Missing value management</a:t>
+            </a:r>
+          </a:p>
+          <a:p>
+            <a:pPr>
+              <a:buFont typeface="Arial" panose="020B0604020202020204" pitchFamily="34" charset="0"/>
+              <a:buChar char="•"/>
+            </a:pPr>
+            <a:r>
+              <a:rPr lang="en-US" dirty="0"/>
+              <a:t>Data type consistency</a:t>
+            </a:r>
+          </a:p>
+          <a:p>
+            <a:pPr>
+              <a:buFont typeface="Arial" panose="020B0604020202020204" pitchFamily="34" charset="0"/>
+              <a:buChar char="•"/>
+            </a:pPr>
+            <a:r>
+              <a:rPr lang="en-US" dirty="0"/>
+              <a:t>Internal consistency</a:t>
+            </a:r>
+          </a:p>
+          <a:p>
+            <a:pPr>
+              <a:buFont typeface="Arial" panose="020B0604020202020204" pitchFamily="34" charset="0"/>
+              <a:buChar char="•"/>
+            </a:pPr>
+            <a:r>
+              <a:rPr lang="en-US" dirty="0"/>
+              <a:t>Etc.</a:t>
+            </a:r>
+          </a:p>
+          <a:p>
+            <a:pPr>
+              <a:buFont typeface="Arial" panose="020B0604020202020204" pitchFamily="34" charset="0"/>
+              <a:buChar char="•"/>
+            </a:pPr>
+            <a:endParaRPr lang="en-US" dirty="0"/>
+          </a:p>
+        </p:txBody>
+      </p:sp>
+    </p:spTree>
+    <p:extLst>
+      <p:ext uri="{BB962C8B-B14F-4D97-AF65-F5344CB8AC3E}">
+        <p14:creationId xmlns:p14="http://schemas.microsoft.com/office/powerpoint/2010/main" val="2142807324"/>
+      </p:ext>
+    </p:extLst>
+  </p:cSld>
+  <p:clrMapOvr>
+    <a:masterClrMapping/>
+  </p:clrMapOvr>
+  <p:transition/>
+</p:sld>
+</file>
+
+<file path=ppt/slides/slide24.xml><?xml version="1.0" encoding="utf-8"?>
+<p:sld xmlns:a="http://schemas.openxmlformats.org/drawingml/2006/main" xmlns:r="http://schemas.openxmlformats.org/officeDocument/2006/relationships" xmlns:p="http://schemas.openxmlformats.org/presentationml/2006/main">
+  <p:cSld>
+    <p:spTree>
+      <p:nvGrpSpPr>
+        <p:cNvPr id="1" name=""/>
+        <p:cNvGrpSpPr/>
+        <p:nvPr/>
+      </p:nvGrpSpPr>
+      <p:grpSpPr>
+        <a:xfrm>
+          <a:off x="0" y="0"/>
+          <a:ext cx="0" cy="0"/>
+          <a:chOff x="0" y="0"/>
+          <a:chExt cx="0" cy="0"/>
+        </a:xfrm>
+      </p:grpSpPr>
+      <p:sp>
+        <p:nvSpPr>
+          <p:cNvPr id="2" name="Title 1"/>
+          <p:cNvSpPr>
+            <a:spLocks noGrp="1"/>
+          </p:cNvSpPr>
+          <p:nvPr>
+            <p:ph type="title"/>
+          </p:nvPr>
+        </p:nvSpPr>
+        <p:spPr/>
+        <p:txBody>
+          <a:bodyPr/>
+          <a:lstStyle/>
+          <a:p>
+            <a:r>
+              <a:rPr lang="en-US" dirty="0"/>
+              <a:t>Exporting data</a:t>
+            </a:r>
+          </a:p>
+        </p:txBody>
+      </p:sp>
+      <p:sp>
+        <p:nvSpPr>
+          <p:cNvPr id="3" name="Content Placeholder 2"/>
+          <p:cNvSpPr>
+            <a:spLocks noGrp="1"/>
+          </p:cNvSpPr>
+          <p:nvPr>
+            <p:ph idx="1"/>
+          </p:nvPr>
+        </p:nvSpPr>
+        <p:spPr/>
+        <p:txBody>
+          <a:bodyPr/>
+          <a:lstStyle/>
+          <a:p>
+            <a:pPr>
+              <a:buFont typeface="Arial" panose="020B0604020202020204" pitchFamily="34" charset="0"/>
+              <a:buChar char="•"/>
+            </a:pPr>
+            <a:r>
+              <a:rPr lang="en-US" dirty="0"/>
+              <a:t>Native file export</a:t>
+            </a:r>
+          </a:p>
+          <a:p>
+            <a:pPr>
+              <a:buFont typeface="Arial" panose="020B0604020202020204" pitchFamily="34" charset="0"/>
+              <a:buChar char="•"/>
+            </a:pPr>
+            <a:r>
+              <a:rPr lang="en-US" dirty="0"/>
+              <a:t>Database</a:t>
+            </a:r>
+          </a:p>
+          <a:p>
+            <a:pPr>
+              <a:buFont typeface="Arial" panose="020B0604020202020204" pitchFamily="34" charset="0"/>
+              <a:buChar char="•"/>
+            </a:pPr>
+            <a:r>
+              <a:rPr lang="en-US" dirty="0"/>
+              <a:t>Shiny</a:t>
+            </a:r>
+          </a:p>
+          <a:p>
+            <a:pPr>
+              <a:buFont typeface="Arial" panose="020B0604020202020204" pitchFamily="34" charset="0"/>
+              <a:buChar char="•"/>
+            </a:pPr>
+            <a:endParaRPr lang="en-US" dirty="0"/>
+          </a:p>
+        </p:txBody>
+      </p:sp>
+    </p:spTree>
+    <p:extLst>
+      <p:ext uri="{BB962C8B-B14F-4D97-AF65-F5344CB8AC3E}">
+        <p14:creationId xmlns:p14="http://schemas.microsoft.com/office/powerpoint/2010/main" val="2059784978"/>
+      </p:ext>
+    </p:extLst>
+  </p:cSld>
+  <p:clrMapOvr>
+    <a:masterClrMapping/>
+  </p:clrMapOvr>
+  <p:transition/>
+</p:sld>
+</file>
+
+<file path=ppt/slides/slide25.xml><?xml version="1.0" encoding="utf-8"?>
+<p:sld xmlns:a="http://schemas.openxmlformats.org/drawingml/2006/main" xmlns:r="http://schemas.openxmlformats.org/officeDocument/2006/relationships" xmlns:p="http://schemas.openxmlformats.org/presentationml/2006/main">
+  <p:cSld>
+    <p:spTree>
+      <p:nvGrpSpPr>
+        <p:cNvPr id="1" name=""/>
+        <p:cNvGrpSpPr/>
+        <p:nvPr/>
+      </p:nvGrpSpPr>
+      <p:grpSpPr>
+        <a:xfrm>
+          <a:off x="0" y="0"/>
+          <a:ext cx="0" cy="0"/>
+          <a:chOff x="0" y="0"/>
+          <a:chExt cx="0" cy="0"/>
+        </a:xfrm>
+      </p:grpSpPr>
+      <p:sp>
+        <p:nvSpPr>
+          <p:cNvPr id="2" name="Title 1"/>
+          <p:cNvSpPr>
+            <a:spLocks noGrp="1"/>
+          </p:cNvSpPr>
+          <p:nvPr>
+            <p:ph type="title"/>
+          </p:nvPr>
+        </p:nvSpPr>
+        <p:spPr/>
+        <p:txBody>
+          <a:bodyPr/>
+          <a:lstStyle/>
+          <a:p>
+            <a:r>
+              <a:rPr lang="en-US" dirty="0"/>
+              <a:t>Descriptive statistics</a:t>
+            </a:r>
+          </a:p>
+        </p:txBody>
+      </p:sp>
+      <p:sp>
+        <p:nvSpPr>
+          <p:cNvPr id="3" name="Content Placeholder 2"/>
+          <p:cNvSpPr>
+            <a:spLocks noGrp="1"/>
+          </p:cNvSpPr>
+          <p:nvPr>
+            <p:ph idx="1"/>
+          </p:nvPr>
+        </p:nvSpPr>
+        <p:spPr/>
+        <p:txBody>
+          <a:bodyPr/>
+          <a:lstStyle/>
+          <a:p>
+            <a:endParaRPr lang="en-US"/>
+          </a:p>
+        </p:txBody>
+      </p:sp>
+      <p:pic>
+        <p:nvPicPr>
+          <p:cNvPr id="4098" name="Picture 2" descr="Image result for statistics"/>
+          <p:cNvPicPr>
+            <a:picLocks noChangeAspect="1" noChangeArrowheads="1"/>
+          </p:cNvPicPr>
+          <p:nvPr/>
+        </p:nvPicPr>
+        <p:blipFill>
+          <a:blip r:embed="rId2">
+            <a:extLst>
+              <a:ext uri="{28A0092B-C50C-407E-A947-70E740481C1C}">
+                <a14:useLocalDpi xmlns:a14="http://schemas.microsoft.com/office/drawing/2010/main" val="0"/>
+              </a:ext>
+            </a:extLst>
+          </a:blip>
+          <a:srcRect/>
+          <a:stretch>
+            <a:fillRect/>
+          </a:stretch>
+        </p:blipFill>
+        <p:spPr bwMode="auto">
+          <a:xfrm>
+            <a:off x="698500" y="2209800"/>
+            <a:ext cx="11430000" cy="5362575"/>
+          </a:xfrm>
+          <a:prstGeom prst="rect">
+            <a:avLst/>
+          </a:prstGeom>
+          <a:noFill/>
+          <a:extLst>
+            <a:ext uri="{909E8E84-426E-40DD-AFC4-6F175D3DCCD1}">
+              <a14:hiddenFill xmlns:a14="http://schemas.microsoft.com/office/drawing/2010/main">
+                <a:solidFill>
+                  <a:srgbClr val="FFFFFF"/>
+                </a:solidFill>
+              </a14:hiddenFill>
+            </a:ext>
+          </a:extLst>
+        </p:spPr>
+      </p:pic>
+    </p:spTree>
+    <p:extLst>
+      <p:ext uri="{BB962C8B-B14F-4D97-AF65-F5344CB8AC3E}">
+        <p14:creationId xmlns:p14="http://schemas.microsoft.com/office/powerpoint/2010/main" val="1324968899"/>
+      </p:ext>
+    </p:extLst>
+  </p:cSld>
+  <p:clrMapOvr>
+    <a:masterClrMapping/>
+  </p:clrMapOvr>
+  <p:transition/>
+</p:sld>
+</file>
+
+<file path=ppt/slides/slide26.xml><?xml version="1.0" encoding="utf-8"?>
+<p:sld xmlns:a="http://schemas.openxmlformats.org/drawingml/2006/main" xmlns:r="http://schemas.openxmlformats.org/officeDocument/2006/relationships" xmlns:p="http://schemas.openxmlformats.org/presentationml/2006/main">
+  <p:cSld>
+    <p:spTree>
+      <p:nvGrpSpPr>
+        <p:cNvPr id="1" name=""/>
+        <p:cNvGrpSpPr/>
+        <p:nvPr/>
+      </p:nvGrpSpPr>
+      <p:grpSpPr>
+        <a:xfrm>
+          <a:off x="0" y="0"/>
+          <a:ext cx="0" cy="0"/>
+          <a:chOff x="0" y="0"/>
+          <a:chExt cx="0" cy="0"/>
+        </a:xfrm>
+      </p:grpSpPr>
+      <p:sp>
+        <p:nvSpPr>
+          <p:cNvPr id="2" name="Title 1"/>
+          <p:cNvSpPr>
+            <a:spLocks noGrp="1"/>
+          </p:cNvSpPr>
+          <p:nvPr>
+            <p:ph type="title"/>
+          </p:nvPr>
+        </p:nvSpPr>
+        <p:spPr/>
+        <p:txBody>
+          <a:bodyPr/>
+          <a:lstStyle/>
+          <a:p>
+            <a:r>
+              <a:rPr lang="en-US" dirty="0"/>
+              <a:t>Statistics 101</a:t>
+            </a:r>
+          </a:p>
+        </p:txBody>
+      </p:sp>
+      <p:sp>
+        <p:nvSpPr>
+          <p:cNvPr id="3" name="Content Placeholder 2"/>
+          <p:cNvSpPr>
+            <a:spLocks noGrp="1"/>
+          </p:cNvSpPr>
+          <p:nvPr>
+            <p:ph idx="1"/>
+          </p:nvPr>
+        </p:nvSpPr>
+        <p:spPr/>
+        <p:txBody>
+          <a:bodyPr/>
+          <a:lstStyle/>
+          <a:p>
+            <a:pPr>
+              <a:buFont typeface="Arial" panose="020B0604020202020204" pitchFamily="34" charset="0"/>
+              <a:buChar char="•"/>
+            </a:pPr>
+            <a:r>
+              <a:rPr lang="en-US" dirty="0"/>
+              <a:t>Observations</a:t>
+            </a:r>
+          </a:p>
+          <a:p>
+            <a:pPr>
+              <a:buFont typeface="Arial" panose="020B0604020202020204" pitchFamily="34" charset="0"/>
+              <a:buChar char="•"/>
+            </a:pPr>
+            <a:r>
+              <a:rPr lang="en-US" dirty="0"/>
+              <a:t>Variables</a:t>
+            </a:r>
+          </a:p>
+          <a:p>
+            <a:pPr lvl="1">
+              <a:buFont typeface="Arial" panose="020B0604020202020204" pitchFamily="34" charset="0"/>
+              <a:buChar char="•"/>
+            </a:pPr>
+            <a:r>
+              <a:rPr lang="en-US" dirty="0"/>
+              <a:t>Categorical variable</a:t>
+            </a:r>
+          </a:p>
+          <a:p>
+            <a:pPr lvl="1">
+              <a:buFont typeface="Arial" panose="020B0604020202020204" pitchFamily="34" charset="0"/>
+              <a:buChar char="•"/>
+            </a:pPr>
+            <a:r>
+              <a:rPr lang="en-US" dirty="0"/>
+              <a:t>Numeric Variable</a:t>
+            </a:r>
+          </a:p>
+        </p:txBody>
+      </p:sp>
+      <p:pic>
+        <p:nvPicPr>
+          <p:cNvPr id="8" name="Picture 7"/>
+          <p:cNvPicPr>
+            <a:picLocks noChangeAspect="1"/>
+          </p:cNvPicPr>
+          <p:nvPr/>
+        </p:nvPicPr>
+        <p:blipFill>
+          <a:blip r:embed="rId2"/>
+          <a:stretch>
+            <a:fillRect/>
+          </a:stretch>
+        </p:blipFill>
+        <p:spPr>
+          <a:xfrm>
+            <a:off x="5650054" y="4800599"/>
+            <a:ext cx="7180911" cy="4030969"/>
+          </a:xfrm>
+          <a:prstGeom prst="rect">
+            <a:avLst/>
+          </a:prstGeom>
+        </p:spPr>
+      </p:pic>
+    </p:spTree>
+    <p:extLst>
+      <p:ext uri="{BB962C8B-B14F-4D97-AF65-F5344CB8AC3E}">
+        <p14:creationId xmlns:p14="http://schemas.microsoft.com/office/powerpoint/2010/main" val="1874655273"/>
+      </p:ext>
+    </p:extLst>
+  </p:cSld>
+  <p:clrMapOvr>
+    <a:masterClrMapping/>
+  </p:clrMapOvr>
+  <p:transition/>
+</p:sld>
+</file>
+
+<file path=ppt/slides/slide27.xml><?xml version="1.0" encoding="utf-8"?>
+<p:sld xmlns:a="http://schemas.openxmlformats.org/drawingml/2006/main" xmlns:r="http://schemas.openxmlformats.org/officeDocument/2006/relationships" xmlns:p="http://schemas.openxmlformats.org/presentationml/2006/main">
+  <p:cSld>
+    <p:spTree>
+      <p:nvGrpSpPr>
+        <p:cNvPr id="1" name=""/>
+        <p:cNvGrpSpPr/>
+        <p:nvPr/>
+      </p:nvGrpSpPr>
+      <p:grpSpPr>
+        <a:xfrm>
+          <a:off x="0" y="0"/>
+          <a:ext cx="0" cy="0"/>
+          <a:chOff x="0" y="0"/>
+          <a:chExt cx="0" cy="0"/>
+        </a:xfrm>
+      </p:grpSpPr>
+      <p:sp>
+        <p:nvSpPr>
+          <p:cNvPr id="2" name="Title 1"/>
+          <p:cNvSpPr>
+            <a:spLocks noGrp="1"/>
+          </p:cNvSpPr>
+          <p:nvPr>
+            <p:ph type="title"/>
+          </p:nvPr>
+        </p:nvSpPr>
+        <p:spPr/>
+        <p:txBody>
+          <a:bodyPr/>
+          <a:lstStyle/>
+          <a:p>
+            <a:r>
+              <a:rPr lang="en-US"/>
+              <a:t>Descriptive statistics</a:t>
+            </a:r>
+          </a:p>
+        </p:txBody>
+      </p:sp>
+      <p:sp>
+        <p:nvSpPr>
+          <p:cNvPr id="3" name="Content Placeholder 2"/>
+          <p:cNvSpPr>
+            <a:spLocks noGrp="1"/>
+          </p:cNvSpPr>
+          <p:nvPr>
+            <p:ph idx="1"/>
+          </p:nvPr>
+        </p:nvSpPr>
+        <p:spPr/>
+        <p:txBody>
+          <a:bodyPr/>
+          <a:lstStyle/>
+          <a:p>
+            <a:pPr>
+              <a:buFont typeface="Arial" panose="020B0604020202020204" pitchFamily="34" charset="0"/>
+              <a:buChar char="•"/>
+            </a:pPr>
+            <a:r>
+              <a:rPr lang="en-US" dirty="0"/>
+              <a:t>Numerical analysis</a:t>
+            </a:r>
+          </a:p>
+          <a:p>
+            <a:pPr>
+              <a:buFont typeface="Arial" panose="020B0604020202020204" pitchFamily="34" charset="0"/>
+              <a:buChar char="•"/>
+            </a:pPr>
+            <a:r>
+              <a:rPr lang="en-US" dirty="0"/>
+              <a:t>Summarization</a:t>
+            </a:r>
+          </a:p>
+          <a:p>
+            <a:endParaRPr lang="en-US" dirty="0"/>
+          </a:p>
+        </p:txBody>
+      </p:sp>
+    </p:spTree>
+    <p:extLst>
+      <p:ext uri="{BB962C8B-B14F-4D97-AF65-F5344CB8AC3E}">
+        <p14:creationId xmlns:p14="http://schemas.microsoft.com/office/powerpoint/2010/main" val="2829459313"/>
+      </p:ext>
+    </p:extLst>
+  </p:cSld>
+  <p:clrMapOvr>
+    <a:masterClrMapping/>
+  </p:clrMapOvr>
+  <p:transition/>
+</p:sld>
+</file>
+
+<file path=ppt/slides/slide28.xml><?xml version="1.0" encoding="utf-8"?>
+<p:sld xmlns:a="http://schemas.openxmlformats.org/drawingml/2006/main" xmlns:r="http://schemas.openxmlformats.org/officeDocument/2006/relationships" xmlns:p="http://schemas.openxmlformats.org/presentationml/2006/main">
+  <p:cSld>
+    <p:spTree>
+      <p:nvGrpSpPr>
+        <p:cNvPr id="1" name=""/>
+        <p:cNvGrpSpPr/>
+        <p:nvPr/>
+      </p:nvGrpSpPr>
+      <p:grpSpPr>
+        <a:xfrm>
+          <a:off x="0" y="0"/>
+          <a:ext cx="0" cy="0"/>
+          <a:chOff x="0" y="0"/>
+          <a:chExt cx="0" cy="0"/>
+        </a:xfrm>
+      </p:grpSpPr>
+      <p:sp>
+        <p:nvSpPr>
+          <p:cNvPr id="2" name="Title 1"/>
+          <p:cNvSpPr>
+            <a:spLocks noGrp="1"/>
+          </p:cNvSpPr>
+          <p:nvPr>
+            <p:ph type="title"/>
+          </p:nvPr>
+        </p:nvSpPr>
+        <p:spPr/>
+        <p:txBody>
+          <a:bodyPr/>
+          <a:lstStyle/>
+          <a:p>
+            <a:r>
+              <a:rPr lang="en-US"/>
+              <a:t>Descriptive statistics</a:t>
+            </a:r>
+          </a:p>
+        </p:txBody>
+      </p:sp>
+      <p:pic>
+        <p:nvPicPr>
+          <p:cNvPr id="6" name="Content Placeholder 5"/>
+          <p:cNvPicPr>
+            <a:picLocks noGrp="1" noChangeAspect="1"/>
+          </p:cNvPicPr>
+          <p:nvPr>
+            <p:ph idx="1"/>
+          </p:nvPr>
+        </p:nvPicPr>
+        <p:blipFill>
+          <a:blip r:embed="rId2"/>
+          <a:stretch>
+            <a:fillRect/>
+          </a:stretch>
+        </p:blipFill>
+        <p:spPr>
+          <a:xfrm>
+            <a:off x="3073399" y="2438400"/>
+            <a:ext cx="6419273" cy="4953000"/>
+          </a:xfrm>
+          <a:prstGeom prst="rect">
+            <a:avLst/>
+          </a:prstGeom>
+        </p:spPr>
+      </p:pic>
+    </p:spTree>
+    <p:extLst>
+      <p:ext uri="{BB962C8B-B14F-4D97-AF65-F5344CB8AC3E}">
+        <p14:creationId xmlns:p14="http://schemas.microsoft.com/office/powerpoint/2010/main" val="3317039380"/>
+      </p:ext>
+    </p:extLst>
+  </p:cSld>
+  <p:clrMapOvr>
+    <a:masterClrMapping/>
+  </p:clrMapOvr>
+  <p:transition/>
+</p:sld>
+</file>
+
+<file path=ppt/slides/slide29.xml><?xml version="1.0" encoding="utf-8"?>
+<p:sld xmlns:a="http://schemas.openxmlformats.org/drawingml/2006/main" xmlns:r="http://schemas.openxmlformats.org/officeDocument/2006/relationships" xmlns:p="http://schemas.openxmlformats.org/presentationml/2006/main">
+  <p:cSld>
+    <p:spTree>
+      <p:nvGrpSpPr>
+        <p:cNvPr id="1" name=""/>
+        <p:cNvGrpSpPr/>
+        <p:nvPr/>
+      </p:nvGrpSpPr>
+      <p:grpSpPr>
+        <a:xfrm>
+          <a:off x="0" y="0"/>
+          <a:ext cx="0" cy="0"/>
+          <a:chOff x="0" y="0"/>
+          <a:chExt cx="0" cy="0"/>
+        </a:xfrm>
+      </p:grpSpPr>
+      <p:sp>
+        <p:nvSpPr>
+          <p:cNvPr id="2" name="Title 1"/>
+          <p:cNvSpPr>
+            <a:spLocks noGrp="1"/>
+          </p:cNvSpPr>
+          <p:nvPr>
+            <p:ph type="title"/>
+          </p:nvPr>
+        </p:nvSpPr>
+        <p:spPr/>
+        <p:txBody>
+          <a:bodyPr/>
+          <a:lstStyle/>
+          <a:p>
+            <a:r>
+              <a:rPr lang="en-US" dirty="0"/>
+              <a:t>Correlation</a:t>
+            </a:r>
+          </a:p>
+        </p:txBody>
+      </p:sp>
+      <p:sp>
+        <p:nvSpPr>
+          <p:cNvPr id="3" name="Content Placeholder 2"/>
+          <p:cNvSpPr>
+            <a:spLocks noGrp="1"/>
+          </p:cNvSpPr>
+          <p:nvPr>
+            <p:ph idx="1"/>
+          </p:nvPr>
+        </p:nvSpPr>
+        <p:spPr/>
+        <p:txBody>
+          <a:bodyPr/>
+          <a:lstStyle/>
+          <a:p>
+            <a:pPr>
+              <a:buFont typeface="Arial" panose="020B0604020202020204" pitchFamily="34" charset="0"/>
+              <a:buChar char="•"/>
+            </a:pPr>
+            <a:r>
+              <a:rPr lang="en-US" dirty="0"/>
+              <a:t>Effectiveness of relationship</a:t>
+            </a:r>
+          </a:p>
+          <a:p>
+            <a:pPr>
+              <a:buFont typeface="Arial" panose="020B0604020202020204" pitchFamily="34" charset="0"/>
+              <a:buChar char="•"/>
+            </a:pPr>
+            <a:r>
+              <a:rPr lang="en-US" dirty="0"/>
+              <a:t>Correlation coefficient</a:t>
+            </a:r>
+          </a:p>
+          <a:p>
+            <a:pPr>
+              <a:buFont typeface="Arial" panose="020B0604020202020204" pitchFamily="34" charset="0"/>
+              <a:buChar char="•"/>
+            </a:pPr>
+            <a:r>
+              <a:rPr lang="en-US" dirty="0"/>
+              <a:t>Unified scale</a:t>
+            </a:r>
+          </a:p>
+        </p:txBody>
+      </p:sp>
+      <p:pic>
+        <p:nvPicPr>
+          <p:cNvPr id="4" name="Picture 3"/>
+          <p:cNvPicPr>
+            <a:picLocks noChangeAspect="1"/>
+          </p:cNvPicPr>
+          <p:nvPr/>
+        </p:nvPicPr>
+        <p:blipFill>
+          <a:blip r:embed="rId2"/>
+          <a:stretch>
+            <a:fillRect/>
+          </a:stretch>
+        </p:blipFill>
+        <p:spPr>
+          <a:xfrm>
+            <a:off x="4392612" y="3257550"/>
+            <a:ext cx="4219575" cy="3238500"/>
+          </a:xfrm>
+          <a:prstGeom prst="rect">
+            <a:avLst/>
+          </a:prstGeom>
+        </p:spPr>
+      </p:pic>
+    </p:spTree>
+    <p:extLst>
+      <p:ext uri="{BB962C8B-B14F-4D97-AF65-F5344CB8AC3E}">
+        <p14:creationId xmlns:p14="http://schemas.microsoft.com/office/powerpoint/2010/main" val="4202011972"/>
+      </p:ext>
+    </p:extLst>
+  </p:cSld>
+  <p:clrMapOvr>
+    <a:masterClrMapping/>
+  </p:clrMapOvr>
+  <p:transition/>
+</p:sld>
+</file>
+
+<file path=ppt/slides/slide3.xml><?xml version="1.0" encoding="utf-8"?>
+<p:sld xmlns:a="http://schemas.openxmlformats.org/drawingml/2006/main" xmlns:r="http://schemas.openxmlformats.org/officeDocument/2006/relationships" xmlns:p="http://schemas.openxmlformats.org/presentationml/2006/main" showMasterSp="0">
+  <p:cSld>
+    <p:spTree>
+      <p:nvGrpSpPr>
+        <p:cNvPr id="1" name=""/>
+        <p:cNvGrpSpPr/>
+        <p:nvPr/>
+      </p:nvGrpSpPr>
+      <p:grpSpPr>
+        <a:xfrm>
+          <a:off x="0" y="0"/>
+          <a:ext cx="0" cy="0"/>
+          <a:chOff x="0" y="0"/>
+          <a:chExt cx="0" cy="0"/>
+        </a:xfrm>
+      </p:grpSpPr>
+      <p:sp>
+        <p:nvSpPr>
+          <p:cNvPr id="2" name="Title 1"/>
+          <p:cNvSpPr>
+            <a:spLocks noGrp="1"/>
+          </p:cNvSpPr>
+          <p:nvPr>
+            <p:ph type="title"/>
+          </p:nvPr>
+        </p:nvSpPr>
+        <p:spPr/>
+        <p:txBody>
+          <a:bodyPr/>
+          <a:lstStyle/>
+          <a:p>
+            <a:r>
+              <a:rPr lang="en-US" dirty="0"/>
+              <a:t>What is data science?</a:t>
+            </a:r>
+          </a:p>
+        </p:txBody>
+      </p:sp>
+      <p:graphicFrame>
+        <p:nvGraphicFramePr>
+          <p:cNvPr id="5" name="Diagram 4"/>
+          <p:cNvGraphicFramePr/>
+          <p:nvPr>
+            <p:extLst>
+              <p:ext uri="{D42A27DB-BD31-4B8C-83A1-F6EECF244321}">
+                <p14:modId xmlns:p14="http://schemas.microsoft.com/office/powerpoint/2010/main" val="2080695617"/>
+              </p:ext>
+            </p:extLst>
+          </p:nvPr>
+        </p:nvGraphicFramePr>
+        <p:xfrm>
+          <a:off x="2167466" y="1986844"/>
+          <a:ext cx="8669867" cy="5779911"/>
+        </p:xfrm>
+        <a:graphic>
+          <a:graphicData uri="http://schemas.openxmlformats.org/drawingml/2006/diagram">
+            <dgm:relIds xmlns:dgm="http://schemas.openxmlformats.org/drawingml/2006/diagram" xmlns:r="http://schemas.openxmlformats.org/officeDocument/2006/relationships" r:dm="rId3" r:lo="rId4" r:qs="rId5" r:cs="rId6"/>
+          </a:graphicData>
+        </a:graphic>
+      </p:graphicFrame>
+    </p:spTree>
+    <p:extLst>
+      <p:ext uri="{BB962C8B-B14F-4D97-AF65-F5344CB8AC3E}">
+        <p14:creationId xmlns:p14="http://schemas.microsoft.com/office/powerpoint/2010/main" val="2655346092"/>
+      </p:ext>
+    </p:extLst>
+  </p:cSld>
+  <p:clrMapOvr>
+    <a:masterClrMapping/>
+  </p:clrMapOvr>
+  <p:transition/>
+</p:sld>
+</file>
+
+<file path=ppt/slides/slide30.xml><?xml version="1.0" encoding="utf-8"?>
+<p:sld xmlns:a="http://schemas.openxmlformats.org/drawingml/2006/main" xmlns:r="http://schemas.openxmlformats.org/officeDocument/2006/relationships" xmlns:p="http://schemas.openxmlformats.org/presentationml/2006/main">
+  <p:cSld>
+    <p:spTree>
+      <p:nvGrpSpPr>
+        <p:cNvPr id="1" name=""/>
+        <p:cNvGrpSpPr/>
+        <p:nvPr/>
+      </p:nvGrpSpPr>
+      <p:grpSpPr>
+        <a:xfrm>
+          <a:off x="0" y="0"/>
+          <a:ext cx="0" cy="0"/>
+          <a:chOff x="0" y="0"/>
+          <a:chExt cx="0" cy="0"/>
+        </a:xfrm>
+      </p:grpSpPr>
+      <p:sp>
+        <p:nvSpPr>
+          <p:cNvPr id="2" name="Title 1"/>
+          <p:cNvSpPr>
+            <a:spLocks noGrp="1"/>
+          </p:cNvSpPr>
+          <p:nvPr>
+            <p:ph type="title"/>
+          </p:nvPr>
+        </p:nvSpPr>
+        <p:spPr/>
+        <p:txBody>
+          <a:bodyPr/>
+          <a:lstStyle/>
+          <a:p>
+            <a:r>
+              <a:rPr lang="en-US" dirty="0"/>
+              <a:t>Visualization</a:t>
+            </a:r>
+          </a:p>
+        </p:txBody>
+      </p:sp>
+      <p:sp>
+        <p:nvSpPr>
+          <p:cNvPr id="6" name="Content Placeholder 5"/>
+          <p:cNvSpPr>
+            <a:spLocks noGrp="1"/>
+          </p:cNvSpPr>
+          <p:nvPr>
+            <p:ph idx="1"/>
+          </p:nvPr>
+        </p:nvSpPr>
+        <p:spPr/>
+        <p:txBody>
+          <a:bodyPr/>
+          <a:lstStyle/>
+          <a:p>
+            <a:endParaRPr lang="en-US"/>
+          </a:p>
+        </p:txBody>
+      </p:sp>
+    </p:spTree>
+    <p:extLst>
+      <p:ext uri="{BB962C8B-B14F-4D97-AF65-F5344CB8AC3E}">
+        <p14:creationId xmlns:p14="http://schemas.microsoft.com/office/powerpoint/2010/main" val="3637067836"/>
+      </p:ext>
+    </p:extLst>
+  </p:cSld>
+  <p:clrMapOvr>
+    <a:masterClrMapping/>
+  </p:clrMapOvr>
+  <p:transition/>
+</p:sld>
+</file>
+
+<file path=ppt/slides/slide31.xml><?xml version="1.0" encoding="utf-8"?>
+<p:sld xmlns:a="http://schemas.openxmlformats.org/drawingml/2006/main" xmlns:r="http://schemas.openxmlformats.org/officeDocument/2006/relationships" xmlns:p="http://schemas.openxmlformats.org/presentationml/2006/main">
+  <p:cSld>
+    <p:spTree>
+      <p:nvGrpSpPr>
+        <p:cNvPr id="1" name=""/>
+        <p:cNvGrpSpPr/>
+        <p:nvPr/>
+      </p:nvGrpSpPr>
+      <p:grpSpPr>
+        <a:xfrm>
+          <a:off x="0" y="0"/>
+          <a:ext cx="0" cy="0"/>
+          <a:chOff x="0" y="0"/>
+          <a:chExt cx="0" cy="0"/>
+        </a:xfrm>
+      </p:grpSpPr>
+      <p:sp>
+        <p:nvSpPr>
+          <p:cNvPr id="2" name="Title 1"/>
+          <p:cNvSpPr>
+            <a:spLocks noGrp="1"/>
+          </p:cNvSpPr>
+          <p:nvPr>
+            <p:ph type="title"/>
+          </p:nvPr>
+        </p:nvSpPr>
+        <p:spPr/>
+        <p:txBody>
+          <a:bodyPr/>
+          <a:lstStyle/>
+          <a:p>
+            <a:r>
+              <a:rPr lang="en-US" dirty="0"/>
+              <a:t>Types of visualization</a:t>
+            </a:r>
+          </a:p>
+        </p:txBody>
+      </p:sp>
+      <p:sp>
+        <p:nvSpPr>
+          <p:cNvPr id="3" name="Content Placeholder 2"/>
+          <p:cNvSpPr>
+            <a:spLocks noGrp="1"/>
+          </p:cNvSpPr>
+          <p:nvPr>
+            <p:ph idx="1"/>
+          </p:nvPr>
+        </p:nvSpPr>
+        <p:spPr/>
+        <p:txBody>
+          <a:bodyPr/>
+          <a:lstStyle/>
+          <a:p>
+            <a:pPr>
+              <a:buFont typeface="Arial" panose="020B0604020202020204" pitchFamily="34" charset="0"/>
+              <a:buChar char="•"/>
+            </a:pPr>
+            <a:r>
+              <a:rPr lang="en-US"/>
+              <a:t>Bar</a:t>
+            </a:r>
+            <a:endParaRPr lang="en-US" dirty="0"/>
+          </a:p>
+          <a:p>
+            <a:pPr>
+              <a:buFont typeface="Arial" panose="020B0604020202020204" pitchFamily="34" charset="0"/>
+              <a:buChar char="•"/>
+            </a:pPr>
+            <a:r>
+              <a:rPr lang="en-US" dirty="0"/>
+              <a:t>Spatial</a:t>
+            </a:r>
+          </a:p>
+          <a:p>
+            <a:pPr>
+              <a:buFont typeface="Arial" panose="020B0604020202020204" pitchFamily="34" charset="0"/>
+              <a:buChar char="•"/>
+            </a:pPr>
+            <a:r>
+              <a:rPr lang="en-US"/>
+              <a:t>Network</a:t>
+            </a:r>
+            <a:endParaRPr lang="en-US" dirty="0"/>
+          </a:p>
+          <a:p>
+            <a:pPr>
+              <a:buFont typeface="Arial" panose="020B0604020202020204" pitchFamily="34" charset="0"/>
+              <a:buChar char="•"/>
+            </a:pPr>
+            <a:r>
+              <a:rPr lang="en-US" dirty="0"/>
+              <a:t>Multi-dimensional</a:t>
+            </a:r>
+          </a:p>
+          <a:p>
+            <a:pPr>
+              <a:buFont typeface="Arial" panose="020B0604020202020204" pitchFamily="34" charset="0"/>
+              <a:buChar char="•"/>
+            </a:pPr>
+            <a:r>
+              <a:rPr lang="en-US"/>
+              <a:t>Network</a:t>
+            </a:r>
+            <a:endParaRPr lang="en-US" dirty="0"/>
+          </a:p>
+          <a:p>
+            <a:pPr>
+              <a:buFont typeface="Arial" panose="020B0604020202020204" pitchFamily="34" charset="0"/>
+              <a:buChar char="•"/>
+            </a:pPr>
+            <a:r>
+              <a:rPr lang="en-US"/>
+              <a:t>Interactive</a:t>
+            </a:r>
+            <a:endParaRPr lang="en-US" dirty="0"/>
+          </a:p>
+        </p:txBody>
+      </p:sp>
+    </p:spTree>
+    <p:extLst>
+      <p:ext uri="{BB962C8B-B14F-4D97-AF65-F5344CB8AC3E}">
+        <p14:creationId xmlns:p14="http://schemas.microsoft.com/office/powerpoint/2010/main" val="4108631576"/>
+      </p:ext>
+    </p:extLst>
+  </p:cSld>
+  <p:clrMapOvr>
+    <a:masterClrMapping/>
+  </p:clrMapOvr>
+  <p:transition/>
+</p:sld>
+</file>
+
+<file path=ppt/slides/slide32.xml><?xml version="1.0" encoding="utf-8"?>
+<p:sld xmlns:a="http://schemas.openxmlformats.org/drawingml/2006/main" xmlns:r="http://schemas.openxmlformats.org/officeDocument/2006/relationships" xmlns:p="http://schemas.openxmlformats.org/presentationml/2006/main">
+  <p:cSld>
+    <p:spTree>
+      <p:nvGrpSpPr>
+        <p:cNvPr id="1" name=""/>
+        <p:cNvGrpSpPr/>
+        <p:nvPr/>
+      </p:nvGrpSpPr>
+      <p:grpSpPr>
+        <a:xfrm>
+          <a:off x="0" y="0"/>
+          <a:ext cx="0" cy="0"/>
+          <a:chOff x="0" y="0"/>
+          <a:chExt cx="0" cy="0"/>
+        </a:xfrm>
+      </p:grpSpPr>
+      <p:pic>
+        <p:nvPicPr>
+          <p:cNvPr id="5" name="Picture 4"/>
+          <p:cNvPicPr>
+            <a:picLocks noChangeAspect="1"/>
+          </p:cNvPicPr>
+          <p:nvPr/>
+        </p:nvPicPr>
+        <p:blipFill>
+          <a:blip r:embed="rId2"/>
+          <a:stretch>
+            <a:fillRect/>
+          </a:stretch>
+        </p:blipFill>
+        <p:spPr>
+          <a:xfrm>
+            <a:off x="711200" y="1544320"/>
+            <a:ext cx="6398475" cy="6720595"/>
+          </a:xfrm>
+          <a:prstGeom prst="rect">
+            <a:avLst/>
+          </a:prstGeom>
+        </p:spPr>
+      </p:pic>
+      <p:pic>
+        <p:nvPicPr>
+          <p:cNvPr id="6" name="Picture 5"/>
+          <p:cNvPicPr>
+            <a:picLocks noChangeAspect="1"/>
+          </p:cNvPicPr>
+          <p:nvPr/>
+        </p:nvPicPr>
+        <p:blipFill>
+          <a:blip r:embed="rId3"/>
+          <a:stretch>
+            <a:fillRect/>
+          </a:stretch>
+        </p:blipFill>
+        <p:spPr>
+          <a:xfrm>
+            <a:off x="7797800" y="1529080"/>
+            <a:ext cx="4800600" cy="7391400"/>
+          </a:xfrm>
+          <a:prstGeom prst="rect">
+            <a:avLst/>
+          </a:prstGeom>
+        </p:spPr>
+      </p:pic>
+      <p:sp>
+        <p:nvSpPr>
+          <p:cNvPr id="9" name="Title 8"/>
+          <p:cNvSpPr>
+            <a:spLocks noGrp="1"/>
+          </p:cNvSpPr>
+          <p:nvPr>
+            <p:ph type="title"/>
+          </p:nvPr>
+        </p:nvSpPr>
+        <p:spPr/>
+        <p:txBody>
+          <a:bodyPr/>
+          <a:lstStyle/>
+          <a:p>
+            <a:r>
+              <a:rPr lang="en-US" dirty="0"/>
+              <a:t>Visualization with R</a:t>
+            </a:r>
+          </a:p>
+        </p:txBody>
+      </p:sp>
+      <p:sp>
+        <p:nvSpPr>
+          <p:cNvPr id="10" name="Content Placeholder 9"/>
+          <p:cNvSpPr>
+            <a:spLocks noGrp="1"/>
+          </p:cNvSpPr>
+          <p:nvPr>
+            <p:ph idx="1"/>
+          </p:nvPr>
+        </p:nvSpPr>
+        <p:spPr>
+          <a:xfrm>
+            <a:off x="1181100" y="1498600"/>
+            <a:ext cx="10464800" cy="6388100"/>
+          </a:xfrm>
+        </p:spPr>
+        <p:txBody>
+          <a:bodyPr/>
+          <a:lstStyle/>
+          <a:p>
+            <a:endParaRPr lang="en-US" dirty="0"/>
+          </a:p>
+        </p:txBody>
+      </p:sp>
+    </p:spTree>
+    <p:extLst>
+      <p:ext uri="{BB962C8B-B14F-4D97-AF65-F5344CB8AC3E}">
+        <p14:creationId xmlns:p14="http://schemas.microsoft.com/office/powerpoint/2010/main" val="653038385"/>
+      </p:ext>
+    </p:extLst>
+  </p:cSld>
+  <p:clrMapOvr>
+    <a:masterClrMapping/>
+  </p:clrMapOvr>
+  <p:transition/>
+</p:sld>
+</file>
+
+<file path=ppt/slides/slide33.xml><?xml version="1.0" encoding="utf-8"?>
+<p:sld xmlns:a="http://schemas.openxmlformats.org/drawingml/2006/main" xmlns:r="http://schemas.openxmlformats.org/officeDocument/2006/relationships" xmlns:p="http://schemas.openxmlformats.org/presentationml/2006/main">
+  <p:cSld>
+    <p:spTree>
+      <p:nvGrpSpPr>
+        <p:cNvPr id="1" name=""/>
+        <p:cNvGrpSpPr/>
+        <p:nvPr/>
+      </p:nvGrpSpPr>
+      <p:grpSpPr>
+        <a:xfrm>
+          <a:off x="0" y="0"/>
+          <a:ext cx="0" cy="0"/>
+          <a:chOff x="0" y="0"/>
+          <a:chExt cx="0" cy="0"/>
+        </a:xfrm>
+      </p:grpSpPr>
+      <p:sp>
+        <p:nvSpPr>
+          <p:cNvPr id="2" name="Title 1"/>
+          <p:cNvSpPr>
+            <a:spLocks noGrp="1"/>
+          </p:cNvSpPr>
+          <p:nvPr>
+            <p:ph type="title"/>
+          </p:nvPr>
+        </p:nvSpPr>
+        <p:spPr/>
+        <p:txBody>
+          <a:bodyPr/>
+          <a:lstStyle/>
+          <a:p>
+            <a:r>
+              <a:rPr lang="en-US" dirty="0"/>
+              <a:t>Delivering R</a:t>
+            </a:r>
+          </a:p>
+        </p:txBody>
+      </p:sp>
+      <p:sp>
+        <p:nvSpPr>
+          <p:cNvPr id="3" name="Content Placeholder 2"/>
+          <p:cNvSpPr>
+            <a:spLocks noGrp="1"/>
+          </p:cNvSpPr>
+          <p:nvPr>
+            <p:ph idx="1"/>
+          </p:nvPr>
+        </p:nvSpPr>
+        <p:spPr/>
+        <p:txBody>
+          <a:bodyPr/>
+          <a:lstStyle/>
+          <a:p>
+            <a:pPr>
+              <a:buFont typeface="Arial" panose="020B0604020202020204" pitchFamily="34" charset="0"/>
+              <a:buChar char="•"/>
+            </a:pPr>
+            <a:r>
+              <a:rPr lang="en-US" dirty="0"/>
+              <a:t>Point delivery</a:t>
+            </a:r>
+          </a:p>
+          <a:p>
+            <a:pPr>
+              <a:buFont typeface="Arial" panose="020B0604020202020204" pitchFamily="34" charset="0"/>
+              <a:buChar char="•"/>
+            </a:pPr>
+            <a:r>
+              <a:rPr lang="en-US" dirty="0"/>
+              <a:t>Applications</a:t>
+            </a:r>
+          </a:p>
+          <a:p>
+            <a:pPr>
+              <a:buFont typeface="Arial" panose="020B0604020202020204" pitchFamily="34" charset="0"/>
+              <a:buChar char="•"/>
+            </a:pPr>
+            <a:r>
+              <a:rPr lang="en-US" dirty="0"/>
+              <a:t>Machine learning</a:t>
+            </a:r>
+          </a:p>
+          <a:p>
+            <a:pPr>
+              <a:buFont typeface="Arial" panose="020B0604020202020204" pitchFamily="34" charset="0"/>
+              <a:buChar char="•"/>
+            </a:pPr>
+            <a:r>
+              <a:rPr lang="en-US" dirty="0"/>
+              <a:t>R Studio: Shiny</a:t>
+            </a:r>
+          </a:p>
+          <a:p>
+            <a:pPr>
+              <a:buFont typeface="Arial" panose="020B0604020202020204" pitchFamily="34" charset="0"/>
+              <a:buChar char="•"/>
+            </a:pPr>
+            <a:endParaRPr lang="en-US" dirty="0"/>
+          </a:p>
+        </p:txBody>
+      </p:sp>
+    </p:spTree>
+    <p:extLst>
+      <p:ext uri="{BB962C8B-B14F-4D97-AF65-F5344CB8AC3E}">
+        <p14:creationId xmlns:p14="http://schemas.microsoft.com/office/powerpoint/2010/main" val="4070574578"/>
+      </p:ext>
+    </p:extLst>
+  </p:cSld>
+  <p:clrMapOvr>
+    <a:masterClrMapping/>
+  </p:clrMapOvr>
+  <p:transition/>
+</p:sld>
+</file>
+
+<file path=ppt/slides/slide34.xml><?xml version="1.0" encoding="utf-8"?>
+<p:sld xmlns:a="http://schemas.openxmlformats.org/drawingml/2006/main" xmlns:r="http://schemas.openxmlformats.org/officeDocument/2006/relationships" xmlns:p="http://schemas.openxmlformats.org/presentationml/2006/main">
+  <p:cSld>
+    <p:spTree>
+      <p:nvGrpSpPr>
+        <p:cNvPr id="1" name=""/>
+        <p:cNvGrpSpPr/>
+        <p:nvPr/>
+      </p:nvGrpSpPr>
+      <p:grpSpPr>
+        <a:xfrm>
+          <a:off x="0" y="0"/>
+          <a:ext cx="0" cy="0"/>
+          <a:chOff x="0" y="0"/>
+          <a:chExt cx="0" cy="0"/>
+        </a:xfrm>
+      </p:grpSpPr>
+      <p:pic>
+        <p:nvPicPr>
+          <p:cNvPr id="4" name="Picture 3"/>
+          <p:cNvPicPr>
+            <a:picLocks noChangeAspect="1"/>
+          </p:cNvPicPr>
+          <p:nvPr/>
+        </p:nvPicPr>
+        <p:blipFill>
+          <a:blip r:embed="rId2"/>
+          <a:stretch>
+            <a:fillRect/>
+          </a:stretch>
+        </p:blipFill>
+        <p:spPr>
+          <a:xfrm>
+            <a:off x="558800" y="228600"/>
+            <a:ext cx="11125200" cy="9134608"/>
+          </a:xfrm>
+          <a:prstGeom prst="rect">
+            <a:avLst/>
+          </a:prstGeom>
+        </p:spPr>
+      </p:pic>
+    </p:spTree>
+    <p:extLst>
+      <p:ext uri="{BB962C8B-B14F-4D97-AF65-F5344CB8AC3E}">
+        <p14:creationId xmlns:p14="http://schemas.microsoft.com/office/powerpoint/2010/main" val="1012474332"/>
+      </p:ext>
+    </p:extLst>
+  </p:cSld>
+  <p:clrMapOvr>
+    <a:masterClrMapping/>
+  </p:clrMapOvr>
+</p:sld>
+</file>
+
+<file path=ppt/slides/slide35.xml><?xml version="1.0" encoding="utf-8"?>
+<p:sld xmlns:a="http://schemas.openxmlformats.org/drawingml/2006/main" xmlns:r="http://schemas.openxmlformats.org/officeDocument/2006/relationships" xmlns:p="http://schemas.openxmlformats.org/presentationml/2006/main">
+  <p:cSld>
+    <p:spTree>
+      <p:nvGrpSpPr>
+        <p:cNvPr id="1" name=""/>
+        <p:cNvGrpSpPr/>
+        <p:nvPr/>
+      </p:nvGrpSpPr>
+      <p:grpSpPr>
+        <a:xfrm>
+          <a:off x="0" y="0"/>
+          <a:ext cx="0" cy="0"/>
+          <a:chOff x="0" y="0"/>
+          <a:chExt cx="0" cy="0"/>
+        </a:xfrm>
+      </p:grpSpPr>
+      <p:sp>
+        <p:nvSpPr>
+          <p:cNvPr id="2" name="Title 1"/>
+          <p:cNvSpPr>
+            <a:spLocks noGrp="1"/>
+          </p:cNvSpPr>
+          <p:nvPr>
+            <p:ph type="title"/>
+          </p:nvPr>
+        </p:nvSpPr>
+        <p:spPr/>
+        <p:txBody>
+          <a:bodyPr/>
+          <a:lstStyle/>
+          <a:p>
+            <a:r>
+              <a:rPr lang="en-US" dirty="0"/>
+              <a:t>Machine learning and R</a:t>
+            </a:r>
+          </a:p>
+        </p:txBody>
+      </p:sp>
+      <p:pic>
+        <p:nvPicPr>
+          <p:cNvPr id="3" name="Picture 2"/>
+          <p:cNvPicPr>
+            <a:picLocks noChangeAspect="1"/>
+          </p:cNvPicPr>
+          <p:nvPr/>
+        </p:nvPicPr>
+        <p:blipFill>
+          <a:blip r:embed="rId2">
+            <a:extLst>
+              <a:ext uri="{28A0092B-C50C-407E-A947-70E740481C1C}">
+                <a14:useLocalDpi xmlns:a14="http://schemas.microsoft.com/office/drawing/2010/main" val="0"/>
+              </a:ext>
+            </a:extLst>
+          </a:blip>
+          <a:stretch>
+            <a:fillRect/>
+          </a:stretch>
+        </p:blipFill>
+        <p:spPr>
+          <a:xfrm>
+            <a:off x="3010416" y="1981200"/>
+            <a:ext cx="1714500" cy="1714500"/>
+          </a:xfrm>
+          <a:prstGeom prst="rect">
+            <a:avLst/>
+          </a:prstGeom>
+        </p:spPr>
+      </p:pic>
+      <p:sp>
+        <p:nvSpPr>
+          <p:cNvPr id="11" name="TextBox 10"/>
+          <p:cNvSpPr txBox="1"/>
+          <p:nvPr/>
+        </p:nvSpPr>
+        <p:spPr>
+          <a:xfrm>
+            <a:off x="5722500" y="2552144"/>
+            <a:ext cx="2911374" cy="738664"/>
+          </a:xfrm>
+          <a:prstGeom prst="rect">
+            <a:avLst/>
+          </a:prstGeom>
+          <a:noFill/>
+        </p:spPr>
+        <p:txBody>
+          <a:bodyPr wrap="none" rtlCol="0">
+            <a:spAutoFit/>
+          </a:bodyPr>
+          <a:lstStyle/>
+          <a:p>
+            <a:r>
+              <a:rPr lang="en-US"/>
+              <a:t>Regression</a:t>
+            </a:r>
+            <a:endParaRPr lang="en-US" dirty="0"/>
+          </a:p>
+        </p:txBody>
+      </p:sp>
+      <p:pic>
+        <p:nvPicPr>
+          <p:cNvPr id="12" name="Picture 11"/>
+          <p:cNvPicPr>
+            <a:picLocks noChangeAspect="1"/>
+          </p:cNvPicPr>
+          <p:nvPr/>
+        </p:nvPicPr>
+        <p:blipFill>
+          <a:blip r:embed="rId3">
+            <a:extLst>
+              <a:ext uri="{28A0092B-C50C-407E-A947-70E740481C1C}">
+                <a14:useLocalDpi xmlns:a14="http://schemas.microsoft.com/office/drawing/2010/main" val="0"/>
+              </a:ext>
+            </a:extLst>
+          </a:blip>
+          <a:stretch>
+            <a:fillRect/>
+          </a:stretch>
+        </p:blipFill>
+        <p:spPr>
+          <a:xfrm>
+            <a:off x="3073400" y="4343400"/>
+            <a:ext cx="1588532" cy="1588532"/>
+          </a:xfrm>
+          <a:prstGeom prst="rect">
+            <a:avLst/>
+          </a:prstGeom>
+        </p:spPr>
+      </p:pic>
+      <p:sp>
+        <p:nvSpPr>
+          <p:cNvPr id="13" name="TextBox 12"/>
+          <p:cNvSpPr txBox="1"/>
+          <p:nvPr/>
+        </p:nvSpPr>
+        <p:spPr>
+          <a:xfrm>
+            <a:off x="5508240" y="4768334"/>
+            <a:ext cx="3360215" cy="738664"/>
+          </a:xfrm>
+          <a:prstGeom prst="rect">
+            <a:avLst/>
+          </a:prstGeom>
+          <a:noFill/>
+        </p:spPr>
+        <p:txBody>
+          <a:bodyPr wrap="none" rtlCol="0">
+            <a:spAutoFit/>
+          </a:bodyPr>
+          <a:lstStyle/>
+          <a:p>
+            <a:r>
+              <a:rPr lang="en-US" dirty="0"/>
+              <a:t>Classification</a:t>
+            </a:r>
+          </a:p>
+        </p:txBody>
+      </p:sp>
+      <p:pic>
+        <p:nvPicPr>
+          <p:cNvPr id="14" name="Picture 13"/>
+          <p:cNvPicPr>
+            <a:picLocks noChangeAspect="1"/>
+          </p:cNvPicPr>
+          <p:nvPr/>
+        </p:nvPicPr>
+        <p:blipFill>
+          <a:blip r:embed="rId4">
+            <a:extLst>
+              <a:ext uri="{28A0092B-C50C-407E-A947-70E740481C1C}">
+                <a14:useLocalDpi xmlns:a14="http://schemas.microsoft.com/office/drawing/2010/main" val="0"/>
+              </a:ext>
+            </a:extLst>
+          </a:blip>
+          <a:stretch>
+            <a:fillRect/>
+          </a:stretch>
+        </p:blipFill>
+        <p:spPr>
+          <a:xfrm>
+            <a:off x="2833384" y="6248400"/>
+            <a:ext cx="2068564" cy="2068564"/>
+          </a:xfrm>
+          <a:prstGeom prst="rect">
+            <a:avLst/>
+          </a:prstGeom>
+        </p:spPr>
+      </p:pic>
+      <p:sp>
+        <p:nvSpPr>
+          <p:cNvPr id="15" name="TextBox 14"/>
+          <p:cNvSpPr txBox="1"/>
+          <p:nvPr/>
+        </p:nvSpPr>
+        <p:spPr>
+          <a:xfrm>
+            <a:off x="5882543" y="6913350"/>
+            <a:ext cx="2611612" cy="738664"/>
+          </a:xfrm>
+          <a:prstGeom prst="rect">
+            <a:avLst/>
+          </a:prstGeom>
+          <a:noFill/>
+        </p:spPr>
+        <p:txBody>
+          <a:bodyPr wrap="none" rtlCol="0">
+            <a:spAutoFit/>
+          </a:bodyPr>
+          <a:lstStyle/>
+          <a:p>
+            <a:r>
+              <a:rPr lang="en-US"/>
+              <a:t>Clustering</a:t>
+            </a:r>
+            <a:endParaRPr lang="en-US" dirty="0"/>
+          </a:p>
+        </p:txBody>
+      </p:sp>
+    </p:spTree>
+    <p:extLst>
+      <p:ext uri="{BB962C8B-B14F-4D97-AF65-F5344CB8AC3E}">
+        <p14:creationId xmlns:p14="http://schemas.microsoft.com/office/powerpoint/2010/main" val="2538187884"/>
+      </p:ext>
+    </p:extLst>
+  </p:cSld>
+  <p:clrMapOvr>
+    <a:masterClrMapping/>
+  </p:clrMapOvr>
+  <p:transition/>
+  <p:timing>
+    <p:tnLst>
+      <p:par>
+        <p:cTn id="1" dur="indefinite" restart="never" nodeType="tmRoot">
+          <p:childTnLst>
+            <p:seq concurrent="1" nextAc="seek">
+              <p:cTn id="2" dur="indefinite" nodeType="mainSeq">
+                <p:childTnLst>
+                  <p:par>
+                    <p:cTn id="3" fill="hold">
+                      <p:stCondLst>
+                        <p:cond delay="indefinite"/>
+                        <p:cond evt="onBegin" delay="0">
+                          <p:tn val="2"/>
+                        </p:cond>
+                      </p:stCondLst>
+                      <p:childTnLst>
+                        <p:par>
+                          <p:cTn id="4" fill="hold">
+                            <p:stCondLst>
+                              <p:cond delay="0"/>
+                            </p:stCondLst>
+                            <p:childTnLst>
+                              <p:par>
+                                <p:cTn id="5" presetID="1" presetClass="entr" presetSubtype="0" fill="hold" grpId="0" nodeType="withEffect">
+                                  <p:stCondLst>
+                                    <p:cond delay="0"/>
+                                  </p:stCondLst>
+                                  <p:childTnLst>
+                                    <p:set>
+                                      <p:cBhvr>
+                                        <p:cTn id="6" dur="1" fill="hold">
+                                          <p:stCondLst>
+                                            <p:cond delay="0"/>
+                                          </p:stCondLst>
+                                        </p:cTn>
+                                        <p:tgtEl>
+                                          <p:spTgt spid="11"/>
+                                        </p:tgtEl>
+                                        <p:attrNameLst>
+                                          <p:attrName>style.visibility</p:attrName>
+                                        </p:attrNameLst>
+                                      </p:cBhvr>
+                                      <p:to>
+                                        <p:strVal val="visible"/>
+                                      </p:to>
+                                    </p:set>
+                                  </p:childTnLst>
+                                </p:cTn>
+                              </p:par>
+                              <p:par>
+                                <p:cTn id="7" presetID="1" presetClass="entr" presetSubtype="0" fill="hold" grpId="0" nodeType="withEffect">
+                                  <p:stCondLst>
+                                    <p:cond delay="0"/>
+                                  </p:stCondLst>
+                                  <p:childTnLst>
+                                    <p:set>
+                                      <p:cBhvr>
+                                        <p:cTn id="8" dur="1" fill="hold">
+                                          <p:stCondLst>
+                                            <p:cond delay="0"/>
+                                          </p:stCondLst>
+                                        </p:cTn>
+                                        <p:tgtEl>
+                                          <p:spTgt spid="13"/>
+                                        </p:tgtEl>
+                                        <p:attrNameLst>
+                                          <p:attrName>style.visibility</p:attrName>
+                                        </p:attrNameLst>
+                                      </p:cBhvr>
+                                      <p:to>
+                                        <p:strVal val="visible"/>
+                                      </p:to>
+                                    </p:set>
+                                  </p:childTnLst>
+                                </p:cTn>
+                              </p:par>
+                              <p:par>
+                                <p:cTn id="9" presetID="1" presetClass="entr" presetSubtype="0" fill="hold" grpId="0" nodeType="withEffect">
+                                  <p:stCondLst>
+                                    <p:cond delay="0"/>
+                                  </p:stCondLst>
+                                  <p:childTnLst>
+                                    <p:set>
+                                      <p:cBhvr>
+                                        <p:cTn id="10" dur="1" fill="hold">
+                                          <p:stCondLst>
+                                            <p:cond delay="0"/>
+                                          </p:stCondLst>
+                                        </p:cTn>
+                                        <p:tgtEl>
+                                          <p:spTgt spid="15"/>
+                                        </p:tgtEl>
+                                        <p:attrNameLst>
+                                          <p:attrName>style.visibility</p:attrName>
+                                        </p:attrNameLst>
+                                      </p:cBhvr>
+                                      <p:to>
+                                        <p:strVal val="visible"/>
+                                      </p:to>
+                                    </p:set>
+                                  </p:childTnLst>
+                                </p:cTn>
+                              </p:par>
+                            </p:childTnLst>
+                          </p:cTn>
+                        </p:par>
+                      </p:childTnLst>
+                    </p:cTn>
+                  </p:par>
+                </p:childTnLst>
+              </p:cTn>
+              <p:prevCondLst>
+                <p:cond evt="onPrev" delay="0">
+                  <p:tgtEl>
+                    <p:sldTgt/>
+                  </p:tgtEl>
+                </p:cond>
+              </p:prevCondLst>
+              <p:nextCondLst>
+                <p:cond evt="onNext" delay="0">
+                  <p:tgtEl>
+                    <p:sldTgt/>
+                  </p:tgtEl>
+                </p:cond>
+              </p:nextCondLst>
+            </p:seq>
+          </p:childTnLst>
+        </p:cTn>
+      </p:par>
+    </p:tnLst>
+    <p:bldLst>
+      <p:bldP spid="11" grpId="0"/>
+      <p:bldP spid="13" grpId="0"/>
+      <p:bldP spid="15" grpId="0"/>
+    </p:bldLst>
+  </p:timing>
+</p:sld>
+</file>
+
+<file path=ppt/slides/slide36.xml><?xml version="1.0" encoding="utf-8"?>
+<p:sld xmlns:a="http://schemas.openxmlformats.org/drawingml/2006/main" xmlns:r="http://schemas.openxmlformats.org/officeDocument/2006/relationships" xmlns:p="http://schemas.openxmlformats.org/presentationml/2006/main">
+  <p:cSld>
+    <p:spTree>
+      <p:nvGrpSpPr>
+        <p:cNvPr id="1" name=""/>
+        <p:cNvGrpSpPr/>
+        <p:nvPr/>
+      </p:nvGrpSpPr>
+      <p:grpSpPr>
+        <a:xfrm>
+          <a:off x="0" y="0"/>
+          <a:ext cx="0" cy="0"/>
+          <a:chOff x="0" y="0"/>
+          <a:chExt cx="0" cy="0"/>
+        </a:xfrm>
+      </p:grpSpPr>
+      <p:sp>
+        <p:nvSpPr>
+          <p:cNvPr id="2" name="Title 1"/>
+          <p:cNvSpPr>
+            <a:spLocks noGrp="1"/>
+          </p:cNvSpPr>
+          <p:nvPr>
+            <p:ph type="title"/>
+          </p:nvPr>
+        </p:nvSpPr>
+        <p:spPr/>
+        <p:txBody>
+          <a:bodyPr/>
+          <a:lstStyle/>
+          <a:p>
+            <a:r>
+              <a:rPr lang="en-US" dirty="0"/>
+              <a:t>Demonstrations</a:t>
+            </a:r>
+          </a:p>
+        </p:txBody>
+      </p:sp>
+    </p:spTree>
+    <p:extLst>
+      <p:ext uri="{BB962C8B-B14F-4D97-AF65-F5344CB8AC3E}">
+        <p14:creationId xmlns:p14="http://schemas.microsoft.com/office/powerpoint/2010/main" val="2260154902"/>
+      </p:ext>
+    </p:extLst>
+  </p:cSld>
+  <p:clrMapOvr>
+    <a:masterClrMapping/>
+  </p:clrMapOvr>
+  <p:transition/>
+</p:sld>
+</file>
+
+<file path=ppt/slides/slide4.xml><?xml version="1.0" encoding="utf-8"?>
+<p:sld xmlns:a="http://schemas.openxmlformats.org/drawingml/2006/main" xmlns:r="http://schemas.openxmlformats.org/officeDocument/2006/relationships" xmlns:p="http://schemas.openxmlformats.org/presentationml/2006/main">
+  <p:cSld>
+    <p:spTree>
+      <p:nvGrpSpPr>
+        <p:cNvPr id="1" name=""/>
+        <p:cNvGrpSpPr/>
+        <p:nvPr/>
+      </p:nvGrpSpPr>
+      <p:grpSpPr>
+        <a:xfrm>
+          <a:off x="0" y="0"/>
+          <a:ext cx="0" cy="0"/>
+          <a:chOff x="0" y="0"/>
+          <a:chExt cx="0" cy="0"/>
+        </a:xfrm>
+      </p:grpSpPr>
+      <p:sp>
+        <p:nvSpPr>
+          <p:cNvPr id="2" name="Title 1"/>
+          <p:cNvSpPr>
+            <a:spLocks noGrp="1"/>
+          </p:cNvSpPr>
+          <p:nvPr>
+            <p:ph type="title"/>
+          </p:nvPr>
+        </p:nvSpPr>
+        <p:spPr/>
+        <p:txBody>
+          <a:bodyPr/>
+          <a:lstStyle/>
+          <a:p>
+            <a:r>
+              <a:rPr lang="en-US"/>
+              <a:t>emeRgence</a:t>
+            </a:r>
+            <a:endParaRPr lang="en-US" dirty="0"/>
+          </a:p>
+        </p:txBody>
+      </p:sp>
+      <p:pic>
+        <p:nvPicPr>
+          <p:cNvPr id="1026" name="Picture 2" descr="Image result for hadoop"/>
+          <p:cNvPicPr>
+            <a:picLocks noChangeAspect="1" noChangeArrowheads="1"/>
+          </p:cNvPicPr>
+          <p:nvPr/>
+        </p:nvPicPr>
+        <p:blipFill>
+          <a:blip r:embed="rId3">
+            <a:extLst>
+              <a:ext uri="{28A0092B-C50C-407E-A947-70E740481C1C}">
+                <a14:useLocalDpi xmlns:a14="http://schemas.microsoft.com/office/drawing/2010/main" val="0"/>
+              </a:ext>
+            </a:extLst>
+          </a:blip>
+          <a:srcRect/>
+          <a:stretch>
+            <a:fillRect/>
+          </a:stretch>
+        </p:blipFill>
+        <p:spPr bwMode="auto">
+          <a:xfrm>
+            <a:off x="7950200" y="3724274"/>
+            <a:ext cx="4762500" cy="3333750"/>
+          </a:xfrm>
+          <a:prstGeom prst="rect">
+            <a:avLst/>
+          </a:prstGeom>
+          <a:noFill/>
+          <a:extLst>
+            <a:ext uri="{909E8E84-426E-40DD-AFC4-6F175D3DCCD1}">
+              <a14:hiddenFill xmlns:a14="http://schemas.microsoft.com/office/drawing/2010/main">
+                <a:solidFill>
+                  <a:srgbClr val="FFFFFF"/>
+                </a:solidFill>
+              </a14:hiddenFill>
+            </a:ext>
+          </a:extLst>
+        </p:spPr>
+      </p:pic>
+      <p:pic>
+        <p:nvPicPr>
+          <p:cNvPr id="1028" name="Picture 4" descr="Image result for iot"/>
+          <p:cNvPicPr>
+            <a:picLocks noChangeAspect="1" noChangeArrowheads="1"/>
+          </p:cNvPicPr>
+          <p:nvPr/>
+        </p:nvPicPr>
+        <p:blipFill>
+          <a:blip r:embed="rId4">
+            <a:extLst>
+              <a:ext uri="{28A0092B-C50C-407E-A947-70E740481C1C}">
+                <a14:useLocalDpi xmlns:a14="http://schemas.microsoft.com/office/drawing/2010/main" val="0"/>
+              </a:ext>
+            </a:extLst>
+          </a:blip>
+          <a:srcRect/>
+          <a:stretch>
+            <a:fillRect/>
+          </a:stretch>
+        </p:blipFill>
+        <p:spPr bwMode="auto">
+          <a:xfrm>
+            <a:off x="635000" y="4186180"/>
+            <a:ext cx="3378200" cy="2409937"/>
+          </a:xfrm>
+          <a:prstGeom prst="rect">
+            <a:avLst/>
+          </a:prstGeom>
+          <a:noFill/>
+          <a:extLst>
+            <a:ext uri="{909E8E84-426E-40DD-AFC4-6F175D3DCCD1}">
+              <a14:hiddenFill xmlns:a14="http://schemas.microsoft.com/office/drawing/2010/main">
+                <a:solidFill>
+                  <a:srgbClr val="FFFFFF"/>
+                </a:solidFill>
+              </a14:hiddenFill>
+            </a:ext>
+          </a:extLst>
+        </p:spPr>
+      </p:pic>
+      <p:pic>
+        <p:nvPicPr>
+          <p:cNvPr id="1030" name="Picture 6" descr="Image result for azure"/>
+          <p:cNvPicPr>
+            <a:picLocks noChangeAspect="1" noChangeArrowheads="1"/>
+          </p:cNvPicPr>
+          <p:nvPr/>
+        </p:nvPicPr>
+        <p:blipFill>
+          <a:blip r:embed="rId5">
+            <a:extLst>
+              <a:ext uri="{28A0092B-C50C-407E-A947-70E740481C1C}">
+                <a14:useLocalDpi xmlns:a14="http://schemas.microsoft.com/office/drawing/2010/main" val="0"/>
+              </a:ext>
+            </a:extLst>
+          </a:blip>
+          <a:srcRect/>
+          <a:stretch>
+            <a:fillRect/>
+          </a:stretch>
+        </p:blipFill>
+        <p:spPr bwMode="auto">
+          <a:xfrm>
+            <a:off x="4549775" y="4340676"/>
+            <a:ext cx="3676650" cy="2100943"/>
+          </a:xfrm>
+          <a:prstGeom prst="rect">
+            <a:avLst/>
+          </a:prstGeom>
+          <a:noFill/>
+          <a:extLst>
+            <a:ext uri="{909E8E84-426E-40DD-AFC4-6F175D3DCCD1}">
+              <a14:hiddenFill xmlns:a14="http://schemas.microsoft.com/office/drawing/2010/main">
+                <a:solidFill>
+                  <a:srgbClr val="FFFFFF"/>
+                </a:solidFill>
+              </a14:hiddenFill>
+            </a:ext>
+          </a:extLst>
+        </p:spPr>
+      </p:pic>
+    </p:spTree>
+    <p:extLst>
+      <p:ext uri="{BB962C8B-B14F-4D97-AF65-F5344CB8AC3E}">
+        <p14:creationId xmlns:p14="http://schemas.microsoft.com/office/powerpoint/2010/main" val="887092542"/>
+      </p:ext>
+    </p:extLst>
+  </p:cSld>
+  <p:clrMapOvr>
+    <a:masterClrMapping/>
+  </p:clrMapOvr>
+  <p:transition/>
+</p:sld>
+</file>
+
+<file path=ppt/slides/slide5.xml><?xml version="1.0" encoding="utf-8"?>
+<p:sld xmlns:a="http://schemas.openxmlformats.org/drawingml/2006/main" xmlns:r="http://schemas.openxmlformats.org/officeDocument/2006/relationships" xmlns:p="http://schemas.openxmlformats.org/presentationml/2006/main" showMasterSp="0">
+  <p:cSld>
+    <p:spTree>
+      <p:nvGrpSpPr>
+        <p:cNvPr id="1" name=""/>
+        <p:cNvGrpSpPr/>
+        <p:nvPr/>
+      </p:nvGrpSpPr>
+      <p:grpSpPr>
+        <a:xfrm>
+          <a:off x="0" y="0"/>
+          <a:ext cx="0" cy="0"/>
+          <a:chOff x="0" y="0"/>
+          <a:chExt cx="0" cy="0"/>
+        </a:xfrm>
+      </p:grpSpPr>
+      <p:sp>
+        <p:nvSpPr>
+          <p:cNvPr id="2" name="Title 1"/>
+          <p:cNvSpPr>
+            <a:spLocks noGrp="1"/>
+          </p:cNvSpPr>
+          <p:nvPr>
+            <p:ph type="title"/>
+          </p:nvPr>
+        </p:nvSpPr>
+        <p:spPr/>
+        <p:txBody>
+          <a:bodyPr/>
+          <a:lstStyle/>
+          <a:p>
+            <a:r>
+              <a:rPr lang="en-US"/>
+              <a:t>pRedictive analytics process</a:t>
+            </a:r>
+            <a:endParaRPr lang="en-US" dirty="0"/>
+          </a:p>
+        </p:txBody>
+      </p:sp>
+      <p:sp>
+        <p:nvSpPr>
+          <p:cNvPr id="3" name="Content Placeholder 2"/>
+          <p:cNvSpPr>
+            <a:spLocks noGrp="1"/>
+          </p:cNvSpPr>
+          <p:nvPr>
+            <p:ph idx="1"/>
+          </p:nvPr>
+        </p:nvSpPr>
+        <p:spPr/>
+        <p:txBody>
+          <a:bodyPr/>
+          <a:lstStyle/>
+          <a:p>
+            <a:pPr marL="514350" indent="-514350">
+              <a:buFont typeface="+mj-lt"/>
+              <a:buAutoNum type="arabicPeriod"/>
+            </a:pPr>
+            <a:r>
+              <a:rPr lang="en-US" dirty="0"/>
+              <a:t>Identify a question</a:t>
+            </a:r>
+          </a:p>
+          <a:p>
+            <a:pPr marL="514350" indent="-514350">
+              <a:buFont typeface="+mj-lt"/>
+              <a:buAutoNum type="arabicPeriod"/>
+            </a:pPr>
+            <a:r>
+              <a:rPr lang="en-US"/>
+              <a:t>Understand </a:t>
+            </a:r>
+            <a:r>
+              <a:rPr lang="en-US" dirty="0"/>
+              <a:t>the data we have </a:t>
+            </a:r>
+            <a:r>
+              <a:rPr lang="en-US"/>
+              <a:t>and require</a:t>
+            </a:r>
+            <a:endParaRPr lang="en-US" dirty="0"/>
+          </a:p>
+          <a:p>
+            <a:pPr marL="514350" indent="-514350">
+              <a:buFont typeface="+mj-lt"/>
+              <a:buAutoNum type="arabicPeriod"/>
+            </a:pPr>
+            <a:r>
+              <a:rPr lang="en-US" dirty="0"/>
+              <a:t>Ingest</a:t>
+            </a:r>
+          </a:p>
+          <a:p>
+            <a:pPr marL="514350" indent="-514350">
+              <a:buFont typeface="+mj-lt"/>
+              <a:buAutoNum type="arabicPeriod"/>
+            </a:pPr>
+            <a:r>
+              <a:rPr lang="en-US"/>
+              <a:t>Create </a:t>
+            </a:r>
+            <a:r>
+              <a:rPr lang="en-US" dirty="0"/>
+              <a:t>a model</a:t>
+            </a:r>
+          </a:p>
+          <a:p>
+            <a:pPr marL="514350" indent="-514350">
+              <a:buFont typeface="+mj-lt"/>
+              <a:buAutoNum type="arabicPeriod"/>
+            </a:pPr>
+            <a:r>
+              <a:rPr lang="en-US" dirty="0"/>
+              <a:t>Deploy and evaluate model</a:t>
+            </a:r>
+          </a:p>
+          <a:p>
+            <a:pPr marL="514350" indent="-514350">
+              <a:buFont typeface="+mj-lt"/>
+              <a:buAutoNum type="arabicPeriod"/>
+            </a:pPr>
+            <a:endParaRPr lang="en-US" dirty="0"/>
+          </a:p>
+        </p:txBody>
+      </p:sp>
+    </p:spTree>
+    <p:extLst>
+      <p:ext uri="{BB962C8B-B14F-4D97-AF65-F5344CB8AC3E}">
+        <p14:creationId xmlns:p14="http://schemas.microsoft.com/office/powerpoint/2010/main" val="1560302217"/>
+      </p:ext>
+    </p:extLst>
+  </p:cSld>
+  <p:clrMapOvr>
+    <a:masterClrMapping/>
+  </p:clrMapOvr>
+  <p:transition/>
+</p:sld>
+</file>
+
+<file path=ppt/slides/slide6.xml><?xml version="1.0" encoding="utf-8"?>
+<p:sld xmlns:a="http://schemas.openxmlformats.org/drawingml/2006/main" xmlns:r="http://schemas.openxmlformats.org/officeDocument/2006/relationships" xmlns:p="http://schemas.openxmlformats.org/presentationml/2006/main" showMasterSp="0">
+  <p:cSld>
+    <p:spTree>
+      <p:nvGrpSpPr>
+        <p:cNvPr id="1" name=""/>
+        <p:cNvGrpSpPr/>
+        <p:nvPr/>
+      </p:nvGrpSpPr>
+      <p:grpSpPr>
+        <a:xfrm>
+          <a:off x="0" y="0"/>
+          <a:ext cx="0" cy="0"/>
+          <a:chOff x="0" y="0"/>
+          <a:chExt cx="0" cy="0"/>
+        </a:xfrm>
+      </p:grpSpPr>
+      <p:sp>
+        <p:nvSpPr>
+          <p:cNvPr id="2" name="Title 1"/>
+          <p:cNvSpPr>
+            <a:spLocks noGrp="1"/>
+          </p:cNvSpPr>
+          <p:nvPr>
+            <p:ph type="title"/>
+          </p:nvPr>
+        </p:nvSpPr>
+        <p:spPr/>
+        <p:txBody>
+          <a:bodyPr/>
+          <a:lstStyle/>
+          <a:p>
+            <a:endParaRPr lang="en-US" dirty="0"/>
+          </a:p>
+        </p:txBody>
+      </p:sp>
+      <p:sp>
+        <p:nvSpPr>
+          <p:cNvPr id="3" name="Content Placeholder 2"/>
+          <p:cNvSpPr>
+            <a:spLocks noGrp="1"/>
+          </p:cNvSpPr>
+          <p:nvPr>
+            <p:ph idx="1"/>
+          </p:nvPr>
+        </p:nvSpPr>
+        <p:spPr>
+          <a:xfrm>
+            <a:off x="2235200" y="3124200"/>
+            <a:ext cx="10464800" cy="6388100"/>
+          </a:xfrm>
+        </p:spPr>
+        <p:txBody>
+          <a:bodyPr/>
+          <a:lstStyle/>
+          <a:p>
+            <a:pPr algn="r"/>
+            <a:endParaRPr lang="en-US" dirty="0"/>
+          </a:p>
+          <a:p>
+            <a:pPr algn="r"/>
+            <a:endParaRPr lang="en-US" dirty="0"/>
+          </a:p>
+          <a:p>
+            <a:pPr algn="r"/>
+            <a:endParaRPr lang="en-US" dirty="0"/>
+          </a:p>
+          <a:p>
+            <a:pPr algn="r"/>
+            <a:endParaRPr lang="en-US" dirty="0"/>
+          </a:p>
+          <a:p>
+            <a:pPr algn="r"/>
+            <a:endParaRPr lang="en-US" dirty="0"/>
+          </a:p>
+          <a:p>
+            <a:pPr algn="r"/>
+            <a:r>
+              <a:rPr lang="en-US" dirty="0"/>
+              <a:t>Open source</a:t>
+            </a:r>
+          </a:p>
+          <a:p>
+            <a:pPr algn="r"/>
+            <a:r>
+              <a:rPr lang="en-US" dirty="0"/>
+              <a:t>Programming tool and environment</a:t>
+            </a:r>
+          </a:p>
+          <a:p>
+            <a:pPr algn="r"/>
+            <a:r>
+              <a:rPr lang="en-US" dirty="0"/>
+              <a:t>Actively supported</a:t>
+            </a:r>
+          </a:p>
+          <a:p>
+            <a:pPr algn="r"/>
+            <a:r>
+              <a:rPr lang="en-US" dirty="0"/>
+              <a:t>Provides numerical and visual analysis of data</a:t>
+            </a:r>
+          </a:p>
+          <a:p>
+            <a:pPr algn="r"/>
+            <a:endParaRPr lang="en-US" dirty="0"/>
+          </a:p>
+          <a:p>
+            <a:pPr algn="r"/>
+            <a:endParaRPr lang="en-US" dirty="0"/>
+          </a:p>
+        </p:txBody>
+      </p:sp>
+      <p:pic>
+        <p:nvPicPr>
+          <p:cNvPr id="4" name="Picture 3"/>
+          <p:cNvPicPr>
+            <a:picLocks noChangeAspect="1"/>
+          </p:cNvPicPr>
+          <p:nvPr/>
+        </p:nvPicPr>
+        <p:blipFill>
+          <a:blip r:embed="rId3"/>
+          <a:stretch>
+            <a:fillRect/>
+          </a:stretch>
+        </p:blipFill>
+        <p:spPr>
+          <a:xfrm>
+            <a:off x="10160" y="15240"/>
+            <a:ext cx="5095875" cy="3971925"/>
+          </a:xfrm>
+          <a:prstGeom prst="rect">
+            <a:avLst/>
+          </a:prstGeom>
+        </p:spPr>
+      </p:pic>
+    </p:spTree>
+    <p:extLst>
+      <p:ext uri="{BB962C8B-B14F-4D97-AF65-F5344CB8AC3E}">
+        <p14:creationId xmlns:p14="http://schemas.microsoft.com/office/powerpoint/2010/main" val="2189701247"/>
+      </p:ext>
+    </p:extLst>
+  </p:cSld>
+  <p:clrMapOvr>
+    <a:masterClrMapping/>
+  </p:clrMapOvr>
+  <p:transition/>
+</p:sld>
+</file>
+
+<file path=ppt/slides/slide7.xml><?xml version="1.0" encoding="utf-8"?>
+<p:sld xmlns:a="http://schemas.openxmlformats.org/drawingml/2006/main" xmlns:r="http://schemas.openxmlformats.org/officeDocument/2006/relationships" xmlns:p="http://schemas.openxmlformats.org/presentationml/2006/main">
+  <p:cSld>
+    <p:spTree>
+      <p:nvGrpSpPr>
+        <p:cNvPr id="1" name=""/>
+        <p:cNvGrpSpPr/>
+        <p:nvPr/>
+      </p:nvGrpSpPr>
+      <p:grpSpPr>
+        <a:xfrm>
+          <a:off x="0" y="0"/>
+          <a:ext cx="0" cy="0"/>
+          <a:chOff x="0" y="0"/>
+          <a:chExt cx="0" cy="0"/>
+        </a:xfrm>
+      </p:grpSpPr>
+      <p:sp>
+        <p:nvSpPr>
+          <p:cNvPr id="2" name="Title 1"/>
+          <p:cNvSpPr>
+            <a:spLocks noGrp="1"/>
+          </p:cNvSpPr>
+          <p:nvPr>
+            <p:ph type="title"/>
+          </p:nvPr>
+        </p:nvSpPr>
+        <p:spPr/>
+        <p:txBody>
+          <a:bodyPr/>
+          <a:lstStyle/>
+          <a:p>
+            <a:endParaRPr lang="en-US"/>
+          </a:p>
+        </p:txBody>
+      </p:sp>
+      <p:sp>
+        <p:nvSpPr>
+          <p:cNvPr id="3" name="Content Placeholder 2"/>
+          <p:cNvSpPr>
+            <a:spLocks noGrp="1"/>
+          </p:cNvSpPr>
+          <p:nvPr>
+            <p:ph idx="1"/>
+          </p:nvPr>
+        </p:nvSpPr>
+        <p:spPr/>
+        <p:txBody>
+          <a:bodyPr/>
+          <a:lstStyle/>
+          <a:p>
+            <a:endParaRPr lang="en-US"/>
+          </a:p>
+        </p:txBody>
+      </p:sp>
+      <p:pic>
+        <p:nvPicPr>
+          <p:cNvPr id="4" name="Picture 3"/>
+          <p:cNvPicPr>
+            <a:picLocks noChangeAspect="1"/>
+          </p:cNvPicPr>
+          <p:nvPr/>
+        </p:nvPicPr>
+        <p:blipFill>
+          <a:blip r:embed="rId3"/>
+          <a:stretch>
+            <a:fillRect/>
+          </a:stretch>
+        </p:blipFill>
+        <p:spPr>
+          <a:xfrm>
+            <a:off x="0" y="0"/>
+            <a:ext cx="13704358" cy="9753600"/>
+          </a:xfrm>
+          <a:prstGeom prst="rect">
+            <a:avLst/>
+          </a:prstGeom>
+        </p:spPr>
+      </p:pic>
+    </p:spTree>
+    <p:extLst>
+      <p:ext uri="{BB962C8B-B14F-4D97-AF65-F5344CB8AC3E}">
+        <p14:creationId xmlns:p14="http://schemas.microsoft.com/office/powerpoint/2010/main" val="3910245386"/>
+      </p:ext>
+    </p:extLst>
+  </p:cSld>
+  <p:clrMapOvr>
+    <a:masterClrMapping/>
+  </p:clrMapOvr>
+  <p:transition/>
+</p:sld>
+</file>
+
+<file path=ppt/slides/slide8.xml><?xml version="1.0" encoding="utf-8"?>
+<p:sld xmlns:a="http://schemas.openxmlformats.org/drawingml/2006/main" xmlns:r="http://schemas.openxmlformats.org/officeDocument/2006/relationships" xmlns:p="http://schemas.openxmlformats.org/presentationml/2006/main" showMasterSp="0">
+  <p:cSld>
+    <p:spTree>
+      <p:nvGrpSpPr>
+        <p:cNvPr id="1" name=""/>
+        <p:cNvGrpSpPr/>
+        <p:nvPr/>
+      </p:nvGrpSpPr>
+      <p:grpSpPr>
+        <a:xfrm>
+          <a:off x="0" y="0"/>
+          <a:ext cx="0" cy="0"/>
+          <a:chOff x="0" y="0"/>
+          <a:chExt cx="0" cy="0"/>
+        </a:xfrm>
+      </p:grpSpPr>
+      <p:sp>
+        <p:nvSpPr>
+          <p:cNvPr id="2" name="Title 1"/>
+          <p:cNvSpPr>
+            <a:spLocks noGrp="1"/>
+          </p:cNvSpPr>
+          <p:nvPr>
+            <p:ph type="title"/>
+          </p:nvPr>
+        </p:nvSpPr>
+        <p:spPr/>
+        <p:txBody>
+          <a:bodyPr/>
+          <a:lstStyle/>
+          <a:p>
+            <a:r>
+              <a:rPr lang="en-US" dirty="0"/>
+              <a:t>Tools</a:t>
+            </a:r>
+          </a:p>
+        </p:txBody>
+      </p:sp>
+      <p:sp>
+        <p:nvSpPr>
+          <p:cNvPr id="3" name="Content Placeholder 2"/>
+          <p:cNvSpPr>
+            <a:spLocks noGrp="1"/>
+          </p:cNvSpPr>
+          <p:nvPr>
+            <p:ph idx="1"/>
+          </p:nvPr>
+        </p:nvSpPr>
+        <p:spPr/>
+        <p:txBody>
+          <a:bodyPr/>
+          <a:lstStyle/>
+          <a:p>
+            <a:endParaRPr lang="en-US"/>
+          </a:p>
+        </p:txBody>
+      </p:sp>
+      <p:pic>
+        <p:nvPicPr>
+          <p:cNvPr id="3074" name="Picture 2" descr="Image result for rstudio"/>
+          <p:cNvPicPr>
+            <a:picLocks noChangeAspect="1" noChangeArrowheads="1"/>
+          </p:cNvPicPr>
+          <p:nvPr/>
+        </p:nvPicPr>
+        <p:blipFill>
+          <a:blip r:embed="rId2">
+            <a:extLst>
+              <a:ext uri="{28A0092B-C50C-407E-A947-70E740481C1C}">
+                <a14:useLocalDpi xmlns:a14="http://schemas.microsoft.com/office/drawing/2010/main" val="0"/>
+              </a:ext>
+            </a:extLst>
+          </a:blip>
+          <a:srcRect/>
+          <a:stretch>
+            <a:fillRect/>
+          </a:stretch>
+        </p:blipFill>
+        <p:spPr bwMode="auto">
+          <a:xfrm>
+            <a:off x="3225800" y="3276600"/>
+            <a:ext cx="6934386" cy="2433638"/>
+          </a:xfrm>
+          <a:prstGeom prst="rect">
+            <a:avLst/>
+          </a:prstGeom>
+          <a:noFill/>
+          <a:extLst>
+            <a:ext uri="{909E8E84-426E-40DD-AFC4-6F175D3DCCD1}">
+              <a14:hiddenFill xmlns:a14="http://schemas.microsoft.com/office/drawing/2010/main">
+                <a:solidFill>
+                  <a:srgbClr val="FFFFFF"/>
+                </a:solidFill>
+              </a14:hiddenFill>
+            </a:ext>
+          </a:extLst>
+        </p:spPr>
+      </p:pic>
+      <p:pic>
+        <p:nvPicPr>
+          <p:cNvPr id="3076" name="Picture 4" descr="Image result for r tools visual studio"/>
+          <p:cNvPicPr>
+            <a:picLocks noChangeAspect="1" noChangeArrowheads="1"/>
+          </p:cNvPicPr>
+          <p:nvPr/>
+        </p:nvPicPr>
+        <p:blipFill>
+          <a:blip r:embed="rId3">
+            <a:extLst>
+              <a:ext uri="{28A0092B-C50C-407E-A947-70E740481C1C}">
+                <a14:useLocalDpi xmlns:a14="http://schemas.microsoft.com/office/drawing/2010/main" val="0"/>
+              </a:ext>
+            </a:extLst>
+          </a:blip>
+          <a:srcRect/>
+          <a:stretch>
+            <a:fillRect/>
+          </a:stretch>
+        </p:blipFill>
+        <p:spPr bwMode="auto">
+          <a:xfrm>
+            <a:off x="1605148" y="7254081"/>
+            <a:ext cx="5087845" cy="1062038"/>
+          </a:xfrm>
+          <a:prstGeom prst="rect">
+            <a:avLst/>
+          </a:prstGeom>
+          <a:noFill/>
+          <a:extLst>
+            <a:ext uri="{909E8E84-426E-40DD-AFC4-6F175D3DCCD1}">
+              <a14:hiddenFill xmlns:a14="http://schemas.microsoft.com/office/drawing/2010/main">
+                <a:solidFill>
+                  <a:srgbClr val="FFFFFF"/>
+                </a:solidFill>
+              </a14:hiddenFill>
+            </a:ext>
+          </a:extLst>
+        </p:spPr>
+      </p:pic>
+      <p:pic>
+        <p:nvPicPr>
+          <p:cNvPr id="3078" name="Picture 6" descr="Image result for r eclipse plugin"/>
+          <p:cNvPicPr>
+            <a:picLocks noChangeAspect="1" noChangeArrowheads="1"/>
+          </p:cNvPicPr>
+          <p:nvPr/>
+        </p:nvPicPr>
+        <p:blipFill>
+          <a:blip r:embed="rId4">
+            <a:extLst>
+              <a:ext uri="{28A0092B-C50C-407E-A947-70E740481C1C}">
+                <a14:useLocalDpi xmlns:a14="http://schemas.microsoft.com/office/drawing/2010/main" val="0"/>
+              </a:ext>
+            </a:extLst>
+          </a:blip>
+          <a:srcRect/>
+          <a:stretch>
+            <a:fillRect/>
+          </a:stretch>
+        </p:blipFill>
+        <p:spPr bwMode="auto">
+          <a:xfrm>
+            <a:off x="9423214" y="6878134"/>
+            <a:ext cx="2197286" cy="2197286"/>
+          </a:xfrm>
+          <a:prstGeom prst="rect">
+            <a:avLst/>
+          </a:prstGeom>
+          <a:noFill/>
+          <a:extLst>
+            <a:ext uri="{909E8E84-426E-40DD-AFC4-6F175D3DCCD1}">
+              <a14:hiddenFill xmlns:a14="http://schemas.microsoft.com/office/drawing/2010/main">
+                <a:solidFill>
+                  <a:srgbClr val="FFFFFF"/>
+                </a:solidFill>
+              </a14:hiddenFill>
+            </a:ext>
+          </a:extLst>
+        </p:spPr>
+      </p:pic>
+    </p:spTree>
+    <p:extLst>
+      <p:ext uri="{BB962C8B-B14F-4D97-AF65-F5344CB8AC3E}">
+        <p14:creationId xmlns:p14="http://schemas.microsoft.com/office/powerpoint/2010/main" val="2251693998"/>
+      </p:ext>
+    </p:extLst>
+  </p:cSld>
+  <p:clrMapOvr>
+    <a:masterClrMapping/>
+  </p:clrMapOvr>
+  <p:transition/>
+</p:sld>
+</file>
+
+<file path=ppt/slides/slide9.xml><?xml version="1.0" encoding="utf-8"?>
+<p:sld xmlns:a="http://schemas.openxmlformats.org/drawingml/2006/main" xmlns:r="http://schemas.openxmlformats.org/officeDocument/2006/relationships" xmlns:p="http://schemas.openxmlformats.org/presentationml/2006/main" showMasterSp="0">
+  <p:cSld>
+    <p:spTree>
+      <p:nvGrpSpPr>
+        <p:cNvPr id="1" name=""/>
+        <p:cNvGrpSpPr/>
+        <p:nvPr/>
+      </p:nvGrpSpPr>
+      <p:grpSpPr>
+        <a:xfrm>
+          <a:off x="0" y="0"/>
+          <a:ext cx="0" cy="0"/>
+          <a:chOff x="0" y="0"/>
+          <a:chExt cx="0" cy="0"/>
+        </a:xfrm>
+      </p:grpSpPr>
+      <p:sp>
+        <p:nvSpPr>
+          <p:cNvPr id="2" name="Title 1"/>
+          <p:cNvSpPr>
+            <a:spLocks noGrp="1"/>
+          </p:cNvSpPr>
+          <p:nvPr>
+            <p:ph type="title"/>
+          </p:nvPr>
+        </p:nvSpPr>
+        <p:spPr/>
+        <p:txBody>
+          <a:bodyPr/>
+          <a:lstStyle/>
+          <a:p>
+            <a:r>
               <a:rPr lang="en-US" dirty="0" err="1"/>
               <a:t>paRadigms</a:t>
             </a:r>
@@ -13557,14 +17682,14 @@
             <p:ph idx="1"/>
             <p:extLst>
               <p:ext uri="{D42A27DB-BD31-4B8C-83A1-F6EECF244321}">
-                <p14:modId xmlns:p14="http://schemas.microsoft.com/office/powerpoint/2010/main" val="3228425526"/>
+                <p14:modId xmlns:p14="http://schemas.microsoft.com/office/powerpoint/2010/main" val="3738981389"/>
               </p:ext>
             </p:extLst>
           </p:nvPr>
         </p:nvGraphicFramePr>
         <p:xfrm>
           <a:off x="1181100" y="1955800"/>
-          <a:ext cx="10464800" cy="1854200"/>
+          <a:ext cx="10464800" cy="2225040"/>
         </p:xfrm>
         <a:graphic>
           <a:graphicData uri="http://schemas.openxmlformats.org/drawingml/2006/table">
@@ -13738,6 +17863,39 @@
                     <a:p>
                       <a:r>
                         <a:rPr lang="en-US" dirty="0"/>
+                        <a:t>Scala</a:t>
+                      </a:r>
+                    </a:p>
+                  </a:txBody>
+                  <a:tcPr/>
+                </a:tc>
+                <a:tc>
+                  <a:txBody>
+                    <a:bodyPr/>
+                    <a:lstStyle/>
+                    <a:p>
+                      <a:r>
+                        <a:rPr lang="en-US" dirty="0"/>
+                        <a:t>Function based</a:t>
+                      </a:r>
+                    </a:p>
+                  </a:txBody>
+                  <a:tcPr/>
+                </a:tc>
+                <a:extLst>
+                  <a:ext uri="{0D108BD9-81ED-4DB2-BD59-A6C34878D82A}">
+                    <a16:rowId xmlns:a16="http://schemas.microsoft.com/office/drawing/2014/main" val="6100928"/>
+                  </a:ext>
+                </a:extLst>
+              </a:tr>
+              <a:tr h="370840">
+                <a:tc>
+                  <a:txBody>
+                    <a:bodyPr/>
+                    <a:lstStyle/>
+                    <a:p>
+                      <a:r>
+                        <a:rPr lang="en-US" dirty="0"/>
                         <a:t>R</a:t>
                       </a:r>
                     </a:p>
@@ -13776,4375 +17934,6 @@
     <p:extLst>
       <p:ext uri="{BB962C8B-B14F-4D97-AF65-F5344CB8AC3E}">
         <p14:creationId xmlns:p14="http://schemas.microsoft.com/office/powerpoint/2010/main" val="2130372038"/>
-      </p:ext>
-    </p:extLst>
-  </p:cSld>
-  <p:clrMapOvr>
-    <a:masterClrMapping/>
-  </p:clrMapOvr>
-  <p:transition/>
-</p:sld>
-</file>
-
-<file path=ppt/slides/slide11.xml><?xml version="1.0" encoding="utf-8"?>
-<p:sld xmlns:a="http://schemas.openxmlformats.org/drawingml/2006/main" xmlns:r="http://schemas.openxmlformats.org/officeDocument/2006/relationships" xmlns:p="http://schemas.openxmlformats.org/presentationml/2006/main" showMasterSp="0">
-  <p:cSld>
-    <p:spTree>
-      <p:nvGrpSpPr>
-        <p:cNvPr id="1" name=""/>
-        <p:cNvGrpSpPr/>
-        <p:nvPr/>
-      </p:nvGrpSpPr>
-      <p:grpSpPr>
-        <a:xfrm>
-          <a:off x="0" y="0"/>
-          <a:ext cx="0" cy="0"/>
-          <a:chOff x="0" y="0"/>
-          <a:chExt cx="0" cy="0"/>
-        </a:xfrm>
-      </p:grpSpPr>
-      <p:sp>
-        <p:nvSpPr>
-          <p:cNvPr id="2" name="Title 1"/>
-          <p:cNvSpPr>
-            <a:spLocks noGrp="1"/>
-          </p:cNvSpPr>
-          <p:nvPr>
-            <p:ph type="title"/>
-          </p:nvPr>
-        </p:nvSpPr>
-        <p:spPr/>
-        <p:txBody>
-          <a:bodyPr/>
-          <a:lstStyle/>
-          <a:p>
-            <a:r>
-              <a:rPr lang="en-US" dirty="0"/>
-              <a:t>Concepts </a:t>
-            </a:r>
-            <a:r>
-              <a:rPr lang="en-US"/>
-              <a:t>in R</a:t>
-            </a:r>
-            <a:endParaRPr lang="en-US" dirty="0"/>
-          </a:p>
-        </p:txBody>
-      </p:sp>
-      <p:sp>
-        <p:nvSpPr>
-          <p:cNvPr id="3" name="Content Placeholder 2"/>
-          <p:cNvSpPr>
-            <a:spLocks noGrp="1"/>
-          </p:cNvSpPr>
-          <p:nvPr>
-            <p:ph idx="1"/>
-          </p:nvPr>
-        </p:nvSpPr>
-        <p:spPr/>
-        <p:txBody>
-          <a:bodyPr/>
-          <a:lstStyle/>
-          <a:p>
-            <a:pPr>
-              <a:buFont typeface="Arial" panose="020B0604020202020204" pitchFamily="34" charset="0"/>
-              <a:buChar char="•"/>
-            </a:pPr>
-            <a:r>
-              <a:rPr lang="en-US" dirty="0"/>
-              <a:t>Provides both statistical and visual analytics for data</a:t>
-            </a:r>
-          </a:p>
-          <a:p>
-            <a:pPr>
-              <a:buFont typeface="Arial" panose="020B0604020202020204" pitchFamily="34" charset="0"/>
-              <a:buChar char="•"/>
-            </a:pPr>
-            <a:r>
-              <a:rPr lang="en-US" dirty="0"/>
-              <a:t>Similar to high level functional languages (functions are a high-level constructs)</a:t>
-            </a:r>
-          </a:p>
-          <a:p>
-            <a:pPr>
-              <a:buFont typeface="Arial" panose="020B0604020202020204" pitchFamily="34" charset="0"/>
-              <a:buChar char="•"/>
-            </a:pPr>
-            <a:r>
-              <a:rPr lang="en-US" dirty="0"/>
-              <a:t>Offers a variety of utility data structures, designed to support data analytics</a:t>
-            </a:r>
-          </a:p>
-          <a:p>
-            <a:pPr>
-              <a:buFont typeface="Arial" panose="020B0604020202020204" pitchFamily="34" charset="0"/>
-              <a:buChar char="•"/>
-            </a:pPr>
-            <a:endParaRPr lang="en-US" dirty="0"/>
-          </a:p>
-        </p:txBody>
-      </p:sp>
-    </p:spTree>
-    <p:extLst>
-      <p:ext uri="{BB962C8B-B14F-4D97-AF65-F5344CB8AC3E}">
-        <p14:creationId xmlns:p14="http://schemas.microsoft.com/office/powerpoint/2010/main" val="4252518705"/>
-      </p:ext>
-    </p:extLst>
-  </p:cSld>
-  <p:clrMapOvr>
-    <a:masterClrMapping/>
-  </p:clrMapOvr>
-  <p:transition/>
-</p:sld>
-</file>
-
-<file path=ppt/slides/slide12.xml><?xml version="1.0" encoding="utf-8"?>
-<p:sld xmlns:a="http://schemas.openxmlformats.org/drawingml/2006/main" xmlns:r="http://schemas.openxmlformats.org/officeDocument/2006/relationships" xmlns:p="http://schemas.openxmlformats.org/presentationml/2006/main" showMasterSp="0">
-  <p:cSld>
-    <p:spTree>
-      <p:nvGrpSpPr>
-        <p:cNvPr id="1" name=""/>
-        <p:cNvGrpSpPr/>
-        <p:nvPr/>
-      </p:nvGrpSpPr>
-      <p:grpSpPr>
-        <a:xfrm>
-          <a:off x="0" y="0"/>
-          <a:ext cx="0" cy="0"/>
-          <a:chOff x="0" y="0"/>
-          <a:chExt cx="0" cy="0"/>
-        </a:xfrm>
-      </p:grpSpPr>
-      <p:sp>
-        <p:nvSpPr>
-          <p:cNvPr id="2" name="Title 1"/>
-          <p:cNvSpPr>
-            <a:spLocks noGrp="1"/>
-          </p:cNvSpPr>
-          <p:nvPr>
-            <p:ph type="title"/>
-          </p:nvPr>
-        </p:nvSpPr>
-        <p:spPr/>
-        <p:txBody>
-          <a:bodyPr/>
-          <a:lstStyle/>
-          <a:p>
-            <a:r>
-              <a:rPr lang="en-US" dirty="0" err="1"/>
-              <a:t>VectoRs</a:t>
-            </a:r>
-            <a:r>
-              <a:rPr lang="en-US" dirty="0"/>
-              <a:t> 	</a:t>
-            </a:r>
-          </a:p>
-        </p:txBody>
-      </p:sp>
-      <p:sp>
-        <p:nvSpPr>
-          <p:cNvPr id="3" name="Content Placeholder 2"/>
-          <p:cNvSpPr>
-            <a:spLocks noGrp="1"/>
-          </p:cNvSpPr>
-          <p:nvPr>
-            <p:ph idx="1"/>
-          </p:nvPr>
-        </p:nvSpPr>
-        <p:spPr/>
-        <p:txBody>
-          <a:bodyPr/>
-          <a:lstStyle/>
-          <a:p>
-            <a:pPr>
-              <a:buFont typeface="Arial" panose="020B0604020202020204" pitchFamily="34" charset="0"/>
-              <a:buChar char="•"/>
-            </a:pPr>
-            <a:r>
-              <a:rPr lang="en-US" dirty="0"/>
-              <a:t>A vector is a one-dimensional array of similar data types</a:t>
-            </a:r>
-          </a:p>
-          <a:p>
-            <a:pPr>
-              <a:buFont typeface="Arial" panose="020B0604020202020204" pitchFamily="34" charset="0"/>
-              <a:buChar char="•"/>
-            </a:pPr>
-            <a:endParaRPr lang="en-US" dirty="0"/>
-          </a:p>
-        </p:txBody>
-      </p:sp>
-      <p:pic>
-        <p:nvPicPr>
-          <p:cNvPr id="4" name="Picture 3"/>
-          <p:cNvPicPr>
-            <a:picLocks noChangeAspect="1"/>
-          </p:cNvPicPr>
-          <p:nvPr/>
-        </p:nvPicPr>
-        <p:blipFill>
-          <a:blip r:embed="rId2"/>
-          <a:stretch>
-            <a:fillRect/>
-          </a:stretch>
-        </p:blipFill>
-        <p:spPr>
-          <a:xfrm>
-            <a:off x="2844800" y="3657600"/>
-            <a:ext cx="7276868" cy="3752850"/>
-          </a:xfrm>
-          <a:prstGeom prst="rect">
-            <a:avLst/>
-          </a:prstGeom>
-        </p:spPr>
-      </p:pic>
-    </p:spTree>
-    <p:extLst>
-      <p:ext uri="{BB962C8B-B14F-4D97-AF65-F5344CB8AC3E}">
-        <p14:creationId xmlns:p14="http://schemas.microsoft.com/office/powerpoint/2010/main" val="2485982086"/>
-      </p:ext>
-    </p:extLst>
-  </p:cSld>
-  <p:clrMapOvr>
-    <a:masterClrMapping/>
-  </p:clrMapOvr>
-  <p:transition/>
-</p:sld>
-</file>
-
-<file path=ppt/slides/slide13.xml><?xml version="1.0" encoding="utf-8"?>
-<p:sld xmlns:a="http://schemas.openxmlformats.org/drawingml/2006/main" xmlns:r="http://schemas.openxmlformats.org/officeDocument/2006/relationships" xmlns:p="http://schemas.openxmlformats.org/presentationml/2006/main" showMasterSp="0">
-  <p:cSld>
-    <p:spTree>
-      <p:nvGrpSpPr>
-        <p:cNvPr id="1" name=""/>
-        <p:cNvGrpSpPr/>
-        <p:nvPr/>
-      </p:nvGrpSpPr>
-      <p:grpSpPr>
-        <a:xfrm>
-          <a:off x="0" y="0"/>
-          <a:ext cx="0" cy="0"/>
-          <a:chOff x="0" y="0"/>
-          <a:chExt cx="0" cy="0"/>
-        </a:xfrm>
-      </p:grpSpPr>
-      <p:sp>
-        <p:nvSpPr>
-          <p:cNvPr id="2" name="Title 1"/>
-          <p:cNvSpPr>
-            <a:spLocks noGrp="1"/>
-          </p:cNvSpPr>
-          <p:nvPr>
-            <p:ph type="title"/>
-          </p:nvPr>
-        </p:nvSpPr>
-        <p:spPr/>
-        <p:txBody>
-          <a:bodyPr/>
-          <a:lstStyle/>
-          <a:p>
-            <a:r>
-              <a:rPr lang="en-US" dirty="0" err="1"/>
-              <a:t>VectoRs</a:t>
-            </a:r>
-            <a:r>
-              <a:rPr lang="en-US" dirty="0"/>
-              <a:t> 	</a:t>
-            </a:r>
-          </a:p>
-        </p:txBody>
-      </p:sp>
-      <p:sp>
-        <p:nvSpPr>
-          <p:cNvPr id="3" name="Content Placeholder 2"/>
-          <p:cNvSpPr>
-            <a:spLocks noGrp="1"/>
-          </p:cNvSpPr>
-          <p:nvPr>
-            <p:ph idx="1"/>
-          </p:nvPr>
-        </p:nvSpPr>
-        <p:spPr/>
-        <p:txBody>
-          <a:bodyPr/>
-          <a:lstStyle/>
-          <a:p>
-            <a:pPr>
-              <a:buFont typeface="Arial" panose="020B0604020202020204" pitchFamily="34" charset="0"/>
-              <a:buChar char="•"/>
-            </a:pPr>
-            <a:r>
-              <a:rPr lang="en-US" dirty="0"/>
-              <a:t>Everything is a vector</a:t>
-            </a:r>
-          </a:p>
-          <a:p>
-            <a:pPr>
-              <a:buFont typeface="Arial" panose="020B0604020202020204" pitchFamily="34" charset="0"/>
-              <a:buChar char="•"/>
-            </a:pPr>
-            <a:endParaRPr lang="en-US" dirty="0"/>
-          </a:p>
-        </p:txBody>
-      </p:sp>
-      <p:pic>
-        <p:nvPicPr>
-          <p:cNvPr id="5" name="Picture 4"/>
-          <p:cNvPicPr>
-            <a:picLocks noChangeAspect="1"/>
-          </p:cNvPicPr>
-          <p:nvPr/>
-        </p:nvPicPr>
-        <p:blipFill>
-          <a:blip r:embed="rId2"/>
-          <a:stretch>
-            <a:fillRect/>
-          </a:stretch>
-        </p:blipFill>
-        <p:spPr>
-          <a:xfrm>
-            <a:off x="3606800" y="3276600"/>
-            <a:ext cx="5762171" cy="3657600"/>
-          </a:xfrm>
-          <a:prstGeom prst="rect">
-            <a:avLst/>
-          </a:prstGeom>
-        </p:spPr>
-      </p:pic>
-    </p:spTree>
-    <p:extLst>
-      <p:ext uri="{BB962C8B-B14F-4D97-AF65-F5344CB8AC3E}">
-        <p14:creationId xmlns:p14="http://schemas.microsoft.com/office/powerpoint/2010/main" val="957633158"/>
-      </p:ext>
-    </p:extLst>
-  </p:cSld>
-  <p:clrMapOvr>
-    <a:masterClrMapping/>
-  </p:clrMapOvr>
-  <p:transition/>
-</p:sld>
-</file>
-
-<file path=ppt/slides/slide14.xml><?xml version="1.0" encoding="utf-8"?>
-<p:sld xmlns:a="http://schemas.openxmlformats.org/drawingml/2006/main" xmlns:r="http://schemas.openxmlformats.org/officeDocument/2006/relationships" xmlns:p="http://schemas.openxmlformats.org/presentationml/2006/main" showMasterSp="0">
-  <p:cSld>
-    <p:spTree>
-      <p:nvGrpSpPr>
-        <p:cNvPr id="1" name=""/>
-        <p:cNvGrpSpPr/>
-        <p:nvPr/>
-      </p:nvGrpSpPr>
-      <p:grpSpPr>
-        <a:xfrm>
-          <a:off x="0" y="0"/>
-          <a:ext cx="0" cy="0"/>
-          <a:chOff x="0" y="0"/>
-          <a:chExt cx="0" cy="0"/>
-        </a:xfrm>
-      </p:grpSpPr>
-      <p:sp>
-        <p:nvSpPr>
-          <p:cNvPr id="2" name="Title 1"/>
-          <p:cNvSpPr>
-            <a:spLocks noGrp="1"/>
-          </p:cNvSpPr>
-          <p:nvPr>
-            <p:ph type="title"/>
-          </p:nvPr>
-        </p:nvSpPr>
-        <p:spPr/>
-        <p:txBody>
-          <a:bodyPr/>
-          <a:lstStyle/>
-          <a:p>
-            <a:r>
-              <a:rPr lang="en-US" dirty="0" err="1"/>
-              <a:t>matriXes</a:t>
-            </a:r>
-            <a:r>
-              <a:rPr lang="en-US" dirty="0"/>
-              <a:t> 	</a:t>
-            </a:r>
-          </a:p>
-        </p:txBody>
-      </p:sp>
-      <p:sp>
-        <p:nvSpPr>
-          <p:cNvPr id="3" name="Content Placeholder 2"/>
-          <p:cNvSpPr>
-            <a:spLocks noGrp="1"/>
-          </p:cNvSpPr>
-          <p:nvPr>
-            <p:ph idx="1"/>
-          </p:nvPr>
-        </p:nvSpPr>
-        <p:spPr/>
-        <p:txBody>
-          <a:bodyPr/>
-          <a:lstStyle/>
-          <a:p>
-            <a:pPr>
-              <a:buFont typeface="Arial" panose="020B0604020202020204" pitchFamily="34" charset="0"/>
-              <a:buChar char="•"/>
-            </a:pPr>
-            <a:r>
-              <a:rPr lang="en-US" dirty="0"/>
-              <a:t>A matrix is a two-dimensional vector</a:t>
-            </a:r>
-          </a:p>
-          <a:p>
-            <a:pPr>
-              <a:buFont typeface="Arial" panose="020B0604020202020204" pitchFamily="34" charset="0"/>
-              <a:buChar char="•"/>
-            </a:pPr>
-            <a:endParaRPr lang="en-US" dirty="0"/>
-          </a:p>
-        </p:txBody>
-      </p:sp>
-      <p:pic>
-        <p:nvPicPr>
-          <p:cNvPr id="5" name="Picture 4"/>
-          <p:cNvPicPr>
-            <a:picLocks noChangeAspect="1"/>
-          </p:cNvPicPr>
-          <p:nvPr/>
-        </p:nvPicPr>
-        <p:blipFill>
-          <a:blip r:embed="rId2"/>
-          <a:stretch>
-            <a:fillRect/>
-          </a:stretch>
-        </p:blipFill>
-        <p:spPr>
-          <a:xfrm>
-            <a:off x="2844799" y="3352800"/>
-            <a:ext cx="6700261" cy="4191000"/>
-          </a:xfrm>
-          <a:prstGeom prst="rect">
-            <a:avLst/>
-          </a:prstGeom>
-        </p:spPr>
-      </p:pic>
-    </p:spTree>
-    <p:extLst>
-      <p:ext uri="{BB962C8B-B14F-4D97-AF65-F5344CB8AC3E}">
-        <p14:creationId xmlns:p14="http://schemas.microsoft.com/office/powerpoint/2010/main" val="923380309"/>
-      </p:ext>
-    </p:extLst>
-  </p:cSld>
-  <p:clrMapOvr>
-    <a:masterClrMapping/>
-  </p:clrMapOvr>
-  <p:transition/>
-</p:sld>
-</file>
-
-<file path=ppt/slides/slide15.xml><?xml version="1.0" encoding="utf-8"?>
-<p:sld xmlns:a="http://schemas.openxmlformats.org/drawingml/2006/main" xmlns:r="http://schemas.openxmlformats.org/officeDocument/2006/relationships" xmlns:p="http://schemas.openxmlformats.org/presentationml/2006/main" showMasterSp="0">
-  <p:cSld>
-    <p:spTree>
-      <p:nvGrpSpPr>
-        <p:cNvPr id="1" name=""/>
-        <p:cNvGrpSpPr/>
-        <p:nvPr/>
-      </p:nvGrpSpPr>
-      <p:grpSpPr>
-        <a:xfrm>
-          <a:off x="0" y="0"/>
-          <a:ext cx="0" cy="0"/>
-          <a:chOff x="0" y="0"/>
-          <a:chExt cx="0" cy="0"/>
-        </a:xfrm>
-      </p:grpSpPr>
-      <p:sp>
-        <p:nvSpPr>
-          <p:cNvPr id="2" name="Title 1"/>
-          <p:cNvSpPr>
-            <a:spLocks noGrp="1"/>
-          </p:cNvSpPr>
-          <p:nvPr>
-            <p:ph type="title"/>
-          </p:nvPr>
-        </p:nvSpPr>
-        <p:spPr/>
-        <p:txBody>
-          <a:bodyPr/>
-          <a:lstStyle/>
-          <a:p>
-            <a:r>
-              <a:rPr lang="en-US" dirty="0" err="1"/>
-              <a:t>matriXes</a:t>
-            </a:r>
-            <a:r>
-              <a:rPr lang="en-US" dirty="0"/>
-              <a:t> 	</a:t>
-            </a:r>
-          </a:p>
-        </p:txBody>
-      </p:sp>
-      <p:sp>
-        <p:nvSpPr>
-          <p:cNvPr id="3" name="Content Placeholder 2"/>
-          <p:cNvSpPr>
-            <a:spLocks noGrp="1"/>
-          </p:cNvSpPr>
-          <p:nvPr>
-            <p:ph idx="1"/>
-          </p:nvPr>
-        </p:nvSpPr>
-        <p:spPr/>
-        <p:txBody>
-          <a:bodyPr/>
-          <a:lstStyle/>
-          <a:p>
-            <a:pPr>
-              <a:buFont typeface="Arial" panose="020B0604020202020204" pitchFamily="34" charset="0"/>
-              <a:buChar char="•"/>
-            </a:pPr>
-            <a:r>
-              <a:rPr lang="en-US" dirty="0"/>
-              <a:t>Matrixes may be expanded to multiple dimensions</a:t>
-            </a:r>
-          </a:p>
-          <a:p>
-            <a:pPr>
-              <a:buFont typeface="Arial" panose="020B0604020202020204" pitchFamily="34" charset="0"/>
-              <a:buChar char="•"/>
-            </a:pPr>
-            <a:endParaRPr lang="en-US" dirty="0"/>
-          </a:p>
-        </p:txBody>
-      </p:sp>
-      <p:pic>
-        <p:nvPicPr>
-          <p:cNvPr id="4" name="Picture 3"/>
-          <p:cNvPicPr>
-            <a:picLocks noChangeAspect="1"/>
-          </p:cNvPicPr>
-          <p:nvPr/>
-        </p:nvPicPr>
-        <p:blipFill>
-          <a:blip r:embed="rId2"/>
-          <a:stretch>
-            <a:fillRect/>
-          </a:stretch>
-        </p:blipFill>
-        <p:spPr>
-          <a:xfrm>
-            <a:off x="4064000" y="3276600"/>
-            <a:ext cx="4381500" cy="4886325"/>
-          </a:xfrm>
-          <a:prstGeom prst="rect">
-            <a:avLst/>
-          </a:prstGeom>
-        </p:spPr>
-      </p:pic>
-    </p:spTree>
-    <p:extLst>
-      <p:ext uri="{BB962C8B-B14F-4D97-AF65-F5344CB8AC3E}">
-        <p14:creationId xmlns:p14="http://schemas.microsoft.com/office/powerpoint/2010/main" val="3144539938"/>
-      </p:ext>
-    </p:extLst>
-  </p:cSld>
-  <p:clrMapOvr>
-    <a:masterClrMapping/>
-  </p:clrMapOvr>
-  <p:transition/>
-</p:sld>
-</file>
-
-<file path=ppt/slides/slide16.xml><?xml version="1.0" encoding="utf-8"?>
-<p:sld xmlns:a="http://schemas.openxmlformats.org/drawingml/2006/main" xmlns:r="http://schemas.openxmlformats.org/officeDocument/2006/relationships" xmlns:p="http://schemas.openxmlformats.org/presentationml/2006/main" showMasterSp="0">
-  <p:cSld>
-    <p:spTree>
-      <p:nvGrpSpPr>
-        <p:cNvPr id="1" name=""/>
-        <p:cNvGrpSpPr/>
-        <p:nvPr/>
-      </p:nvGrpSpPr>
-      <p:grpSpPr>
-        <a:xfrm>
-          <a:off x="0" y="0"/>
-          <a:ext cx="0" cy="0"/>
-          <a:chOff x="0" y="0"/>
-          <a:chExt cx="0" cy="0"/>
-        </a:xfrm>
-      </p:grpSpPr>
-      <p:sp>
-        <p:nvSpPr>
-          <p:cNvPr id="2" name="Title 1"/>
-          <p:cNvSpPr>
-            <a:spLocks noGrp="1"/>
-          </p:cNvSpPr>
-          <p:nvPr>
-            <p:ph type="title"/>
-          </p:nvPr>
-        </p:nvSpPr>
-        <p:spPr/>
-        <p:txBody>
-          <a:bodyPr/>
-          <a:lstStyle/>
-          <a:p>
-            <a:r>
-              <a:rPr lang="en-US" dirty="0"/>
-              <a:t>R </a:t>
-            </a:r>
-            <a:r>
-              <a:rPr lang="en-US" dirty="0" err="1"/>
-              <a:t>opeRations</a:t>
-            </a:r>
-            <a:r>
-              <a:rPr lang="en-US" dirty="0"/>
-              <a:t> 	</a:t>
-            </a:r>
-          </a:p>
-        </p:txBody>
-      </p:sp>
-      <p:sp>
-        <p:nvSpPr>
-          <p:cNvPr id="3" name="Content Placeholder 2"/>
-          <p:cNvSpPr>
-            <a:spLocks noGrp="1"/>
-          </p:cNvSpPr>
-          <p:nvPr>
-            <p:ph idx="1"/>
-          </p:nvPr>
-        </p:nvSpPr>
-        <p:spPr/>
-        <p:txBody>
-          <a:bodyPr/>
-          <a:lstStyle/>
-          <a:p>
-            <a:pPr>
-              <a:buFont typeface="Arial" panose="020B0604020202020204" pitchFamily="34" charset="0"/>
-              <a:buChar char="•"/>
-            </a:pPr>
-            <a:r>
-              <a:rPr lang="en-US" dirty="0"/>
-              <a:t>Operations may be performed against vectors and matrixes</a:t>
-            </a:r>
-          </a:p>
-          <a:p>
-            <a:pPr>
-              <a:buFont typeface="Arial" panose="020B0604020202020204" pitchFamily="34" charset="0"/>
-              <a:buChar char="•"/>
-            </a:pPr>
-            <a:endParaRPr lang="en-US" dirty="0"/>
-          </a:p>
-        </p:txBody>
-      </p:sp>
-      <p:pic>
-        <p:nvPicPr>
-          <p:cNvPr id="5" name="Picture 4"/>
-          <p:cNvPicPr>
-            <a:picLocks noChangeAspect="1"/>
-          </p:cNvPicPr>
-          <p:nvPr/>
-        </p:nvPicPr>
-        <p:blipFill>
-          <a:blip r:embed="rId2"/>
-          <a:stretch>
-            <a:fillRect/>
-          </a:stretch>
-        </p:blipFill>
-        <p:spPr>
-          <a:xfrm>
-            <a:off x="3683000" y="2667000"/>
-            <a:ext cx="5191125" cy="5924550"/>
-          </a:xfrm>
-          <a:prstGeom prst="rect">
-            <a:avLst/>
-          </a:prstGeom>
-        </p:spPr>
-      </p:pic>
-    </p:spTree>
-    <p:extLst>
-      <p:ext uri="{BB962C8B-B14F-4D97-AF65-F5344CB8AC3E}">
-        <p14:creationId xmlns:p14="http://schemas.microsoft.com/office/powerpoint/2010/main" val="3742233272"/>
-      </p:ext>
-    </p:extLst>
-  </p:cSld>
-  <p:clrMapOvr>
-    <a:masterClrMapping/>
-  </p:clrMapOvr>
-  <p:transition/>
-</p:sld>
-</file>
-
-<file path=ppt/slides/slide17.xml><?xml version="1.0" encoding="utf-8"?>
-<p:sld xmlns:a="http://schemas.openxmlformats.org/drawingml/2006/main" xmlns:r="http://schemas.openxmlformats.org/officeDocument/2006/relationships" xmlns:p="http://schemas.openxmlformats.org/presentationml/2006/main" showMasterSp="0">
-  <p:cSld>
-    <p:spTree>
-      <p:nvGrpSpPr>
-        <p:cNvPr id="1" name=""/>
-        <p:cNvGrpSpPr/>
-        <p:nvPr/>
-      </p:nvGrpSpPr>
-      <p:grpSpPr>
-        <a:xfrm>
-          <a:off x="0" y="0"/>
-          <a:ext cx="0" cy="0"/>
-          <a:chOff x="0" y="0"/>
-          <a:chExt cx="0" cy="0"/>
-        </a:xfrm>
-      </p:grpSpPr>
-      <p:sp>
-        <p:nvSpPr>
-          <p:cNvPr id="2" name="Title 1"/>
-          <p:cNvSpPr>
-            <a:spLocks noGrp="1"/>
-          </p:cNvSpPr>
-          <p:nvPr>
-            <p:ph type="title"/>
-          </p:nvPr>
-        </p:nvSpPr>
-        <p:spPr/>
-        <p:txBody>
-          <a:bodyPr/>
-          <a:lstStyle/>
-          <a:p>
-            <a:r>
-              <a:rPr lang="en-US"/>
-              <a:t>FactoRs </a:t>
-            </a:r>
-            <a:r>
-              <a:rPr lang="en-US" dirty="0"/>
-              <a:t>&amp; levels</a:t>
-            </a:r>
-          </a:p>
-        </p:txBody>
-      </p:sp>
-      <p:sp>
-        <p:nvSpPr>
-          <p:cNvPr id="3" name="Content Placeholder 2"/>
-          <p:cNvSpPr>
-            <a:spLocks noGrp="1"/>
-          </p:cNvSpPr>
-          <p:nvPr>
-            <p:ph idx="1"/>
-          </p:nvPr>
-        </p:nvSpPr>
-        <p:spPr/>
-        <p:txBody>
-          <a:bodyPr/>
-          <a:lstStyle/>
-          <a:p>
-            <a:pPr>
-              <a:buFont typeface="Arial" panose="020B0604020202020204" pitchFamily="34" charset="0"/>
-              <a:buChar char="•"/>
-            </a:pPr>
-            <a:r>
-              <a:rPr lang="en-US" dirty="0"/>
-              <a:t>Categorical data is managed as factors in R</a:t>
-            </a:r>
-          </a:p>
-          <a:p>
-            <a:pPr>
-              <a:buFont typeface="Arial" panose="020B0604020202020204" pitchFamily="34" charset="0"/>
-              <a:buChar char="•"/>
-            </a:pPr>
-            <a:r>
-              <a:rPr lang="en-US" dirty="0"/>
-              <a:t>Levels are the in memory representation of this construct</a:t>
-            </a:r>
-          </a:p>
-        </p:txBody>
-      </p:sp>
-      <p:pic>
-        <p:nvPicPr>
-          <p:cNvPr id="4" name="Picture 3"/>
-          <p:cNvPicPr>
-            <a:picLocks noChangeAspect="1"/>
-          </p:cNvPicPr>
-          <p:nvPr/>
-        </p:nvPicPr>
-        <p:blipFill>
-          <a:blip r:embed="rId2"/>
-          <a:stretch>
-            <a:fillRect/>
-          </a:stretch>
-        </p:blipFill>
-        <p:spPr>
-          <a:xfrm>
-            <a:off x="2463800" y="4343400"/>
-            <a:ext cx="7391400" cy="2876550"/>
-          </a:xfrm>
-          <a:prstGeom prst="rect">
-            <a:avLst/>
-          </a:prstGeom>
-        </p:spPr>
-      </p:pic>
-    </p:spTree>
-    <p:extLst>
-      <p:ext uri="{BB962C8B-B14F-4D97-AF65-F5344CB8AC3E}">
-        <p14:creationId xmlns:p14="http://schemas.microsoft.com/office/powerpoint/2010/main" val="4144883183"/>
-      </p:ext>
-    </p:extLst>
-  </p:cSld>
-  <p:clrMapOvr>
-    <a:masterClrMapping/>
-  </p:clrMapOvr>
-  <p:transition/>
-</p:sld>
-</file>
-
-<file path=ppt/slides/slide18.xml><?xml version="1.0" encoding="utf-8"?>
-<p:sld xmlns:a="http://schemas.openxmlformats.org/drawingml/2006/main" xmlns:r="http://schemas.openxmlformats.org/officeDocument/2006/relationships" xmlns:p="http://schemas.openxmlformats.org/presentationml/2006/main" showMasterSp="0">
-  <p:cSld>
-    <p:spTree>
-      <p:nvGrpSpPr>
-        <p:cNvPr id="1" name=""/>
-        <p:cNvGrpSpPr/>
-        <p:nvPr/>
-      </p:nvGrpSpPr>
-      <p:grpSpPr>
-        <a:xfrm>
-          <a:off x="0" y="0"/>
-          <a:ext cx="0" cy="0"/>
-          <a:chOff x="0" y="0"/>
-          <a:chExt cx="0" cy="0"/>
-        </a:xfrm>
-      </p:grpSpPr>
-      <p:sp>
-        <p:nvSpPr>
-          <p:cNvPr id="2" name="Title 1"/>
-          <p:cNvSpPr>
-            <a:spLocks noGrp="1"/>
-          </p:cNvSpPr>
-          <p:nvPr>
-            <p:ph type="title"/>
-          </p:nvPr>
-        </p:nvSpPr>
-        <p:spPr/>
-        <p:txBody>
-          <a:bodyPr/>
-          <a:lstStyle/>
-          <a:p>
-            <a:r>
-              <a:rPr lang="en-US" dirty="0"/>
-              <a:t>Data </a:t>
-            </a:r>
-            <a:r>
-              <a:rPr lang="en-US" dirty="0" err="1"/>
-              <a:t>fRames</a:t>
-            </a:r>
-            <a:endParaRPr lang="en-US" dirty="0"/>
-          </a:p>
-        </p:txBody>
-      </p:sp>
-      <p:sp>
-        <p:nvSpPr>
-          <p:cNvPr id="3" name="Content Placeholder 2"/>
-          <p:cNvSpPr>
-            <a:spLocks noGrp="1"/>
-          </p:cNvSpPr>
-          <p:nvPr>
-            <p:ph idx="1"/>
-          </p:nvPr>
-        </p:nvSpPr>
-        <p:spPr/>
-        <p:txBody>
-          <a:bodyPr/>
-          <a:lstStyle/>
-          <a:p>
-            <a:pPr>
-              <a:buFont typeface="Arial" panose="020B0604020202020204" pitchFamily="34" charset="0"/>
-              <a:buChar char="•"/>
-            </a:pPr>
-            <a:r>
-              <a:rPr lang="en-US" dirty="0"/>
-              <a:t>Foundation of R data structures</a:t>
-            </a:r>
-          </a:p>
-          <a:p>
-            <a:pPr>
-              <a:buFont typeface="Arial" panose="020B0604020202020204" pitchFamily="34" charset="0"/>
-              <a:buChar char="•"/>
-            </a:pPr>
-            <a:r>
-              <a:rPr lang="en-US" dirty="0"/>
-              <a:t>Key structure for dealing with tabular data in R (rows and columns of similar types)</a:t>
-            </a:r>
-          </a:p>
-          <a:p>
-            <a:pPr>
-              <a:buFont typeface="Arial" panose="020B0604020202020204" pitchFamily="34" charset="0"/>
-              <a:buChar char="•"/>
-            </a:pPr>
-            <a:endParaRPr lang="en-US" dirty="0"/>
-          </a:p>
-          <a:p>
-            <a:pPr>
-              <a:buFont typeface="Arial" panose="020B0604020202020204" pitchFamily="34" charset="0"/>
-              <a:buChar char="•"/>
-            </a:pPr>
-            <a:endParaRPr lang="en-US" dirty="0"/>
-          </a:p>
-        </p:txBody>
-      </p:sp>
-      <p:pic>
-        <p:nvPicPr>
-          <p:cNvPr id="4" name="Picture 3"/>
-          <p:cNvPicPr>
-            <a:picLocks noChangeAspect="1"/>
-          </p:cNvPicPr>
-          <p:nvPr/>
-        </p:nvPicPr>
-        <p:blipFill>
-          <a:blip r:embed="rId3"/>
-          <a:stretch>
-            <a:fillRect/>
-          </a:stretch>
-        </p:blipFill>
-        <p:spPr>
-          <a:xfrm>
-            <a:off x="3454400" y="4572000"/>
-            <a:ext cx="5553075" cy="3552825"/>
-          </a:xfrm>
-          <a:prstGeom prst="rect">
-            <a:avLst/>
-          </a:prstGeom>
-        </p:spPr>
-      </p:pic>
-    </p:spTree>
-    <p:extLst>
-      <p:ext uri="{BB962C8B-B14F-4D97-AF65-F5344CB8AC3E}">
-        <p14:creationId xmlns:p14="http://schemas.microsoft.com/office/powerpoint/2010/main" val="2576505063"/>
-      </p:ext>
-    </p:extLst>
-  </p:cSld>
-  <p:clrMapOvr>
-    <a:masterClrMapping/>
-  </p:clrMapOvr>
-  <p:transition/>
-</p:sld>
-</file>
-
-<file path=ppt/slides/slide19.xml><?xml version="1.0" encoding="utf-8"?>
-<p:sld xmlns:a="http://schemas.openxmlformats.org/drawingml/2006/main" xmlns:r="http://schemas.openxmlformats.org/officeDocument/2006/relationships" xmlns:p="http://schemas.openxmlformats.org/presentationml/2006/main" showMasterSp="0">
-  <p:cSld>
-    <p:spTree>
-      <p:nvGrpSpPr>
-        <p:cNvPr id="1" name=""/>
-        <p:cNvGrpSpPr/>
-        <p:nvPr/>
-      </p:nvGrpSpPr>
-      <p:grpSpPr>
-        <a:xfrm>
-          <a:off x="0" y="0"/>
-          <a:ext cx="0" cy="0"/>
-          <a:chOff x="0" y="0"/>
-          <a:chExt cx="0" cy="0"/>
-        </a:xfrm>
-      </p:grpSpPr>
-      <p:sp>
-        <p:nvSpPr>
-          <p:cNvPr id="2" name="Title 1"/>
-          <p:cNvSpPr>
-            <a:spLocks noGrp="1"/>
-          </p:cNvSpPr>
-          <p:nvPr>
-            <p:ph type="title"/>
-          </p:nvPr>
-        </p:nvSpPr>
-        <p:spPr/>
-        <p:txBody>
-          <a:bodyPr/>
-          <a:lstStyle/>
-          <a:p>
-            <a:r>
-              <a:rPr lang="en-US" dirty="0" err="1"/>
-              <a:t>Subsetting</a:t>
-            </a:r>
-            <a:endParaRPr lang="en-US" dirty="0"/>
-          </a:p>
-        </p:txBody>
-      </p:sp>
-      <p:sp>
-        <p:nvSpPr>
-          <p:cNvPr id="3" name="Content Placeholder 2"/>
-          <p:cNvSpPr>
-            <a:spLocks noGrp="1"/>
-          </p:cNvSpPr>
-          <p:nvPr>
-            <p:ph idx="1"/>
-          </p:nvPr>
-        </p:nvSpPr>
-        <p:spPr/>
-        <p:txBody>
-          <a:bodyPr/>
-          <a:lstStyle/>
-          <a:p>
-            <a:pPr>
-              <a:buFont typeface="Arial" panose="020B0604020202020204" pitchFamily="34" charset="0"/>
-              <a:buChar char="•"/>
-            </a:pPr>
-            <a:r>
-              <a:rPr lang="en-US" dirty="0"/>
-              <a:t>Data frames may be queried (subset) by a variety of programmatic and static functions, including indexers and other complex operations</a:t>
-            </a:r>
-          </a:p>
-          <a:p>
-            <a:pPr>
-              <a:buFont typeface="Arial" panose="020B0604020202020204" pitchFamily="34" charset="0"/>
-              <a:buChar char="•"/>
-            </a:pPr>
-            <a:endParaRPr lang="en-US" dirty="0"/>
-          </a:p>
-          <a:p>
-            <a:pPr>
-              <a:buFont typeface="Arial" panose="020B0604020202020204" pitchFamily="34" charset="0"/>
-              <a:buChar char="•"/>
-            </a:pPr>
-            <a:endParaRPr lang="en-US" dirty="0"/>
-          </a:p>
-        </p:txBody>
-      </p:sp>
-      <p:pic>
-        <p:nvPicPr>
-          <p:cNvPr id="5" name="Picture 4"/>
-          <p:cNvPicPr>
-            <a:picLocks noChangeAspect="1"/>
-          </p:cNvPicPr>
-          <p:nvPr/>
-        </p:nvPicPr>
-        <p:blipFill>
-          <a:blip r:embed="rId3"/>
-          <a:stretch>
-            <a:fillRect/>
-          </a:stretch>
-        </p:blipFill>
-        <p:spPr>
-          <a:xfrm>
-            <a:off x="2463800" y="4267200"/>
-            <a:ext cx="7531662" cy="3886200"/>
-          </a:xfrm>
-          <a:prstGeom prst="rect">
-            <a:avLst/>
-          </a:prstGeom>
-        </p:spPr>
-      </p:pic>
-    </p:spTree>
-    <p:extLst>
-      <p:ext uri="{BB962C8B-B14F-4D97-AF65-F5344CB8AC3E}">
-        <p14:creationId xmlns:p14="http://schemas.microsoft.com/office/powerpoint/2010/main" val="4136140540"/>
-      </p:ext>
-    </p:extLst>
-  </p:cSld>
-  <p:clrMapOvr>
-    <a:masterClrMapping/>
-  </p:clrMapOvr>
-  <p:transition/>
-</p:sld>
-</file>
-
-<file path=ppt/slides/slide2.xml><?xml version="1.0" encoding="utf-8"?>
-<p:sld xmlns:a="http://schemas.openxmlformats.org/drawingml/2006/main" xmlns:r="http://schemas.openxmlformats.org/officeDocument/2006/relationships" xmlns:p="http://schemas.openxmlformats.org/presentationml/2006/main">
-  <p:cSld>
-    <p:spTree>
-      <p:nvGrpSpPr>
-        <p:cNvPr id="1" name=""/>
-        <p:cNvGrpSpPr/>
-        <p:nvPr/>
-      </p:nvGrpSpPr>
-      <p:grpSpPr>
-        <a:xfrm>
-          <a:off x="0" y="0"/>
-          <a:ext cx="0" cy="0"/>
-          <a:chOff x="0" y="0"/>
-          <a:chExt cx="0" cy="0"/>
-        </a:xfrm>
-      </p:grpSpPr>
-      <p:sp>
-        <p:nvSpPr>
-          <p:cNvPr id="2" name="Title 1"/>
-          <p:cNvSpPr>
-            <a:spLocks noGrp="1"/>
-          </p:cNvSpPr>
-          <p:nvPr>
-            <p:ph type="title"/>
-          </p:nvPr>
-        </p:nvSpPr>
-        <p:spPr/>
-        <p:txBody>
-          <a:bodyPr/>
-          <a:lstStyle/>
-          <a:p>
-            <a:r>
-              <a:rPr lang="en-US" dirty="0"/>
-              <a:t>Agenda</a:t>
-            </a:r>
-          </a:p>
-        </p:txBody>
-      </p:sp>
-      <p:sp>
-        <p:nvSpPr>
-          <p:cNvPr id="3" name="Content Placeholder 2"/>
-          <p:cNvSpPr>
-            <a:spLocks noGrp="1"/>
-          </p:cNvSpPr>
-          <p:nvPr>
-            <p:ph idx="1"/>
-          </p:nvPr>
-        </p:nvSpPr>
-        <p:spPr/>
-        <p:txBody>
-          <a:bodyPr/>
-          <a:lstStyle/>
-          <a:p>
-            <a:pPr>
-              <a:buFont typeface="Arial" panose="020B0604020202020204" pitchFamily="34" charset="0"/>
-              <a:buChar char="•"/>
-            </a:pPr>
-            <a:r>
-              <a:rPr lang="en-US" dirty="0"/>
-              <a:t>Introduction to Data Science</a:t>
-            </a:r>
-          </a:p>
-          <a:p>
-            <a:pPr>
-              <a:buFont typeface="Arial" panose="020B0604020202020204" pitchFamily="34" charset="0"/>
-              <a:buChar char="•"/>
-            </a:pPr>
-            <a:r>
-              <a:rPr lang="en-US" dirty="0"/>
-              <a:t>What is R?</a:t>
-            </a:r>
-          </a:p>
-          <a:p>
-            <a:pPr>
-              <a:buFont typeface="Arial" panose="020B0604020202020204" pitchFamily="34" charset="0"/>
-              <a:buChar char="•"/>
-            </a:pPr>
-            <a:r>
-              <a:rPr lang="en-US" dirty="0"/>
-              <a:t>Statistical Analysis with R</a:t>
-            </a:r>
-          </a:p>
-          <a:p>
-            <a:pPr>
-              <a:buFont typeface="Arial" panose="020B0604020202020204" pitchFamily="34" charset="0"/>
-              <a:buChar char="•"/>
-            </a:pPr>
-            <a:r>
-              <a:rPr lang="en-US" dirty="0"/>
-              <a:t>Visual Analysis with R</a:t>
-            </a:r>
-          </a:p>
-          <a:p>
-            <a:pPr>
-              <a:buFont typeface="Arial" panose="020B0604020202020204" pitchFamily="34" charset="0"/>
-              <a:buChar char="•"/>
-            </a:pPr>
-            <a:r>
-              <a:rPr lang="en-US" dirty="0"/>
-              <a:t>Demos</a:t>
-            </a:r>
-          </a:p>
-          <a:p>
-            <a:pPr>
-              <a:buFont typeface="Arial" panose="020B0604020202020204" pitchFamily="34" charset="0"/>
-              <a:buChar char="•"/>
-            </a:pPr>
-            <a:endParaRPr lang="en-US" dirty="0"/>
-          </a:p>
-        </p:txBody>
-      </p:sp>
-    </p:spTree>
-    <p:extLst>
-      <p:ext uri="{BB962C8B-B14F-4D97-AF65-F5344CB8AC3E}">
-        <p14:creationId xmlns:p14="http://schemas.microsoft.com/office/powerpoint/2010/main" val="2123093867"/>
-      </p:ext>
-    </p:extLst>
-  </p:cSld>
-  <p:clrMapOvr>
-    <a:masterClrMapping/>
-  </p:clrMapOvr>
-  <p:transition/>
-</p:sld>
-</file>
-
-<file path=ppt/slides/slide20.xml><?xml version="1.0" encoding="utf-8"?>
-<p:sld xmlns:a="http://schemas.openxmlformats.org/drawingml/2006/main" xmlns:r="http://schemas.openxmlformats.org/officeDocument/2006/relationships" xmlns:p="http://schemas.openxmlformats.org/presentationml/2006/main" showMasterSp="0">
-  <p:cSld>
-    <p:spTree>
-      <p:nvGrpSpPr>
-        <p:cNvPr id="1" name=""/>
-        <p:cNvGrpSpPr/>
-        <p:nvPr/>
-      </p:nvGrpSpPr>
-      <p:grpSpPr>
-        <a:xfrm>
-          <a:off x="0" y="0"/>
-          <a:ext cx="0" cy="0"/>
-          <a:chOff x="0" y="0"/>
-          <a:chExt cx="0" cy="0"/>
-        </a:xfrm>
-      </p:grpSpPr>
-      <p:sp>
-        <p:nvSpPr>
-          <p:cNvPr id="2" name="Title 1"/>
-          <p:cNvSpPr>
-            <a:spLocks noGrp="1"/>
-          </p:cNvSpPr>
-          <p:nvPr>
-            <p:ph type="title"/>
-          </p:nvPr>
-        </p:nvSpPr>
-        <p:spPr/>
-        <p:txBody>
-          <a:bodyPr/>
-          <a:lstStyle/>
-          <a:p>
-            <a:r>
-              <a:rPr lang="en-US" dirty="0"/>
-              <a:t>Package Management</a:t>
-            </a:r>
-          </a:p>
-        </p:txBody>
-      </p:sp>
-      <p:sp>
-        <p:nvSpPr>
-          <p:cNvPr id="3" name="Content Placeholder 2"/>
-          <p:cNvSpPr>
-            <a:spLocks noGrp="1"/>
-          </p:cNvSpPr>
-          <p:nvPr>
-            <p:ph idx="1"/>
-          </p:nvPr>
-        </p:nvSpPr>
-        <p:spPr/>
-        <p:txBody>
-          <a:bodyPr/>
-          <a:lstStyle/>
-          <a:p>
-            <a:pPr>
-              <a:buFont typeface="Arial" panose="020B0604020202020204" pitchFamily="34" charset="0"/>
-              <a:buChar char="•"/>
-            </a:pPr>
-            <a:r>
-              <a:rPr lang="en-US" dirty="0"/>
-              <a:t>9,000 Packages</a:t>
-            </a:r>
-          </a:p>
-          <a:p>
-            <a:pPr>
-              <a:buFont typeface="Arial" panose="020B0604020202020204" pitchFamily="34" charset="0"/>
-              <a:buChar char="•"/>
-            </a:pPr>
-            <a:r>
-              <a:rPr lang="en-US" dirty="0"/>
-              <a:t>Available from command line</a:t>
-            </a:r>
-          </a:p>
-          <a:p>
-            <a:pPr>
-              <a:buFont typeface="Arial" panose="020B0604020202020204" pitchFamily="34" charset="0"/>
-              <a:buChar char="•"/>
-            </a:pPr>
-            <a:r>
-              <a:rPr lang="en-US" dirty="0"/>
-              <a:t>Essential for </a:t>
-            </a:r>
-            <a:r>
-              <a:rPr lang="en-US" dirty="0" err="1"/>
-              <a:t>interops</a:t>
-            </a:r>
-            <a:endParaRPr lang="en-US" dirty="0"/>
-          </a:p>
-        </p:txBody>
-      </p:sp>
-    </p:spTree>
-    <p:extLst>
-      <p:ext uri="{BB962C8B-B14F-4D97-AF65-F5344CB8AC3E}">
-        <p14:creationId xmlns:p14="http://schemas.microsoft.com/office/powerpoint/2010/main" val="1321243397"/>
-      </p:ext>
-    </p:extLst>
-  </p:cSld>
-  <p:clrMapOvr>
-    <a:masterClrMapping/>
-  </p:clrMapOvr>
-  <p:transition/>
-</p:sld>
-</file>
-
-<file path=ppt/slides/slide21.xml><?xml version="1.0" encoding="utf-8"?>
-<p:sld xmlns:a="http://schemas.openxmlformats.org/drawingml/2006/main" xmlns:r="http://schemas.openxmlformats.org/officeDocument/2006/relationships" xmlns:p="http://schemas.openxmlformats.org/presentationml/2006/main">
-  <p:cSld>
-    <p:spTree>
-      <p:nvGrpSpPr>
-        <p:cNvPr id="1" name=""/>
-        <p:cNvGrpSpPr/>
-        <p:nvPr/>
-      </p:nvGrpSpPr>
-      <p:grpSpPr>
-        <a:xfrm>
-          <a:off x="0" y="0"/>
-          <a:ext cx="0" cy="0"/>
-          <a:chOff x="0" y="0"/>
-          <a:chExt cx="0" cy="0"/>
-        </a:xfrm>
-      </p:grpSpPr>
-      <p:sp>
-        <p:nvSpPr>
-          <p:cNvPr id="2" name="Title 1"/>
-          <p:cNvSpPr>
-            <a:spLocks noGrp="1"/>
-          </p:cNvSpPr>
-          <p:nvPr>
-            <p:ph type="title"/>
-          </p:nvPr>
-        </p:nvSpPr>
-        <p:spPr/>
-        <p:txBody>
-          <a:bodyPr/>
-          <a:lstStyle/>
-          <a:p>
-            <a:r>
-              <a:rPr lang="en-US" dirty="0"/>
-              <a:t>Data </a:t>
-            </a:r>
-            <a:r>
-              <a:rPr lang="en-US" dirty="0" err="1"/>
-              <a:t>opeRations</a:t>
-            </a:r>
-            <a:endParaRPr lang="en-US" dirty="0"/>
-          </a:p>
-        </p:txBody>
-      </p:sp>
-      <p:sp>
-        <p:nvSpPr>
-          <p:cNvPr id="3" name="Content Placeholder 2"/>
-          <p:cNvSpPr>
-            <a:spLocks noGrp="1"/>
-          </p:cNvSpPr>
-          <p:nvPr>
-            <p:ph idx="1"/>
-          </p:nvPr>
-        </p:nvSpPr>
-        <p:spPr/>
-        <p:txBody>
-          <a:bodyPr/>
-          <a:lstStyle/>
-          <a:p>
-            <a:pPr>
-              <a:buFont typeface="Arial" panose="020B0604020202020204" pitchFamily="34" charset="0"/>
-              <a:buChar char="•"/>
-            </a:pPr>
-            <a:r>
-              <a:rPr lang="en-US" dirty="0"/>
-              <a:t>Ingest</a:t>
-            </a:r>
-          </a:p>
-          <a:p>
-            <a:pPr>
-              <a:buFont typeface="Arial" panose="020B0604020202020204" pitchFamily="34" charset="0"/>
-              <a:buChar char="•"/>
-            </a:pPr>
-            <a:r>
-              <a:rPr lang="en-US" dirty="0"/>
-              <a:t>Clean</a:t>
-            </a:r>
-          </a:p>
-          <a:p>
-            <a:pPr>
-              <a:buFont typeface="Arial" panose="020B0604020202020204" pitchFamily="34" charset="0"/>
-              <a:buChar char="•"/>
-            </a:pPr>
-            <a:r>
-              <a:rPr lang="en-US" dirty="0"/>
-              <a:t>Transform</a:t>
-            </a:r>
-          </a:p>
-          <a:p>
-            <a:pPr>
-              <a:buFont typeface="Arial" panose="020B0604020202020204" pitchFamily="34" charset="0"/>
-              <a:buChar char="•"/>
-            </a:pPr>
-            <a:r>
-              <a:rPr lang="en-US" dirty="0"/>
-              <a:t>Export</a:t>
-            </a:r>
-          </a:p>
-          <a:p>
-            <a:pPr>
-              <a:buFont typeface="Arial" panose="020B0604020202020204" pitchFamily="34" charset="0"/>
-              <a:buChar char="•"/>
-            </a:pPr>
-            <a:endParaRPr lang="en-US" dirty="0"/>
-          </a:p>
-        </p:txBody>
-      </p:sp>
-    </p:spTree>
-    <p:extLst>
-      <p:ext uri="{BB962C8B-B14F-4D97-AF65-F5344CB8AC3E}">
-        <p14:creationId xmlns:p14="http://schemas.microsoft.com/office/powerpoint/2010/main" val="1464481784"/>
-      </p:ext>
-    </p:extLst>
-  </p:cSld>
-  <p:clrMapOvr>
-    <a:masterClrMapping/>
-  </p:clrMapOvr>
-  <p:transition/>
-</p:sld>
-</file>
-
-<file path=ppt/slides/slide22.xml><?xml version="1.0" encoding="utf-8"?>
-<p:sld xmlns:a="http://schemas.openxmlformats.org/drawingml/2006/main" xmlns:r="http://schemas.openxmlformats.org/officeDocument/2006/relationships" xmlns:p="http://schemas.openxmlformats.org/presentationml/2006/main">
-  <p:cSld>
-    <p:spTree>
-      <p:nvGrpSpPr>
-        <p:cNvPr id="1" name=""/>
-        <p:cNvGrpSpPr/>
-        <p:nvPr/>
-      </p:nvGrpSpPr>
-      <p:grpSpPr>
-        <a:xfrm>
-          <a:off x="0" y="0"/>
-          <a:ext cx="0" cy="0"/>
-          <a:chOff x="0" y="0"/>
-          <a:chExt cx="0" cy="0"/>
-        </a:xfrm>
-      </p:grpSpPr>
-      <p:sp>
-        <p:nvSpPr>
-          <p:cNvPr id="2" name="Title 1"/>
-          <p:cNvSpPr>
-            <a:spLocks noGrp="1"/>
-          </p:cNvSpPr>
-          <p:nvPr>
-            <p:ph type="title"/>
-          </p:nvPr>
-        </p:nvSpPr>
-        <p:spPr/>
-        <p:txBody>
-          <a:bodyPr/>
-          <a:lstStyle/>
-          <a:p>
-            <a:r>
-              <a:rPr lang="en-US" dirty="0"/>
-              <a:t>Importing data</a:t>
-            </a:r>
-          </a:p>
-        </p:txBody>
-      </p:sp>
-      <p:sp>
-        <p:nvSpPr>
-          <p:cNvPr id="3" name="Content Placeholder 2"/>
-          <p:cNvSpPr>
-            <a:spLocks noGrp="1"/>
-          </p:cNvSpPr>
-          <p:nvPr>
-            <p:ph idx="1"/>
-          </p:nvPr>
-        </p:nvSpPr>
-        <p:spPr/>
-        <p:txBody>
-          <a:bodyPr/>
-          <a:lstStyle/>
-          <a:p>
-            <a:pPr>
-              <a:buFont typeface="Arial" panose="020B0604020202020204" pitchFamily="34" charset="0"/>
-              <a:buChar char="•"/>
-            </a:pPr>
-            <a:r>
-              <a:rPr lang="en-US" dirty="0"/>
-              <a:t>Files</a:t>
-            </a:r>
-          </a:p>
-          <a:p>
-            <a:pPr>
-              <a:buFont typeface="Arial" panose="020B0604020202020204" pitchFamily="34" charset="0"/>
-              <a:buChar char="•"/>
-            </a:pPr>
-            <a:r>
-              <a:rPr lang="en-US" dirty="0"/>
-              <a:t>Databases</a:t>
-            </a:r>
-          </a:p>
-          <a:p>
-            <a:pPr>
-              <a:buFont typeface="Arial" panose="020B0604020202020204" pitchFamily="34" charset="0"/>
-              <a:buChar char="•"/>
-            </a:pPr>
-            <a:r>
-              <a:rPr lang="en-US" dirty="0"/>
-              <a:t>Web</a:t>
-            </a:r>
-          </a:p>
-          <a:p>
-            <a:pPr>
-              <a:buFont typeface="Arial" panose="020B0604020202020204" pitchFamily="34" charset="0"/>
-              <a:buChar char="•"/>
-            </a:pPr>
-            <a:r>
-              <a:rPr lang="en-US" dirty="0"/>
-              <a:t>Statistical?</a:t>
-            </a:r>
-          </a:p>
-          <a:p>
-            <a:pPr>
-              <a:buFont typeface="Arial" panose="020B0604020202020204" pitchFamily="34" charset="0"/>
-              <a:buChar char="•"/>
-            </a:pPr>
-            <a:endParaRPr lang="en-US" dirty="0"/>
-          </a:p>
-        </p:txBody>
-      </p:sp>
-    </p:spTree>
-    <p:extLst>
-      <p:ext uri="{BB962C8B-B14F-4D97-AF65-F5344CB8AC3E}">
-        <p14:creationId xmlns:p14="http://schemas.microsoft.com/office/powerpoint/2010/main" val="4017964009"/>
-      </p:ext>
-    </p:extLst>
-  </p:cSld>
-  <p:clrMapOvr>
-    <a:masterClrMapping/>
-  </p:clrMapOvr>
-  <p:transition/>
-</p:sld>
-</file>
-
-<file path=ppt/slides/slide23.xml><?xml version="1.0" encoding="utf-8"?>
-<p:sld xmlns:a="http://schemas.openxmlformats.org/drawingml/2006/main" xmlns:r="http://schemas.openxmlformats.org/officeDocument/2006/relationships" xmlns:p="http://schemas.openxmlformats.org/presentationml/2006/main">
-  <p:cSld>
-    <p:spTree>
-      <p:nvGrpSpPr>
-        <p:cNvPr id="1" name=""/>
-        <p:cNvGrpSpPr/>
-        <p:nvPr/>
-      </p:nvGrpSpPr>
-      <p:grpSpPr>
-        <a:xfrm>
-          <a:off x="0" y="0"/>
-          <a:ext cx="0" cy="0"/>
-          <a:chOff x="0" y="0"/>
-          <a:chExt cx="0" cy="0"/>
-        </a:xfrm>
-      </p:grpSpPr>
-      <p:sp>
-        <p:nvSpPr>
-          <p:cNvPr id="2" name="Title 1"/>
-          <p:cNvSpPr>
-            <a:spLocks noGrp="1"/>
-          </p:cNvSpPr>
-          <p:nvPr>
-            <p:ph type="title"/>
-          </p:nvPr>
-        </p:nvSpPr>
-        <p:spPr/>
-        <p:txBody>
-          <a:bodyPr/>
-          <a:lstStyle/>
-          <a:p>
-            <a:r>
-              <a:rPr lang="en-US" dirty="0"/>
-              <a:t>Cleaning data with R</a:t>
-            </a:r>
-          </a:p>
-        </p:txBody>
-      </p:sp>
-      <p:sp>
-        <p:nvSpPr>
-          <p:cNvPr id="3" name="Content Placeholder 2"/>
-          <p:cNvSpPr>
-            <a:spLocks noGrp="1"/>
-          </p:cNvSpPr>
-          <p:nvPr>
-            <p:ph idx="1"/>
-          </p:nvPr>
-        </p:nvSpPr>
-        <p:spPr/>
-        <p:txBody>
-          <a:bodyPr/>
-          <a:lstStyle/>
-          <a:p>
-            <a:pPr>
-              <a:buFont typeface="Arial" panose="020B0604020202020204" pitchFamily="34" charset="0"/>
-              <a:buChar char="•"/>
-            </a:pPr>
-            <a:r>
-              <a:rPr lang="en-US" dirty="0"/>
-              <a:t>Missing value management</a:t>
-            </a:r>
-          </a:p>
-          <a:p>
-            <a:pPr>
-              <a:buFont typeface="Arial" panose="020B0604020202020204" pitchFamily="34" charset="0"/>
-              <a:buChar char="•"/>
-            </a:pPr>
-            <a:r>
-              <a:rPr lang="en-US" dirty="0"/>
-              <a:t>Data type consistency</a:t>
-            </a:r>
-          </a:p>
-          <a:p>
-            <a:pPr>
-              <a:buFont typeface="Arial" panose="020B0604020202020204" pitchFamily="34" charset="0"/>
-              <a:buChar char="•"/>
-            </a:pPr>
-            <a:r>
-              <a:rPr lang="en-US" dirty="0"/>
-              <a:t>Internal consistency</a:t>
-            </a:r>
-          </a:p>
-          <a:p>
-            <a:pPr>
-              <a:buFont typeface="Arial" panose="020B0604020202020204" pitchFamily="34" charset="0"/>
-              <a:buChar char="•"/>
-            </a:pPr>
-            <a:r>
-              <a:rPr lang="en-US" dirty="0"/>
-              <a:t>Column names</a:t>
-            </a:r>
-          </a:p>
-          <a:p>
-            <a:pPr>
-              <a:buFont typeface="Arial" panose="020B0604020202020204" pitchFamily="34" charset="0"/>
-              <a:buChar char="•"/>
-            </a:pPr>
-            <a:r>
-              <a:rPr lang="en-US" dirty="0"/>
-              <a:t>Etc.</a:t>
-            </a:r>
-          </a:p>
-          <a:p>
-            <a:pPr>
-              <a:buFont typeface="Arial" panose="020B0604020202020204" pitchFamily="34" charset="0"/>
-              <a:buChar char="•"/>
-            </a:pPr>
-            <a:endParaRPr lang="en-US" dirty="0"/>
-          </a:p>
-        </p:txBody>
-      </p:sp>
-    </p:spTree>
-    <p:extLst>
-      <p:ext uri="{BB962C8B-B14F-4D97-AF65-F5344CB8AC3E}">
-        <p14:creationId xmlns:p14="http://schemas.microsoft.com/office/powerpoint/2010/main" val="2142807324"/>
-      </p:ext>
-    </p:extLst>
-  </p:cSld>
-  <p:clrMapOvr>
-    <a:masterClrMapping/>
-  </p:clrMapOvr>
-  <p:transition/>
-</p:sld>
-</file>
-
-<file path=ppt/slides/slide24.xml><?xml version="1.0" encoding="utf-8"?>
-<p:sld xmlns:a="http://schemas.openxmlformats.org/drawingml/2006/main" xmlns:r="http://schemas.openxmlformats.org/officeDocument/2006/relationships" xmlns:p="http://schemas.openxmlformats.org/presentationml/2006/main">
-  <p:cSld>
-    <p:spTree>
-      <p:nvGrpSpPr>
-        <p:cNvPr id="1" name=""/>
-        <p:cNvGrpSpPr/>
-        <p:nvPr/>
-      </p:nvGrpSpPr>
-      <p:grpSpPr>
-        <a:xfrm>
-          <a:off x="0" y="0"/>
-          <a:ext cx="0" cy="0"/>
-          <a:chOff x="0" y="0"/>
-          <a:chExt cx="0" cy="0"/>
-        </a:xfrm>
-      </p:grpSpPr>
-      <p:sp>
-        <p:nvSpPr>
-          <p:cNvPr id="2" name="Title 1"/>
-          <p:cNvSpPr>
-            <a:spLocks noGrp="1"/>
-          </p:cNvSpPr>
-          <p:nvPr>
-            <p:ph type="title"/>
-          </p:nvPr>
-        </p:nvSpPr>
-        <p:spPr/>
-        <p:txBody>
-          <a:bodyPr/>
-          <a:lstStyle/>
-          <a:p>
-            <a:r>
-              <a:rPr lang="en-US" dirty="0"/>
-              <a:t>Exporting data</a:t>
-            </a:r>
-          </a:p>
-        </p:txBody>
-      </p:sp>
-      <p:sp>
-        <p:nvSpPr>
-          <p:cNvPr id="3" name="Content Placeholder 2"/>
-          <p:cNvSpPr>
-            <a:spLocks noGrp="1"/>
-          </p:cNvSpPr>
-          <p:nvPr>
-            <p:ph idx="1"/>
-          </p:nvPr>
-        </p:nvSpPr>
-        <p:spPr/>
-        <p:txBody>
-          <a:bodyPr/>
-          <a:lstStyle/>
-          <a:p>
-            <a:pPr>
-              <a:buFont typeface="Arial" panose="020B0604020202020204" pitchFamily="34" charset="0"/>
-              <a:buChar char="•"/>
-            </a:pPr>
-            <a:r>
-              <a:rPr lang="en-US" dirty="0"/>
-              <a:t>Native file export</a:t>
-            </a:r>
-          </a:p>
-          <a:p>
-            <a:pPr>
-              <a:buFont typeface="Arial" panose="020B0604020202020204" pitchFamily="34" charset="0"/>
-              <a:buChar char="•"/>
-            </a:pPr>
-            <a:r>
-              <a:rPr lang="en-US" dirty="0"/>
-              <a:t>Database</a:t>
-            </a:r>
-          </a:p>
-          <a:p>
-            <a:pPr>
-              <a:buFont typeface="Arial" panose="020B0604020202020204" pitchFamily="34" charset="0"/>
-              <a:buChar char="•"/>
-            </a:pPr>
-            <a:r>
-              <a:rPr lang="en-US" dirty="0"/>
-              <a:t>Shiny</a:t>
-            </a:r>
-          </a:p>
-          <a:p>
-            <a:pPr>
-              <a:buFont typeface="Arial" panose="020B0604020202020204" pitchFamily="34" charset="0"/>
-              <a:buChar char="•"/>
-            </a:pPr>
-            <a:endParaRPr lang="en-US" dirty="0"/>
-          </a:p>
-        </p:txBody>
-      </p:sp>
-    </p:spTree>
-    <p:extLst>
-      <p:ext uri="{BB962C8B-B14F-4D97-AF65-F5344CB8AC3E}">
-        <p14:creationId xmlns:p14="http://schemas.microsoft.com/office/powerpoint/2010/main" val="2059784978"/>
-      </p:ext>
-    </p:extLst>
-  </p:cSld>
-  <p:clrMapOvr>
-    <a:masterClrMapping/>
-  </p:clrMapOvr>
-  <p:transition/>
-</p:sld>
-</file>
-
-<file path=ppt/slides/slide25.xml><?xml version="1.0" encoding="utf-8"?>
-<p:sld xmlns:a="http://schemas.openxmlformats.org/drawingml/2006/main" xmlns:r="http://schemas.openxmlformats.org/officeDocument/2006/relationships" xmlns:p="http://schemas.openxmlformats.org/presentationml/2006/main">
-  <p:cSld>
-    <p:spTree>
-      <p:nvGrpSpPr>
-        <p:cNvPr id="1" name=""/>
-        <p:cNvGrpSpPr/>
-        <p:nvPr/>
-      </p:nvGrpSpPr>
-      <p:grpSpPr>
-        <a:xfrm>
-          <a:off x="0" y="0"/>
-          <a:ext cx="0" cy="0"/>
-          <a:chOff x="0" y="0"/>
-          <a:chExt cx="0" cy="0"/>
-        </a:xfrm>
-      </p:grpSpPr>
-      <p:sp>
-        <p:nvSpPr>
-          <p:cNvPr id="2" name="Title 1"/>
-          <p:cNvSpPr>
-            <a:spLocks noGrp="1"/>
-          </p:cNvSpPr>
-          <p:nvPr>
-            <p:ph type="title"/>
-          </p:nvPr>
-        </p:nvSpPr>
-        <p:spPr/>
-        <p:txBody>
-          <a:bodyPr/>
-          <a:lstStyle/>
-          <a:p>
-            <a:r>
-              <a:rPr lang="en-US" dirty="0"/>
-              <a:t>Descriptive statistics</a:t>
-            </a:r>
-          </a:p>
-        </p:txBody>
-      </p:sp>
-      <p:sp>
-        <p:nvSpPr>
-          <p:cNvPr id="3" name="Content Placeholder 2"/>
-          <p:cNvSpPr>
-            <a:spLocks noGrp="1"/>
-          </p:cNvSpPr>
-          <p:nvPr>
-            <p:ph idx="1"/>
-          </p:nvPr>
-        </p:nvSpPr>
-        <p:spPr/>
-        <p:txBody>
-          <a:bodyPr/>
-          <a:lstStyle/>
-          <a:p>
-            <a:endParaRPr lang="en-US"/>
-          </a:p>
-        </p:txBody>
-      </p:sp>
-      <p:pic>
-        <p:nvPicPr>
-          <p:cNvPr id="4098" name="Picture 2" descr="Image result for statistics"/>
-          <p:cNvPicPr>
-            <a:picLocks noChangeAspect="1" noChangeArrowheads="1"/>
-          </p:cNvPicPr>
-          <p:nvPr/>
-        </p:nvPicPr>
-        <p:blipFill>
-          <a:blip r:embed="rId2">
-            <a:extLst>
-              <a:ext uri="{28A0092B-C50C-407E-A947-70E740481C1C}">
-                <a14:useLocalDpi xmlns:a14="http://schemas.microsoft.com/office/drawing/2010/main" val="0"/>
-              </a:ext>
-            </a:extLst>
-          </a:blip>
-          <a:srcRect/>
-          <a:stretch>
-            <a:fillRect/>
-          </a:stretch>
-        </p:blipFill>
-        <p:spPr bwMode="auto">
-          <a:xfrm>
-            <a:off x="698500" y="2209800"/>
-            <a:ext cx="11430000" cy="5362575"/>
-          </a:xfrm>
-          <a:prstGeom prst="rect">
-            <a:avLst/>
-          </a:prstGeom>
-          <a:noFill/>
-          <a:extLst>
-            <a:ext uri="{909E8E84-426E-40DD-AFC4-6F175D3DCCD1}">
-              <a14:hiddenFill xmlns:a14="http://schemas.microsoft.com/office/drawing/2010/main">
-                <a:solidFill>
-                  <a:srgbClr val="FFFFFF"/>
-                </a:solidFill>
-              </a14:hiddenFill>
-            </a:ext>
-          </a:extLst>
-        </p:spPr>
-      </p:pic>
-    </p:spTree>
-    <p:extLst>
-      <p:ext uri="{BB962C8B-B14F-4D97-AF65-F5344CB8AC3E}">
-        <p14:creationId xmlns:p14="http://schemas.microsoft.com/office/powerpoint/2010/main" val="1324968899"/>
-      </p:ext>
-    </p:extLst>
-  </p:cSld>
-  <p:clrMapOvr>
-    <a:masterClrMapping/>
-  </p:clrMapOvr>
-  <p:transition/>
-</p:sld>
-</file>
-
-<file path=ppt/slides/slide26.xml><?xml version="1.0" encoding="utf-8"?>
-<p:sld xmlns:a="http://schemas.openxmlformats.org/drawingml/2006/main" xmlns:r="http://schemas.openxmlformats.org/officeDocument/2006/relationships" xmlns:p="http://schemas.openxmlformats.org/presentationml/2006/main">
-  <p:cSld>
-    <p:spTree>
-      <p:nvGrpSpPr>
-        <p:cNvPr id="1" name=""/>
-        <p:cNvGrpSpPr/>
-        <p:nvPr/>
-      </p:nvGrpSpPr>
-      <p:grpSpPr>
-        <a:xfrm>
-          <a:off x="0" y="0"/>
-          <a:ext cx="0" cy="0"/>
-          <a:chOff x="0" y="0"/>
-          <a:chExt cx="0" cy="0"/>
-        </a:xfrm>
-      </p:grpSpPr>
-      <p:sp>
-        <p:nvSpPr>
-          <p:cNvPr id="2" name="Title 1"/>
-          <p:cNvSpPr>
-            <a:spLocks noGrp="1"/>
-          </p:cNvSpPr>
-          <p:nvPr>
-            <p:ph type="title"/>
-          </p:nvPr>
-        </p:nvSpPr>
-        <p:spPr/>
-        <p:txBody>
-          <a:bodyPr/>
-          <a:lstStyle/>
-          <a:p>
-            <a:r>
-              <a:rPr lang="en-US" dirty="0"/>
-              <a:t>Statistics 101</a:t>
-            </a:r>
-          </a:p>
-        </p:txBody>
-      </p:sp>
-      <p:sp>
-        <p:nvSpPr>
-          <p:cNvPr id="3" name="Content Placeholder 2"/>
-          <p:cNvSpPr>
-            <a:spLocks noGrp="1"/>
-          </p:cNvSpPr>
-          <p:nvPr>
-            <p:ph idx="1"/>
-          </p:nvPr>
-        </p:nvSpPr>
-        <p:spPr/>
-        <p:txBody>
-          <a:bodyPr/>
-          <a:lstStyle/>
-          <a:p>
-            <a:pPr>
-              <a:buFont typeface="Arial" panose="020B0604020202020204" pitchFamily="34" charset="0"/>
-              <a:buChar char="•"/>
-            </a:pPr>
-            <a:r>
-              <a:rPr lang="en-US" dirty="0"/>
-              <a:t>Observations</a:t>
-            </a:r>
-          </a:p>
-          <a:p>
-            <a:pPr>
-              <a:buFont typeface="Arial" panose="020B0604020202020204" pitchFamily="34" charset="0"/>
-              <a:buChar char="•"/>
-            </a:pPr>
-            <a:r>
-              <a:rPr lang="en-US" dirty="0"/>
-              <a:t>Variables</a:t>
-            </a:r>
-          </a:p>
-          <a:p>
-            <a:pPr>
-              <a:buFont typeface="Arial" panose="020B0604020202020204" pitchFamily="34" charset="0"/>
-              <a:buChar char="•"/>
-            </a:pPr>
-            <a:r>
-              <a:rPr lang="en-US" dirty="0"/>
-              <a:t>Categorical variable</a:t>
-            </a:r>
-          </a:p>
-          <a:p>
-            <a:pPr>
-              <a:buFont typeface="Arial" panose="020B0604020202020204" pitchFamily="34" charset="0"/>
-              <a:buChar char="•"/>
-            </a:pPr>
-            <a:r>
-              <a:rPr lang="en-US" dirty="0"/>
-              <a:t>Numeric Variable</a:t>
-            </a:r>
-          </a:p>
-        </p:txBody>
-      </p:sp>
-      <p:pic>
-        <p:nvPicPr>
-          <p:cNvPr id="8" name="Picture 7"/>
-          <p:cNvPicPr>
-            <a:picLocks noChangeAspect="1"/>
-          </p:cNvPicPr>
-          <p:nvPr/>
-        </p:nvPicPr>
-        <p:blipFill>
-          <a:blip r:embed="rId2"/>
-          <a:stretch>
-            <a:fillRect/>
-          </a:stretch>
-        </p:blipFill>
-        <p:spPr>
-          <a:xfrm>
-            <a:off x="4749800" y="4295247"/>
-            <a:ext cx="8081165" cy="4536322"/>
-          </a:xfrm>
-          <a:prstGeom prst="rect">
-            <a:avLst/>
-          </a:prstGeom>
-        </p:spPr>
-      </p:pic>
-    </p:spTree>
-    <p:extLst>
-      <p:ext uri="{BB962C8B-B14F-4D97-AF65-F5344CB8AC3E}">
-        <p14:creationId xmlns:p14="http://schemas.microsoft.com/office/powerpoint/2010/main" val="1874655273"/>
-      </p:ext>
-    </p:extLst>
-  </p:cSld>
-  <p:clrMapOvr>
-    <a:masterClrMapping/>
-  </p:clrMapOvr>
-  <p:transition/>
-</p:sld>
-</file>
-
-<file path=ppt/slides/slide27.xml><?xml version="1.0" encoding="utf-8"?>
-<p:sld xmlns:a="http://schemas.openxmlformats.org/drawingml/2006/main" xmlns:r="http://schemas.openxmlformats.org/officeDocument/2006/relationships" xmlns:p="http://schemas.openxmlformats.org/presentationml/2006/main">
-  <p:cSld>
-    <p:spTree>
-      <p:nvGrpSpPr>
-        <p:cNvPr id="1" name=""/>
-        <p:cNvGrpSpPr/>
-        <p:nvPr/>
-      </p:nvGrpSpPr>
-      <p:grpSpPr>
-        <a:xfrm>
-          <a:off x="0" y="0"/>
-          <a:ext cx="0" cy="0"/>
-          <a:chOff x="0" y="0"/>
-          <a:chExt cx="0" cy="0"/>
-        </a:xfrm>
-      </p:grpSpPr>
-      <p:sp>
-        <p:nvSpPr>
-          <p:cNvPr id="2" name="Title 1"/>
-          <p:cNvSpPr>
-            <a:spLocks noGrp="1"/>
-          </p:cNvSpPr>
-          <p:nvPr>
-            <p:ph type="title"/>
-          </p:nvPr>
-        </p:nvSpPr>
-        <p:spPr/>
-        <p:txBody>
-          <a:bodyPr/>
-          <a:lstStyle/>
-          <a:p>
-            <a:r>
-              <a:rPr lang="en-US"/>
-              <a:t>Descriptive statistics</a:t>
-            </a:r>
-          </a:p>
-        </p:txBody>
-      </p:sp>
-      <p:sp>
-        <p:nvSpPr>
-          <p:cNvPr id="3" name="Content Placeholder 2"/>
-          <p:cNvSpPr>
-            <a:spLocks noGrp="1"/>
-          </p:cNvSpPr>
-          <p:nvPr>
-            <p:ph idx="1"/>
-          </p:nvPr>
-        </p:nvSpPr>
-        <p:spPr/>
-        <p:txBody>
-          <a:bodyPr/>
-          <a:lstStyle/>
-          <a:p>
-            <a:pPr>
-              <a:buFont typeface="Arial" panose="020B0604020202020204" pitchFamily="34" charset="0"/>
-              <a:buChar char="•"/>
-            </a:pPr>
-            <a:r>
-              <a:rPr lang="en-US" dirty="0"/>
-              <a:t>Data definitions</a:t>
-            </a:r>
-          </a:p>
-          <a:p>
-            <a:pPr>
-              <a:buFont typeface="Arial" panose="020B0604020202020204" pitchFamily="34" charset="0"/>
-              <a:buChar char="•"/>
-            </a:pPr>
-            <a:r>
-              <a:rPr lang="en-US" dirty="0"/>
-              <a:t>Numerical analysis</a:t>
-            </a:r>
-          </a:p>
-          <a:p>
-            <a:pPr>
-              <a:buFont typeface="Arial" panose="020B0604020202020204" pitchFamily="34" charset="0"/>
-              <a:buChar char="•"/>
-            </a:pPr>
-            <a:r>
-              <a:rPr lang="en-US" dirty="0"/>
-              <a:t>Summarization</a:t>
-            </a:r>
-          </a:p>
-          <a:p>
-            <a:endParaRPr lang="en-US" dirty="0"/>
-          </a:p>
-        </p:txBody>
-      </p:sp>
-    </p:spTree>
-    <p:extLst>
-      <p:ext uri="{BB962C8B-B14F-4D97-AF65-F5344CB8AC3E}">
-        <p14:creationId xmlns:p14="http://schemas.microsoft.com/office/powerpoint/2010/main" val="2829459313"/>
-      </p:ext>
-    </p:extLst>
-  </p:cSld>
-  <p:clrMapOvr>
-    <a:masterClrMapping/>
-  </p:clrMapOvr>
-  <p:transition/>
-</p:sld>
-</file>
-
-<file path=ppt/slides/slide28.xml><?xml version="1.0" encoding="utf-8"?>
-<p:sld xmlns:a="http://schemas.openxmlformats.org/drawingml/2006/main" xmlns:r="http://schemas.openxmlformats.org/officeDocument/2006/relationships" xmlns:p="http://schemas.openxmlformats.org/presentationml/2006/main">
-  <p:cSld>
-    <p:spTree>
-      <p:nvGrpSpPr>
-        <p:cNvPr id="1" name=""/>
-        <p:cNvGrpSpPr/>
-        <p:nvPr/>
-      </p:nvGrpSpPr>
-      <p:grpSpPr>
-        <a:xfrm>
-          <a:off x="0" y="0"/>
-          <a:ext cx="0" cy="0"/>
-          <a:chOff x="0" y="0"/>
-          <a:chExt cx="0" cy="0"/>
-        </a:xfrm>
-      </p:grpSpPr>
-      <p:sp>
-        <p:nvSpPr>
-          <p:cNvPr id="2" name="Title 1"/>
-          <p:cNvSpPr>
-            <a:spLocks noGrp="1"/>
-          </p:cNvSpPr>
-          <p:nvPr>
-            <p:ph type="title"/>
-          </p:nvPr>
-        </p:nvSpPr>
-        <p:spPr/>
-        <p:txBody>
-          <a:bodyPr/>
-          <a:lstStyle/>
-          <a:p>
-            <a:r>
-              <a:rPr lang="en-US"/>
-              <a:t>Descriptive statistics</a:t>
-            </a:r>
-          </a:p>
-        </p:txBody>
-      </p:sp>
-      <p:pic>
-        <p:nvPicPr>
-          <p:cNvPr id="6" name="Content Placeholder 5"/>
-          <p:cNvPicPr>
-            <a:picLocks noGrp="1" noChangeAspect="1"/>
-          </p:cNvPicPr>
-          <p:nvPr>
-            <p:ph idx="1"/>
-          </p:nvPr>
-        </p:nvPicPr>
-        <p:blipFill>
-          <a:blip r:embed="rId2"/>
-          <a:stretch>
-            <a:fillRect/>
-          </a:stretch>
-        </p:blipFill>
-        <p:spPr>
-          <a:xfrm>
-            <a:off x="3073399" y="2438400"/>
-            <a:ext cx="6419273" cy="4953000"/>
-          </a:xfrm>
-          <a:prstGeom prst="rect">
-            <a:avLst/>
-          </a:prstGeom>
-        </p:spPr>
-      </p:pic>
-    </p:spTree>
-    <p:extLst>
-      <p:ext uri="{BB962C8B-B14F-4D97-AF65-F5344CB8AC3E}">
-        <p14:creationId xmlns:p14="http://schemas.microsoft.com/office/powerpoint/2010/main" val="3317039380"/>
-      </p:ext>
-    </p:extLst>
-  </p:cSld>
-  <p:clrMapOvr>
-    <a:masterClrMapping/>
-  </p:clrMapOvr>
-  <p:transition/>
-</p:sld>
-</file>
-
-<file path=ppt/slides/slide29.xml><?xml version="1.0" encoding="utf-8"?>
-<p:sld xmlns:a="http://schemas.openxmlformats.org/drawingml/2006/main" xmlns:r="http://schemas.openxmlformats.org/officeDocument/2006/relationships" xmlns:p="http://schemas.openxmlformats.org/presentationml/2006/main">
-  <p:cSld>
-    <p:spTree>
-      <p:nvGrpSpPr>
-        <p:cNvPr id="1" name=""/>
-        <p:cNvGrpSpPr/>
-        <p:nvPr/>
-      </p:nvGrpSpPr>
-      <p:grpSpPr>
-        <a:xfrm>
-          <a:off x="0" y="0"/>
-          <a:ext cx="0" cy="0"/>
-          <a:chOff x="0" y="0"/>
-          <a:chExt cx="0" cy="0"/>
-        </a:xfrm>
-      </p:grpSpPr>
-      <p:sp>
-        <p:nvSpPr>
-          <p:cNvPr id="2" name="Title 1"/>
-          <p:cNvSpPr>
-            <a:spLocks noGrp="1"/>
-          </p:cNvSpPr>
-          <p:nvPr>
-            <p:ph type="title"/>
-          </p:nvPr>
-        </p:nvSpPr>
-        <p:spPr/>
-        <p:txBody>
-          <a:bodyPr/>
-          <a:lstStyle/>
-          <a:p>
-            <a:r>
-              <a:rPr lang="en-US" dirty="0"/>
-              <a:t>Correlation</a:t>
-            </a:r>
-          </a:p>
-        </p:txBody>
-      </p:sp>
-      <p:sp>
-        <p:nvSpPr>
-          <p:cNvPr id="3" name="Content Placeholder 2"/>
-          <p:cNvSpPr>
-            <a:spLocks noGrp="1"/>
-          </p:cNvSpPr>
-          <p:nvPr>
-            <p:ph idx="1"/>
-          </p:nvPr>
-        </p:nvSpPr>
-        <p:spPr/>
-        <p:txBody>
-          <a:bodyPr/>
-          <a:lstStyle/>
-          <a:p>
-            <a:pPr>
-              <a:buFont typeface="Arial" panose="020B0604020202020204" pitchFamily="34" charset="0"/>
-              <a:buChar char="•"/>
-            </a:pPr>
-            <a:r>
-              <a:rPr lang="en-US" dirty="0"/>
-              <a:t>Effectiveness of relationship</a:t>
-            </a:r>
-          </a:p>
-          <a:p>
-            <a:pPr>
-              <a:buFont typeface="Arial" panose="020B0604020202020204" pitchFamily="34" charset="0"/>
-              <a:buChar char="•"/>
-            </a:pPr>
-            <a:r>
-              <a:rPr lang="en-US" dirty="0"/>
-              <a:t>Correlation coefficient</a:t>
-            </a:r>
-          </a:p>
-          <a:p>
-            <a:pPr>
-              <a:buFont typeface="Arial" panose="020B0604020202020204" pitchFamily="34" charset="0"/>
-              <a:buChar char="•"/>
-            </a:pPr>
-            <a:r>
-              <a:rPr lang="en-US" dirty="0"/>
-              <a:t>Unified scale</a:t>
-            </a:r>
-          </a:p>
-        </p:txBody>
-      </p:sp>
-      <p:pic>
-        <p:nvPicPr>
-          <p:cNvPr id="5" name="Picture 4"/>
-          <p:cNvPicPr>
-            <a:picLocks noChangeAspect="1"/>
-          </p:cNvPicPr>
-          <p:nvPr/>
-        </p:nvPicPr>
-        <p:blipFill>
-          <a:blip r:embed="rId2"/>
-          <a:stretch>
-            <a:fillRect/>
-          </a:stretch>
-        </p:blipFill>
-        <p:spPr>
-          <a:xfrm>
-            <a:off x="8235801" y="1925320"/>
-            <a:ext cx="3384699" cy="7127875"/>
-          </a:xfrm>
-          <a:prstGeom prst="rect">
-            <a:avLst/>
-          </a:prstGeom>
-        </p:spPr>
-      </p:pic>
-    </p:spTree>
-    <p:extLst>
-      <p:ext uri="{BB962C8B-B14F-4D97-AF65-F5344CB8AC3E}">
-        <p14:creationId xmlns:p14="http://schemas.microsoft.com/office/powerpoint/2010/main" val="2638848752"/>
-      </p:ext>
-    </p:extLst>
-  </p:cSld>
-  <p:clrMapOvr>
-    <a:masterClrMapping/>
-  </p:clrMapOvr>
-  <p:transition/>
-</p:sld>
-</file>
-
-<file path=ppt/slides/slide3.xml><?xml version="1.0" encoding="utf-8"?>
-<p:sld xmlns:a="http://schemas.openxmlformats.org/drawingml/2006/main" xmlns:r="http://schemas.openxmlformats.org/officeDocument/2006/relationships" xmlns:p="http://schemas.openxmlformats.org/presentationml/2006/main" showMasterSp="0">
-  <p:cSld>
-    <p:spTree>
-      <p:nvGrpSpPr>
-        <p:cNvPr id="1" name=""/>
-        <p:cNvGrpSpPr/>
-        <p:nvPr/>
-      </p:nvGrpSpPr>
-      <p:grpSpPr>
-        <a:xfrm>
-          <a:off x="0" y="0"/>
-          <a:ext cx="0" cy="0"/>
-          <a:chOff x="0" y="0"/>
-          <a:chExt cx="0" cy="0"/>
-        </a:xfrm>
-      </p:grpSpPr>
-      <p:sp>
-        <p:nvSpPr>
-          <p:cNvPr id="2" name="Title 1"/>
-          <p:cNvSpPr>
-            <a:spLocks noGrp="1"/>
-          </p:cNvSpPr>
-          <p:nvPr>
-            <p:ph type="title"/>
-          </p:nvPr>
-        </p:nvSpPr>
-        <p:spPr/>
-        <p:txBody>
-          <a:bodyPr/>
-          <a:lstStyle/>
-          <a:p>
-            <a:r>
-              <a:rPr lang="en-US" dirty="0"/>
-              <a:t>What is data science?</a:t>
-            </a:r>
-          </a:p>
-        </p:txBody>
-      </p:sp>
-      <p:graphicFrame>
-        <p:nvGraphicFramePr>
-          <p:cNvPr id="5" name="Diagram 4"/>
-          <p:cNvGraphicFramePr/>
-          <p:nvPr>
-            <p:extLst>
-              <p:ext uri="{D42A27DB-BD31-4B8C-83A1-F6EECF244321}">
-                <p14:modId xmlns:p14="http://schemas.microsoft.com/office/powerpoint/2010/main" val="2080695617"/>
-              </p:ext>
-            </p:extLst>
-          </p:nvPr>
-        </p:nvGraphicFramePr>
-        <p:xfrm>
-          <a:off x="2167466" y="1986844"/>
-          <a:ext cx="8669867" cy="5779911"/>
-        </p:xfrm>
-        <a:graphic>
-          <a:graphicData uri="http://schemas.openxmlformats.org/drawingml/2006/diagram">
-            <dgm:relIds xmlns:dgm="http://schemas.openxmlformats.org/drawingml/2006/diagram" xmlns:r="http://schemas.openxmlformats.org/officeDocument/2006/relationships" r:dm="rId3" r:lo="rId4" r:qs="rId5" r:cs="rId6"/>
-          </a:graphicData>
-        </a:graphic>
-      </p:graphicFrame>
-    </p:spTree>
-    <p:extLst>
-      <p:ext uri="{BB962C8B-B14F-4D97-AF65-F5344CB8AC3E}">
-        <p14:creationId xmlns:p14="http://schemas.microsoft.com/office/powerpoint/2010/main" val="2655346092"/>
-      </p:ext>
-    </p:extLst>
-  </p:cSld>
-  <p:clrMapOvr>
-    <a:masterClrMapping/>
-  </p:clrMapOvr>
-  <p:transition/>
-</p:sld>
-</file>
-
-<file path=ppt/slides/slide30.xml><?xml version="1.0" encoding="utf-8"?>
-<p:sld xmlns:a="http://schemas.openxmlformats.org/drawingml/2006/main" xmlns:r="http://schemas.openxmlformats.org/officeDocument/2006/relationships" xmlns:p="http://schemas.openxmlformats.org/presentationml/2006/main">
-  <p:cSld>
-    <p:spTree>
-      <p:nvGrpSpPr>
-        <p:cNvPr id="1" name=""/>
-        <p:cNvGrpSpPr/>
-        <p:nvPr/>
-      </p:nvGrpSpPr>
-      <p:grpSpPr>
-        <a:xfrm>
-          <a:off x="0" y="0"/>
-          <a:ext cx="0" cy="0"/>
-          <a:chOff x="0" y="0"/>
-          <a:chExt cx="0" cy="0"/>
-        </a:xfrm>
-      </p:grpSpPr>
-      <p:sp>
-        <p:nvSpPr>
-          <p:cNvPr id="2" name="Title 1"/>
-          <p:cNvSpPr>
-            <a:spLocks noGrp="1"/>
-          </p:cNvSpPr>
-          <p:nvPr>
-            <p:ph type="title"/>
-          </p:nvPr>
-        </p:nvSpPr>
-        <p:spPr/>
-        <p:txBody>
-          <a:bodyPr/>
-          <a:lstStyle/>
-          <a:p>
-            <a:r>
-              <a:rPr lang="en-US" dirty="0"/>
-              <a:t>Correlation</a:t>
-            </a:r>
-          </a:p>
-        </p:txBody>
-      </p:sp>
-      <p:sp>
-        <p:nvSpPr>
-          <p:cNvPr id="3" name="Content Placeholder 2"/>
-          <p:cNvSpPr>
-            <a:spLocks noGrp="1"/>
-          </p:cNvSpPr>
-          <p:nvPr>
-            <p:ph idx="1"/>
-          </p:nvPr>
-        </p:nvSpPr>
-        <p:spPr/>
-        <p:txBody>
-          <a:bodyPr/>
-          <a:lstStyle/>
-          <a:p>
-            <a:pPr>
-              <a:buFont typeface="Arial" panose="020B0604020202020204" pitchFamily="34" charset="0"/>
-              <a:buChar char="•"/>
-            </a:pPr>
-            <a:r>
-              <a:rPr lang="en-US"/>
-              <a:t>Effectiveness of relationship</a:t>
-            </a:r>
-          </a:p>
-          <a:p>
-            <a:pPr>
-              <a:buFont typeface="Arial" panose="020B0604020202020204" pitchFamily="34" charset="0"/>
-              <a:buChar char="•"/>
-            </a:pPr>
-            <a:r>
-              <a:rPr lang="en-US"/>
-              <a:t>Correlation coefficient</a:t>
-            </a:r>
-          </a:p>
-          <a:p>
-            <a:pPr>
-              <a:buFont typeface="Arial" panose="020B0604020202020204" pitchFamily="34" charset="0"/>
-              <a:buChar char="•"/>
-            </a:pPr>
-            <a:r>
-              <a:rPr lang="en-US"/>
-              <a:t>Unified scale</a:t>
-            </a:r>
-            <a:endParaRPr lang="en-US" dirty="0"/>
-          </a:p>
-        </p:txBody>
-      </p:sp>
-    </p:spTree>
-    <p:extLst>
-      <p:ext uri="{BB962C8B-B14F-4D97-AF65-F5344CB8AC3E}">
-        <p14:creationId xmlns:p14="http://schemas.microsoft.com/office/powerpoint/2010/main" val="3204655766"/>
-      </p:ext>
-    </p:extLst>
-  </p:cSld>
-  <p:clrMapOvr>
-    <a:masterClrMapping/>
-  </p:clrMapOvr>
-  <p:transition/>
-</p:sld>
-</file>
-
-<file path=ppt/slides/slide31.xml><?xml version="1.0" encoding="utf-8"?>
-<p:sld xmlns:a="http://schemas.openxmlformats.org/drawingml/2006/main" xmlns:r="http://schemas.openxmlformats.org/officeDocument/2006/relationships" xmlns:p="http://schemas.openxmlformats.org/presentationml/2006/main">
-  <p:cSld>
-    <p:spTree>
-      <p:nvGrpSpPr>
-        <p:cNvPr id="1" name=""/>
-        <p:cNvGrpSpPr/>
-        <p:nvPr/>
-      </p:nvGrpSpPr>
-      <p:grpSpPr>
-        <a:xfrm>
-          <a:off x="0" y="0"/>
-          <a:ext cx="0" cy="0"/>
-          <a:chOff x="0" y="0"/>
-          <a:chExt cx="0" cy="0"/>
-        </a:xfrm>
-      </p:grpSpPr>
-      <p:sp>
-        <p:nvSpPr>
-          <p:cNvPr id="2" name="Title 1"/>
-          <p:cNvSpPr>
-            <a:spLocks noGrp="1"/>
-          </p:cNvSpPr>
-          <p:nvPr>
-            <p:ph type="title"/>
-          </p:nvPr>
-        </p:nvSpPr>
-        <p:spPr/>
-        <p:txBody>
-          <a:bodyPr/>
-          <a:lstStyle/>
-          <a:p>
-            <a:r>
-              <a:rPr lang="en-US" dirty="0"/>
-              <a:t>Correlation</a:t>
-            </a:r>
-          </a:p>
-        </p:txBody>
-      </p:sp>
-      <p:sp>
-        <p:nvSpPr>
-          <p:cNvPr id="3" name="Content Placeholder 2"/>
-          <p:cNvSpPr>
-            <a:spLocks noGrp="1"/>
-          </p:cNvSpPr>
-          <p:nvPr>
-            <p:ph idx="1"/>
-          </p:nvPr>
-        </p:nvSpPr>
-        <p:spPr/>
-        <p:txBody>
-          <a:bodyPr/>
-          <a:lstStyle/>
-          <a:p>
-            <a:pPr>
-              <a:buFont typeface="Arial" panose="020B0604020202020204" pitchFamily="34" charset="0"/>
-              <a:buChar char="•"/>
-            </a:pPr>
-            <a:r>
-              <a:rPr lang="en-US" dirty="0"/>
-              <a:t>Effectiveness of relationship</a:t>
-            </a:r>
-          </a:p>
-          <a:p>
-            <a:pPr>
-              <a:buFont typeface="Arial" panose="020B0604020202020204" pitchFamily="34" charset="0"/>
-              <a:buChar char="•"/>
-            </a:pPr>
-            <a:r>
-              <a:rPr lang="en-US" dirty="0"/>
-              <a:t>Correlation coefficient</a:t>
-            </a:r>
-          </a:p>
-          <a:p>
-            <a:pPr>
-              <a:buFont typeface="Arial" panose="020B0604020202020204" pitchFamily="34" charset="0"/>
-              <a:buChar char="•"/>
-            </a:pPr>
-            <a:r>
-              <a:rPr lang="en-US" dirty="0"/>
-              <a:t>Unified scale</a:t>
-            </a:r>
-          </a:p>
-        </p:txBody>
-      </p:sp>
-      <p:pic>
-        <p:nvPicPr>
-          <p:cNvPr id="4" name="Picture 3"/>
-          <p:cNvPicPr>
-            <a:picLocks noChangeAspect="1"/>
-          </p:cNvPicPr>
-          <p:nvPr/>
-        </p:nvPicPr>
-        <p:blipFill>
-          <a:blip r:embed="rId2"/>
-          <a:stretch>
-            <a:fillRect/>
-          </a:stretch>
-        </p:blipFill>
-        <p:spPr>
-          <a:xfrm>
-            <a:off x="4392612" y="3257550"/>
-            <a:ext cx="4219575" cy="3238500"/>
-          </a:xfrm>
-          <a:prstGeom prst="rect">
-            <a:avLst/>
-          </a:prstGeom>
-        </p:spPr>
-      </p:pic>
-    </p:spTree>
-    <p:extLst>
-      <p:ext uri="{BB962C8B-B14F-4D97-AF65-F5344CB8AC3E}">
-        <p14:creationId xmlns:p14="http://schemas.microsoft.com/office/powerpoint/2010/main" val="4202011972"/>
-      </p:ext>
-    </p:extLst>
-  </p:cSld>
-  <p:clrMapOvr>
-    <a:masterClrMapping/>
-  </p:clrMapOvr>
-  <p:transition/>
-</p:sld>
-</file>
-
-<file path=ppt/slides/slide32.xml><?xml version="1.0" encoding="utf-8"?>
-<p:sld xmlns:a="http://schemas.openxmlformats.org/drawingml/2006/main" xmlns:r="http://schemas.openxmlformats.org/officeDocument/2006/relationships" xmlns:p="http://schemas.openxmlformats.org/presentationml/2006/main">
-  <p:cSld>
-    <p:spTree>
-      <p:nvGrpSpPr>
-        <p:cNvPr id="1" name=""/>
-        <p:cNvGrpSpPr/>
-        <p:nvPr/>
-      </p:nvGrpSpPr>
-      <p:grpSpPr>
-        <a:xfrm>
-          <a:off x="0" y="0"/>
-          <a:ext cx="0" cy="0"/>
-          <a:chOff x="0" y="0"/>
-          <a:chExt cx="0" cy="0"/>
-        </a:xfrm>
-      </p:grpSpPr>
-      <p:sp>
-        <p:nvSpPr>
-          <p:cNvPr id="2" name="Title 1"/>
-          <p:cNvSpPr>
-            <a:spLocks noGrp="1"/>
-          </p:cNvSpPr>
-          <p:nvPr>
-            <p:ph type="title"/>
-          </p:nvPr>
-        </p:nvSpPr>
-        <p:spPr/>
-        <p:txBody>
-          <a:bodyPr/>
-          <a:lstStyle/>
-          <a:p>
-            <a:r>
-              <a:rPr lang="en-US" dirty="0"/>
-              <a:t>Visualization</a:t>
-            </a:r>
-          </a:p>
-        </p:txBody>
-      </p:sp>
-      <p:sp>
-        <p:nvSpPr>
-          <p:cNvPr id="6" name="Content Placeholder 5"/>
-          <p:cNvSpPr>
-            <a:spLocks noGrp="1"/>
-          </p:cNvSpPr>
-          <p:nvPr>
-            <p:ph idx="1"/>
-          </p:nvPr>
-        </p:nvSpPr>
-        <p:spPr/>
-        <p:txBody>
-          <a:bodyPr/>
-          <a:lstStyle/>
-          <a:p>
-            <a:endParaRPr lang="en-US"/>
-          </a:p>
-        </p:txBody>
-      </p:sp>
-    </p:spTree>
-    <p:extLst>
-      <p:ext uri="{BB962C8B-B14F-4D97-AF65-F5344CB8AC3E}">
-        <p14:creationId xmlns:p14="http://schemas.microsoft.com/office/powerpoint/2010/main" val="3637067836"/>
-      </p:ext>
-    </p:extLst>
-  </p:cSld>
-  <p:clrMapOvr>
-    <a:masterClrMapping/>
-  </p:clrMapOvr>
-  <p:transition/>
-</p:sld>
-</file>
-
-<file path=ppt/slides/slide33.xml><?xml version="1.0" encoding="utf-8"?>
-<p:sld xmlns:a="http://schemas.openxmlformats.org/drawingml/2006/main" xmlns:r="http://schemas.openxmlformats.org/officeDocument/2006/relationships" xmlns:p="http://schemas.openxmlformats.org/presentationml/2006/main">
-  <p:cSld>
-    <p:spTree>
-      <p:nvGrpSpPr>
-        <p:cNvPr id="1" name=""/>
-        <p:cNvGrpSpPr/>
-        <p:nvPr/>
-      </p:nvGrpSpPr>
-      <p:grpSpPr>
-        <a:xfrm>
-          <a:off x="0" y="0"/>
-          <a:ext cx="0" cy="0"/>
-          <a:chOff x="0" y="0"/>
-          <a:chExt cx="0" cy="0"/>
-        </a:xfrm>
-      </p:grpSpPr>
-      <p:sp>
-        <p:nvSpPr>
-          <p:cNvPr id="2" name="Title 1"/>
-          <p:cNvSpPr>
-            <a:spLocks noGrp="1"/>
-          </p:cNvSpPr>
-          <p:nvPr>
-            <p:ph type="title"/>
-          </p:nvPr>
-        </p:nvSpPr>
-        <p:spPr/>
-        <p:txBody>
-          <a:bodyPr/>
-          <a:lstStyle/>
-          <a:p>
-            <a:r>
-              <a:rPr lang="en-US" dirty="0"/>
-              <a:t>Types of visualization</a:t>
-            </a:r>
-          </a:p>
-        </p:txBody>
-      </p:sp>
-      <p:sp>
-        <p:nvSpPr>
-          <p:cNvPr id="3" name="Content Placeholder 2"/>
-          <p:cNvSpPr>
-            <a:spLocks noGrp="1"/>
-          </p:cNvSpPr>
-          <p:nvPr>
-            <p:ph idx="1"/>
-          </p:nvPr>
-        </p:nvSpPr>
-        <p:spPr/>
-        <p:txBody>
-          <a:bodyPr/>
-          <a:lstStyle/>
-          <a:p>
-            <a:pPr>
-              <a:buFont typeface="Arial" panose="020B0604020202020204" pitchFamily="34" charset="0"/>
-              <a:buChar char="•"/>
-            </a:pPr>
-            <a:r>
-              <a:rPr lang="en-US"/>
-              <a:t>Bar</a:t>
-            </a:r>
-            <a:endParaRPr lang="en-US" dirty="0"/>
-          </a:p>
-          <a:p>
-            <a:pPr>
-              <a:buFont typeface="Arial" panose="020B0604020202020204" pitchFamily="34" charset="0"/>
-              <a:buChar char="•"/>
-            </a:pPr>
-            <a:r>
-              <a:rPr lang="en-US" dirty="0"/>
-              <a:t>Spatial</a:t>
-            </a:r>
-          </a:p>
-          <a:p>
-            <a:pPr>
-              <a:buFont typeface="Arial" panose="020B0604020202020204" pitchFamily="34" charset="0"/>
-              <a:buChar char="•"/>
-            </a:pPr>
-            <a:r>
-              <a:rPr lang="en-US"/>
-              <a:t>Network</a:t>
-            </a:r>
-            <a:endParaRPr lang="en-US" dirty="0"/>
-          </a:p>
-          <a:p>
-            <a:pPr>
-              <a:buFont typeface="Arial" panose="020B0604020202020204" pitchFamily="34" charset="0"/>
-              <a:buChar char="•"/>
-            </a:pPr>
-            <a:r>
-              <a:rPr lang="en-US" dirty="0"/>
-              <a:t>Multi-dimensional</a:t>
-            </a:r>
-          </a:p>
-          <a:p>
-            <a:pPr>
-              <a:buFont typeface="Arial" panose="020B0604020202020204" pitchFamily="34" charset="0"/>
-              <a:buChar char="•"/>
-            </a:pPr>
-            <a:r>
-              <a:rPr lang="en-US"/>
-              <a:t>Network</a:t>
-            </a:r>
-            <a:endParaRPr lang="en-US" dirty="0"/>
-          </a:p>
-          <a:p>
-            <a:pPr>
-              <a:buFont typeface="Arial" panose="020B0604020202020204" pitchFamily="34" charset="0"/>
-              <a:buChar char="•"/>
-            </a:pPr>
-            <a:r>
-              <a:rPr lang="en-US"/>
-              <a:t>Interactive</a:t>
-            </a:r>
-            <a:endParaRPr lang="en-US" dirty="0"/>
-          </a:p>
-        </p:txBody>
-      </p:sp>
-    </p:spTree>
-    <p:extLst>
-      <p:ext uri="{BB962C8B-B14F-4D97-AF65-F5344CB8AC3E}">
-        <p14:creationId xmlns:p14="http://schemas.microsoft.com/office/powerpoint/2010/main" val="4108631576"/>
-      </p:ext>
-    </p:extLst>
-  </p:cSld>
-  <p:clrMapOvr>
-    <a:masterClrMapping/>
-  </p:clrMapOvr>
-  <p:transition/>
-</p:sld>
-</file>
-
-<file path=ppt/slides/slide34.xml><?xml version="1.0" encoding="utf-8"?>
-<p:sld xmlns:a="http://schemas.openxmlformats.org/drawingml/2006/main" xmlns:r="http://schemas.openxmlformats.org/officeDocument/2006/relationships" xmlns:p="http://schemas.openxmlformats.org/presentationml/2006/main">
-  <p:cSld>
-    <p:spTree>
-      <p:nvGrpSpPr>
-        <p:cNvPr id="1" name=""/>
-        <p:cNvGrpSpPr/>
-        <p:nvPr/>
-      </p:nvGrpSpPr>
-      <p:grpSpPr>
-        <a:xfrm>
-          <a:off x="0" y="0"/>
-          <a:ext cx="0" cy="0"/>
-          <a:chOff x="0" y="0"/>
-          <a:chExt cx="0" cy="0"/>
-        </a:xfrm>
-      </p:grpSpPr>
-      <p:pic>
-        <p:nvPicPr>
-          <p:cNvPr id="5" name="Picture 4"/>
-          <p:cNvPicPr>
-            <a:picLocks noChangeAspect="1"/>
-          </p:cNvPicPr>
-          <p:nvPr/>
-        </p:nvPicPr>
-        <p:blipFill>
-          <a:blip r:embed="rId2"/>
-          <a:stretch>
-            <a:fillRect/>
-          </a:stretch>
-        </p:blipFill>
-        <p:spPr>
-          <a:xfrm>
-            <a:off x="711200" y="1544320"/>
-            <a:ext cx="6398475" cy="6720595"/>
-          </a:xfrm>
-          <a:prstGeom prst="rect">
-            <a:avLst/>
-          </a:prstGeom>
-        </p:spPr>
-      </p:pic>
-      <p:pic>
-        <p:nvPicPr>
-          <p:cNvPr id="6" name="Picture 5"/>
-          <p:cNvPicPr>
-            <a:picLocks noChangeAspect="1"/>
-          </p:cNvPicPr>
-          <p:nvPr/>
-        </p:nvPicPr>
-        <p:blipFill>
-          <a:blip r:embed="rId3"/>
-          <a:stretch>
-            <a:fillRect/>
-          </a:stretch>
-        </p:blipFill>
-        <p:spPr>
-          <a:xfrm>
-            <a:off x="7797800" y="1529080"/>
-            <a:ext cx="4800600" cy="7391400"/>
-          </a:xfrm>
-          <a:prstGeom prst="rect">
-            <a:avLst/>
-          </a:prstGeom>
-        </p:spPr>
-      </p:pic>
-      <p:sp>
-        <p:nvSpPr>
-          <p:cNvPr id="9" name="Title 8"/>
-          <p:cNvSpPr>
-            <a:spLocks noGrp="1"/>
-          </p:cNvSpPr>
-          <p:nvPr>
-            <p:ph type="title"/>
-          </p:nvPr>
-        </p:nvSpPr>
-        <p:spPr/>
-        <p:txBody>
-          <a:bodyPr/>
-          <a:lstStyle/>
-          <a:p>
-            <a:r>
-              <a:rPr lang="en-US" dirty="0"/>
-              <a:t>Visualization with R</a:t>
-            </a:r>
-          </a:p>
-        </p:txBody>
-      </p:sp>
-      <p:sp>
-        <p:nvSpPr>
-          <p:cNvPr id="10" name="Content Placeholder 9"/>
-          <p:cNvSpPr>
-            <a:spLocks noGrp="1"/>
-          </p:cNvSpPr>
-          <p:nvPr>
-            <p:ph idx="1"/>
-          </p:nvPr>
-        </p:nvSpPr>
-        <p:spPr>
-          <a:xfrm>
-            <a:off x="1181100" y="1498600"/>
-            <a:ext cx="10464800" cy="6388100"/>
-          </a:xfrm>
-        </p:spPr>
-        <p:txBody>
-          <a:bodyPr/>
-          <a:lstStyle/>
-          <a:p>
-            <a:endParaRPr lang="en-US" dirty="0"/>
-          </a:p>
-        </p:txBody>
-      </p:sp>
-    </p:spTree>
-    <p:extLst>
-      <p:ext uri="{BB962C8B-B14F-4D97-AF65-F5344CB8AC3E}">
-        <p14:creationId xmlns:p14="http://schemas.microsoft.com/office/powerpoint/2010/main" val="653038385"/>
-      </p:ext>
-    </p:extLst>
-  </p:cSld>
-  <p:clrMapOvr>
-    <a:masterClrMapping/>
-  </p:clrMapOvr>
-  <p:transition/>
-</p:sld>
-</file>
-
-<file path=ppt/slides/slide35.xml><?xml version="1.0" encoding="utf-8"?>
-<p:sld xmlns:a="http://schemas.openxmlformats.org/drawingml/2006/main" xmlns:r="http://schemas.openxmlformats.org/officeDocument/2006/relationships" xmlns:p="http://schemas.openxmlformats.org/presentationml/2006/main">
-  <p:cSld>
-    <p:spTree>
-      <p:nvGrpSpPr>
-        <p:cNvPr id="1" name=""/>
-        <p:cNvGrpSpPr/>
-        <p:nvPr/>
-      </p:nvGrpSpPr>
-      <p:grpSpPr>
-        <a:xfrm>
-          <a:off x="0" y="0"/>
-          <a:ext cx="0" cy="0"/>
-          <a:chOff x="0" y="0"/>
-          <a:chExt cx="0" cy="0"/>
-        </a:xfrm>
-      </p:grpSpPr>
-      <p:sp>
-        <p:nvSpPr>
-          <p:cNvPr id="2" name="Title 1"/>
-          <p:cNvSpPr>
-            <a:spLocks noGrp="1"/>
-          </p:cNvSpPr>
-          <p:nvPr>
-            <p:ph type="title"/>
-          </p:nvPr>
-        </p:nvSpPr>
-        <p:spPr/>
-        <p:txBody>
-          <a:bodyPr/>
-          <a:lstStyle/>
-          <a:p>
-            <a:r>
-              <a:rPr lang="en-US" dirty="0"/>
-              <a:t>Delivering R</a:t>
-            </a:r>
-          </a:p>
-        </p:txBody>
-      </p:sp>
-      <p:sp>
-        <p:nvSpPr>
-          <p:cNvPr id="3" name="Content Placeholder 2"/>
-          <p:cNvSpPr>
-            <a:spLocks noGrp="1"/>
-          </p:cNvSpPr>
-          <p:nvPr>
-            <p:ph idx="1"/>
-          </p:nvPr>
-        </p:nvSpPr>
-        <p:spPr/>
-        <p:txBody>
-          <a:bodyPr/>
-          <a:lstStyle/>
-          <a:p>
-            <a:pPr>
-              <a:buFont typeface="Arial" panose="020B0604020202020204" pitchFamily="34" charset="0"/>
-              <a:buChar char="•"/>
-            </a:pPr>
-            <a:r>
-              <a:rPr lang="en-US" dirty="0"/>
-              <a:t>Point delivery</a:t>
-            </a:r>
-          </a:p>
-          <a:p>
-            <a:pPr>
-              <a:buFont typeface="Arial" panose="020B0604020202020204" pitchFamily="34" charset="0"/>
-              <a:buChar char="•"/>
-            </a:pPr>
-            <a:r>
-              <a:rPr lang="en-US" dirty="0"/>
-              <a:t>Applications</a:t>
-            </a:r>
-          </a:p>
-          <a:p>
-            <a:pPr>
-              <a:buFont typeface="Arial" panose="020B0604020202020204" pitchFamily="34" charset="0"/>
-              <a:buChar char="•"/>
-            </a:pPr>
-            <a:r>
-              <a:rPr lang="en-US" dirty="0"/>
-              <a:t>Machine learning</a:t>
-            </a:r>
-          </a:p>
-          <a:p>
-            <a:pPr>
-              <a:buFont typeface="Arial" panose="020B0604020202020204" pitchFamily="34" charset="0"/>
-              <a:buChar char="•"/>
-            </a:pPr>
-            <a:r>
-              <a:rPr lang="en-US" dirty="0"/>
-              <a:t>R Studio: Shiny</a:t>
-            </a:r>
-          </a:p>
-          <a:p>
-            <a:pPr>
-              <a:buFont typeface="Arial" panose="020B0604020202020204" pitchFamily="34" charset="0"/>
-              <a:buChar char="•"/>
-            </a:pPr>
-            <a:endParaRPr lang="en-US" dirty="0"/>
-          </a:p>
-        </p:txBody>
-      </p:sp>
-    </p:spTree>
-    <p:extLst>
-      <p:ext uri="{BB962C8B-B14F-4D97-AF65-F5344CB8AC3E}">
-        <p14:creationId xmlns:p14="http://schemas.microsoft.com/office/powerpoint/2010/main" val="4070574578"/>
-      </p:ext>
-    </p:extLst>
-  </p:cSld>
-  <p:clrMapOvr>
-    <a:masterClrMapping/>
-  </p:clrMapOvr>
-  <p:transition/>
-</p:sld>
-</file>
-
-<file path=ppt/slides/slide36.xml><?xml version="1.0" encoding="utf-8"?>
-<p:sld xmlns:a="http://schemas.openxmlformats.org/drawingml/2006/main" xmlns:r="http://schemas.openxmlformats.org/officeDocument/2006/relationships" xmlns:p="http://schemas.openxmlformats.org/presentationml/2006/main">
-  <p:cSld>
-    <p:spTree>
-      <p:nvGrpSpPr>
-        <p:cNvPr id="1" name=""/>
-        <p:cNvGrpSpPr/>
-        <p:nvPr/>
-      </p:nvGrpSpPr>
-      <p:grpSpPr>
-        <a:xfrm>
-          <a:off x="0" y="0"/>
-          <a:ext cx="0" cy="0"/>
-          <a:chOff x="0" y="0"/>
-          <a:chExt cx="0" cy="0"/>
-        </a:xfrm>
-      </p:grpSpPr>
-      <p:pic>
-        <p:nvPicPr>
-          <p:cNvPr id="4" name="Picture 3"/>
-          <p:cNvPicPr>
-            <a:picLocks noChangeAspect="1"/>
-          </p:cNvPicPr>
-          <p:nvPr/>
-        </p:nvPicPr>
-        <p:blipFill>
-          <a:blip r:embed="rId2"/>
-          <a:stretch>
-            <a:fillRect/>
-          </a:stretch>
-        </p:blipFill>
-        <p:spPr>
-          <a:xfrm>
-            <a:off x="558800" y="228600"/>
-            <a:ext cx="11125200" cy="9134608"/>
-          </a:xfrm>
-          <a:prstGeom prst="rect">
-            <a:avLst/>
-          </a:prstGeom>
-        </p:spPr>
-      </p:pic>
-    </p:spTree>
-    <p:extLst>
-      <p:ext uri="{BB962C8B-B14F-4D97-AF65-F5344CB8AC3E}">
-        <p14:creationId xmlns:p14="http://schemas.microsoft.com/office/powerpoint/2010/main" val="1012474332"/>
-      </p:ext>
-    </p:extLst>
-  </p:cSld>
-  <p:clrMapOvr>
-    <a:masterClrMapping/>
-  </p:clrMapOvr>
-</p:sld>
-</file>
-
-<file path=ppt/slides/slide37.xml><?xml version="1.0" encoding="utf-8"?>
-<p:sld xmlns:a="http://schemas.openxmlformats.org/drawingml/2006/main" xmlns:r="http://schemas.openxmlformats.org/officeDocument/2006/relationships" xmlns:p="http://schemas.openxmlformats.org/presentationml/2006/main">
-  <p:cSld>
-    <p:spTree>
-      <p:nvGrpSpPr>
-        <p:cNvPr id="1" name=""/>
-        <p:cNvGrpSpPr/>
-        <p:nvPr/>
-      </p:nvGrpSpPr>
-      <p:grpSpPr>
-        <a:xfrm>
-          <a:off x="0" y="0"/>
-          <a:ext cx="0" cy="0"/>
-          <a:chOff x="0" y="0"/>
-          <a:chExt cx="0" cy="0"/>
-        </a:xfrm>
-      </p:grpSpPr>
-      <p:sp>
-        <p:nvSpPr>
-          <p:cNvPr id="2" name="Title 1"/>
-          <p:cNvSpPr>
-            <a:spLocks noGrp="1"/>
-          </p:cNvSpPr>
-          <p:nvPr>
-            <p:ph type="title"/>
-          </p:nvPr>
-        </p:nvSpPr>
-        <p:spPr/>
-        <p:txBody>
-          <a:bodyPr/>
-          <a:lstStyle/>
-          <a:p>
-            <a:r>
-              <a:rPr lang="en-US" dirty="0"/>
-              <a:t>Machine learning and R</a:t>
-            </a:r>
-          </a:p>
-        </p:txBody>
-      </p:sp>
-      <p:pic>
-        <p:nvPicPr>
-          <p:cNvPr id="3" name="Picture 2"/>
-          <p:cNvPicPr>
-            <a:picLocks noChangeAspect="1"/>
-          </p:cNvPicPr>
-          <p:nvPr/>
-        </p:nvPicPr>
-        <p:blipFill>
-          <a:blip r:embed="rId2">
-            <a:extLst>
-              <a:ext uri="{28A0092B-C50C-407E-A947-70E740481C1C}">
-                <a14:useLocalDpi xmlns:a14="http://schemas.microsoft.com/office/drawing/2010/main" val="0"/>
-              </a:ext>
-            </a:extLst>
-          </a:blip>
-          <a:stretch>
-            <a:fillRect/>
-          </a:stretch>
-        </p:blipFill>
-        <p:spPr>
-          <a:xfrm>
-            <a:off x="3010416" y="1981200"/>
-            <a:ext cx="1714500" cy="1714500"/>
-          </a:xfrm>
-          <a:prstGeom prst="rect">
-            <a:avLst/>
-          </a:prstGeom>
-        </p:spPr>
-      </p:pic>
-      <p:sp>
-        <p:nvSpPr>
-          <p:cNvPr id="11" name="TextBox 10"/>
-          <p:cNvSpPr txBox="1"/>
-          <p:nvPr/>
-        </p:nvSpPr>
-        <p:spPr>
-          <a:xfrm>
-            <a:off x="5722500" y="2552144"/>
-            <a:ext cx="2911374" cy="738664"/>
-          </a:xfrm>
-          <a:prstGeom prst="rect">
-            <a:avLst/>
-          </a:prstGeom>
-          <a:noFill/>
-        </p:spPr>
-        <p:txBody>
-          <a:bodyPr wrap="none" rtlCol="0">
-            <a:spAutoFit/>
-          </a:bodyPr>
-          <a:lstStyle/>
-          <a:p>
-            <a:r>
-              <a:rPr lang="en-US"/>
-              <a:t>Regression</a:t>
-            </a:r>
-            <a:endParaRPr lang="en-US" dirty="0"/>
-          </a:p>
-        </p:txBody>
-      </p:sp>
-      <p:pic>
-        <p:nvPicPr>
-          <p:cNvPr id="12" name="Picture 11"/>
-          <p:cNvPicPr>
-            <a:picLocks noChangeAspect="1"/>
-          </p:cNvPicPr>
-          <p:nvPr/>
-        </p:nvPicPr>
-        <p:blipFill>
-          <a:blip r:embed="rId3">
-            <a:extLst>
-              <a:ext uri="{28A0092B-C50C-407E-A947-70E740481C1C}">
-                <a14:useLocalDpi xmlns:a14="http://schemas.microsoft.com/office/drawing/2010/main" val="0"/>
-              </a:ext>
-            </a:extLst>
-          </a:blip>
-          <a:stretch>
-            <a:fillRect/>
-          </a:stretch>
-        </p:blipFill>
-        <p:spPr>
-          <a:xfrm>
-            <a:off x="3073400" y="4343400"/>
-            <a:ext cx="1588532" cy="1588532"/>
-          </a:xfrm>
-          <a:prstGeom prst="rect">
-            <a:avLst/>
-          </a:prstGeom>
-        </p:spPr>
-      </p:pic>
-      <p:sp>
-        <p:nvSpPr>
-          <p:cNvPr id="13" name="TextBox 12"/>
-          <p:cNvSpPr txBox="1"/>
-          <p:nvPr/>
-        </p:nvSpPr>
-        <p:spPr>
-          <a:xfrm>
-            <a:off x="5508240" y="4768334"/>
-            <a:ext cx="3360215" cy="738664"/>
-          </a:xfrm>
-          <a:prstGeom prst="rect">
-            <a:avLst/>
-          </a:prstGeom>
-          <a:noFill/>
-        </p:spPr>
-        <p:txBody>
-          <a:bodyPr wrap="none" rtlCol="0">
-            <a:spAutoFit/>
-          </a:bodyPr>
-          <a:lstStyle/>
-          <a:p>
-            <a:r>
-              <a:rPr lang="en-US" dirty="0"/>
-              <a:t>Classification</a:t>
-            </a:r>
-          </a:p>
-        </p:txBody>
-      </p:sp>
-      <p:pic>
-        <p:nvPicPr>
-          <p:cNvPr id="14" name="Picture 13"/>
-          <p:cNvPicPr>
-            <a:picLocks noChangeAspect="1"/>
-          </p:cNvPicPr>
-          <p:nvPr/>
-        </p:nvPicPr>
-        <p:blipFill>
-          <a:blip r:embed="rId4">
-            <a:extLst>
-              <a:ext uri="{28A0092B-C50C-407E-A947-70E740481C1C}">
-                <a14:useLocalDpi xmlns:a14="http://schemas.microsoft.com/office/drawing/2010/main" val="0"/>
-              </a:ext>
-            </a:extLst>
-          </a:blip>
-          <a:stretch>
-            <a:fillRect/>
-          </a:stretch>
-        </p:blipFill>
-        <p:spPr>
-          <a:xfrm>
-            <a:off x="2833384" y="6248400"/>
-            <a:ext cx="2068564" cy="2068564"/>
-          </a:xfrm>
-          <a:prstGeom prst="rect">
-            <a:avLst/>
-          </a:prstGeom>
-        </p:spPr>
-      </p:pic>
-      <p:sp>
-        <p:nvSpPr>
-          <p:cNvPr id="15" name="TextBox 14"/>
-          <p:cNvSpPr txBox="1"/>
-          <p:nvPr/>
-        </p:nvSpPr>
-        <p:spPr>
-          <a:xfrm>
-            <a:off x="5882543" y="6913350"/>
-            <a:ext cx="2611612" cy="738664"/>
-          </a:xfrm>
-          <a:prstGeom prst="rect">
-            <a:avLst/>
-          </a:prstGeom>
-          <a:noFill/>
-        </p:spPr>
-        <p:txBody>
-          <a:bodyPr wrap="none" rtlCol="0">
-            <a:spAutoFit/>
-          </a:bodyPr>
-          <a:lstStyle/>
-          <a:p>
-            <a:r>
-              <a:rPr lang="en-US"/>
-              <a:t>Clustering</a:t>
-            </a:r>
-            <a:endParaRPr lang="en-US" dirty="0"/>
-          </a:p>
-        </p:txBody>
-      </p:sp>
-    </p:spTree>
-    <p:extLst>
-      <p:ext uri="{BB962C8B-B14F-4D97-AF65-F5344CB8AC3E}">
-        <p14:creationId xmlns:p14="http://schemas.microsoft.com/office/powerpoint/2010/main" val="2538187884"/>
-      </p:ext>
-    </p:extLst>
-  </p:cSld>
-  <p:clrMapOvr>
-    <a:masterClrMapping/>
-  </p:clrMapOvr>
-  <p:transition/>
-  <p:timing>
-    <p:tnLst>
-      <p:par>
-        <p:cTn id="1" dur="indefinite" restart="never" nodeType="tmRoot">
-          <p:childTnLst>
-            <p:seq concurrent="1" nextAc="seek">
-              <p:cTn id="2" dur="indefinite" nodeType="mainSeq">
-                <p:childTnLst>
-                  <p:par>
-                    <p:cTn id="3" fill="hold">
-                      <p:stCondLst>
-                        <p:cond delay="indefinite"/>
-                        <p:cond evt="onBegin" delay="0">
-                          <p:tn val="2"/>
-                        </p:cond>
-                      </p:stCondLst>
-                      <p:childTnLst>
-                        <p:par>
-                          <p:cTn id="4" fill="hold">
-                            <p:stCondLst>
-                              <p:cond delay="0"/>
-                            </p:stCondLst>
-                            <p:childTnLst>
-                              <p:par>
-                                <p:cTn id="5" presetID="1" presetClass="entr" presetSubtype="0" fill="hold" grpId="0" nodeType="withEffect">
-                                  <p:stCondLst>
-                                    <p:cond delay="0"/>
-                                  </p:stCondLst>
-                                  <p:childTnLst>
-                                    <p:set>
-                                      <p:cBhvr>
-                                        <p:cTn id="6" dur="1" fill="hold">
-                                          <p:stCondLst>
-                                            <p:cond delay="0"/>
-                                          </p:stCondLst>
-                                        </p:cTn>
-                                        <p:tgtEl>
-                                          <p:spTgt spid="11"/>
-                                        </p:tgtEl>
-                                        <p:attrNameLst>
-                                          <p:attrName>style.visibility</p:attrName>
-                                        </p:attrNameLst>
-                                      </p:cBhvr>
-                                      <p:to>
-                                        <p:strVal val="visible"/>
-                                      </p:to>
-                                    </p:set>
-                                  </p:childTnLst>
-                                </p:cTn>
-                              </p:par>
-                              <p:par>
-                                <p:cTn id="7" presetID="1" presetClass="entr" presetSubtype="0" fill="hold" grpId="0" nodeType="withEffect">
-                                  <p:stCondLst>
-                                    <p:cond delay="0"/>
-                                  </p:stCondLst>
-                                  <p:childTnLst>
-                                    <p:set>
-                                      <p:cBhvr>
-                                        <p:cTn id="8" dur="1" fill="hold">
-                                          <p:stCondLst>
-                                            <p:cond delay="0"/>
-                                          </p:stCondLst>
-                                        </p:cTn>
-                                        <p:tgtEl>
-                                          <p:spTgt spid="13"/>
-                                        </p:tgtEl>
-                                        <p:attrNameLst>
-                                          <p:attrName>style.visibility</p:attrName>
-                                        </p:attrNameLst>
-                                      </p:cBhvr>
-                                      <p:to>
-                                        <p:strVal val="visible"/>
-                                      </p:to>
-                                    </p:set>
-                                  </p:childTnLst>
-                                </p:cTn>
-                              </p:par>
-                              <p:par>
-                                <p:cTn id="9" presetID="1" presetClass="entr" presetSubtype="0" fill="hold" grpId="0" nodeType="withEffect">
-                                  <p:stCondLst>
-                                    <p:cond delay="0"/>
-                                  </p:stCondLst>
-                                  <p:childTnLst>
-                                    <p:set>
-                                      <p:cBhvr>
-                                        <p:cTn id="10" dur="1" fill="hold">
-                                          <p:stCondLst>
-                                            <p:cond delay="0"/>
-                                          </p:stCondLst>
-                                        </p:cTn>
-                                        <p:tgtEl>
-                                          <p:spTgt spid="15"/>
-                                        </p:tgtEl>
-                                        <p:attrNameLst>
-                                          <p:attrName>style.visibility</p:attrName>
-                                        </p:attrNameLst>
-                                      </p:cBhvr>
-                                      <p:to>
-                                        <p:strVal val="visible"/>
-                                      </p:to>
-                                    </p:set>
-                                  </p:childTnLst>
-                                </p:cTn>
-                              </p:par>
-                            </p:childTnLst>
-                          </p:cTn>
-                        </p:par>
-                      </p:childTnLst>
-                    </p:cTn>
-                  </p:par>
-                </p:childTnLst>
-              </p:cTn>
-              <p:prevCondLst>
-                <p:cond evt="onPrev" delay="0">
-                  <p:tgtEl>
-                    <p:sldTgt/>
-                  </p:tgtEl>
-                </p:cond>
-              </p:prevCondLst>
-              <p:nextCondLst>
-                <p:cond evt="onNext" delay="0">
-                  <p:tgtEl>
-                    <p:sldTgt/>
-                  </p:tgtEl>
-                </p:cond>
-              </p:nextCondLst>
-            </p:seq>
-          </p:childTnLst>
-        </p:cTn>
-      </p:par>
-    </p:tnLst>
-    <p:bldLst>
-      <p:bldP spid="11" grpId="0"/>
-      <p:bldP spid="13" grpId="0"/>
-      <p:bldP spid="15" grpId="0"/>
-    </p:bldLst>
-  </p:timing>
-</p:sld>
-</file>
-
-<file path=ppt/slides/slide38.xml><?xml version="1.0" encoding="utf-8"?>
-<p:sld xmlns:a="http://schemas.openxmlformats.org/drawingml/2006/main" xmlns:r="http://schemas.openxmlformats.org/officeDocument/2006/relationships" xmlns:p="http://schemas.openxmlformats.org/presentationml/2006/main">
-  <p:cSld>
-    <p:spTree>
-      <p:nvGrpSpPr>
-        <p:cNvPr id="1" name=""/>
-        <p:cNvGrpSpPr/>
-        <p:nvPr/>
-      </p:nvGrpSpPr>
-      <p:grpSpPr>
-        <a:xfrm>
-          <a:off x="0" y="0"/>
-          <a:ext cx="0" cy="0"/>
-          <a:chOff x="0" y="0"/>
-          <a:chExt cx="0" cy="0"/>
-        </a:xfrm>
-      </p:grpSpPr>
-      <p:sp>
-        <p:nvSpPr>
-          <p:cNvPr id="2" name="Title 1"/>
-          <p:cNvSpPr>
-            <a:spLocks noGrp="1"/>
-          </p:cNvSpPr>
-          <p:nvPr>
-            <p:ph type="title"/>
-          </p:nvPr>
-        </p:nvSpPr>
-        <p:spPr/>
-        <p:txBody>
-          <a:bodyPr/>
-          <a:lstStyle/>
-          <a:p>
-            <a:r>
-              <a:rPr lang="en-US" dirty="0"/>
-              <a:t>Demonstrations</a:t>
-            </a:r>
-          </a:p>
-        </p:txBody>
-      </p:sp>
-    </p:spTree>
-    <p:extLst>
-      <p:ext uri="{BB962C8B-B14F-4D97-AF65-F5344CB8AC3E}">
-        <p14:creationId xmlns:p14="http://schemas.microsoft.com/office/powerpoint/2010/main" val="2260154902"/>
-      </p:ext>
-    </p:extLst>
-  </p:cSld>
-  <p:clrMapOvr>
-    <a:masterClrMapping/>
-  </p:clrMapOvr>
-  <p:transition/>
-</p:sld>
-</file>
-
-<file path=ppt/slides/slide4.xml><?xml version="1.0" encoding="utf-8"?>
-<p:sld xmlns:a="http://schemas.openxmlformats.org/drawingml/2006/main" xmlns:r="http://schemas.openxmlformats.org/officeDocument/2006/relationships" xmlns:p="http://schemas.openxmlformats.org/presentationml/2006/main">
-  <p:cSld>
-    <p:spTree>
-      <p:nvGrpSpPr>
-        <p:cNvPr id="1" name=""/>
-        <p:cNvGrpSpPr/>
-        <p:nvPr/>
-      </p:nvGrpSpPr>
-      <p:grpSpPr>
-        <a:xfrm>
-          <a:off x="0" y="0"/>
-          <a:ext cx="0" cy="0"/>
-          <a:chOff x="0" y="0"/>
-          <a:chExt cx="0" cy="0"/>
-        </a:xfrm>
-      </p:grpSpPr>
-      <p:sp>
-        <p:nvSpPr>
-          <p:cNvPr id="2" name="Title 1"/>
-          <p:cNvSpPr>
-            <a:spLocks noGrp="1"/>
-          </p:cNvSpPr>
-          <p:nvPr>
-            <p:ph type="title"/>
-          </p:nvPr>
-        </p:nvSpPr>
-        <p:spPr/>
-        <p:txBody>
-          <a:bodyPr/>
-          <a:lstStyle/>
-          <a:p>
-            <a:r>
-              <a:rPr lang="en-US"/>
-              <a:t>emeRgence</a:t>
-            </a:r>
-            <a:endParaRPr lang="en-US" dirty="0"/>
-          </a:p>
-        </p:txBody>
-      </p:sp>
-      <p:pic>
-        <p:nvPicPr>
-          <p:cNvPr id="1026" name="Picture 2" descr="Image result for hadoop"/>
-          <p:cNvPicPr>
-            <a:picLocks noChangeAspect="1" noChangeArrowheads="1"/>
-          </p:cNvPicPr>
-          <p:nvPr/>
-        </p:nvPicPr>
-        <p:blipFill>
-          <a:blip r:embed="rId3">
-            <a:extLst>
-              <a:ext uri="{28A0092B-C50C-407E-A947-70E740481C1C}">
-                <a14:useLocalDpi xmlns:a14="http://schemas.microsoft.com/office/drawing/2010/main" val="0"/>
-              </a:ext>
-            </a:extLst>
-          </a:blip>
-          <a:srcRect/>
-          <a:stretch>
-            <a:fillRect/>
-          </a:stretch>
-        </p:blipFill>
-        <p:spPr bwMode="auto">
-          <a:xfrm>
-            <a:off x="7950200" y="3724274"/>
-            <a:ext cx="4762500" cy="3333750"/>
-          </a:xfrm>
-          <a:prstGeom prst="rect">
-            <a:avLst/>
-          </a:prstGeom>
-          <a:noFill/>
-          <a:extLst>
-            <a:ext uri="{909E8E84-426E-40DD-AFC4-6F175D3DCCD1}">
-              <a14:hiddenFill xmlns:a14="http://schemas.microsoft.com/office/drawing/2010/main">
-                <a:solidFill>
-                  <a:srgbClr val="FFFFFF"/>
-                </a:solidFill>
-              </a14:hiddenFill>
-            </a:ext>
-          </a:extLst>
-        </p:spPr>
-      </p:pic>
-      <p:pic>
-        <p:nvPicPr>
-          <p:cNvPr id="1028" name="Picture 4" descr="Image result for iot"/>
-          <p:cNvPicPr>
-            <a:picLocks noChangeAspect="1" noChangeArrowheads="1"/>
-          </p:cNvPicPr>
-          <p:nvPr/>
-        </p:nvPicPr>
-        <p:blipFill>
-          <a:blip r:embed="rId4">
-            <a:extLst>
-              <a:ext uri="{28A0092B-C50C-407E-A947-70E740481C1C}">
-                <a14:useLocalDpi xmlns:a14="http://schemas.microsoft.com/office/drawing/2010/main" val="0"/>
-              </a:ext>
-            </a:extLst>
-          </a:blip>
-          <a:srcRect/>
-          <a:stretch>
-            <a:fillRect/>
-          </a:stretch>
-        </p:blipFill>
-        <p:spPr bwMode="auto">
-          <a:xfrm>
-            <a:off x="635000" y="4186180"/>
-            <a:ext cx="3378200" cy="2409937"/>
-          </a:xfrm>
-          <a:prstGeom prst="rect">
-            <a:avLst/>
-          </a:prstGeom>
-          <a:noFill/>
-          <a:extLst>
-            <a:ext uri="{909E8E84-426E-40DD-AFC4-6F175D3DCCD1}">
-              <a14:hiddenFill xmlns:a14="http://schemas.microsoft.com/office/drawing/2010/main">
-                <a:solidFill>
-                  <a:srgbClr val="FFFFFF"/>
-                </a:solidFill>
-              </a14:hiddenFill>
-            </a:ext>
-          </a:extLst>
-        </p:spPr>
-      </p:pic>
-      <p:pic>
-        <p:nvPicPr>
-          <p:cNvPr id="1030" name="Picture 6" descr="Image result for azure"/>
-          <p:cNvPicPr>
-            <a:picLocks noChangeAspect="1" noChangeArrowheads="1"/>
-          </p:cNvPicPr>
-          <p:nvPr/>
-        </p:nvPicPr>
-        <p:blipFill>
-          <a:blip r:embed="rId5">
-            <a:extLst>
-              <a:ext uri="{28A0092B-C50C-407E-A947-70E740481C1C}">
-                <a14:useLocalDpi xmlns:a14="http://schemas.microsoft.com/office/drawing/2010/main" val="0"/>
-              </a:ext>
-            </a:extLst>
-          </a:blip>
-          <a:srcRect/>
-          <a:stretch>
-            <a:fillRect/>
-          </a:stretch>
-        </p:blipFill>
-        <p:spPr bwMode="auto">
-          <a:xfrm>
-            <a:off x="4549775" y="4340676"/>
-            <a:ext cx="3676650" cy="2100943"/>
-          </a:xfrm>
-          <a:prstGeom prst="rect">
-            <a:avLst/>
-          </a:prstGeom>
-          <a:noFill/>
-          <a:extLst>
-            <a:ext uri="{909E8E84-426E-40DD-AFC4-6F175D3DCCD1}">
-              <a14:hiddenFill xmlns:a14="http://schemas.microsoft.com/office/drawing/2010/main">
-                <a:solidFill>
-                  <a:srgbClr val="FFFFFF"/>
-                </a:solidFill>
-              </a14:hiddenFill>
-            </a:ext>
-          </a:extLst>
-        </p:spPr>
-      </p:pic>
-    </p:spTree>
-    <p:extLst>
-      <p:ext uri="{BB962C8B-B14F-4D97-AF65-F5344CB8AC3E}">
-        <p14:creationId xmlns:p14="http://schemas.microsoft.com/office/powerpoint/2010/main" val="887092542"/>
-      </p:ext>
-    </p:extLst>
-  </p:cSld>
-  <p:clrMapOvr>
-    <a:masterClrMapping/>
-  </p:clrMapOvr>
-  <p:transition/>
-</p:sld>
-</file>
-
-<file path=ppt/slides/slide5.xml><?xml version="1.0" encoding="utf-8"?>
-<p:sld xmlns:a="http://schemas.openxmlformats.org/drawingml/2006/main" xmlns:r="http://schemas.openxmlformats.org/officeDocument/2006/relationships" xmlns:p="http://schemas.openxmlformats.org/presentationml/2006/main" showMasterSp="0">
-  <p:cSld>
-    <p:spTree>
-      <p:nvGrpSpPr>
-        <p:cNvPr id="1" name=""/>
-        <p:cNvGrpSpPr/>
-        <p:nvPr/>
-      </p:nvGrpSpPr>
-      <p:grpSpPr>
-        <a:xfrm>
-          <a:off x="0" y="0"/>
-          <a:ext cx="0" cy="0"/>
-          <a:chOff x="0" y="0"/>
-          <a:chExt cx="0" cy="0"/>
-        </a:xfrm>
-      </p:grpSpPr>
-      <p:sp>
-        <p:nvSpPr>
-          <p:cNvPr id="2" name="Title 1"/>
-          <p:cNvSpPr>
-            <a:spLocks noGrp="1"/>
-          </p:cNvSpPr>
-          <p:nvPr>
-            <p:ph type="title"/>
-          </p:nvPr>
-        </p:nvSpPr>
-        <p:spPr/>
-        <p:txBody>
-          <a:bodyPr/>
-          <a:lstStyle/>
-          <a:p>
-            <a:r>
-              <a:rPr lang="en-US"/>
-              <a:t>pRedictive analytics process</a:t>
-            </a:r>
-            <a:endParaRPr lang="en-US" dirty="0"/>
-          </a:p>
-        </p:txBody>
-      </p:sp>
-      <p:sp>
-        <p:nvSpPr>
-          <p:cNvPr id="3" name="Content Placeholder 2"/>
-          <p:cNvSpPr>
-            <a:spLocks noGrp="1"/>
-          </p:cNvSpPr>
-          <p:nvPr>
-            <p:ph idx="1"/>
-          </p:nvPr>
-        </p:nvSpPr>
-        <p:spPr/>
-        <p:txBody>
-          <a:bodyPr/>
-          <a:lstStyle/>
-          <a:p>
-            <a:pPr marL="514350" indent="-514350">
-              <a:buFont typeface="+mj-lt"/>
-              <a:buAutoNum type="arabicPeriod"/>
-            </a:pPr>
-            <a:r>
-              <a:rPr lang="en-US" dirty="0"/>
-              <a:t>Identify a question</a:t>
-            </a:r>
-          </a:p>
-          <a:p>
-            <a:pPr marL="514350" indent="-514350">
-              <a:buFont typeface="+mj-lt"/>
-              <a:buAutoNum type="arabicPeriod"/>
-            </a:pPr>
-            <a:r>
-              <a:rPr lang="en-US"/>
-              <a:t>Understand </a:t>
-            </a:r>
-            <a:r>
-              <a:rPr lang="en-US" dirty="0"/>
-              <a:t>the data we have </a:t>
-            </a:r>
-            <a:r>
-              <a:rPr lang="en-US"/>
-              <a:t>and require</a:t>
-            </a:r>
-            <a:endParaRPr lang="en-US" dirty="0"/>
-          </a:p>
-          <a:p>
-            <a:pPr marL="514350" indent="-514350">
-              <a:buFont typeface="+mj-lt"/>
-              <a:buAutoNum type="arabicPeriod"/>
-            </a:pPr>
-            <a:r>
-              <a:rPr lang="en-US" dirty="0"/>
-              <a:t>Ingest</a:t>
-            </a:r>
-          </a:p>
-          <a:p>
-            <a:pPr marL="514350" indent="-514350">
-              <a:buFont typeface="+mj-lt"/>
-              <a:buAutoNum type="arabicPeriod"/>
-            </a:pPr>
-            <a:r>
-              <a:rPr lang="en-US"/>
-              <a:t>Create </a:t>
-            </a:r>
-            <a:r>
-              <a:rPr lang="en-US" dirty="0"/>
-              <a:t>a model</a:t>
-            </a:r>
-          </a:p>
-          <a:p>
-            <a:pPr marL="514350" indent="-514350">
-              <a:buFont typeface="+mj-lt"/>
-              <a:buAutoNum type="arabicPeriod"/>
-            </a:pPr>
-            <a:r>
-              <a:rPr lang="en-US" dirty="0"/>
-              <a:t>Deploy and evaluate model</a:t>
-            </a:r>
-          </a:p>
-          <a:p>
-            <a:pPr marL="514350" indent="-514350">
-              <a:buFont typeface="+mj-lt"/>
-              <a:buAutoNum type="arabicPeriod"/>
-            </a:pPr>
-            <a:endParaRPr lang="en-US" dirty="0"/>
-          </a:p>
-        </p:txBody>
-      </p:sp>
-    </p:spTree>
-    <p:extLst>
-      <p:ext uri="{BB962C8B-B14F-4D97-AF65-F5344CB8AC3E}">
-        <p14:creationId xmlns:p14="http://schemas.microsoft.com/office/powerpoint/2010/main" val="1560302217"/>
-      </p:ext>
-    </p:extLst>
-  </p:cSld>
-  <p:clrMapOvr>
-    <a:masterClrMapping/>
-  </p:clrMapOvr>
-  <p:transition/>
-</p:sld>
-</file>
-
-<file path=ppt/slides/slide6.xml><?xml version="1.0" encoding="utf-8"?>
-<p:sld xmlns:a="http://schemas.openxmlformats.org/drawingml/2006/main" xmlns:r="http://schemas.openxmlformats.org/officeDocument/2006/relationships" xmlns:p="http://schemas.openxmlformats.org/presentationml/2006/main" showMasterSp="0">
-  <p:cSld>
-    <p:spTree>
-      <p:nvGrpSpPr>
-        <p:cNvPr id="1" name=""/>
-        <p:cNvGrpSpPr/>
-        <p:nvPr/>
-      </p:nvGrpSpPr>
-      <p:grpSpPr>
-        <a:xfrm>
-          <a:off x="0" y="0"/>
-          <a:ext cx="0" cy="0"/>
-          <a:chOff x="0" y="0"/>
-          <a:chExt cx="0" cy="0"/>
-        </a:xfrm>
-      </p:grpSpPr>
-      <p:sp>
-        <p:nvSpPr>
-          <p:cNvPr id="2" name="Title 1"/>
-          <p:cNvSpPr>
-            <a:spLocks noGrp="1"/>
-          </p:cNvSpPr>
-          <p:nvPr>
-            <p:ph type="title"/>
-          </p:nvPr>
-        </p:nvSpPr>
-        <p:spPr/>
-        <p:txBody>
-          <a:bodyPr/>
-          <a:lstStyle/>
-          <a:p>
-            <a:endParaRPr lang="en-US" dirty="0"/>
-          </a:p>
-        </p:txBody>
-      </p:sp>
-      <p:sp>
-        <p:nvSpPr>
-          <p:cNvPr id="3" name="Content Placeholder 2"/>
-          <p:cNvSpPr>
-            <a:spLocks noGrp="1"/>
-          </p:cNvSpPr>
-          <p:nvPr>
-            <p:ph idx="1"/>
-          </p:nvPr>
-        </p:nvSpPr>
-        <p:spPr/>
-        <p:txBody>
-          <a:bodyPr/>
-          <a:lstStyle/>
-          <a:p>
-            <a:endParaRPr lang="en-US"/>
-          </a:p>
-        </p:txBody>
-      </p:sp>
-      <p:pic>
-        <p:nvPicPr>
-          <p:cNvPr id="4" name="Picture 3"/>
-          <p:cNvPicPr>
-            <a:picLocks noChangeAspect="1"/>
-          </p:cNvPicPr>
-          <p:nvPr/>
-        </p:nvPicPr>
-        <p:blipFill>
-          <a:blip r:embed="rId3"/>
-          <a:stretch>
-            <a:fillRect/>
-          </a:stretch>
-        </p:blipFill>
-        <p:spPr>
-          <a:xfrm>
-            <a:off x="3606800" y="2667000"/>
-            <a:ext cx="5095875" cy="3971925"/>
-          </a:xfrm>
-          <a:prstGeom prst="rect">
-            <a:avLst/>
-          </a:prstGeom>
-        </p:spPr>
-      </p:pic>
-    </p:spTree>
-    <p:extLst>
-      <p:ext uri="{BB962C8B-B14F-4D97-AF65-F5344CB8AC3E}">
-        <p14:creationId xmlns:p14="http://schemas.microsoft.com/office/powerpoint/2010/main" val="3072421204"/>
-      </p:ext>
-    </p:extLst>
-  </p:cSld>
-  <p:clrMapOvr>
-    <a:masterClrMapping/>
-  </p:clrMapOvr>
-  <p:transition/>
-</p:sld>
-</file>
-
-<file path=ppt/slides/slide7.xml><?xml version="1.0" encoding="utf-8"?>
-<p:sld xmlns:a="http://schemas.openxmlformats.org/drawingml/2006/main" xmlns:r="http://schemas.openxmlformats.org/officeDocument/2006/relationships" xmlns:p="http://schemas.openxmlformats.org/presentationml/2006/main" showMasterSp="0">
-  <p:cSld>
-    <p:spTree>
-      <p:nvGrpSpPr>
-        <p:cNvPr id="1" name=""/>
-        <p:cNvGrpSpPr/>
-        <p:nvPr/>
-      </p:nvGrpSpPr>
-      <p:grpSpPr>
-        <a:xfrm>
-          <a:off x="0" y="0"/>
-          <a:ext cx="0" cy="0"/>
-          <a:chOff x="0" y="0"/>
-          <a:chExt cx="0" cy="0"/>
-        </a:xfrm>
-      </p:grpSpPr>
-      <p:sp>
-        <p:nvSpPr>
-          <p:cNvPr id="2" name="Title 1"/>
-          <p:cNvSpPr>
-            <a:spLocks noGrp="1"/>
-          </p:cNvSpPr>
-          <p:nvPr>
-            <p:ph type="title"/>
-          </p:nvPr>
-        </p:nvSpPr>
-        <p:spPr/>
-        <p:txBody>
-          <a:bodyPr/>
-          <a:lstStyle/>
-          <a:p>
-            <a:endParaRPr lang="en-US" dirty="0"/>
-          </a:p>
-        </p:txBody>
-      </p:sp>
-      <p:sp>
-        <p:nvSpPr>
-          <p:cNvPr id="3" name="Content Placeholder 2"/>
-          <p:cNvSpPr>
-            <a:spLocks noGrp="1"/>
-          </p:cNvSpPr>
-          <p:nvPr>
-            <p:ph idx="1"/>
-          </p:nvPr>
-        </p:nvSpPr>
-        <p:spPr>
-          <a:xfrm>
-            <a:off x="2235200" y="3124200"/>
-            <a:ext cx="10464800" cy="6388100"/>
-          </a:xfrm>
-        </p:spPr>
-        <p:txBody>
-          <a:bodyPr/>
-          <a:lstStyle/>
-          <a:p>
-            <a:pPr algn="r"/>
-            <a:endParaRPr lang="en-US" dirty="0"/>
-          </a:p>
-          <a:p>
-            <a:pPr algn="r"/>
-            <a:endParaRPr lang="en-US" dirty="0"/>
-          </a:p>
-          <a:p>
-            <a:pPr algn="r"/>
-            <a:endParaRPr lang="en-US" dirty="0"/>
-          </a:p>
-          <a:p>
-            <a:pPr algn="r"/>
-            <a:endParaRPr lang="en-US" dirty="0"/>
-          </a:p>
-          <a:p>
-            <a:pPr algn="r"/>
-            <a:endParaRPr lang="en-US" dirty="0"/>
-          </a:p>
-          <a:p>
-            <a:pPr algn="r"/>
-            <a:r>
-              <a:rPr lang="en-US"/>
-              <a:t>Open source</a:t>
-            </a:r>
-            <a:endParaRPr lang="en-US" dirty="0"/>
-          </a:p>
-          <a:p>
-            <a:pPr algn="r"/>
-            <a:r>
-              <a:rPr lang="en-US"/>
-              <a:t>Actively supported</a:t>
-            </a:r>
-            <a:endParaRPr lang="en-US" dirty="0"/>
-          </a:p>
-          <a:p>
-            <a:pPr algn="r"/>
-            <a:r>
-              <a:rPr lang="en-US"/>
-              <a:t>Provides numerical </a:t>
-            </a:r>
-            <a:r>
-              <a:rPr lang="en-US" dirty="0"/>
-              <a:t>and visual analysis of data</a:t>
-            </a:r>
-          </a:p>
-          <a:p>
-            <a:pPr algn="r"/>
-            <a:endParaRPr lang="en-US" dirty="0"/>
-          </a:p>
-          <a:p>
-            <a:pPr algn="r"/>
-            <a:endParaRPr lang="en-US" dirty="0"/>
-          </a:p>
-        </p:txBody>
-      </p:sp>
-      <p:pic>
-        <p:nvPicPr>
-          <p:cNvPr id="4" name="Picture 3"/>
-          <p:cNvPicPr>
-            <a:picLocks noChangeAspect="1"/>
-          </p:cNvPicPr>
-          <p:nvPr/>
-        </p:nvPicPr>
-        <p:blipFill>
-          <a:blip r:embed="rId3"/>
-          <a:stretch>
-            <a:fillRect/>
-          </a:stretch>
-        </p:blipFill>
-        <p:spPr>
-          <a:xfrm>
-            <a:off x="10160" y="15240"/>
-            <a:ext cx="5095875" cy="3971925"/>
-          </a:xfrm>
-          <a:prstGeom prst="rect">
-            <a:avLst/>
-          </a:prstGeom>
-        </p:spPr>
-      </p:pic>
-    </p:spTree>
-    <p:extLst>
-      <p:ext uri="{BB962C8B-B14F-4D97-AF65-F5344CB8AC3E}">
-        <p14:creationId xmlns:p14="http://schemas.microsoft.com/office/powerpoint/2010/main" val="2189701247"/>
-      </p:ext>
-    </p:extLst>
-  </p:cSld>
-  <p:clrMapOvr>
-    <a:masterClrMapping/>
-  </p:clrMapOvr>
-  <p:transition/>
-</p:sld>
-</file>
-
-<file path=ppt/slides/slide8.xml><?xml version="1.0" encoding="utf-8"?>
-<p:sld xmlns:a="http://schemas.openxmlformats.org/drawingml/2006/main" xmlns:r="http://schemas.openxmlformats.org/officeDocument/2006/relationships" xmlns:p="http://schemas.openxmlformats.org/presentationml/2006/main">
-  <p:cSld>
-    <p:spTree>
-      <p:nvGrpSpPr>
-        <p:cNvPr id="1" name=""/>
-        <p:cNvGrpSpPr/>
-        <p:nvPr/>
-      </p:nvGrpSpPr>
-      <p:grpSpPr>
-        <a:xfrm>
-          <a:off x="0" y="0"/>
-          <a:ext cx="0" cy="0"/>
-          <a:chOff x="0" y="0"/>
-          <a:chExt cx="0" cy="0"/>
-        </a:xfrm>
-      </p:grpSpPr>
-      <p:sp>
-        <p:nvSpPr>
-          <p:cNvPr id="2" name="Title 1"/>
-          <p:cNvSpPr>
-            <a:spLocks noGrp="1"/>
-          </p:cNvSpPr>
-          <p:nvPr>
-            <p:ph type="title"/>
-          </p:nvPr>
-        </p:nvSpPr>
-        <p:spPr/>
-        <p:txBody>
-          <a:bodyPr/>
-          <a:lstStyle/>
-          <a:p>
-            <a:endParaRPr lang="en-US"/>
-          </a:p>
-        </p:txBody>
-      </p:sp>
-      <p:sp>
-        <p:nvSpPr>
-          <p:cNvPr id="3" name="Content Placeholder 2"/>
-          <p:cNvSpPr>
-            <a:spLocks noGrp="1"/>
-          </p:cNvSpPr>
-          <p:nvPr>
-            <p:ph idx="1"/>
-          </p:nvPr>
-        </p:nvSpPr>
-        <p:spPr/>
-        <p:txBody>
-          <a:bodyPr/>
-          <a:lstStyle/>
-          <a:p>
-            <a:endParaRPr lang="en-US"/>
-          </a:p>
-        </p:txBody>
-      </p:sp>
-      <p:pic>
-        <p:nvPicPr>
-          <p:cNvPr id="4" name="Picture 3"/>
-          <p:cNvPicPr>
-            <a:picLocks noChangeAspect="1"/>
-          </p:cNvPicPr>
-          <p:nvPr/>
-        </p:nvPicPr>
-        <p:blipFill>
-          <a:blip r:embed="rId3"/>
-          <a:stretch>
-            <a:fillRect/>
-          </a:stretch>
-        </p:blipFill>
-        <p:spPr>
-          <a:xfrm>
-            <a:off x="0" y="0"/>
-            <a:ext cx="13704358" cy="9753600"/>
-          </a:xfrm>
-          <a:prstGeom prst="rect">
-            <a:avLst/>
-          </a:prstGeom>
-        </p:spPr>
-      </p:pic>
-    </p:spTree>
-    <p:extLst>
-      <p:ext uri="{BB962C8B-B14F-4D97-AF65-F5344CB8AC3E}">
-        <p14:creationId xmlns:p14="http://schemas.microsoft.com/office/powerpoint/2010/main" val="3910245386"/>
-      </p:ext>
-    </p:extLst>
-  </p:cSld>
-  <p:clrMapOvr>
-    <a:masterClrMapping/>
-  </p:clrMapOvr>
-  <p:transition/>
-</p:sld>
-</file>
-
-<file path=ppt/slides/slide9.xml><?xml version="1.0" encoding="utf-8"?>
-<p:sld xmlns:a="http://schemas.openxmlformats.org/drawingml/2006/main" xmlns:r="http://schemas.openxmlformats.org/officeDocument/2006/relationships" xmlns:p="http://schemas.openxmlformats.org/presentationml/2006/main" showMasterSp="0">
-  <p:cSld>
-    <p:spTree>
-      <p:nvGrpSpPr>
-        <p:cNvPr id="1" name=""/>
-        <p:cNvGrpSpPr/>
-        <p:nvPr/>
-      </p:nvGrpSpPr>
-      <p:grpSpPr>
-        <a:xfrm>
-          <a:off x="0" y="0"/>
-          <a:ext cx="0" cy="0"/>
-          <a:chOff x="0" y="0"/>
-          <a:chExt cx="0" cy="0"/>
-        </a:xfrm>
-      </p:grpSpPr>
-      <p:sp>
-        <p:nvSpPr>
-          <p:cNvPr id="2" name="Title 1"/>
-          <p:cNvSpPr>
-            <a:spLocks noGrp="1"/>
-          </p:cNvSpPr>
-          <p:nvPr>
-            <p:ph type="title"/>
-          </p:nvPr>
-        </p:nvSpPr>
-        <p:spPr/>
-        <p:txBody>
-          <a:bodyPr/>
-          <a:lstStyle/>
-          <a:p>
-            <a:r>
-              <a:rPr lang="en-US" dirty="0"/>
-              <a:t>Tools</a:t>
-            </a:r>
-          </a:p>
-        </p:txBody>
-      </p:sp>
-      <p:sp>
-        <p:nvSpPr>
-          <p:cNvPr id="3" name="Content Placeholder 2"/>
-          <p:cNvSpPr>
-            <a:spLocks noGrp="1"/>
-          </p:cNvSpPr>
-          <p:nvPr>
-            <p:ph idx="1"/>
-          </p:nvPr>
-        </p:nvSpPr>
-        <p:spPr/>
-        <p:txBody>
-          <a:bodyPr/>
-          <a:lstStyle/>
-          <a:p>
-            <a:endParaRPr lang="en-US"/>
-          </a:p>
-        </p:txBody>
-      </p:sp>
-      <p:pic>
-        <p:nvPicPr>
-          <p:cNvPr id="3074" name="Picture 2" descr="Image result for rstudio"/>
-          <p:cNvPicPr>
-            <a:picLocks noChangeAspect="1" noChangeArrowheads="1"/>
-          </p:cNvPicPr>
-          <p:nvPr/>
-        </p:nvPicPr>
-        <p:blipFill>
-          <a:blip r:embed="rId2">
-            <a:extLst>
-              <a:ext uri="{28A0092B-C50C-407E-A947-70E740481C1C}">
-                <a14:useLocalDpi xmlns:a14="http://schemas.microsoft.com/office/drawing/2010/main" val="0"/>
-              </a:ext>
-            </a:extLst>
-          </a:blip>
-          <a:srcRect/>
-          <a:stretch>
-            <a:fillRect/>
-          </a:stretch>
-        </p:blipFill>
-        <p:spPr bwMode="auto">
-          <a:xfrm>
-            <a:off x="3225800" y="3276600"/>
-            <a:ext cx="6934386" cy="2433638"/>
-          </a:xfrm>
-          <a:prstGeom prst="rect">
-            <a:avLst/>
-          </a:prstGeom>
-          <a:noFill/>
-          <a:extLst>
-            <a:ext uri="{909E8E84-426E-40DD-AFC4-6F175D3DCCD1}">
-              <a14:hiddenFill xmlns:a14="http://schemas.microsoft.com/office/drawing/2010/main">
-                <a:solidFill>
-                  <a:srgbClr val="FFFFFF"/>
-                </a:solidFill>
-              </a14:hiddenFill>
-            </a:ext>
-          </a:extLst>
-        </p:spPr>
-      </p:pic>
-      <p:pic>
-        <p:nvPicPr>
-          <p:cNvPr id="3076" name="Picture 4" descr="Image result for r tools visual studio"/>
-          <p:cNvPicPr>
-            <a:picLocks noChangeAspect="1" noChangeArrowheads="1"/>
-          </p:cNvPicPr>
-          <p:nvPr/>
-        </p:nvPicPr>
-        <p:blipFill>
-          <a:blip r:embed="rId3">
-            <a:extLst>
-              <a:ext uri="{28A0092B-C50C-407E-A947-70E740481C1C}">
-                <a14:useLocalDpi xmlns:a14="http://schemas.microsoft.com/office/drawing/2010/main" val="0"/>
-              </a:ext>
-            </a:extLst>
-          </a:blip>
-          <a:srcRect/>
-          <a:stretch>
-            <a:fillRect/>
-          </a:stretch>
-        </p:blipFill>
-        <p:spPr bwMode="auto">
-          <a:xfrm>
-            <a:off x="1605148" y="7254081"/>
-            <a:ext cx="5087845" cy="1062038"/>
-          </a:xfrm>
-          <a:prstGeom prst="rect">
-            <a:avLst/>
-          </a:prstGeom>
-          <a:noFill/>
-          <a:extLst>
-            <a:ext uri="{909E8E84-426E-40DD-AFC4-6F175D3DCCD1}">
-              <a14:hiddenFill xmlns:a14="http://schemas.microsoft.com/office/drawing/2010/main">
-                <a:solidFill>
-                  <a:srgbClr val="FFFFFF"/>
-                </a:solidFill>
-              </a14:hiddenFill>
-            </a:ext>
-          </a:extLst>
-        </p:spPr>
-      </p:pic>
-      <p:pic>
-        <p:nvPicPr>
-          <p:cNvPr id="3078" name="Picture 6" descr="Image result for r eclipse plugin"/>
-          <p:cNvPicPr>
-            <a:picLocks noChangeAspect="1" noChangeArrowheads="1"/>
-          </p:cNvPicPr>
-          <p:nvPr/>
-        </p:nvPicPr>
-        <p:blipFill>
-          <a:blip r:embed="rId4">
-            <a:extLst>
-              <a:ext uri="{28A0092B-C50C-407E-A947-70E740481C1C}">
-                <a14:useLocalDpi xmlns:a14="http://schemas.microsoft.com/office/drawing/2010/main" val="0"/>
-              </a:ext>
-            </a:extLst>
-          </a:blip>
-          <a:srcRect/>
-          <a:stretch>
-            <a:fillRect/>
-          </a:stretch>
-        </p:blipFill>
-        <p:spPr bwMode="auto">
-          <a:xfrm>
-            <a:off x="9423214" y="6878134"/>
-            <a:ext cx="2197286" cy="2197286"/>
-          </a:xfrm>
-          <a:prstGeom prst="rect">
-            <a:avLst/>
-          </a:prstGeom>
-          <a:noFill/>
-          <a:extLst>
-            <a:ext uri="{909E8E84-426E-40DD-AFC4-6F175D3DCCD1}">
-              <a14:hiddenFill xmlns:a14="http://schemas.microsoft.com/office/drawing/2010/main">
-                <a:solidFill>
-                  <a:srgbClr val="FFFFFF"/>
-                </a:solidFill>
-              </a14:hiddenFill>
-            </a:ext>
-          </a:extLst>
-        </p:spPr>
-      </p:pic>
-    </p:spTree>
-    <p:extLst>
-      <p:ext uri="{BB962C8B-B14F-4D97-AF65-F5344CB8AC3E}">
-        <p14:creationId xmlns:p14="http://schemas.microsoft.com/office/powerpoint/2010/main" val="2251693998"/>
       </p:ext>
     </p:extLst>
   </p:cSld>
